--- a/ハンズオン_Git入門.pptx
+++ b/ハンズオン_Git入門.pptx
@@ -5,7 +5,7 @@
     <p:sldMasterId id="2147483660" r:id="rId1"/>
   </p:sldMasterIdLst>
   <p:notesMasterIdLst>
-    <p:notesMasterId r:id="rId28"/>
+    <p:notesMasterId r:id="rId18"/>
   </p:notesMasterIdLst>
   <p:sldIdLst>
     <p:sldId id="256" r:id="rId2"/>
@@ -13,27 +13,17 @@
     <p:sldId id="259" r:id="rId4"/>
     <p:sldId id="264" r:id="rId5"/>
     <p:sldId id="265" r:id="rId6"/>
-    <p:sldId id="272" r:id="rId7"/>
-    <p:sldId id="273" r:id="rId8"/>
-    <p:sldId id="274" r:id="rId9"/>
-    <p:sldId id="275" r:id="rId10"/>
-    <p:sldId id="276" r:id="rId11"/>
-    <p:sldId id="277" r:id="rId12"/>
-    <p:sldId id="278" r:id="rId13"/>
-    <p:sldId id="279" r:id="rId14"/>
-    <p:sldId id="280" r:id="rId15"/>
-    <p:sldId id="281" r:id="rId16"/>
-    <p:sldId id="282" r:id="rId17"/>
-    <p:sldId id="283" r:id="rId18"/>
-    <p:sldId id="284" r:id="rId19"/>
-    <p:sldId id="285" r:id="rId20"/>
-    <p:sldId id="286" r:id="rId21"/>
-    <p:sldId id="266" r:id="rId22"/>
-    <p:sldId id="267" r:id="rId23"/>
-    <p:sldId id="268" r:id="rId24"/>
-    <p:sldId id="270" r:id="rId25"/>
-    <p:sldId id="271" r:id="rId26"/>
-    <p:sldId id="263" r:id="rId27"/>
+    <p:sldId id="266" r:id="rId7"/>
+    <p:sldId id="267" r:id="rId8"/>
+    <p:sldId id="268" r:id="rId9"/>
+    <p:sldId id="270" r:id="rId10"/>
+    <p:sldId id="271" r:id="rId11"/>
+    <p:sldId id="272" r:id="rId12"/>
+    <p:sldId id="273" r:id="rId13"/>
+    <p:sldId id="274" r:id="rId14"/>
+    <p:sldId id="275" r:id="rId15"/>
+    <p:sldId id="276" r:id="rId16"/>
+    <p:sldId id="263" r:id="rId17"/>
   </p:sldIdLst>
   <p:sldSz cx="12192000" cy="6858000"/>
   <p:notesSz cx="6858000" cy="9144000"/>
@@ -144,6 +134,7 @@
 <p1510:revInfo xmlns:a="http://schemas.openxmlformats.org/drawingml/2006/main" xmlns:r="http://schemas.openxmlformats.org/officeDocument/2006/relationships" xmlns:p1510="http://schemas.microsoft.com/office/powerpoint/2015/10/main">
   <p1510:revLst>
     <p1510:client id="{90FA48F5-FA59-48F7-AEE2-C5783AE6C803}" v="172" dt="2023-10-30T13:39:38.130"/>
+    <p1510:client id="{C0DA2B10-F1D4-4897-B074-9E17192A92F8}" v="47" dt="2023-10-30T14:41:06.691"/>
   </p1510:revLst>
 </p1510:revInfo>
 </file>
@@ -680,6 +671,779 @@
           </pc:spChg>
         </pc:sldLayoutChg>
       </pc:sldMasterChg>
+    </pc:docChg>
+  </pc:docChgLst>
+  <pc:docChgLst>
+    <pc:chgData name="SHHD 山本覚" userId="57e3f178-c88d-44ee-9b09-55235ac55cf9" providerId="ADAL" clId="{C0DA2B10-F1D4-4897-B074-9E17192A92F8}"/>
+    <pc:docChg chg="undo custSel addSld delSld modSld">
+      <pc:chgData name="SHHD 山本覚" userId="57e3f178-c88d-44ee-9b09-55235ac55cf9" providerId="ADAL" clId="{C0DA2B10-F1D4-4897-B074-9E17192A92F8}" dt="2023-10-30T22:02:57.483" v="1840" actId="404"/>
+      <pc:docMkLst>
+        <pc:docMk/>
+      </pc:docMkLst>
+      <pc:sldChg chg="addSp modSp mod">
+        <pc:chgData name="SHHD 山本覚" userId="57e3f178-c88d-44ee-9b09-55235ac55cf9" providerId="ADAL" clId="{C0DA2B10-F1D4-4897-B074-9E17192A92F8}" dt="2023-10-30T14:25:00.609" v="835" actId="1076"/>
+        <pc:sldMkLst>
+          <pc:docMk/>
+          <pc:sldMk cId="404124480" sldId="257"/>
+        </pc:sldMkLst>
+        <pc:spChg chg="mod">
+          <ac:chgData name="SHHD 山本覚" userId="57e3f178-c88d-44ee-9b09-55235ac55cf9" providerId="ADAL" clId="{C0DA2B10-F1D4-4897-B074-9E17192A92F8}" dt="2023-10-30T14:24:44.026" v="833" actId="1076"/>
+          <ac:spMkLst>
+            <pc:docMk/>
+            <pc:sldMk cId="404124480" sldId="257"/>
+            <ac:spMk id="3" creationId="{01442235-B642-AA12-6072-56C4EA4C8D71}"/>
+          </ac:spMkLst>
+        </pc:spChg>
+        <pc:spChg chg="mod">
+          <ac:chgData name="SHHD 山本覚" userId="57e3f178-c88d-44ee-9b09-55235ac55cf9" providerId="ADAL" clId="{C0DA2B10-F1D4-4897-B074-9E17192A92F8}" dt="2023-10-30T14:25:00.609" v="835" actId="1076"/>
+          <ac:spMkLst>
+            <pc:docMk/>
+            <pc:sldMk cId="404124480" sldId="257"/>
+            <ac:spMk id="4" creationId="{D8EF5833-DBA2-A9D0-9967-08AE06E7F850}"/>
+          </ac:spMkLst>
+        </pc:spChg>
+        <pc:grpChg chg="add mod">
+          <ac:chgData name="SHHD 山本覚" userId="57e3f178-c88d-44ee-9b09-55235ac55cf9" providerId="ADAL" clId="{C0DA2B10-F1D4-4897-B074-9E17192A92F8}" dt="2023-10-30T14:25:00.609" v="835" actId="1076"/>
+          <ac:grpSpMkLst>
+            <pc:docMk/>
+            <pc:sldMk cId="404124480" sldId="257"/>
+            <ac:grpSpMk id="5" creationId="{B01DB2DA-BEFB-D395-C64B-17C90FEED469}"/>
+          </ac:grpSpMkLst>
+        </pc:grpChg>
+        <pc:picChg chg="mod">
+          <ac:chgData name="SHHD 山本覚" userId="57e3f178-c88d-44ee-9b09-55235ac55cf9" providerId="ADAL" clId="{C0DA2B10-F1D4-4897-B074-9E17192A92F8}" dt="2023-10-30T14:25:00.609" v="835" actId="1076"/>
+          <ac:picMkLst>
+            <pc:docMk/>
+            <pc:sldMk cId="404124480" sldId="257"/>
+            <ac:picMk id="1026" creationId="{DA11E51B-4734-00CE-BF01-466F53A76598}"/>
+          </ac:picMkLst>
+        </pc:picChg>
+        <pc:picChg chg="mod">
+          <ac:chgData name="SHHD 山本覚" userId="57e3f178-c88d-44ee-9b09-55235ac55cf9" providerId="ADAL" clId="{C0DA2B10-F1D4-4897-B074-9E17192A92F8}" dt="2023-10-30T14:25:00.609" v="835" actId="1076"/>
+          <ac:picMkLst>
+            <pc:docMk/>
+            <pc:sldMk cId="404124480" sldId="257"/>
+            <ac:picMk id="1028" creationId="{F96E401D-0D93-D911-EE5A-6F5F8AC03530}"/>
+          </ac:picMkLst>
+        </pc:picChg>
+      </pc:sldChg>
+      <pc:sldChg chg="modSp mod">
+        <pc:chgData name="SHHD 山本覚" userId="57e3f178-c88d-44ee-9b09-55235ac55cf9" providerId="ADAL" clId="{C0DA2B10-F1D4-4897-B074-9E17192A92F8}" dt="2023-10-30T14:25:11.172" v="836" actId="255"/>
+        <pc:sldMkLst>
+          <pc:docMk/>
+          <pc:sldMk cId="301389911" sldId="259"/>
+        </pc:sldMkLst>
+        <pc:spChg chg="mod">
+          <ac:chgData name="SHHD 山本覚" userId="57e3f178-c88d-44ee-9b09-55235ac55cf9" providerId="ADAL" clId="{C0DA2B10-F1D4-4897-B074-9E17192A92F8}" dt="2023-10-30T14:25:11.172" v="836" actId="255"/>
+          <ac:spMkLst>
+            <pc:docMk/>
+            <pc:sldMk cId="301389911" sldId="259"/>
+            <ac:spMk id="4" creationId="{81E22F13-F9BA-6547-7B98-D5E042138C96}"/>
+          </ac:spMkLst>
+        </pc:spChg>
+      </pc:sldChg>
+      <pc:sldChg chg="modSp mod">
+        <pc:chgData name="SHHD 山本覚" userId="57e3f178-c88d-44ee-9b09-55235ac55cf9" providerId="ADAL" clId="{C0DA2B10-F1D4-4897-B074-9E17192A92F8}" dt="2023-10-30T14:25:19.599" v="837" actId="255"/>
+        <pc:sldMkLst>
+          <pc:docMk/>
+          <pc:sldMk cId="1002267640" sldId="264"/>
+        </pc:sldMkLst>
+        <pc:spChg chg="mod">
+          <ac:chgData name="SHHD 山本覚" userId="57e3f178-c88d-44ee-9b09-55235ac55cf9" providerId="ADAL" clId="{C0DA2B10-F1D4-4897-B074-9E17192A92F8}" dt="2023-10-30T14:25:19.599" v="837" actId="255"/>
+          <ac:spMkLst>
+            <pc:docMk/>
+            <pc:sldMk cId="1002267640" sldId="264"/>
+            <ac:spMk id="4" creationId="{81E22F13-F9BA-6547-7B98-D5E042138C96}"/>
+          </ac:spMkLst>
+        </pc:spChg>
+      </pc:sldChg>
+      <pc:sldChg chg="addSp modSp mod">
+        <pc:chgData name="SHHD 山本覚" userId="57e3f178-c88d-44ee-9b09-55235ac55cf9" providerId="ADAL" clId="{C0DA2B10-F1D4-4897-B074-9E17192A92F8}" dt="2023-10-30T13:48:35.350" v="97" actId="14100"/>
+        <pc:sldMkLst>
+          <pc:docMk/>
+          <pc:sldMk cId="1639691319" sldId="265"/>
+        </pc:sldMkLst>
+        <pc:spChg chg="add mod">
+          <ac:chgData name="SHHD 山本覚" userId="57e3f178-c88d-44ee-9b09-55235ac55cf9" providerId="ADAL" clId="{C0DA2B10-F1D4-4897-B074-9E17192A92F8}" dt="2023-10-30T13:48:35.350" v="97" actId="14100"/>
+          <ac:spMkLst>
+            <pc:docMk/>
+            <pc:sldMk cId="1639691319" sldId="265"/>
+            <ac:spMk id="3" creationId="{A6A8E590-A663-47E2-C1CA-C374CFB9B595}"/>
+          </ac:spMkLst>
+        </pc:spChg>
+        <pc:spChg chg="mod">
+          <ac:chgData name="SHHD 山本覚" userId="57e3f178-c88d-44ee-9b09-55235ac55cf9" providerId="ADAL" clId="{C0DA2B10-F1D4-4897-B074-9E17192A92F8}" dt="2023-10-30T13:48:21.569" v="93" actId="1076"/>
+          <ac:spMkLst>
+            <pc:docMk/>
+            <pc:sldMk cId="1639691319" sldId="265"/>
+            <ac:spMk id="8" creationId="{201EC2A1-D0D1-0AB6-6DF7-AF2354741295}"/>
+          </ac:spMkLst>
+        </pc:spChg>
+        <pc:picChg chg="mod">
+          <ac:chgData name="SHHD 山本覚" userId="57e3f178-c88d-44ee-9b09-55235ac55cf9" providerId="ADAL" clId="{C0DA2B10-F1D4-4897-B074-9E17192A92F8}" dt="2023-10-30T13:48:14.430" v="92" actId="1076"/>
+          <ac:picMkLst>
+            <pc:docMk/>
+            <pc:sldMk cId="1639691319" sldId="265"/>
+            <ac:picMk id="7" creationId="{D9324220-86AB-4D99-9B94-223751877FD7}"/>
+          </ac:picMkLst>
+        </pc:picChg>
+      </pc:sldChg>
+      <pc:sldChg chg="addSp delSp modSp mod">
+        <pc:chgData name="SHHD 山本覚" userId="57e3f178-c88d-44ee-9b09-55235ac55cf9" providerId="ADAL" clId="{C0DA2B10-F1D4-4897-B074-9E17192A92F8}" dt="2023-10-30T13:50:52.176" v="158" actId="22"/>
+        <pc:sldMkLst>
+          <pc:docMk/>
+          <pc:sldMk cId="2305174529" sldId="271"/>
+        </pc:sldMkLst>
+        <pc:spChg chg="add mod">
+          <ac:chgData name="SHHD 山本覚" userId="57e3f178-c88d-44ee-9b09-55235ac55cf9" providerId="ADAL" clId="{C0DA2B10-F1D4-4897-B074-9E17192A92F8}" dt="2023-10-30T13:49:43.483" v="154" actId="20577"/>
+          <ac:spMkLst>
+            <pc:docMk/>
+            <pc:sldMk cId="2305174529" sldId="271"/>
+            <ac:spMk id="3" creationId="{E0DC362F-328D-F26C-CFE9-E853AF9503EF}"/>
+          </ac:spMkLst>
+        </pc:spChg>
+        <pc:spChg chg="add del">
+          <ac:chgData name="SHHD 山本覚" userId="57e3f178-c88d-44ee-9b09-55235ac55cf9" providerId="ADAL" clId="{C0DA2B10-F1D4-4897-B074-9E17192A92F8}" dt="2023-10-30T13:50:48.304" v="156" actId="22"/>
+          <ac:spMkLst>
+            <pc:docMk/>
+            <pc:sldMk cId="2305174529" sldId="271"/>
+            <ac:spMk id="6" creationId="{D1ED3C9D-046F-C4B6-B5B7-DAC0941A20BA}"/>
+          </ac:spMkLst>
+        </pc:spChg>
+        <pc:spChg chg="add del">
+          <ac:chgData name="SHHD 山本覚" userId="57e3f178-c88d-44ee-9b09-55235ac55cf9" providerId="ADAL" clId="{C0DA2B10-F1D4-4897-B074-9E17192A92F8}" dt="2023-10-30T13:50:52.176" v="158" actId="22"/>
+          <ac:spMkLst>
+            <pc:docMk/>
+            <pc:sldMk cId="2305174529" sldId="271"/>
+            <ac:spMk id="8" creationId="{652E0000-648B-E3AC-D029-4A10EF9B4DB4}"/>
+          </ac:spMkLst>
+        </pc:spChg>
+        <pc:picChg chg="mod">
+          <ac:chgData name="SHHD 山本覚" userId="57e3f178-c88d-44ee-9b09-55235ac55cf9" providerId="ADAL" clId="{C0DA2B10-F1D4-4897-B074-9E17192A92F8}" dt="2023-10-30T13:49:29.895" v="148" actId="1076"/>
+          <ac:picMkLst>
+            <pc:docMk/>
+            <pc:sldMk cId="2305174529" sldId="271"/>
+            <ac:picMk id="4" creationId="{890A16A2-D076-3674-7CA9-801F16E644F8}"/>
+          </ac:picMkLst>
+        </pc:picChg>
+      </pc:sldChg>
+      <pc:sldChg chg="del">
+        <pc:chgData name="SHHD 山本覚" userId="57e3f178-c88d-44ee-9b09-55235ac55cf9" providerId="ADAL" clId="{C0DA2B10-F1D4-4897-B074-9E17192A92F8}" dt="2023-10-30T13:46:45.297" v="0" actId="47"/>
+        <pc:sldMkLst>
+          <pc:docMk/>
+          <pc:sldMk cId="479057209" sldId="272"/>
+        </pc:sldMkLst>
+      </pc:sldChg>
+      <pc:sldChg chg="addSp delSp modSp add mod">
+        <pc:chgData name="SHHD 山本覚" userId="57e3f178-c88d-44ee-9b09-55235ac55cf9" providerId="ADAL" clId="{C0DA2B10-F1D4-4897-B074-9E17192A92F8}" dt="2023-10-30T14:44:24.477" v="1381" actId="1076"/>
+        <pc:sldMkLst>
+          <pc:docMk/>
+          <pc:sldMk cId="2273013975" sldId="272"/>
+        </pc:sldMkLst>
+        <pc:spChg chg="mod">
+          <ac:chgData name="SHHD 山本覚" userId="57e3f178-c88d-44ee-9b09-55235ac55cf9" providerId="ADAL" clId="{C0DA2B10-F1D4-4897-B074-9E17192A92F8}" dt="2023-10-30T13:51:30.365" v="184" actId="20577"/>
+          <ac:spMkLst>
+            <pc:docMk/>
+            <pc:sldMk cId="2273013975" sldId="272"/>
+            <ac:spMk id="2" creationId="{679B1F19-EA37-6319-E74D-3884CF7D7061}"/>
+          </ac:spMkLst>
+        </pc:spChg>
+        <pc:spChg chg="mod">
+          <ac:chgData name="SHHD 山本覚" userId="57e3f178-c88d-44ee-9b09-55235ac55cf9" providerId="ADAL" clId="{C0DA2B10-F1D4-4897-B074-9E17192A92F8}" dt="2023-10-30T14:44:24.477" v="1381" actId="1076"/>
+          <ac:spMkLst>
+            <pc:docMk/>
+            <pc:sldMk cId="2273013975" sldId="272"/>
+            <ac:spMk id="4" creationId="{81E22F13-F9BA-6547-7B98-D5E042138C96}"/>
+          </ac:spMkLst>
+        </pc:spChg>
+        <pc:spChg chg="add del mod">
+          <ac:chgData name="SHHD 山本覚" userId="57e3f178-c88d-44ee-9b09-55235ac55cf9" providerId="ADAL" clId="{C0DA2B10-F1D4-4897-B074-9E17192A92F8}" dt="2023-10-30T14:29:35.175" v="883" actId="478"/>
+          <ac:spMkLst>
+            <pc:docMk/>
+            <pc:sldMk cId="2273013975" sldId="272"/>
+            <ac:spMk id="24" creationId="{ABC8EA80-FA83-B974-57FD-BCDCE3F84A45}"/>
+          </ac:spMkLst>
+        </pc:spChg>
+        <pc:spChg chg="add del mod">
+          <ac:chgData name="SHHD 山本覚" userId="57e3f178-c88d-44ee-9b09-55235ac55cf9" providerId="ADAL" clId="{C0DA2B10-F1D4-4897-B074-9E17192A92F8}" dt="2023-10-30T14:31:18.585" v="919" actId="478"/>
+          <ac:spMkLst>
+            <pc:docMk/>
+            <pc:sldMk cId="2273013975" sldId="272"/>
+            <ac:spMk id="25" creationId="{6B22EB9B-0BB6-CCB2-860C-A35D5EAFBBC0}"/>
+          </ac:spMkLst>
+        </pc:spChg>
+        <pc:spChg chg="add mod">
+          <ac:chgData name="SHHD 山本覚" userId="57e3f178-c88d-44ee-9b09-55235ac55cf9" providerId="ADAL" clId="{C0DA2B10-F1D4-4897-B074-9E17192A92F8}" dt="2023-10-30T14:39:08.447" v="1178" actId="1076"/>
+          <ac:spMkLst>
+            <pc:docMk/>
+            <pc:sldMk cId="2273013975" sldId="272"/>
+            <ac:spMk id="43" creationId="{55802C53-F85B-9304-4F19-A5536D5A811C}"/>
+          </ac:spMkLst>
+        </pc:spChg>
+        <pc:spChg chg="add del mod">
+          <ac:chgData name="SHHD 山本覚" userId="57e3f178-c88d-44ee-9b09-55235ac55cf9" providerId="ADAL" clId="{C0DA2B10-F1D4-4897-B074-9E17192A92F8}" dt="2023-10-30T14:34:27.119" v="992" actId="478"/>
+          <ac:spMkLst>
+            <pc:docMk/>
+            <pc:sldMk cId="2273013975" sldId="272"/>
+            <ac:spMk id="48" creationId="{31E523AD-AC97-4491-A5BD-58DBA1B63B2A}"/>
+          </ac:spMkLst>
+        </pc:spChg>
+        <pc:spChg chg="add mod">
+          <ac:chgData name="SHHD 山本覚" userId="57e3f178-c88d-44ee-9b09-55235ac55cf9" providerId="ADAL" clId="{C0DA2B10-F1D4-4897-B074-9E17192A92F8}" dt="2023-10-30T14:38:41.336" v="1171" actId="1076"/>
+          <ac:spMkLst>
+            <pc:docMk/>
+            <pc:sldMk cId="2273013975" sldId="272"/>
+            <ac:spMk id="49" creationId="{1DE1B145-FD91-9CEB-A04F-919EDACB1D3F}"/>
+          </ac:spMkLst>
+        </pc:spChg>
+        <pc:spChg chg="add del mod">
+          <ac:chgData name="SHHD 山本覚" userId="57e3f178-c88d-44ee-9b09-55235ac55cf9" providerId="ADAL" clId="{C0DA2B10-F1D4-4897-B074-9E17192A92F8}" dt="2023-10-30T14:38:45.030" v="1173" actId="478"/>
+          <ac:spMkLst>
+            <pc:docMk/>
+            <pc:sldMk cId="2273013975" sldId="272"/>
+            <ac:spMk id="50" creationId="{9197E097-D140-E530-E846-13C745B4EDC5}"/>
+          </ac:spMkLst>
+        </pc:spChg>
+        <pc:spChg chg="add mod">
+          <ac:chgData name="SHHD 山本覚" userId="57e3f178-c88d-44ee-9b09-55235ac55cf9" providerId="ADAL" clId="{C0DA2B10-F1D4-4897-B074-9E17192A92F8}" dt="2023-10-30T14:38:55.753" v="1175" actId="404"/>
+          <ac:spMkLst>
+            <pc:docMk/>
+            <pc:sldMk cId="2273013975" sldId="272"/>
+            <ac:spMk id="51" creationId="{8B477E42-EC7B-6965-E763-492A607C731C}"/>
+          </ac:spMkLst>
+        </pc:spChg>
+        <pc:spChg chg="add mod">
+          <ac:chgData name="SHHD 山本覚" userId="57e3f178-c88d-44ee-9b09-55235ac55cf9" providerId="ADAL" clId="{C0DA2B10-F1D4-4897-B074-9E17192A92F8}" dt="2023-10-30T14:39:01.715" v="1176" actId="1076"/>
+          <ac:spMkLst>
+            <pc:docMk/>
+            <pc:sldMk cId="2273013975" sldId="272"/>
+            <ac:spMk id="55" creationId="{C44B09B7-40A5-9A2A-431F-0FD3407CFFDD}"/>
+          </ac:spMkLst>
+        </pc:spChg>
+        <pc:spChg chg="add mod">
+          <ac:chgData name="SHHD 山本覚" userId="57e3f178-c88d-44ee-9b09-55235ac55cf9" providerId="ADAL" clId="{C0DA2B10-F1D4-4897-B074-9E17192A92F8}" dt="2023-10-30T14:38:17.890" v="1164" actId="14100"/>
+          <ac:spMkLst>
+            <pc:docMk/>
+            <pc:sldMk cId="2273013975" sldId="272"/>
+            <ac:spMk id="57" creationId="{AC4AD521-5940-6EFB-6ED4-27FFB8834061}"/>
+          </ac:spMkLst>
+        </pc:spChg>
+        <pc:spChg chg="add mod">
+          <ac:chgData name="SHHD 山本覚" userId="57e3f178-c88d-44ee-9b09-55235ac55cf9" providerId="ADAL" clId="{C0DA2B10-F1D4-4897-B074-9E17192A92F8}" dt="2023-10-30T14:38:23.758" v="1166" actId="571"/>
+          <ac:spMkLst>
+            <pc:docMk/>
+            <pc:sldMk cId="2273013975" sldId="272"/>
+            <ac:spMk id="58" creationId="{1F2E9F06-82F5-164A-89BB-D47CDCC4EFC5}"/>
+          </ac:spMkLst>
+        </pc:spChg>
+        <pc:spChg chg="add mod">
+          <ac:chgData name="SHHD 山本覚" userId="57e3f178-c88d-44ee-9b09-55235ac55cf9" providerId="ADAL" clId="{C0DA2B10-F1D4-4897-B074-9E17192A92F8}" dt="2023-10-30T14:38:28.771" v="1168" actId="571"/>
+          <ac:spMkLst>
+            <pc:docMk/>
+            <pc:sldMk cId="2273013975" sldId="272"/>
+            <ac:spMk id="59" creationId="{0280E6B4-82C1-010F-C869-DE302FFAF58E}"/>
+          </ac:spMkLst>
+        </pc:spChg>
+        <pc:spChg chg="add mod">
+          <ac:chgData name="SHHD 山本覚" userId="57e3f178-c88d-44ee-9b09-55235ac55cf9" providerId="ADAL" clId="{C0DA2B10-F1D4-4897-B074-9E17192A92F8}" dt="2023-10-30T14:38:50.719" v="1174" actId="571"/>
+          <ac:spMkLst>
+            <pc:docMk/>
+            <pc:sldMk cId="2273013975" sldId="272"/>
+            <ac:spMk id="60" creationId="{0DAD9A5A-7D02-7575-39C7-C1BE68B1C2D1}"/>
+          </ac:spMkLst>
+        </pc:spChg>
+        <pc:spChg chg="add mod">
+          <ac:chgData name="SHHD 山本覚" userId="57e3f178-c88d-44ee-9b09-55235ac55cf9" providerId="ADAL" clId="{C0DA2B10-F1D4-4897-B074-9E17192A92F8}" dt="2023-10-30T14:39:31.707" v="1216" actId="20577"/>
+          <ac:spMkLst>
+            <pc:docMk/>
+            <pc:sldMk cId="2273013975" sldId="272"/>
+            <ac:spMk id="61" creationId="{00CED09E-478D-B59B-3A90-48CA2C6F4A45}"/>
+          </ac:spMkLst>
+        </pc:spChg>
+        <pc:spChg chg="add mod">
+          <ac:chgData name="SHHD 山本覚" userId="57e3f178-c88d-44ee-9b09-55235ac55cf9" providerId="ADAL" clId="{C0DA2B10-F1D4-4897-B074-9E17192A92F8}" dt="2023-10-30T14:40:02.449" v="1280" actId="20577"/>
+          <ac:spMkLst>
+            <pc:docMk/>
+            <pc:sldMk cId="2273013975" sldId="272"/>
+            <ac:spMk id="62" creationId="{177C1E7D-3400-ED67-E7EF-FA55D840ED43}"/>
+          </ac:spMkLst>
+        </pc:spChg>
+        <pc:grpChg chg="add del mod">
+          <ac:chgData name="SHHD 山本覚" userId="57e3f178-c88d-44ee-9b09-55235ac55cf9" providerId="ADAL" clId="{C0DA2B10-F1D4-4897-B074-9E17192A92F8}" dt="2023-10-30T14:31:52.259" v="924" actId="165"/>
+          <ac:grpSpMkLst>
+            <pc:docMk/>
+            <pc:sldMk cId="2273013975" sldId="272"/>
+            <ac:grpSpMk id="10" creationId="{959BCC36-DB50-C4AD-6EEE-EF0EA66AB5B9}"/>
+          </ac:grpSpMkLst>
+        </pc:grpChg>
+        <pc:grpChg chg="add del mod">
+          <ac:chgData name="SHHD 山本覚" userId="57e3f178-c88d-44ee-9b09-55235ac55cf9" providerId="ADAL" clId="{C0DA2B10-F1D4-4897-B074-9E17192A92F8}" dt="2023-10-30T14:28:35.432" v="866" actId="478"/>
+          <ac:grpSpMkLst>
+            <pc:docMk/>
+            <pc:sldMk cId="2273013975" sldId="272"/>
+            <ac:grpSpMk id="11" creationId="{8F473476-4B91-7AB4-B2C9-6B82CDEFB3D4}"/>
+          </ac:grpSpMkLst>
+        </pc:grpChg>
+        <pc:grpChg chg="add del mod">
+          <ac:chgData name="SHHD 山本覚" userId="57e3f178-c88d-44ee-9b09-55235ac55cf9" providerId="ADAL" clId="{C0DA2B10-F1D4-4897-B074-9E17192A92F8}" dt="2023-10-30T14:28:33.454" v="865" actId="478"/>
+          <ac:grpSpMkLst>
+            <pc:docMk/>
+            <pc:sldMk cId="2273013975" sldId="272"/>
+            <ac:grpSpMk id="14" creationId="{F7DFC312-C9B4-87C3-CED7-35BDA8C4AED4}"/>
+          </ac:grpSpMkLst>
+        </pc:grpChg>
+        <pc:grpChg chg="add del mod">
+          <ac:chgData name="SHHD 山本覚" userId="57e3f178-c88d-44ee-9b09-55235ac55cf9" providerId="ADAL" clId="{C0DA2B10-F1D4-4897-B074-9E17192A92F8}" dt="2023-10-30T14:31:40.465" v="920" actId="478"/>
+          <ac:grpSpMkLst>
+            <pc:docMk/>
+            <pc:sldMk cId="2273013975" sldId="272"/>
+            <ac:grpSpMk id="17" creationId="{57F2F8F0-9C07-BB60-7D25-F39C06CFF0E7}"/>
+          </ac:grpSpMkLst>
+        </pc:grpChg>
+        <pc:grpChg chg="add del mod">
+          <ac:chgData name="SHHD 山本覚" userId="57e3f178-c88d-44ee-9b09-55235ac55cf9" providerId="ADAL" clId="{C0DA2B10-F1D4-4897-B074-9E17192A92F8}" dt="2023-10-30T14:31:41.235" v="921" actId="478"/>
+          <ac:grpSpMkLst>
+            <pc:docMk/>
+            <pc:sldMk cId="2273013975" sldId="272"/>
+            <ac:grpSpMk id="20" creationId="{1CA0081B-9744-7402-211A-2B90E45F8179}"/>
+          </ac:grpSpMkLst>
+        </pc:grpChg>
+        <pc:grpChg chg="add mod">
+          <ac:chgData name="SHHD 山本覚" userId="57e3f178-c88d-44ee-9b09-55235ac55cf9" providerId="ADAL" clId="{C0DA2B10-F1D4-4897-B074-9E17192A92F8}" dt="2023-10-30T14:31:47.141" v="923" actId="571"/>
+          <ac:grpSpMkLst>
+            <pc:docMk/>
+            <pc:sldMk cId="2273013975" sldId="272"/>
+            <ac:grpSpMk id="27" creationId="{3424696B-F62A-0387-C754-56773B39A809}"/>
+          </ac:grpSpMkLst>
+        </pc:grpChg>
+        <pc:grpChg chg="add mod">
+          <ac:chgData name="SHHD 山本覚" userId="57e3f178-c88d-44ee-9b09-55235ac55cf9" providerId="ADAL" clId="{C0DA2B10-F1D4-4897-B074-9E17192A92F8}" dt="2023-10-30T14:38:06.406" v="1162" actId="1076"/>
+          <ac:grpSpMkLst>
+            <pc:docMk/>
+            <pc:sldMk cId="2273013975" sldId="272"/>
+            <ac:grpSpMk id="30" creationId="{D3AFFE0D-2056-5D34-432B-51E4283CED5B}"/>
+          </ac:grpSpMkLst>
+        </pc:grpChg>
+        <pc:grpChg chg="add mod">
+          <ac:chgData name="SHHD 山本覚" userId="57e3f178-c88d-44ee-9b09-55235ac55cf9" providerId="ADAL" clId="{C0DA2B10-F1D4-4897-B074-9E17192A92F8}" dt="2023-10-30T14:41:06.691" v="1282" actId="571"/>
+          <ac:grpSpMkLst>
+            <pc:docMk/>
+            <pc:sldMk cId="2273013975" sldId="272"/>
+            <ac:grpSpMk id="31" creationId="{8249019F-635B-388C-3459-2FB09BB9DB5C}"/>
+          </ac:grpSpMkLst>
+        </pc:grpChg>
+        <pc:grpChg chg="add mod">
+          <ac:chgData name="SHHD 山本覚" userId="57e3f178-c88d-44ee-9b09-55235ac55cf9" providerId="ADAL" clId="{C0DA2B10-F1D4-4897-B074-9E17192A92F8}" dt="2023-10-30T14:38:06.406" v="1162" actId="1076"/>
+          <ac:grpSpMkLst>
+            <pc:docMk/>
+            <pc:sldMk cId="2273013975" sldId="272"/>
+            <ac:grpSpMk id="35" creationId="{4F1DCB2E-5306-FC09-610F-B6DCC40F93D9}"/>
+          </ac:grpSpMkLst>
+        </pc:grpChg>
+        <pc:picChg chg="add mod topLvl">
+          <ac:chgData name="SHHD 山本覚" userId="57e3f178-c88d-44ee-9b09-55235ac55cf9" providerId="ADAL" clId="{C0DA2B10-F1D4-4897-B074-9E17192A92F8}" dt="2023-10-30T14:31:57.192" v="925" actId="164"/>
+          <ac:picMkLst>
+            <pc:docMk/>
+            <pc:sldMk cId="2273013975" sldId="272"/>
+            <ac:picMk id="5" creationId="{8F97454D-F471-ED23-0164-D59048FE084C}"/>
+          </ac:picMkLst>
+        </pc:picChg>
+        <pc:picChg chg="add mod">
+          <ac:chgData name="SHHD 山本覚" userId="57e3f178-c88d-44ee-9b09-55235ac55cf9" providerId="ADAL" clId="{C0DA2B10-F1D4-4897-B074-9E17192A92F8}" dt="2023-10-30T14:38:06.406" v="1162" actId="1076"/>
+          <ac:picMkLst>
+            <pc:docMk/>
+            <pc:sldMk cId="2273013975" sldId="272"/>
+            <ac:picMk id="7" creationId="{1618AE55-DD73-249F-EFA1-84DF13C4119B}"/>
+          </ac:picMkLst>
+        </pc:picChg>
+        <pc:picChg chg="add mod topLvl">
+          <ac:chgData name="SHHD 山本覚" userId="57e3f178-c88d-44ee-9b09-55235ac55cf9" providerId="ADAL" clId="{C0DA2B10-F1D4-4897-B074-9E17192A92F8}" dt="2023-10-30T14:31:57.192" v="925" actId="164"/>
+          <ac:picMkLst>
+            <pc:docMk/>
+            <pc:sldMk cId="2273013975" sldId="272"/>
+            <ac:picMk id="9" creationId="{65FF9DAE-76A8-6F2E-2DAE-3806BB433C46}"/>
+          </ac:picMkLst>
+        </pc:picChg>
+        <pc:picChg chg="mod">
+          <ac:chgData name="SHHD 山本覚" userId="57e3f178-c88d-44ee-9b09-55235ac55cf9" providerId="ADAL" clId="{C0DA2B10-F1D4-4897-B074-9E17192A92F8}" dt="2023-10-30T14:28:24.734" v="863" actId="571"/>
+          <ac:picMkLst>
+            <pc:docMk/>
+            <pc:sldMk cId="2273013975" sldId="272"/>
+            <ac:picMk id="12" creationId="{A90DAA72-C495-5355-42F6-30C8735E16B7}"/>
+          </ac:picMkLst>
+        </pc:picChg>
+        <pc:picChg chg="mod">
+          <ac:chgData name="SHHD 山本覚" userId="57e3f178-c88d-44ee-9b09-55235ac55cf9" providerId="ADAL" clId="{C0DA2B10-F1D4-4897-B074-9E17192A92F8}" dt="2023-10-30T14:28:24.734" v="863" actId="571"/>
+          <ac:picMkLst>
+            <pc:docMk/>
+            <pc:sldMk cId="2273013975" sldId="272"/>
+            <ac:picMk id="13" creationId="{046DABC0-2295-432A-DB39-6B4F9B343ED6}"/>
+          </ac:picMkLst>
+        </pc:picChg>
+        <pc:picChg chg="mod">
+          <ac:chgData name="SHHD 山本覚" userId="57e3f178-c88d-44ee-9b09-55235ac55cf9" providerId="ADAL" clId="{C0DA2B10-F1D4-4897-B074-9E17192A92F8}" dt="2023-10-30T14:28:30.729" v="864" actId="571"/>
+          <ac:picMkLst>
+            <pc:docMk/>
+            <pc:sldMk cId="2273013975" sldId="272"/>
+            <ac:picMk id="15" creationId="{ADE4AA6B-D8F1-A174-386C-440C5E7F9D88}"/>
+          </ac:picMkLst>
+        </pc:picChg>
+        <pc:picChg chg="mod">
+          <ac:chgData name="SHHD 山本覚" userId="57e3f178-c88d-44ee-9b09-55235ac55cf9" providerId="ADAL" clId="{C0DA2B10-F1D4-4897-B074-9E17192A92F8}" dt="2023-10-30T14:28:30.729" v="864" actId="571"/>
+          <ac:picMkLst>
+            <pc:docMk/>
+            <pc:sldMk cId="2273013975" sldId="272"/>
+            <ac:picMk id="16" creationId="{BA412B17-F5C1-219E-A3B1-B8A73820CFDB}"/>
+          </ac:picMkLst>
+        </pc:picChg>
+        <pc:picChg chg="mod">
+          <ac:chgData name="SHHD 山本覚" userId="57e3f178-c88d-44ee-9b09-55235ac55cf9" providerId="ADAL" clId="{C0DA2B10-F1D4-4897-B074-9E17192A92F8}" dt="2023-10-30T14:28:41.913" v="870" actId="571"/>
+          <ac:picMkLst>
+            <pc:docMk/>
+            <pc:sldMk cId="2273013975" sldId="272"/>
+            <ac:picMk id="18" creationId="{0414EFC1-F697-7675-B9D5-F7E5A7E53591}"/>
+          </ac:picMkLst>
+        </pc:picChg>
+        <pc:picChg chg="mod">
+          <ac:chgData name="SHHD 山本覚" userId="57e3f178-c88d-44ee-9b09-55235ac55cf9" providerId="ADAL" clId="{C0DA2B10-F1D4-4897-B074-9E17192A92F8}" dt="2023-10-30T14:28:41.913" v="870" actId="571"/>
+          <ac:picMkLst>
+            <pc:docMk/>
+            <pc:sldMk cId="2273013975" sldId="272"/>
+            <ac:picMk id="19" creationId="{581F70F3-8562-1C78-0DE8-F0B927C16DB2}"/>
+          </ac:picMkLst>
+        </pc:picChg>
+        <pc:picChg chg="mod">
+          <ac:chgData name="SHHD 山本覚" userId="57e3f178-c88d-44ee-9b09-55235ac55cf9" providerId="ADAL" clId="{C0DA2B10-F1D4-4897-B074-9E17192A92F8}" dt="2023-10-30T14:28:45.202" v="871" actId="571"/>
+          <ac:picMkLst>
+            <pc:docMk/>
+            <pc:sldMk cId="2273013975" sldId="272"/>
+            <ac:picMk id="21" creationId="{A4459BE4-8935-5DA2-5CA9-AD283BAEFC84}"/>
+          </ac:picMkLst>
+        </pc:picChg>
+        <pc:picChg chg="mod">
+          <ac:chgData name="SHHD 山本覚" userId="57e3f178-c88d-44ee-9b09-55235ac55cf9" providerId="ADAL" clId="{C0DA2B10-F1D4-4897-B074-9E17192A92F8}" dt="2023-10-30T14:28:45.202" v="871" actId="571"/>
+          <ac:picMkLst>
+            <pc:docMk/>
+            <pc:sldMk cId="2273013975" sldId="272"/>
+            <ac:picMk id="22" creationId="{F8DDBC41-91E9-99D7-F6B3-B3357719E5AD}"/>
+          </ac:picMkLst>
+        </pc:picChg>
+        <pc:picChg chg="add mod">
+          <ac:chgData name="SHHD 山本覚" userId="57e3f178-c88d-44ee-9b09-55235ac55cf9" providerId="ADAL" clId="{C0DA2B10-F1D4-4897-B074-9E17192A92F8}" dt="2023-10-30T14:39:08.447" v="1178" actId="1076"/>
+          <ac:picMkLst>
+            <pc:docMk/>
+            <pc:sldMk cId="2273013975" sldId="272"/>
+            <ac:picMk id="23" creationId="{318A8623-1518-D7F2-67F2-F0708CE3DF85}"/>
+          </ac:picMkLst>
+        </pc:picChg>
+        <pc:picChg chg="add del mod">
+          <ac:chgData name="SHHD 山本覚" userId="57e3f178-c88d-44ee-9b09-55235ac55cf9" providerId="ADAL" clId="{C0DA2B10-F1D4-4897-B074-9E17192A92F8}" dt="2023-10-30T14:32:07.089" v="928" actId="478"/>
+          <ac:picMkLst>
+            <pc:docMk/>
+            <pc:sldMk cId="2273013975" sldId="272"/>
+            <ac:picMk id="26" creationId="{FC7F3532-F2C2-04AE-B4D0-B0BE21E3E917}"/>
+          </ac:picMkLst>
+        </pc:picChg>
+        <pc:picChg chg="mod">
+          <ac:chgData name="SHHD 山本覚" userId="57e3f178-c88d-44ee-9b09-55235ac55cf9" providerId="ADAL" clId="{C0DA2B10-F1D4-4897-B074-9E17192A92F8}" dt="2023-10-30T14:31:47.141" v="923" actId="571"/>
+          <ac:picMkLst>
+            <pc:docMk/>
+            <pc:sldMk cId="2273013975" sldId="272"/>
+            <ac:picMk id="28" creationId="{C27A7DB9-946A-3C5C-E62B-7AF509B066D5}"/>
+          </ac:picMkLst>
+        </pc:picChg>
+        <pc:picChg chg="mod">
+          <ac:chgData name="SHHD 山本覚" userId="57e3f178-c88d-44ee-9b09-55235ac55cf9" providerId="ADAL" clId="{C0DA2B10-F1D4-4897-B074-9E17192A92F8}" dt="2023-10-30T14:31:47.141" v="923" actId="571"/>
+          <ac:picMkLst>
+            <pc:docMk/>
+            <pc:sldMk cId="2273013975" sldId="272"/>
+            <ac:picMk id="29" creationId="{D4605CD3-5229-CF46-0D8A-2907E62BEF31}"/>
+          </ac:picMkLst>
+        </pc:picChg>
+        <pc:picChg chg="mod">
+          <ac:chgData name="SHHD 山本覚" userId="57e3f178-c88d-44ee-9b09-55235ac55cf9" providerId="ADAL" clId="{C0DA2B10-F1D4-4897-B074-9E17192A92F8}" dt="2023-10-30T14:41:06.691" v="1282" actId="571"/>
+          <ac:picMkLst>
+            <pc:docMk/>
+            <pc:sldMk cId="2273013975" sldId="272"/>
+            <ac:picMk id="32" creationId="{8413B28F-F99C-675A-0EC7-8AD1768A4086}"/>
+          </ac:picMkLst>
+        </pc:picChg>
+        <pc:picChg chg="mod">
+          <ac:chgData name="SHHD 山本覚" userId="57e3f178-c88d-44ee-9b09-55235ac55cf9" providerId="ADAL" clId="{C0DA2B10-F1D4-4897-B074-9E17192A92F8}" dt="2023-10-30T14:41:06.691" v="1282" actId="571"/>
+          <ac:picMkLst>
+            <pc:docMk/>
+            <pc:sldMk cId="2273013975" sldId="272"/>
+            <ac:picMk id="33" creationId="{6096277F-CF1E-C078-092C-327284823CFB}"/>
+          </ac:picMkLst>
+        </pc:picChg>
+        <pc:picChg chg="mod">
+          <ac:chgData name="SHHD 山本覚" userId="57e3f178-c88d-44ee-9b09-55235ac55cf9" providerId="ADAL" clId="{C0DA2B10-F1D4-4897-B074-9E17192A92F8}" dt="2023-10-30T14:41:06.691" v="1282" actId="571"/>
+          <ac:picMkLst>
+            <pc:docMk/>
+            <pc:sldMk cId="2273013975" sldId="272"/>
+            <ac:picMk id="34" creationId="{FC3347F5-B171-C6C8-5A83-4E0D46AAE6D4}"/>
+          </ac:picMkLst>
+        </pc:picChg>
+        <pc:picChg chg="mod">
+          <ac:chgData name="SHHD 山本覚" userId="57e3f178-c88d-44ee-9b09-55235ac55cf9" providerId="ADAL" clId="{C0DA2B10-F1D4-4897-B074-9E17192A92F8}" dt="2023-10-30T14:32:03.280" v="927" actId="571"/>
+          <ac:picMkLst>
+            <pc:docMk/>
+            <pc:sldMk cId="2273013975" sldId="272"/>
+            <ac:picMk id="36" creationId="{24FD75F0-D045-AFEC-7F69-A2E49ED31D01}"/>
+          </ac:picMkLst>
+        </pc:picChg>
+        <pc:picChg chg="mod">
+          <ac:chgData name="SHHD 山本覚" userId="57e3f178-c88d-44ee-9b09-55235ac55cf9" providerId="ADAL" clId="{C0DA2B10-F1D4-4897-B074-9E17192A92F8}" dt="2023-10-30T14:32:03.280" v="927" actId="571"/>
+          <ac:picMkLst>
+            <pc:docMk/>
+            <pc:sldMk cId="2273013975" sldId="272"/>
+            <ac:picMk id="37" creationId="{4D80EC32-7935-55B6-3E83-3F215DE50D2F}"/>
+          </ac:picMkLst>
+        </pc:picChg>
+        <pc:picChg chg="mod">
+          <ac:chgData name="SHHD 山本覚" userId="57e3f178-c88d-44ee-9b09-55235ac55cf9" providerId="ADAL" clId="{C0DA2B10-F1D4-4897-B074-9E17192A92F8}" dt="2023-10-30T14:40:48.723" v="1281"/>
+          <ac:picMkLst>
+            <pc:docMk/>
+            <pc:sldMk cId="2273013975" sldId="272"/>
+            <ac:picMk id="38" creationId="{FDB05B54-60A6-B75B-AC63-F58559081A90}"/>
+          </ac:picMkLst>
+        </pc:picChg>
+        <pc:picChg chg="add mod">
+          <ac:chgData name="SHHD 山本覚" userId="57e3f178-c88d-44ee-9b09-55235ac55cf9" providerId="ADAL" clId="{C0DA2B10-F1D4-4897-B074-9E17192A92F8}" dt="2023-10-30T14:41:19.613" v="1283" actId="1076"/>
+          <ac:picMkLst>
+            <pc:docMk/>
+            <pc:sldMk cId="2273013975" sldId="272"/>
+            <ac:picMk id="63" creationId="{F01C8CA8-C37A-8BE6-BA92-E5E060DA17A8}"/>
+          </ac:picMkLst>
+        </pc:picChg>
+        <pc:cxnChg chg="add mod">
+          <ac:chgData name="SHHD 山本覚" userId="57e3f178-c88d-44ee-9b09-55235ac55cf9" providerId="ADAL" clId="{C0DA2B10-F1D4-4897-B074-9E17192A92F8}" dt="2023-10-30T14:38:06.406" v="1162" actId="1076"/>
+          <ac:cxnSpMkLst>
+            <pc:docMk/>
+            <pc:sldMk cId="2273013975" sldId="272"/>
+            <ac:cxnSpMk id="40" creationId="{C72886F5-D99D-555E-EC98-DDB8DB12070A}"/>
+          </ac:cxnSpMkLst>
+        </pc:cxnChg>
+        <pc:cxnChg chg="add mod">
+          <ac:chgData name="SHHD 山本覚" userId="57e3f178-c88d-44ee-9b09-55235ac55cf9" providerId="ADAL" clId="{C0DA2B10-F1D4-4897-B074-9E17192A92F8}" dt="2023-10-30T14:38:06.406" v="1162" actId="1076"/>
+          <ac:cxnSpMkLst>
+            <pc:docMk/>
+            <pc:sldMk cId="2273013975" sldId="272"/>
+            <ac:cxnSpMk id="44" creationId="{23A4979E-9830-DF80-644C-C62BB8A9ED58}"/>
+          </ac:cxnSpMkLst>
+        </pc:cxnChg>
+        <pc:cxnChg chg="add mod">
+          <ac:chgData name="SHHD 山本覚" userId="57e3f178-c88d-44ee-9b09-55235ac55cf9" providerId="ADAL" clId="{C0DA2B10-F1D4-4897-B074-9E17192A92F8}" dt="2023-10-30T14:38:06.406" v="1162" actId="1076"/>
+          <ac:cxnSpMkLst>
+            <pc:docMk/>
+            <pc:sldMk cId="2273013975" sldId="272"/>
+            <ac:cxnSpMk id="52" creationId="{25FD3CC2-2358-916C-6C75-C44F58BA5E41}"/>
+          </ac:cxnSpMkLst>
+        </pc:cxnChg>
+      </pc:sldChg>
+      <pc:sldChg chg="del">
+        <pc:chgData name="SHHD 山本覚" userId="57e3f178-c88d-44ee-9b09-55235ac55cf9" providerId="ADAL" clId="{C0DA2B10-F1D4-4897-B074-9E17192A92F8}" dt="2023-10-30T13:46:45.297" v="0" actId="47"/>
+        <pc:sldMkLst>
+          <pc:docMk/>
+          <pc:sldMk cId="126556158" sldId="273"/>
+        </pc:sldMkLst>
+      </pc:sldChg>
+      <pc:sldChg chg="modSp add mod">
+        <pc:chgData name="SHHD 山本覚" userId="57e3f178-c88d-44ee-9b09-55235ac55cf9" providerId="ADAL" clId="{C0DA2B10-F1D4-4897-B074-9E17192A92F8}" dt="2023-10-30T14:24:12.472" v="829" actId="20577"/>
+        <pc:sldMkLst>
+          <pc:docMk/>
+          <pc:sldMk cId="3566682538" sldId="273"/>
+        </pc:sldMkLst>
+        <pc:spChg chg="mod">
+          <ac:chgData name="SHHD 山本覚" userId="57e3f178-c88d-44ee-9b09-55235ac55cf9" providerId="ADAL" clId="{C0DA2B10-F1D4-4897-B074-9E17192A92F8}" dt="2023-10-30T14:18:44.531" v="361" actId="20577"/>
+          <ac:spMkLst>
+            <pc:docMk/>
+            <pc:sldMk cId="3566682538" sldId="273"/>
+            <ac:spMk id="2" creationId="{679B1F19-EA37-6319-E74D-3884CF7D7061}"/>
+          </ac:spMkLst>
+        </pc:spChg>
+        <pc:spChg chg="mod">
+          <ac:chgData name="SHHD 山本覚" userId="57e3f178-c88d-44ee-9b09-55235ac55cf9" providerId="ADAL" clId="{C0DA2B10-F1D4-4897-B074-9E17192A92F8}" dt="2023-10-30T14:24:12.472" v="829" actId="20577"/>
+          <ac:spMkLst>
+            <pc:docMk/>
+            <pc:sldMk cId="3566682538" sldId="273"/>
+            <ac:spMk id="4" creationId="{81E22F13-F9BA-6547-7B98-D5E042138C96}"/>
+          </ac:spMkLst>
+        </pc:spChg>
+      </pc:sldChg>
+      <pc:sldChg chg="modSp add mod">
+        <pc:chgData name="SHHD 山本覚" userId="57e3f178-c88d-44ee-9b09-55235ac55cf9" providerId="ADAL" clId="{C0DA2B10-F1D4-4897-B074-9E17192A92F8}" dt="2023-10-30T22:02:57.483" v="1840" actId="404"/>
+        <pc:sldMkLst>
+          <pc:docMk/>
+          <pc:sldMk cId="1240419068" sldId="274"/>
+        </pc:sldMkLst>
+        <pc:spChg chg="mod">
+          <ac:chgData name="SHHD 山本覚" userId="57e3f178-c88d-44ee-9b09-55235ac55cf9" providerId="ADAL" clId="{C0DA2B10-F1D4-4897-B074-9E17192A92F8}" dt="2023-10-30T14:42:38.975" v="1317" actId="20577"/>
+          <ac:spMkLst>
+            <pc:docMk/>
+            <pc:sldMk cId="1240419068" sldId="274"/>
+            <ac:spMk id="2" creationId="{679B1F19-EA37-6319-E74D-3884CF7D7061}"/>
+          </ac:spMkLst>
+        </pc:spChg>
+        <pc:spChg chg="mod">
+          <ac:chgData name="SHHD 山本覚" userId="57e3f178-c88d-44ee-9b09-55235ac55cf9" providerId="ADAL" clId="{C0DA2B10-F1D4-4897-B074-9E17192A92F8}" dt="2023-10-30T22:02:57.483" v="1840" actId="404"/>
+          <ac:spMkLst>
+            <pc:docMk/>
+            <pc:sldMk cId="1240419068" sldId="274"/>
+            <ac:spMk id="4" creationId="{81E22F13-F9BA-6547-7B98-D5E042138C96}"/>
+          </ac:spMkLst>
+        </pc:spChg>
+      </pc:sldChg>
+      <pc:sldChg chg="add del">
+        <pc:chgData name="SHHD 山本覚" userId="57e3f178-c88d-44ee-9b09-55235ac55cf9" providerId="ADAL" clId="{C0DA2B10-F1D4-4897-B074-9E17192A92F8}" dt="2023-10-30T14:19:04.095" v="365" actId="47"/>
+        <pc:sldMkLst>
+          <pc:docMk/>
+          <pc:sldMk cId="2980748722" sldId="274"/>
+        </pc:sldMkLst>
+      </pc:sldChg>
+      <pc:sldChg chg="del">
+        <pc:chgData name="SHHD 山本覚" userId="57e3f178-c88d-44ee-9b09-55235ac55cf9" providerId="ADAL" clId="{C0DA2B10-F1D4-4897-B074-9E17192A92F8}" dt="2023-10-30T13:46:45.297" v="0" actId="47"/>
+        <pc:sldMkLst>
+          <pc:docMk/>
+          <pc:sldMk cId="4216514209" sldId="274"/>
+        </pc:sldMkLst>
+      </pc:sldChg>
+      <pc:sldChg chg="add del">
+        <pc:chgData name="SHHD 山本覚" userId="57e3f178-c88d-44ee-9b09-55235ac55cf9" providerId="ADAL" clId="{C0DA2B10-F1D4-4897-B074-9E17192A92F8}" dt="2023-10-30T14:19:04.095" v="365" actId="47"/>
+        <pc:sldMkLst>
+          <pc:docMk/>
+          <pc:sldMk cId="248280346" sldId="275"/>
+        </pc:sldMkLst>
+      </pc:sldChg>
+      <pc:sldChg chg="modSp add mod">
+        <pc:chgData name="SHHD 山本覚" userId="57e3f178-c88d-44ee-9b09-55235ac55cf9" providerId="ADAL" clId="{C0DA2B10-F1D4-4897-B074-9E17192A92F8}" dt="2023-10-30T22:02:44.503" v="1839" actId="403"/>
+        <pc:sldMkLst>
+          <pc:docMk/>
+          <pc:sldMk cId="1089258036" sldId="275"/>
+        </pc:sldMkLst>
+        <pc:spChg chg="mod">
+          <ac:chgData name="SHHD 山本覚" userId="57e3f178-c88d-44ee-9b09-55235ac55cf9" providerId="ADAL" clId="{C0DA2B10-F1D4-4897-B074-9E17192A92F8}" dt="2023-10-30T14:42:53.771" v="1348" actId="20577"/>
+          <ac:spMkLst>
+            <pc:docMk/>
+            <pc:sldMk cId="1089258036" sldId="275"/>
+            <ac:spMk id="2" creationId="{679B1F19-EA37-6319-E74D-3884CF7D7061}"/>
+          </ac:spMkLst>
+        </pc:spChg>
+        <pc:spChg chg="mod">
+          <ac:chgData name="SHHD 山本覚" userId="57e3f178-c88d-44ee-9b09-55235ac55cf9" providerId="ADAL" clId="{C0DA2B10-F1D4-4897-B074-9E17192A92F8}" dt="2023-10-30T22:02:44.503" v="1839" actId="403"/>
+          <ac:spMkLst>
+            <pc:docMk/>
+            <pc:sldMk cId="1089258036" sldId="275"/>
+            <ac:spMk id="4" creationId="{81E22F13-F9BA-6547-7B98-D5E042138C96}"/>
+          </ac:spMkLst>
+        </pc:spChg>
+      </pc:sldChg>
+      <pc:sldChg chg="del">
+        <pc:chgData name="SHHD 山本覚" userId="57e3f178-c88d-44ee-9b09-55235ac55cf9" providerId="ADAL" clId="{C0DA2B10-F1D4-4897-B074-9E17192A92F8}" dt="2023-10-30T13:46:45.297" v="0" actId="47"/>
+        <pc:sldMkLst>
+          <pc:docMk/>
+          <pc:sldMk cId="3904240913" sldId="275"/>
+        </pc:sldMkLst>
+      </pc:sldChg>
+      <pc:sldChg chg="modSp add mod">
+        <pc:chgData name="SHHD 山本覚" userId="57e3f178-c88d-44ee-9b09-55235ac55cf9" providerId="ADAL" clId="{C0DA2B10-F1D4-4897-B074-9E17192A92F8}" dt="2023-10-30T14:43:07.934" v="1380" actId="20577"/>
+        <pc:sldMkLst>
+          <pc:docMk/>
+          <pc:sldMk cId="312477690" sldId="276"/>
+        </pc:sldMkLst>
+        <pc:spChg chg="mod">
+          <ac:chgData name="SHHD 山本覚" userId="57e3f178-c88d-44ee-9b09-55235ac55cf9" providerId="ADAL" clId="{C0DA2B10-F1D4-4897-B074-9E17192A92F8}" dt="2023-10-30T14:43:07.934" v="1380" actId="20577"/>
+          <ac:spMkLst>
+            <pc:docMk/>
+            <pc:sldMk cId="312477690" sldId="276"/>
+            <ac:spMk id="2" creationId="{679B1F19-EA37-6319-E74D-3884CF7D7061}"/>
+          </ac:spMkLst>
+        </pc:spChg>
+      </pc:sldChg>
+      <pc:sldChg chg="add del">
+        <pc:chgData name="SHHD 山本覚" userId="57e3f178-c88d-44ee-9b09-55235ac55cf9" providerId="ADAL" clId="{C0DA2B10-F1D4-4897-B074-9E17192A92F8}" dt="2023-10-30T14:19:04.095" v="365" actId="47"/>
+        <pc:sldMkLst>
+          <pc:docMk/>
+          <pc:sldMk cId="2004626427" sldId="276"/>
+        </pc:sldMkLst>
+      </pc:sldChg>
+      <pc:sldChg chg="del">
+        <pc:chgData name="SHHD 山本覚" userId="57e3f178-c88d-44ee-9b09-55235ac55cf9" providerId="ADAL" clId="{C0DA2B10-F1D4-4897-B074-9E17192A92F8}" dt="2023-10-30T13:46:45.297" v="0" actId="47"/>
+        <pc:sldMkLst>
+          <pc:docMk/>
+          <pc:sldMk cId="2144390671" sldId="276"/>
+        </pc:sldMkLst>
+      </pc:sldChg>
+      <pc:sldChg chg="del">
+        <pc:chgData name="SHHD 山本覚" userId="57e3f178-c88d-44ee-9b09-55235ac55cf9" providerId="ADAL" clId="{C0DA2B10-F1D4-4897-B074-9E17192A92F8}" dt="2023-10-30T13:46:45.297" v="0" actId="47"/>
+        <pc:sldMkLst>
+          <pc:docMk/>
+          <pc:sldMk cId="3205590069" sldId="277"/>
+        </pc:sldMkLst>
+      </pc:sldChg>
+      <pc:sldChg chg="del">
+        <pc:chgData name="SHHD 山本覚" userId="57e3f178-c88d-44ee-9b09-55235ac55cf9" providerId="ADAL" clId="{C0DA2B10-F1D4-4897-B074-9E17192A92F8}" dt="2023-10-30T13:46:45.297" v="0" actId="47"/>
+        <pc:sldMkLst>
+          <pc:docMk/>
+          <pc:sldMk cId="1941647672" sldId="278"/>
+        </pc:sldMkLst>
+      </pc:sldChg>
+      <pc:sldChg chg="del">
+        <pc:chgData name="SHHD 山本覚" userId="57e3f178-c88d-44ee-9b09-55235ac55cf9" providerId="ADAL" clId="{C0DA2B10-F1D4-4897-B074-9E17192A92F8}" dt="2023-10-30T13:46:45.297" v="0" actId="47"/>
+        <pc:sldMkLst>
+          <pc:docMk/>
+          <pc:sldMk cId="976493523" sldId="279"/>
+        </pc:sldMkLst>
+      </pc:sldChg>
+      <pc:sldChg chg="del">
+        <pc:chgData name="SHHD 山本覚" userId="57e3f178-c88d-44ee-9b09-55235ac55cf9" providerId="ADAL" clId="{C0DA2B10-F1D4-4897-B074-9E17192A92F8}" dt="2023-10-30T13:46:45.297" v="0" actId="47"/>
+        <pc:sldMkLst>
+          <pc:docMk/>
+          <pc:sldMk cId="941876795" sldId="280"/>
+        </pc:sldMkLst>
+      </pc:sldChg>
+      <pc:sldChg chg="del">
+        <pc:chgData name="SHHD 山本覚" userId="57e3f178-c88d-44ee-9b09-55235ac55cf9" providerId="ADAL" clId="{C0DA2B10-F1D4-4897-B074-9E17192A92F8}" dt="2023-10-30T13:46:45.297" v="0" actId="47"/>
+        <pc:sldMkLst>
+          <pc:docMk/>
+          <pc:sldMk cId="1890090629" sldId="281"/>
+        </pc:sldMkLst>
+      </pc:sldChg>
+      <pc:sldChg chg="del">
+        <pc:chgData name="SHHD 山本覚" userId="57e3f178-c88d-44ee-9b09-55235ac55cf9" providerId="ADAL" clId="{C0DA2B10-F1D4-4897-B074-9E17192A92F8}" dt="2023-10-30T13:46:45.297" v="0" actId="47"/>
+        <pc:sldMkLst>
+          <pc:docMk/>
+          <pc:sldMk cId="1108919878" sldId="282"/>
+        </pc:sldMkLst>
+      </pc:sldChg>
+      <pc:sldChg chg="del">
+        <pc:chgData name="SHHD 山本覚" userId="57e3f178-c88d-44ee-9b09-55235ac55cf9" providerId="ADAL" clId="{C0DA2B10-F1D4-4897-B074-9E17192A92F8}" dt="2023-10-30T13:46:45.297" v="0" actId="47"/>
+        <pc:sldMkLst>
+          <pc:docMk/>
+          <pc:sldMk cId="1766010445" sldId="283"/>
+        </pc:sldMkLst>
+      </pc:sldChg>
+      <pc:sldChg chg="del">
+        <pc:chgData name="SHHD 山本覚" userId="57e3f178-c88d-44ee-9b09-55235ac55cf9" providerId="ADAL" clId="{C0DA2B10-F1D4-4897-B074-9E17192A92F8}" dt="2023-10-30T13:46:45.297" v="0" actId="47"/>
+        <pc:sldMkLst>
+          <pc:docMk/>
+          <pc:sldMk cId="3487670288" sldId="284"/>
+        </pc:sldMkLst>
+      </pc:sldChg>
+      <pc:sldChg chg="del">
+        <pc:chgData name="SHHD 山本覚" userId="57e3f178-c88d-44ee-9b09-55235ac55cf9" providerId="ADAL" clId="{C0DA2B10-F1D4-4897-B074-9E17192A92F8}" dt="2023-10-30T13:46:45.297" v="0" actId="47"/>
+        <pc:sldMkLst>
+          <pc:docMk/>
+          <pc:sldMk cId="437902838" sldId="285"/>
+        </pc:sldMkLst>
+      </pc:sldChg>
+      <pc:sldChg chg="del">
+        <pc:chgData name="SHHD 山本覚" userId="57e3f178-c88d-44ee-9b09-55235ac55cf9" providerId="ADAL" clId="{C0DA2B10-F1D4-4897-B074-9E17192A92F8}" dt="2023-10-30T13:46:45.297" v="0" actId="47"/>
+        <pc:sldMkLst>
+          <pc:docMk/>
+          <pc:sldMk cId="2520815508" sldId="286"/>
+        </pc:sldMkLst>
+      </pc:sldChg>
     </pc:docChg>
   </pc:docChgLst>
   <pc:docChgLst>
@@ -2170,7 +2934,7 @@
           <a:p>
             <a:fld id="{E30F2518-C81B-4DFE-8FD7-FBA88C2788B5}" type="slidenum">
               <a:rPr kumimoji="1" lang="ja-JP" altLang="en-US" smtClean="0"/>
-              <a:t>26</a:t>
+              <a:t>16</a:t>
             </a:fld>
             <a:endParaRPr kumimoji="1" lang="ja-JP" altLang="en-US"/>
           </a:p>
@@ -5711,36 +6475,6 @@
           <a:chExt cx="0" cy="0"/>
         </a:xfrm>
       </p:grpSpPr>
-      <p:pic>
-        <p:nvPicPr>
-          <p:cNvPr id="5" name="図 4">
-            <a:extLst>
-              <a:ext uri="{FF2B5EF4-FFF2-40B4-BE49-F238E27FC236}">
-                <a16:creationId xmlns:a16="http://schemas.microsoft.com/office/drawing/2014/main" id="{330AABA0-60F4-73D2-0FFF-054B4344479B}"/>
-              </a:ext>
-            </a:extLst>
-          </p:cNvPr>
-          <p:cNvPicPr>
-            <a:picLocks noChangeAspect="1"/>
-          </p:cNvPicPr>
-          <p:nvPr/>
-        </p:nvPicPr>
-        <p:blipFill>
-          <a:blip r:embed="rId2"/>
-          <a:stretch>
-            <a:fillRect/>
-          </a:stretch>
-        </p:blipFill>
-        <p:spPr>
-          <a:xfrm>
-            <a:off x="2789382" y="1227404"/>
-            <a:ext cx="6613236" cy="5492483"/>
-          </a:xfrm>
-          <a:prstGeom prst="rect">
-            <a:avLst/>
-          </a:prstGeom>
-        </p:spPr>
-      </p:pic>
       <p:sp>
         <p:nvSpPr>
           <p:cNvPr id="2" name="タイトル 1">
@@ -5764,7 +6498,7 @@
           <a:p>
             <a:r>
               <a:rPr lang="en-US" altLang="ja-JP" dirty="0"/>
-              <a:t>Git</a:t>
+              <a:t>SourceTree</a:t>
             </a:r>
             <a:r>
               <a:rPr lang="ja-JP" altLang="en-US" dirty="0"/>
@@ -5774,62 +6508,82 @@
           </a:p>
         </p:txBody>
       </p:sp>
-      <p:sp>
-        <p:nvSpPr>
-          <p:cNvPr id="8" name="正方形/長方形 7">
+      <p:pic>
+        <p:nvPicPr>
+          <p:cNvPr id="4" name="図 3">
             <a:extLst>
               <a:ext uri="{FF2B5EF4-FFF2-40B4-BE49-F238E27FC236}">
-                <a16:creationId xmlns:a16="http://schemas.microsoft.com/office/drawing/2014/main" id="{201EC2A1-D0D1-0AB6-6DF7-AF2354741295}"/>
+                <a16:creationId xmlns:a16="http://schemas.microsoft.com/office/drawing/2014/main" id="{890A16A2-D076-3674-7CA9-801F16E644F8}"/>
               </a:ext>
             </a:extLst>
           </p:cNvPr>
-          <p:cNvSpPr/>
+          <p:cNvPicPr>
+            <a:picLocks noChangeAspect="1"/>
+          </p:cNvPicPr>
           <p:nvPr/>
-        </p:nvSpPr>
+        </p:nvPicPr>
+        <p:blipFill>
+          <a:blip r:embed="rId2"/>
+          <a:stretch>
+            <a:fillRect/>
+          </a:stretch>
+        </p:blipFill>
         <p:spPr>
           <a:xfrm>
-            <a:off x="7050304" y="6188364"/>
-            <a:ext cx="1183341" cy="451900"/>
+            <a:off x="1744478" y="1185049"/>
+            <a:ext cx="8716898" cy="5543641"/>
           </a:xfrm>
           <a:prstGeom prst="rect">
             <a:avLst/>
           </a:prstGeom>
-          <a:noFill/>
-          <a:ln w="50800">
-            <a:solidFill>
-              <a:srgbClr val="FF0000"/>
-            </a:solidFill>
-          </a:ln>
         </p:spPr>
-        <p:style>
-          <a:lnRef idx="2">
-            <a:schemeClr val="accent1">
-              <a:shade val="15000"/>
-            </a:schemeClr>
-          </a:lnRef>
-          <a:fillRef idx="1">
-            <a:schemeClr val="accent1"/>
-          </a:fillRef>
-          <a:effectRef idx="0">
-            <a:schemeClr val="accent1"/>
-          </a:effectRef>
-          <a:fontRef idx="minor">
-            <a:schemeClr val="lt1"/>
-          </a:fontRef>
-        </p:style>
+      </p:pic>
+      <p:sp>
+        <p:nvSpPr>
+          <p:cNvPr id="3" name="コンテンツ プレースホルダー 2">
+            <a:extLst>
+              <a:ext uri="{FF2B5EF4-FFF2-40B4-BE49-F238E27FC236}">
+                <a16:creationId xmlns:a16="http://schemas.microsoft.com/office/drawing/2014/main" id="{E0DC362F-328D-F26C-CFE9-E853AF9503EF}"/>
+              </a:ext>
+            </a:extLst>
+          </p:cNvPr>
+          <p:cNvSpPr>
+            <a:spLocks noGrp="1"/>
+          </p:cNvSpPr>
+          <p:nvPr>
+            <p:ph idx="1"/>
+          </p:nvPr>
+        </p:nvSpPr>
+        <p:spPr>
+          <a:xfrm>
+            <a:off x="3500935" y="4094524"/>
+            <a:ext cx="5190130" cy="738733"/>
+          </a:xfrm>
+        </p:spPr>
         <p:txBody>
-          <a:bodyPr rtlCol="0" anchor="ctr"/>
+          <a:bodyPr>
+            <a:noAutofit/>
+          </a:bodyPr>
           <a:lstStyle/>
           <a:p>
-            <a:pPr algn="ctr"/>
-            <a:endParaRPr kumimoji="1" lang="ja-JP" altLang="en-US"/>
+            <a:pPr marL="0" indent="0">
+              <a:lnSpc>
+                <a:spcPct val="150000"/>
+              </a:lnSpc>
+              <a:buNone/>
+            </a:pPr>
+            <a:r>
+              <a:rPr lang="ja-JP" altLang="en-US" sz="2400" dirty="0"/>
+              <a:t>この画面まできたらオッケーです</a:t>
+            </a:r>
+            <a:endParaRPr kumimoji="1" lang="ja-JP" altLang="en-US" sz="2400" dirty="0"/>
           </a:p>
         </p:txBody>
       </p:sp>
     </p:spTree>
     <p:extLst>
       <p:ext uri="{BB962C8B-B14F-4D97-AF65-F5344CB8AC3E}">
-        <p14:creationId xmlns:p14="http://schemas.microsoft.com/office/powerpoint/2010/main" val="2144390671"/>
+        <p14:creationId xmlns:p14="http://schemas.microsoft.com/office/powerpoint/2010/main" val="2305174529"/>
       </p:ext>
     </p:extLst>
   </p:cSld>
@@ -5856,36 +6610,6 @@
           <a:chExt cx="0" cy="0"/>
         </a:xfrm>
       </p:grpSpPr>
-      <p:pic>
-        <p:nvPicPr>
-          <p:cNvPr id="4" name="図 3">
-            <a:extLst>
-              <a:ext uri="{FF2B5EF4-FFF2-40B4-BE49-F238E27FC236}">
-                <a16:creationId xmlns:a16="http://schemas.microsoft.com/office/drawing/2014/main" id="{7F55FAFE-5F2A-B2A6-42D1-EBABE44FDFAA}"/>
-              </a:ext>
-            </a:extLst>
-          </p:cNvPr>
-          <p:cNvPicPr>
-            <a:picLocks noChangeAspect="1"/>
-          </p:cNvPicPr>
-          <p:nvPr/>
-        </p:nvPicPr>
-        <p:blipFill>
-          <a:blip r:embed="rId2"/>
-          <a:stretch>
-            <a:fillRect/>
-          </a:stretch>
-        </p:blipFill>
-        <p:spPr>
-          <a:xfrm>
-            <a:off x="2794000" y="1235074"/>
-            <a:ext cx="6604000" cy="5484813"/>
-          </a:xfrm>
-          <a:prstGeom prst="rect">
-            <a:avLst/>
-          </a:prstGeom>
-        </p:spPr>
-      </p:pic>
       <p:sp>
         <p:nvSpPr>
           <p:cNvPr id="2" name="タイトル 1">
@@ -5908,23 +6632,1490 @@
           <a:lstStyle/>
           <a:p>
             <a:r>
-              <a:rPr lang="en-US" altLang="ja-JP" dirty="0"/>
+              <a:rPr kumimoji="1" lang="en-US" altLang="ja-JP" dirty="0"/>
               <a:t>Git</a:t>
             </a:r>
             <a:r>
-              <a:rPr lang="ja-JP" altLang="en-US" dirty="0"/>
-              <a:t>のインストール</a:t>
-            </a:r>
-            <a:endParaRPr kumimoji="1" lang="ja-JP" altLang="en-US" dirty="0"/>
+              <a:rPr kumimoji="1" lang="ja-JP" altLang="en-US" dirty="0"/>
+              <a:t>の基礎知識</a:t>
+            </a:r>
           </a:p>
         </p:txBody>
       </p:sp>
       <p:sp>
         <p:nvSpPr>
-          <p:cNvPr id="8" name="正方形/長方形 7">
+          <p:cNvPr id="4" name="コンテンツ プレースホルダー 2">
             <a:extLst>
               <a:ext uri="{FF2B5EF4-FFF2-40B4-BE49-F238E27FC236}">
-                <a16:creationId xmlns:a16="http://schemas.microsoft.com/office/drawing/2014/main" id="{201EC2A1-D0D1-0AB6-6DF7-AF2354741295}"/>
+                <a16:creationId xmlns:a16="http://schemas.microsoft.com/office/drawing/2014/main" id="{81E22F13-F9BA-6547-7B98-D5E042138C96}"/>
+              </a:ext>
+            </a:extLst>
+          </p:cNvPr>
+          <p:cNvSpPr>
+            <a:spLocks noGrp="1"/>
+          </p:cNvSpPr>
+          <p:nvPr>
+            <p:ph idx="1"/>
+          </p:nvPr>
+        </p:nvSpPr>
+        <p:spPr>
+          <a:xfrm>
+            <a:off x="793778" y="1445377"/>
+            <a:ext cx="6671459" cy="3815854"/>
+          </a:xfrm>
+        </p:spPr>
+        <p:txBody>
+          <a:bodyPr>
+            <a:noAutofit/>
+          </a:bodyPr>
+          <a:lstStyle/>
+          <a:p>
+            <a:pPr marL="0" indent="0">
+              <a:lnSpc>
+                <a:spcPct val="150000"/>
+              </a:lnSpc>
+              <a:buNone/>
+            </a:pPr>
+            <a:r>
+              <a:rPr kumimoji="1" lang="ja-JP" altLang="en-US" dirty="0"/>
+              <a:t>以下の項目について説明していきます。</a:t>
+            </a:r>
+            <a:endParaRPr kumimoji="1" lang="en-US" altLang="ja-JP" dirty="0"/>
+          </a:p>
+          <a:p>
+            <a:pPr>
+              <a:lnSpc>
+                <a:spcPct val="150000"/>
+              </a:lnSpc>
+            </a:pPr>
+            <a:r>
+              <a:rPr kumimoji="1" lang="ja-JP" altLang="en-US" dirty="0"/>
+              <a:t>リポジトリ</a:t>
+            </a:r>
+            <a:endParaRPr kumimoji="1" lang="en-US" altLang="ja-JP" dirty="0"/>
+          </a:p>
+          <a:p>
+            <a:pPr>
+              <a:lnSpc>
+                <a:spcPct val="150000"/>
+              </a:lnSpc>
+            </a:pPr>
+            <a:r>
+              <a:rPr lang="ja-JP" altLang="en-US" dirty="0"/>
+              <a:t>クローン</a:t>
+            </a:r>
+            <a:endParaRPr kumimoji="1" lang="en-US" altLang="ja-JP" dirty="0"/>
+          </a:p>
+          <a:p>
+            <a:pPr>
+              <a:lnSpc>
+                <a:spcPct val="150000"/>
+              </a:lnSpc>
+            </a:pPr>
+            <a:r>
+              <a:rPr lang="ja-JP" altLang="en-US" dirty="0"/>
+              <a:t>コミット</a:t>
+            </a:r>
+            <a:endParaRPr lang="en-US" altLang="ja-JP" dirty="0"/>
+          </a:p>
+          <a:p>
+            <a:pPr>
+              <a:lnSpc>
+                <a:spcPct val="150000"/>
+              </a:lnSpc>
+            </a:pPr>
+            <a:r>
+              <a:rPr kumimoji="1" lang="ja-JP" altLang="en-US" dirty="0"/>
+              <a:t>プッシュ／プル</a:t>
+            </a:r>
+          </a:p>
+        </p:txBody>
+      </p:sp>
+      <p:pic>
+        <p:nvPicPr>
+          <p:cNvPr id="7" name="図 6" descr="アイコン&#10;&#10;自動的に生成された説明">
+            <a:extLst>
+              <a:ext uri="{FF2B5EF4-FFF2-40B4-BE49-F238E27FC236}">
+                <a16:creationId xmlns:a16="http://schemas.microsoft.com/office/drawing/2014/main" id="{1618AE55-DD73-249F-EFA1-84DF13C4119B}"/>
+              </a:ext>
+            </a:extLst>
+          </p:cNvPr>
+          <p:cNvPicPr>
+            <a:picLocks noChangeAspect="1"/>
+          </p:cNvPicPr>
+          <p:nvPr/>
+        </p:nvPicPr>
+        <p:blipFill>
+          <a:blip r:embed="rId2">
+            <a:extLst>
+              <a:ext uri="{28A0092B-C50C-407E-A947-70E740481C1C}">
+                <a14:useLocalDpi xmlns:a14="http://schemas.microsoft.com/office/drawing/2010/main" val="0"/>
+              </a:ext>
+            </a:extLst>
+          </a:blip>
+          <a:stretch>
+            <a:fillRect/>
+          </a:stretch>
+        </p:blipFill>
+        <p:spPr>
+          <a:xfrm>
+            <a:off x="7601974" y="2011451"/>
+            <a:ext cx="1159328" cy="1159328"/>
+          </a:xfrm>
+          <a:prstGeom prst="rect">
+            <a:avLst/>
+          </a:prstGeom>
+        </p:spPr>
+      </p:pic>
+      <p:pic>
+        <p:nvPicPr>
+          <p:cNvPr id="23" name="図 22" descr="アイコン&#10;&#10;自動的に生成された説明">
+            <a:extLst>
+              <a:ext uri="{FF2B5EF4-FFF2-40B4-BE49-F238E27FC236}">
+                <a16:creationId xmlns:a16="http://schemas.microsoft.com/office/drawing/2014/main" id="{318A8623-1518-D7F2-67F2-F0708CE3DF85}"/>
+              </a:ext>
+            </a:extLst>
+          </p:cNvPr>
+          <p:cNvPicPr>
+            <a:picLocks noChangeAspect="1"/>
+          </p:cNvPicPr>
+          <p:nvPr/>
+        </p:nvPicPr>
+        <p:blipFill>
+          <a:blip r:embed="rId2">
+            <a:extLst>
+              <a:ext uri="{28A0092B-C50C-407E-A947-70E740481C1C}">
+                <a14:useLocalDpi xmlns:a14="http://schemas.microsoft.com/office/drawing/2010/main" val="0"/>
+              </a:ext>
+            </a:extLst>
+          </a:blip>
+          <a:stretch>
+            <a:fillRect/>
+          </a:stretch>
+        </p:blipFill>
+        <p:spPr>
+          <a:xfrm>
+            <a:off x="5997447" y="2989674"/>
+            <a:ext cx="514389" cy="514389"/>
+          </a:xfrm>
+          <a:prstGeom prst="rect">
+            <a:avLst/>
+          </a:prstGeom>
+        </p:spPr>
+      </p:pic>
+      <p:grpSp>
+        <p:nvGrpSpPr>
+          <p:cNvPr id="30" name="グループ化 29">
+            <a:extLst>
+              <a:ext uri="{FF2B5EF4-FFF2-40B4-BE49-F238E27FC236}">
+                <a16:creationId xmlns:a16="http://schemas.microsoft.com/office/drawing/2014/main" id="{D3AFFE0D-2056-5D34-432B-51E4283CED5B}"/>
+              </a:ext>
+            </a:extLst>
+          </p:cNvPr>
+          <p:cNvGrpSpPr/>
+          <p:nvPr/>
+        </p:nvGrpSpPr>
+        <p:grpSpPr>
+          <a:xfrm>
+            <a:off x="4711871" y="4533941"/>
+            <a:ext cx="1733867" cy="992615"/>
+            <a:chOff x="4604295" y="5192847"/>
+            <a:chExt cx="1733867" cy="992615"/>
+          </a:xfrm>
+        </p:grpSpPr>
+        <p:pic>
+          <p:nvPicPr>
+            <p:cNvPr id="5" name="図 4" descr="アイコン&#10;&#10;自動的に生成された説明">
+              <a:extLst>
+                <a:ext uri="{FF2B5EF4-FFF2-40B4-BE49-F238E27FC236}">
+                  <a16:creationId xmlns:a16="http://schemas.microsoft.com/office/drawing/2014/main" id="{8F97454D-F471-ED23-0164-D59048FE084C}"/>
+                </a:ext>
+              </a:extLst>
+            </p:cNvPr>
+            <p:cNvPicPr>
+              <a:picLocks noChangeAspect="1"/>
+            </p:cNvPicPr>
+            <p:nvPr/>
+          </p:nvPicPr>
+          <p:blipFill>
+            <a:blip r:embed="rId3">
+              <a:extLst>
+                <a:ext uri="{28A0092B-C50C-407E-A947-70E740481C1C}">
+                  <a14:useLocalDpi xmlns:a14="http://schemas.microsoft.com/office/drawing/2010/main" val="0"/>
+                </a:ext>
+              </a:extLst>
+            </a:blip>
+            <a:stretch>
+              <a:fillRect/>
+            </a:stretch>
+          </p:blipFill>
+          <p:spPr>
+            <a:xfrm>
+              <a:off x="5345547" y="5192847"/>
+              <a:ext cx="992615" cy="992615"/>
+            </a:xfrm>
+            <a:prstGeom prst="rect">
+              <a:avLst/>
+            </a:prstGeom>
+          </p:spPr>
+        </p:pic>
+        <p:pic>
+          <p:nvPicPr>
+            <p:cNvPr id="9" name="図 8" descr="アイコン&#10;&#10;自動的に生成された説明">
+              <a:extLst>
+                <a:ext uri="{FF2B5EF4-FFF2-40B4-BE49-F238E27FC236}">
+                  <a16:creationId xmlns:a16="http://schemas.microsoft.com/office/drawing/2014/main" id="{65FF9DAE-76A8-6F2E-2DAE-3806BB433C46}"/>
+                </a:ext>
+              </a:extLst>
+            </p:cNvPr>
+            <p:cNvPicPr>
+              <a:picLocks noChangeAspect="1"/>
+            </p:cNvPicPr>
+            <p:nvPr/>
+          </p:nvPicPr>
+          <p:blipFill>
+            <a:blip r:embed="rId4">
+              <a:extLst>
+                <a:ext uri="{28A0092B-C50C-407E-A947-70E740481C1C}">
+                  <a14:useLocalDpi xmlns:a14="http://schemas.microsoft.com/office/drawing/2010/main" val="0"/>
+                </a:ext>
+              </a:extLst>
+            </a:blip>
+            <a:stretch>
+              <a:fillRect/>
+            </a:stretch>
+          </p:blipFill>
+          <p:spPr>
+            <a:xfrm>
+              <a:off x="4604295" y="5400139"/>
+              <a:ext cx="630679" cy="630678"/>
+            </a:xfrm>
+            <a:prstGeom prst="rect">
+              <a:avLst/>
+            </a:prstGeom>
+          </p:spPr>
+        </p:pic>
+      </p:grpSp>
+      <p:grpSp>
+        <p:nvGrpSpPr>
+          <p:cNvPr id="31" name="グループ化 30">
+            <a:extLst>
+              <a:ext uri="{FF2B5EF4-FFF2-40B4-BE49-F238E27FC236}">
+                <a16:creationId xmlns:a16="http://schemas.microsoft.com/office/drawing/2014/main" id="{8249019F-635B-388C-3459-2FB09BB9DB5C}"/>
+              </a:ext>
+            </a:extLst>
+          </p:cNvPr>
+          <p:cNvGrpSpPr/>
+          <p:nvPr/>
+        </p:nvGrpSpPr>
+        <p:grpSpPr>
+          <a:xfrm>
+            <a:off x="7269365" y="3225725"/>
+            <a:ext cx="3138586" cy="2300831"/>
+            <a:chOff x="4604295" y="3884631"/>
+            <a:chExt cx="3138586" cy="2300831"/>
+          </a:xfrm>
+        </p:grpSpPr>
+        <p:pic>
+          <p:nvPicPr>
+            <p:cNvPr id="32" name="図 31" descr="アイコン&#10;&#10;自動的に生成された説明">
+              <a:extLst>
+                <a:ext uri="{FF2B5EF4-FFF2-40B4-BE49-F238E27FC236}">
+                  <a16:creationId xmlns:a16="http://schemas.microsoft.com/office/drawing/2014/main" id="{8413B28F-F99C-675A-0EC7-8AD1768A4086}"/>
+                </a:ext>
+              </a:extLst>
+            </p:cNvPr>
+            <p:cNvPicPr>
+              <a:picLocks noChangeAspect="1"/>
+            </p:cNvPicPr>
+            <p:nvPr/>
+          </p:nvPicPr>
+          <p:blipFill>
+            <a:blip r:embed="rId3">
+              <a:extLst>
+                <a:ext uri="{28A0092B-C50C-407E-A947-70E740481C1C}">
+                  <a14:useLocalDpi xmlns:a14="http://schemas.microsoft.com/office/drawing/2010/main" val="0"/>
+                </a:ext>
+              </a:extLst>
+            </a:blip>
+            <a:stretch>
+              <a:fillRect/>
+            </a:stretch>
+          </p:blipFill>
+          <p:spPr>
+            <a:xfrm>
+              <a:off x="5345547" y="5192847"/>
+              <a:ext cx="992615" cy="992615"/>
+            </a:xfrm>
+            <a:prstGeom prst="rect">
+              <a:avLst/>
+            </a:prstGeom>
+          </p:spPr>
+        </p:pic>
+        <p:pic>
+          <p:nvPicPr>
+            <p:cNvPr id="33" name="図 32" descr="アイコン&#10;&#10;自動的に生成された説明">
+              <a:extLst>
+                <a:ext uri="{FF2B5EF4-FFF2-40B4-BE49-F238E27FC236}">
+                  <a16:creationId xmlns:a16="http://schemas.microsoft.com/office/drawing/2014/main" id="{6096277F-CF1E-C078-092C-327284823CFB}"/>
+                </a:ext>
+              </a:extLst>
+            </p:cNvPr>
+            <p:cNvPicPr>
+              <a:picLocks noChangeAspect="1"/>
+            </p:cNvPicPr>
+            <p:nvPr/>
+          </p:nvPicPr>
+          <p:blipFill>
+            <a:blip r:embed="rId4">
+              <a:extLst>
+                <a:ext uri="{28A0092B-C50C-407E-A947-70E740481C1C}">
+                  <a14:useLocalDpi xmlns:a14="http://schemas.microsoft.com/office/drawing/2010/main" val="0"/>
+                </a:ext>
+              </a:extLst>
+            </a:blip>
+            <a:stretch>
+              <a:fillRect/>
+            </a:stretch>
+          </p:blipFill>
+          <p:spPr>
+            <a:xfrm>
+              <a:off x="4604295" y="5400139"/>
+              <a:ext cx="630679" cy="630678"/>
+            </a:xfrm>
+            <a:prstGeom prst="rect">
+              <a:avLst/>
+            </a:prstGeom>
+          </p:spPr>
+        </p:pic>
+        <p:pic>
+          <p:nvPicPr>
+            <p:cNvPr id="34" name="図 33" descr="アイコン&#10;&#10;自動的に生成された説明">
+              <a:extLst>
+                <a:ext uri="{FF2B5EF4-FFF2-40B4-BE49-F238E27FC236}">
+                  <a16:creationId xmlns:a16="http://schemas.microsoft.com/office/drawing/2014/main" id="{FC3347F5-B171-C6C8-5A83-4E0D46AAE6D4}"/>
+                </a:ext>
+              </a:extLst>
+            </p:cNvPr>
+            <p:cNvPicPr>
+              <a:picLocks noChangeAspect="1"/>
+            </p:cNvPicPr>
+            <p:nvPr/>
+          </p:nvPicPr>
+          <p:blipFill>
+            <a:blip r:embed="rId2">
+              <a:duotone>
+                <a:schemeClr val="accent2">
+                  <a:shade val="45000"/>
+                  <a:satMod val="135000"/>
+                </a:schemeClr>
+                <a:prstClr val="white"/>
+              </a:duotone>
+              <a:extLst>
+                <a:ext uri="{28A0092B-C50C-407E-A947-70E740481C1C}">
+                  <a14:useLocalDpi xmlns:a14="http://schemas.microsoft.com/office/drawing/2010/main" val="0"/>
+                </a:ext>
+              </a:extLst>
+            </a:blip>
+            <a:stretch>
+              <a:fillRect/>
+            </a:stretch>
+          </p:blipFill>
+          <p:spPr>
+            <a:xfrm>
+              <a:off x="5664061" y="5400139"/>
+              <a:ext cx="376358" cy="376358"/>
+            </a:xfrm>
+            <a:prstGeom prst="rect">
+              <a:avLst/>
+            </a:prstGeom>
+          </p:spPr>
+        </p:pic>
+        <p:pic>
+          <p:nvPicPr>
+            <p:cNvPr id="63" name="図 62" descr="アイコン&#10;&#10;自動的に生成された説明">
+              <a:extLst>
+                <a:ext uri="{FF2B5EF4-FFF2-40B4-BE49-F238E27FC236}">
+                  <a16:creationId xmlns:a16="http://schemas.microsoft.com/office/drawing/2014/main" id="{F01C8CA8-C37A-8BE6-BA92-E5E060DA17A8}"/>
+                </a:ext>
+              </a:extLst>
+            </p:cNvPr>
+            <p:cNvPicPr>
+              <a:picLocks noChangeAspect="1"/>
+            </p:cNvPicPr>
+            <p:nvPr/>
+          </p:nvPicPr>
+          <p:blipFill>
+            <a:blip r:embed="rId2">
+              <a:duotone>
+                <a:schemeClr val="accent2">
+                  <a:shade val="45000"/>
+                  <a:satMod val="135000"/>
+                </a:schemeClr>
+                <a:prstClr val="white"/>
+              </a:duotone>
+              <a:extLst>
+                <a:ext uri="{28A0092B-C50C-407E-A947-70E740481C1C}">
+                  <a14:useLocalDpi xmlns:a14="http://schemas.microsoft.com/office/drawing/2010/main" val="0"/>
+                </a:ext>
+              </a:extLst>
+            </a:blip>
+            <a:stretch>
+              <a:fillRect/>
+            </a:stretch>
+          </p:blipFill>
+          <p:spPr>
+            <a:xfrm>
+              <a:off x="7366523" y="3884631"/>
+              <a:ext cx="376358" cy="376358"/>
+            </a:xfrm>
+            <a:prstGeom prst="rect">
+              <a:avLst/>
+            </a:prstGeom>
+          </p:spPr>
+        </p:pic>
+      </p:grpSp>
+      <p:grpSp>
+        <p:nvGrpSpPr>
+          <p:cNvPr id="35" name="グループ化 34">
+            <a:extLst>
+              <a:ext uri="{FF2B5EF4-FFF2-40B4-BE49-F238E27FC236}">
+                <a16:creationId xmlns:a16="http://schemas.microsoft.com/office/drawing/2014/main" id="{4F1DCB2E-5306-FC09-610F-B6DCC40F93D9}"/>
+              </a:ext>
+            </a:extLst>
+          </p:cNvPr>
+          <p:cNvGrpSpPr/>
+          <p:nvPr/>
+        </p:nvGrpSpPr>
+        <p:grpSpPr>
+          <a:xfrm>
+            <a:off x="9828201" y="4533941"/>
+            <a:ext cx="1733867" cy="992615"/>
+            <a:chOff x="4604295" y="5192847"/>
+            <a:chExt cx="1733867" cy="992615"/>
+          </a:xfrm>
+        </p:grpSpPr>
+        <p:pic>
+          <p:nvPicPr>
+            <p:cNvPr id="36" name="図 35" descr="アイコン&#10;&#10;自動的に生成された説明">
+              <a:extLst>
+                <a:ext uri="{FF2B5EF4-FFF2-40B4-BE49-F238E27FC236}">
+                  <a16:creationId xmlns:a16="http://schemas.microsoft.com/office/drawing/2014/main" id="{24FD75F0-D045-AFEC-7F69-A2E49ED31D01}"/>
+                </a:ext>
+              </a:extLst>
+            </p:cNvPr>
+            <p:cNvPicPr>
+              <a:picLocks noChangeAspect="1"/>
+            </p:cNvPicPr>
+            <p:nvPr/>
+          </p:nvPicPr>
+          <p:blipFill>
+            <a:blip r:embed="rId3">
+              <a:extLst>
+                <a:ext uri="{28A0092B-C50C-407E-A947-70E740481C1C}">
+                  <a14:useLocalDpi xmlns:a14="http://schemas.microsoft.com/office/drawing/2010/main" val="0"/>
+                </a:ext>
+              </a:extLst>
+            </a:blip>
+            <a:stretch>
+              <a:fillRect/>
+            </a:stretch>
+          </p:blipFill>
+          <p:spPr>
+            <a:xfrm>
+              <a:off x="5345547" y="5192847"/>
+              <a:ext cx="992615" cy="992615"/>
+            </a:xfrm>
+            <a:prstGeom prst="rect">
+              <a:avLst/>
+            </a:prstGeom>
+          </p:spPr>
+        </p:pic>
+        <p:pic>
+          <p:nvPicPr>
+            <p:cNvPr id="37" name="図 36" descr="アイコン&#10;&#10;自動的に生成された説明">
+              <a:extLst>
+                <a:ext uri="{FF2B5EF4-FFF2-40B4-BE49-F238E27FC236}">
+                  <a16:creationId xmlns:a16="http://schemas.microsoft.com/office/drawing/2014/main" id="{4D80EC32-7935-55B6-3E83-3F215DE50D2F}"/>
+                </a:ext>
+              </a:extLst>
+            </p:cNvPr>
+            <p:cNvPicPr>
+              <a:picLocks noChangeAspect="1"/>
+            </p:cNvPicPr>
+            <p:nvPr/>
+          </p:nvPicPr>
+          <p:blipFill>
+            <a:blip r:embed="rId4">
+              <a:extLst>
+                <a:ext uri="{28A0092B-C50C-407E-A947-70E740481C1C}">
+                  <a14:useLocalDpi xmlns:a14="http://schemas.microsoft.com/office/drawing/2010/main" val="0"/>
+                </a:ext>
+              </a:extLst>
+            </a:blip>
+            <a:stretch>
+              <a:fillRect/>
+            </a:stretch>
+          </p:blipFill>
+          <p:spPr>
+            <a:xfrm>
+              <a:off x="4604295" y="5400139"/>
+              <a:ext cx="630679" cy="630678"/>
+            </a:xfrm>
+            <a:prstGeom prst="rect">
+              <a:avLst/>
+            </a:prstGeom>
+          </p:spPr>
+        </p:pic>
+        <p:pic>
+          <p:nvPicPr>
+            <p:cNvPr id="38" name="図 37" descr="アイコン&#10;&#10;自動的に生成された説明">
+              <a:extLst>
+                <a:ext uri="{FF2B5EF4-FFF2-40B4-BE49-F238E27FC236}">
+                  <a16:creationId xmlns:a16="http://schemas.microsoft.com/office/drawing/2014/main" id="{FDB05B54-60A6-B75B-AC63-F58559081A90}"/>
+                </a:ext>
+              </a:extLst>
+            </p:cNvPr>
+            <p:cNvPicPr>
+              <a:picLocks noChangeAspect="1"/>
+            </p:cNvPicPr>
+            <p:nvPr/>
+          </p:nvPicPr>
+          <p:blipFill>
+            <a:blip r:embed="rId2">
+              <a:extLst>
+                <a:ext uri="{28A0092B-C50C-407E-A947-70E740481C1C}">
+                  <a14:useLocalDpi xmlns:a14="http://schemas.microsoft.com/office/drawing/2010/main" val="0"/>
+                </a:ext>
+              </a:extLst>
+            </a:blip>
+            <a:stretch>
+              <a:fillRect/>
+            </a:stretch>
+          </p:blipFill>
+          <p:spPr>
+            <a:xfrm>
+              <a:off x="5664061" y="5400139"/>
+              <a:ext cx="376358" cy="376358"/>
+            </a:xfrm>
+            <a:prstGeom prst="rect">
+              <a:avLst/>
+            </a:prstGeom>
+          </p:spPr>
+        </p:pic>
+      </p:grpSp>
+      <p:cxnSp>
+        <p:nvCxnSpPr>
+          <p:cNvPr id="40" name="直線矢印コネクタ 39">
+            <a:extLst>
+              <a:ext uri="{FF2B5EF4-FFF2-40B4-BE49-F238E27FC236}">
+                <a16:creationId xmlns:a16="http://schemas.microsoft.com/office/drawing/2014/main" id="{C72886F5-D99D-555E-EC98-DDB8DB12070A}"/>
+              </a:ext>
+            </a:extLst>
+          </p:cNvPr>
+          <p:cNvCxnSpPr>
+            <a:cxnSpLocks/>
+          </p:cNvCxnSpPr>
+          <p:nvPr/>
+        </p:nvCxnSpPr>
+        <p:spPr>
+          <a:xfrm flipH="1">
+            <a:off x="6084154" y="3140824"/>
+            <a:ext cx="1454582" cy="1329905"/>
+          </a:xfrm>
+          <a:prstGeom prst="straightConnector1">
+            <a:avLst/>
+          </a:prstGeom>
+          <a:ln w="76200">
+            <a:tailEnd type="triangle"/>
+          </a:ln>
+        </p:spPr>
+        <p:style>
+          <a:lnRef idx="1">
+            <a:schemeClr val="accent1"/>
+          </a:lnRef>
+          <a:fillRef idx="0">
+            <a:schemeClr val="accent1"/>
+          </a:fillRef>
+          <a:effectRef idx="0">
+            <a:schemeClr val="accent1"/>
+          </a:effectRef>
+          <a:fontRef idx="minor">
+            <a:schemeClr val="tx1"/>
+          </a:fontRef>
+        </p:style>
+      </p:cxnSp>
+      <p:sp>
+        <p:nvSpPr>
+          <p:cNvPr id="43" name="コンテンツ プレースホルダー 2">
+            <a:extLst>
+              <a:ext uri="{FF2B5EF4-FFF2-40B4-BE49-F238E27FC236}">
+                <a16:creationId xmlns:a16="http://schemas.microsoft.com/office/drawing/2014/main" id="{55802C53-F85B-9304-4F19-A5536D5A811C}"/>
+              </a:ext>
+            </a:extLst>
+          </p:cNvPr>
+          <p:cNvSpPr txBox="1">
+            <a:spLocks/>
+          </p:cNvSpPr>
+          <p:nvPr/>
+        </p:nvSpPr>
+        <p:spPr>
+          <a:xfrm>
+            <a:off x="5721480" y="3438673"/>
+            <a:ext cx="1454582" cy="503304"/>
+          </a:xfrm>
+          <a:prstGeom prst="rect">
+            <a:avLst/>
+          </a:prstGeom>
+        </p:spPr>
+        <p:txBody>
+          <a:bodyPr vert="horz" lIns="91440" tIns="45720" rIns="91440" bIns="45720" rtlCol="0">
+            <a:noAutofit/>
+          </a:bodyPr>
+          <a:lstStyle>
+            <a:lvl1pPr marL="228600" indent="-228600" algn="l" defTabSz="914400" rtl="0" eaLnBrk="1" latinLnBrk="0" hangingPunct="1">
+              <a:lnSpc>
+                <a:spcPct val="90000"/>
+              </a:lnSpc>
+              <a:spcBef>
+                <a:spcPts val="1000"/>
+              </a:spcBef>
+              <a:buFont typeface="Wingdings 2" pitchFamily="18" charset="2"/>
+              <a:buChar char=""/>
+              <a:defRPr kumimoji="1" sz="2800" kern="1200">
+                <a:solidFill>
+                  <a:schemeClr val="tx1"/>
+                </a:solidFill>
+                <a:latin typeface="游ゴシック" panose="020B0400000000000000" pitchFamily="50" charset="-128"/>
+                <a:ea typeface="游ゴシック" panose="020B0400000000000000" pitchFamily="50" charset="-128"/>
+                <a:cs typeface="+mn-cs"/>
+              </a:defRPr>
+            </a:lvl1pPr>
+            <a:lvl2pPr marL="685800" indent="-228600" algn="l" defTabSz="914400" rtl="0" eaLnBrk="1" latinLnBrk="0" hangingPunct="1">
+              <a:lnSpc>
+                <a:spcPct val="90000"/>
+              </a:lnSpc>
+              <a:spcBef>
+                <a:spcPts val="500"/>
+              </a:spcBef>
+              <a:buFont typeface="Wingdings 2" pitchFamily="18" charset="2"/>
+              <a:buChar char=""/>
+              <a:defRPr kumimoji="1" sz="2400" kern="1200">
+                <a:solidFill>
+                  <a:schemeClr val="tx1"/>
+                </a:solidFill>
+                <a:latin typeface="游ゴシック" panose="020B0400000000000000" pitchFamily="50" charset="-128"/>
+                <a:ea typeface="游ゴシック" panose="020B0400000000000000" pitchFamily="50" charset="-128"/>
+                <a:cs typeface="+mn-cs"/>
+              </a:defRPr>
+            </a:lvl2pPr>
+            <a:lvl3pPr marL="1143000" indent="-228600" algn="l" defTabSz="914400" rtl="0" eaLnBrk="1" latinLnBrk="0" hangingPunct="1">
+              <a:lnSpc>
+                <a:spcPct val="90000"/>
+              </a:lnSpc>
+              <a:spcBef>
+                <a:spcPts val="500"/>
+              </a:spcBef>
+              <a:buFont typeface="Wingdings 2" pitchFamily="18" charset="2"/>
+              <a:buChar char=""/>
+              <a:defRPr kumimoji="1" sz="2000" kern="1200">
+                <a:solidFill>
+                  <a:schemeClr val="tx1"/>
+                </a:solidFill>
+                <a:latin typeface="游ゴシック" panose="020B0400000000000000" pitchFamily="50" charset="-128"/>
+                <a:ea typeface="游ゴシック" panose="020B0400000000000000" pitchFamily="50" charset="-128"/>
+                <a:cs typeface="+mn-cs"/>
+              </a:defRPr>
+            </a:lvl3pPr>
+            <a:lvl4pPr marL="1600200" indent="-228600" algn="l" defTabSz="914400" rtl="0" eaLnBrk="1" latinLnBrk="0" hangingPunct="1">
+              <a:lnSpc>
+                <a:spcPct val="90000"/>
+              </a:lnSpc>
+              <a:spcBef>
+                <a:spcPts val="500"/>
+              </a:spcBef>
+              <a:buFont typeface="Wingdings 2" pitchFamily="18" charset="2"/>
+              <a:buChar char=""/>
+              <a:defRPr kumimoji="1" sz="1800" kern="1200">
+                <a:solidFill>
+                  <a:schemeClr val="tx1"/>
+                </a:solidFill>
+                <a:latin typeface="游ゴシック" panose="020B0400000000000000" pitchFamily="50" charset="-128"/>
+                <a:ea typeface="游ゴシック" panose="020B0400000000000000" pitchFamily="50" charset="-128"/>
+                <a:cs typeface="+mn-cs"/>
+              </a:defRPr>
+            </a:lvl4pPr>
+            <a:lvl5pPr marL="2057400" indent="-228600" algn="l" defTabSz="914400" rtl="0" eaLnBrk="1" latinLnBrk="0" hangingPunct="1">
+              <a:lnSpc>
+                <a:spcPct val="90000"/>
+              </a:lnSpc>
+              <a:spcBef>
+                <a:spcPts val="500"/>
+              </a:spcBef>
+              <a:buFont typeface="Wingdings 2" pitchFamily="18" charset="2"/>
+              <a:buChar char=""/>
+              <a:defRPr kumimoji="1" sz="1800" kern="1200">
+                <a:solidFill>
+                  <a:schemeClr val="tx1"/>
+                </a:solidFill>
+                <a:latin typeface="游ゴシック" panose="020B0400000000000000" pitchFamily="50" charset="-128"/>
+                <a:ea typeface="游ゴシック" panose="020B0400000000000000" pitchFamily="50" charset="-128"/>
+                <a:cs typeface="+mn-cs"/>
+              </a:defRPr>
+            </a:lvl5pPr>
+            <a:lvl6pPr marL="2514600" indent="-228600" algn="l" defTabSz="914400" rtl="0" eaLnBrk="1" latinLnBrk="0" hangingPunct="1">
+              <a:spcBef>
+                <a:spcPct val="20000"/>
+              </a:spcBef>
+              <a:buFont typeface="Wingdings 2" pitchFamily="18" charset="2"/>
+              <a:buChar char=""/>
+              <a:defRPr kumimoji="1" sz="1800" kern="1200">
+                <a:solidFill>
+                  <a:schemeClr val="tx1"/>
+                </a:solidFill>
+                <a:latin typeface="+mn-lt"/>
+                <a:ea typeface="+mn-ea"/>
+                <a:cs typeface="+mn-cs"/>
+              </a:defRPr>
+            </a:lvl6pPr>
+            <a:lvl7pPr marL="2971800" indent="-228600" algn="l" defTabSz="914400" rtl="0" eaLnBrk="1" latinLnBrk="0" hangingPunct="1">
+              <a:spcBef>
+                <a:spcPct val="20000"/>
+              </a:spcBef>
+              <a:buFont typeface="Wingdings 2" pitchFamily="18" charset="2"/>
+              <a:buChar char=""/>
+              <a:defRPr kumimoji="1" sz="1800" kern="1200">
+                <a:solidFill>
+                  <a:schemeClr val="tx1"/>
+                </a:solidFill>
+                <a:latin typeface="+mn-lt"/>
+                <a:ea typeface="+mn-ea"/>
+                <a:cs typeface="+mn-cs"/>
+              </a:defRPr>
+            </a:lvl7pPr>
+            <a:lvl8pPr marL="3429000" indent="-228600" algn="l" defTabSz="914400" rtl="0" eaLnBrk="1" latinLnBrk="0" hangingPunct="1">
+              <a:spcBef>
+                <a:spcPct val="20000"/>
+              </a:spcBef>
+              <a:buFont typeface="Wingdings 2" pitchFamily="18" charset="2"/>
+              <a:buChar char=""/>
+              <a:defRPr kumimoji="1" sz="1800" kern="1200">
+                <a:solidFill>
+                  <a:schemeClr val="tx1"/>
+                </a:solidFill>
+                <a:latin typeface="+mn-lt"/>
+                <a:ea typeface="+mn-ea"/>
+                <a:cs typeface="+mn-cs"/>
+              </a:defRPr>
+            </a:lvl8pPr>
+            <a:lvl9pPr marL="3886200" indent="-228600" algn="l" defTabSz="914400" rtl="0" eaLnBrk="1" latinLnBrk="0" hangingPunct="1">
+              <a:spcBef>
+                <a:spcPct val="20000"/>
+              </a:spcBef>
+              <a:buFont typeface="Wingdings 2" pitchFamily="18" charset="2"/>
+              <a:buChar char=""/>
+              <a:defRPr kumimoji="1" sz="1800" kern="1200">
+                <a:solidFill>
+                  <a:schemeClr val="tx1"/>
+                </a:solidFill>
+                <a:latin typeface="+mn-lt"/>
+                <a:ea typeface="+mn-ea"/>
+                <a:cs typeface="+mn-cs"/>
+              </a:defRPr>
+            </a:lvl9pPr>
+          </a:lstStyle>
+          <a:p>
+            <a:pPr marL="0" indent="0">
+              <a:lnSpc>
+                <a:spcPct val="150000"/>
+              </a:lnSpc>
+              <a:buFont typeface="Wingdings 2" pitchFamily="18" charset="2"/>
+              <a:buNone/>
+            </a:pPr>
+            <a:r>
+              <a:rPr lang="ja-JP" altLang="en-US" sz="1800" dirty="0"/>
+              <a:t>クローン</a:t>
+            </a:r>
+          </a:p>
+        </p:txBody>
+      </p:sp>
+      <p:cxnSp>
+        <p:nvCxnSpPr>
+          <p:cNvPr id="44" name="直線矢印コネクタ 43">
+            <a:extLst>
+              <a:ext uri="{FF2B5EF4-FFF2-40B4-BE49-F238E27FC236}">
+                <a16:creationId xmlns:a16="http://schemas.microsoft.com/office/drawing/2014/main" id="{23A4979E-9830-DF80-644C-C62BB8A9ED58}"/>
+              </a:ext>
+            </a:extLst>
+          </p:cNvPr>
+          <p:cNvCxnSpPr>
+            <a:cxnSpLocks/>
+            <a:stCxn id="32" idx="0"/>
+          </p:cNvCxnSpPr>
+          <p:nvPr/>
+        </p:nvCxnSpPr>
+        <p:spPr>
+          <a:xfrm flipH="1" flipV="1">
+            <a:off x="8284090" y="3312499"/>
+            <a:ext cx="222835" cy="1221442"/>
+          </a:xfrm>
+          <a:prstGeom prst="straightConnector1">
+            <a:avLst/>
+          </a:prstGeom>
+          <a:ln w="76200">
+            <a:solidFill>
+              <a:srgbClr val="DE9B06"/>
+            </a:solidFill>
+            <a:tailEnd type="triangle"/>
+          </a:ln>
+        </p:spPr>
+        <p:style>
+          <a:lnRef idx="1">
+            <a:schemeClr val="accent1"/>
+          </a:lnRef>
+          <a:fillRef idx="0">
+            <a:schemeClr val="accent1"/>
+          </a:fillRef>
+          <a:effectRef idx="0">
+            <a:schemeClr val="accent1"/>
+          </a:effectRef>
+          <a:fontRef idx="minor">
+            <a:schemeClr val="tx1"/>
+          </a:fontRef>
+        </p:style>
+      </p:cxnSp>
+      <p:sp>
+        <p:nvSpPr>
+          <p:cNvPr id="49" name="コンテンツ プレースホルダー 2">
+            <a:extLst>
+              <a:ext uri="{FF2B5EF4-FFF2-40B4-BE49-F238E27FC236}">
+                <a16:creationId xmlns:a16="http://schemas.microsoft.com/office/drawing/2014/main" id="{1DE1B145-FD91-9CEB-A04F-919EDACB1D3F}"/>
+              </a:ext>
+            </a:extLst>
+          </p:cNvPr>
+          <p:cNvSpPr txBox="1">
+            <a:spLocks/>
+          </p:cNvSpPr>
+          <p:nvPr/>
+        </p:nvSpPr>
+        <p:spPr>
+          <a:xfrm>
+            <a:off x="7978198" y="5277600"/>
+            <a:ext cx="1454582" cy="503304"/>
+          </a:xfrm>
+          <a:prstGeom prst="rect">
+            <a:avLst/>
+          </a:prstGeom>
+        </p:spPr>
+        <p:txBody>
+          <a:bodyPr vert="horz" lIns="91440" tIns="45720" rIns="91440" bIns="45720" rtlCol="0">
+            <a:noAutofit/>
+          </a:bodyPr>
+          <a:lstStyle>
+            <a:lvl1pPr marL="228600" indent="-228600" algn="l" defTabSz="914400" rtl="0" eaLnBrk="1" latinLnBrk="0" hangingPunct="1">
+              <a:lnSpc>
+                <a:spcPct val="90000"/>
+              </a:lnSpc>
+              <a:spcBef>
+                <a:spcPts val="1000"/>
+              </a:spcBef>
+              <a:buFont typeface="Wingdings 2" pitchFamily="18" charset="2"/>
+              <a:buChar char=""/>
+              <a:defRPr kumimoji="1" sz="2800" kern="1200">
+                <a:solidFill>
+                  <a:schemeClr val="tx1"/>
+                </a:solidFill>
+                <a:latin typeface="游ゴシック" panose="020B0400000000000000" pitchFamily="50" charset="-128"/>
+                <a:ea typeface="游ゴシック" panose="020B0400000000000000" pitchFamily="50" charset="-128"/>
+                <a:cs typeface="+mn-cs"/>
+              </a:defRPr>
+            </a:lvl1pPr>
+            <a:lvl2pPr marL="685800" indent="-228600" algn="l" defTabSz="914400" rtl="0" eaLnBrk="1" latinLnBrk="0" hangingPunct="1">
+              <a:lnSpc>
+                <a:spcPct val="90000"/>
+              </a:lnSpc>
+              <a:spcBef>
+                <a:spcPts val="500"/>
+              </a:spcBef>
+              <a:buFont typeface="Wingdings 2" pitchFamily="18" charset="2"/>
+              <a:buChar char=""/>
+              <a:defRPr kumimoji="1" sz="2400" kern="1200">
+                <a:solidFill>
+                  <a:schemeClr val="tx1"/>
+                </a:solidFill>
+                <a:latin typeface="游ゴシック" panose="020B0400000000000000" pitchFamily="50" charset="-128"/>
+                <a:ea typeface="游ゴシック" panose="020B0400000000000000" pitchFamily="50" charset="-128"/>
+                <a:cs typeface="+mn-cs"/>
+              </a:defRPr>
+            </a:lvl2pPr>
+            <a:lvl3pPr marL="1143000" indent="-228600" algn="l" defTabSz="914400" rtl="0" eaLnBrk="1" latinLnBrk="0" hangingPunct="1">
+              <a:lnSpc>
+                <a:spcPct val="90000"/>
+              </a:lnSpc>
+              <a:spcBef>
+                <a:spcPts val="500"/>
+              </a:spcBef>
+              <a:buFont typeface="Wingdings 2" pitchFamily="18" charset="2"/>
+              <a:buChar char=""/>
+              <a:defRPr kumimoji="1" sz="2000" kern="1200">
+                <a:solidFill>
+                  <a:schemeClr val="tx1"/>
+                </a:solidFill>
+                <a:latin typeface="游ゴシック" panose="020B0400000000000000" pitchFamily="50" charset="-128"/>
+                <a:ea typeface="游ゴシック" panose="020B0400000000000000" pitchFamily="50" charset="-128"/>
+                <a:cs typeface="+mn-cs"/>
+              </a:defRPr>
+            </a:lvl3pPr>
+            <a:lvl4pPr marL="1600200" indent="-228600" algn="l" defTabSz="914400" rtl="0" eaLnBrk="1" latinLnBrk="0" hangingPunct="1">
+              <a:lnSpc>
+                <a:spcPct val="90000"/>
+              </a:lnSpc>
+              <a:spcBef>
+                <a:spcPts val="500"/>
+              </a:spcBef>
+              <a:buFont typeface="Wingdings 2" pitchFamily="18" charset="2"/>
+              <a:buChar char=""/>
+              <a:defRPr kumimoji="1" sz="1800" kern="1200">
+                <a:solidFill>
+                  <a:schemeClr val="tx1"/>
+                </a:solidFill>
+                <a:latin typeface="游ゴシック" panose="020B0400000000000000" pitchFamily="50" charset="-128"/>
+                <a:ea typeface="游ゴシック" panose="020B0400000000000000" pitchFamily="50" charset="-128"/>
+                <a:cs typeface="+mn-cs"/>
+              </a:defRPr>
+            </a:lvl4pPr>
+            <a:lvl5pPr marL="2057400" indent="-228600" algn="l" defTabSz="914400" rtl="0" eaLnBrk="1" latinLnBrk="0" hangingPunct="1">
+              <a:lnSpc>
+                <a:spcPct val="90000"/>
+              </a:lnSpc>
+              <a:spcBef>
+                <a:spcPts val="500"/>
+              </a:spcBef>
+              <a:buFont typeface="Wingdings 2" pitchFamily="18" charset="2"/>
+              <a:buChar char=""/>
+              <a:defRPr kumimoji="1" sz="1800" kern="1200">
+                <a:solidFill>
+                  <a:schemeClr val="tx1"/>
+                </a:solidFill>
+                <a:latin typeface="游ゴシック" panose="020B0400000000000000" pitchFamily="50" charset="-128"/>
+                <a:ea typeface="游ゴシック" panose="020B0400000000000000" pitchFamily="50" charset="-128"/>
+                <a:cs typeface="+mn-cs"/>
+              </a:defRPr>
+            </a:lvl5pPr>
+            <a:lvl6pPr marL="2514600" indent="-228600" algn="l" defTabSz="914400" rtl="0" eaLnBrk="1" latinLnBrk="0" hangingPunct="1">
+              <a:spcBef>
+                <a:spcPct val="20000"/>
+              </a:spcBef>
+              <a:buFont typeface="Wingdings 2" pitchFamily="18" charset="2"/>
+              <a:buChar char=""/>
+              <a:defRPr kumimoji="1" sz="1800" kern="1200">
+                <a:solidFill>
+                  <a:schemeClr val="tx1"/>
+                </a:solidFill>
+                <a:latin typeface="+mn-lt"/>
+                <a:ea typeface="+mn-ea"/>
+                <a:cs typeface="+mn-cs"/>
+              </a:defRPr>
+            </a:lvl6pPr>
+            <a:lvl7pPr marL="2971800" indent="-228600" algn="l" defTabSz="914400" rtl="0" eaLnBrk="1" latinLnBrk="0" hangingPunct="1">
+              <a:spcBef>
+                <a:spcPct val="20000"/>
+              </a:spcBef>
+              <a:buFont typeface="Wingdings 2" pitchFamily="18" charset="2"/>
+              <a:buChar char=""/>
+              <a:defRPr kumimoji="1" sz="1800" kern="1200">
+                <a:solidFill>
+                  <a:schemeClr val="tx1"/>
+                </a:solidFill>
+                <a:latin typeface="+mn-lt"/>
+                <a:ea typeface="+mn-ea"/>
+                <a:cs typeface="+mn-cs"/>
+              </a:defRPr>
+            </a:lvl7pPr>
+            <a:lvl8pPr marL="3429000" indent="-228600" algn="l" defTabSz="914400" rtl="0" eaLnBrk="1" latinLnBrk="0" hangingPunct="1">
+              <a:spcBef>
+                <a:spcPct val="20000"/>
+              </a:spcBef>
+              <a:buFont typeface="Wingdings 2" pitchFamily="18" charset="2"/>
+              <a:buChar char=""/>
+              <a:defRPr kumimoji="1" sz="1800" kern="1200">
+                <a:solidFill>
+                  <a:schemeClr val="tx1"/>
+                </a:solidFill>
+                <a:latin typeface="+mn-lt"/>
+                <a:ea typeface="+mn-ea"/>
+                <a:cs typeface="+mn-cs"/>
+              </a:defRPr>
+            </a:lvl8pPr>
+            <a:lvl9pPr marL="3886200" indent="-228600" algn="l" defTabSz="914400" rtl="0" eaLnBrk="1" latinLnBrk="0" hangingPunct="1">
+              <a:spcBef>
+                <a:spcPct val="20000"/>
+              </a:spcBef>
+              <a:buFont typeface="Wingdings 2" pitchFamily="18" charset="2"/>
+              <a:buChar char=""/>
+              <a:defRPr kumimoji="1" sz="1800" kern="1200">
+                <a:solidFill>
+                  <a:schemeClr val="tx1"/>
+                </a:solidFill>
+                <a:latin typeface="+mn-lt"/>
+                <a:ea typeface="+mn-ea"/>
+                <a:cs typeface="+mn-cs"/>
+              </a:defRPr>
+            </a:lvl9pPr>
+          </a:lstStyle>
+          <a:p>
+            <a:pPr marL="0" indent="0">
+              <a:lnSpc>
+                <a:spcPct val="150000"/>
+              </a:lnSpc>
+              <a:buFont typeface="Wingdings 2" pitchFamily="18" charset="2"/>
+              <a:buNone/>
+            </a:pPr>
+            <a:r>
+              <a:rPr lang="ja-JP" altLang="en-US" sz="1800" dirty="0"/>
+              <a:t>ローカル</a:t>
+            </a:r>
+          </a:p>
+        </p:txBody>
+      </p:sp>
+      <p:sp>
+        <p:nvSpPr>
+          <p:cNvPr id="51" name="コンテンツ プレースホルダー 2">
+            <a:extLst>
+              <a:ext uri="{FF2B5EF4-FFF2-40B4-BE49-F238E27FC236}">
+                <a16:creationId xmlns:a16="http://schemas.microsoft.com/office/drawing/2014/main" id="{8B477E42-EC7B-6965-E763-492A607C731C}"/>
+              </a:ext>
+            </a:extLst>
+          </p:cNvPr>
+          <p:cNvSpPr txBox="1">
+            <a:spLocks/>
+          </p:cNvSpPr>
+          <p:nvPr/>
+        </p:nvSpPr>
+        <p:spPr>
+          <a:xfrm>
+            <a:off x="8439562" y="3778985"/>
+            <a:ext cx="1454582" cy="503304"/>
+          </a:xfrm>
+          <a:prstGeom prst="rect">
+            <a:avLst/>
+          </a:prstGeom>
+        </p:spPr>
+        <p:txBody>
+          <a:bodyPr vert="horz" lIns="91440" tIns="45720" rIns="91440" bIns="45720" rtlCol="0">
+            <a:noAutofit/>
+          </a:bodyPr>
+          <a:lstStyle>
+            <a:lvl1pPr marL="228600" indent="-228600" algn="l" defTabSz="914400" rtl="0" eaLnBrk="1" latinLnBrk="0" hangingPunct="1">
+              <a:lnSpc>
+                <a:spcPct val="90000"/>
+              </a:lnSpc>
+              <a:spcBef>
+                <a:spcPts val="1000"/>
+              </a:spcBef>
+              <a:buFont typeface="Wingdings 2" pitchFamily="18" charset="2"/>
+              <a:buChar char=""/>
+              <a:defRPr kumimoji="1" sz="2800" kern="1200">
+                <a:solidFill>
+                  <a:schemeClr val="tx1"/>
+                </a:solidFill>
+                <a:latin typeface="游ゴシック" panose="020B0400000000000000" pitchFamily="50" charset="-128"/>
+                <a:ea typeface="游ゴシック" panose="020B0400000000000000" pitchFamily="50" charset="-128"/>
+                <a:cs typeface="+mn-cs"/>
+              </a:defRPr>
+            </a:lvl1pPr>
+            <a:lvl2pPr marL="685800" indent="-228600" algn="l" defTabSz="914400" rtl="0" eaLnBrk="1" latinLnBrk="0" hangingPunct="1">
+              <a:lnSpc>
+                <a:spcPct val="90000"/>
+              </a:lnSpc>
+              <a:spcBef>
+                <a:spcPts val="500"/>
+              </a:spcBef>
+              <a:buFont typeface="Wingdings 2" pitchFamily="18" charset="2"/>
+              <a:buChar char=""/>
+              <a:defRPr kumimoji="1" sz="2400" kern="1200">
+                <a:solidFill>
+                  <a:schemeClr val="tx1"/>
+                </a:solidFill>
+                <a:latin typeface="游ゴシック" panose="020B0400000000000000" pitchFamily="50" charset="-128"/>
+                <a:ea typeface="游ゴシック" panose="020B0400000000000000" pitchFamily="50" charset="-128"/>
+                <a:cs typeface="+mn-cs"/>
+              </a:defRPr>
+            </a:lvl2pPr>
+            <a:lvl3pPr marL="1143000" indent="-228600" algn="l" defTabSz="914400" rtl="0" eaLnBrk="1" latinLnBrk="0" hangingPunct="1">
+              <a:lnSpc>
+                <a:spcPct val="90000"/>
+              </a:lnSpc>
+              <a:spcBef>
+                <a:spcPts val="500"/>
+              </a:spcBef>
+              <a:buFont typeface="Wingdings 2" pitchFamily="18" charset="2"/>
+              <a:buChar char=""/>
+              <a:defRPr kumimoji="1" sz="2000" kern="1200">
+                <a:solidFill>
+                  <a:schemeClr val="tx1"/>
+                </a:solidFill>
+                <a:latin typeface="游ゴシック" panose="020B0400000000000000" pitchFamily="50" charset="-128"/>
+                <a:ea typeface="游ゴシック" panose="020B0400000000000000" pitchFamily="50" charset="-128"/>
+                <a:cs typeface="+mn-cs"/>
+              </a:defRPr>
+            </a:lvl3pPr>
+            <a:lvl4pPr marL="1600200" indent="-228600" algn="l" defTabSz="914400" rtl="0" eaLnBrk="1" latinLnBrk="0" hangingPunct="1">
+              <a:lnSpc>
+                <a:spcPct val="90000"/>
+              </a:lnSpc>
+              <a:spcBef>
+                <a:spcPts val="500"/>
+              </a:spcBef>
+              <a:buFont typeface="Wingdings 2" pitchFamily="18" charset="2"/>
+              <a:buChar char=""/>
+              <a:defRPr kumimoji="1" sz="1800" kern="1200">
+                <a:solidFill>
+                  <a:schemeClr val="tx1"/>
+                </a:solidFill>
+                <a:latin typeface="游ゴシック" panose="020B0400000000000000" pitchFamily="50" charset="-128"/>
+                <a:ea typeface="游ゴシック" panose="020B0400000000000000" pitchFamily="50" charset="-128"/>
+                <a:cs typeface="+mn-cs"/>
+              </a:defRPr>
+            </a:lvl4pPr>
+            <a:lvl5pPr marL="2057400" indent="-228600" algn="l" defTabSz="914400" rtl="0" eaLnBrk="1" latinLnBrk="0" hangingPunct="1">
+              <a:lnSpc>
+                <a:spcPct val="90000"/>
+              </a:lnSpc>
+              <a:spcBef>
+                <a:spcPts val="500"/>
+              </a:spcBef>
+              <a:buFont typeface="Wingdings 2" pitchFamily="18" charset="2"/>
+              <a:buChar char=""/>
+              <a:defRPr kumimoji="1" sz="1800" kern="1200">
+                <a:solidFill>
+                  <a:schemeClr val="tx1"/>
+                </a:solidFill>
+                <a:latin typeface="游ゴシック" panose="020B0400000000000000" pitchFamily="50" charset="-128"/>
+                <a:ea typeface="游ゴシック" panose="020B0400000000000000" pitchFamily="50" charset="-128"/>
+                <a:cs typeface="+mn-cs"/>
+              </a:defRPr>
+            </a:lvl5pPr>
+            <a:lvl6pPr marL="2514600" indent="-228600" algn="l" defTabSz="914400" rtl="0" eaLnBrk="1" latinLnBrk="0" hangingPunct="1">
+              <a:spcBef>
+                <a:spcPct val="20000"/>
+              </a:spcBef>
+              <a:buFont typeface="Wingdings 2" pitchFamily="18" charset="2"/>
+              <a:buChar char=""/>
+              <a:defRPr kumimoji="1" sz="1800" kern="1200">
+                <a:solidFill>
+                  <a:schemeClr val="tx1"/>
+                </a:solidFill>
+                <a:latin typeface="+mn-lt"/>
+                <a:ea typeface="+mn-ea"/>
+                <a:cs typeface="+mn-cs"/>
+              </a:defRPr>
+            </a:lvl6pPr>
+            <a:lvl7pPr marL="2971800" indent="-228600" algn="l" defTabSz="914400" rtl="0" eaLnBrk="1" latinLnBrk="0" hangingPunct="1">
+              <a:spcBef>
+                <a:spcPct val="20000"/>
+              </a:spcBef>
+              <a:buFont typeface="Wingdings 2" pitchFamily="18" charset="2"/>
+              <a:buChar char=""/>
+              <a:defRPr kumimoji="1" sz="1800" kern="1200">
+                <a:solidFill>
+                  <a:schemeClr val="tx1"/>
+                </a:solidFill>
+                <a:latin typeface="+mn-lt"/>
+                <a:ea typeface="+mn-ea"/>
+                <a:cs typeface="+mn-cs"/>
+              </a:defRPr>
+            </a:lvl7pPr>
+            <a:lvl8pPr marL="3429000" indent="-228600" algn="l" defTabSz="914400" rtl="0" eaLnBrk="1" latinLnBrk="0" hangingPunct="1">
+              <a:spcBef>
+                <a:spcPct val="20000"/>
+              </a:spcBef>
+              <a:buFont typeface="Wingdings 2" pitchFamily="18" charset="2"/>
+              <a:buChar char=""/>
+              <a:defRPr kumimoji="1" sz="1800" kern="1200">
+                <a:solidFill>
+                  <a:schemeClr val="tx1"/>
+                </a:solidFill>
+                <a:latin typeface="+mn-lt"/>
+                <a:ea typeface="+mn-ea"/>
+                <a:cs typeface="+mn-cs"/>
+              </a:defRPr>
+            </a:lvl8pPr>
+            <a:lvl9pPr marL="3886200" indent="-228600" algn="l" defTabSz="914400" rtl="0" eaLnBrk="1" latinLnBrk="0" hangingPunct="1">
+              <a:spcBef>
+                <a:spcPct val="20000"/>
+              </a:spcBef>
+              <a:buFont typeface="Wingdings 2" pitchFamily="18" charset="2"/>
+              <a:buChar char=""/>
+              <a:defRPr kumimoji="1" sz="1800" kern="1200">
+                <a:solidFill>
+                  <a:schemeClr val="tx1"/>
+                </a:solidFill>
+                <a:latin typeface="+mn-lt"/>
+                <a:ea typeface="+mn-ea"/>
+                <a:cs typeface="+mn-cs"/>
+              </a:defRPr>
+            </a:lvl9pPr>
+          </a:lstStyle>
+          <a:p>
+            <a:pPr marL="0" indent="0">
+              <a:lnSpc>
+                <a:spcPct val="150000"/>
+              </a:lnSpc>
+              <a:buFont typeface="Wingdings 2" pitchFamily="18" charset="2"/>
+              <a:buNone/>
+            </a:pPr>
+            <a:r>
+              <a:rPr lang="ja-JP" altLang="en-US" sz="1800" dirty="0"/>
+              <a:t>プッシュ</a:t>
+            </a:r>
+          </a:p>
+        </p:txBody>
+      </p:sp>
+      <p:cxnSp>
+        <p:nvCxnSpPr>
+          <p:cNvPr id="52" name="直線矢印コネクタ 51">
+            <a:extLst>
+              <a:ext uri="{FF2B5EF4-FFF2-40B4-BE49-F238E27FC236}">
+                <a16:creationId xmlns:a16="http://schemas.microsoft.com/office/drawing/2014/main" id="{25FD3CC2-2358-916C-6C75-C44F58BA5E41}"/>
+              </a:ext>
+            </a:extLst>
+          </p:cNvPr>
+          <p:cNvCxnSpPr>
+            <a:cxnSpLocks/>
+          </p:cNvCxnSpPr>
+          <p:nvPr/>
+        </p:nvCxnSpPr>
+        <p:spPr>
+          <a:xfrm>
+            <a:off x="8780398" y="3046000"/>
+            <a:ext cx="1842778" cy="1487941"/>
+          </a:xfrm>
+          <a:prstGeom prst="straightConnector1">
+            <a:avLst/>
+          </a:prstGeom>
+          <a:ln w="76200">
+            <a:solidFill>
+              <a:srgbClr val="DE9B06"/>
+            </a:solidFill>
+            <a:tailEnd type="triangle"/>
+          </a:ln>
+        </p:spPr>
+        <p:style>
+          <a:lnRef idx="1">
+            <a:schemeClr val="accent1"/>
+          </a:lnRef>
+          <a:fillRef idx="0">
+            <a:schemeClr val="accent1"/>
+          </a:fillRef>
+          <a:effectRef idx="0">
+            <a:schemeClr val="accent1"/>
+          </a:effectRef>
+          <a:fontRef idx="minor">
+            <a:schemeClr val="tx1"/>
+          </a:fontRef>
+        </p:style>
+      </p:cxnSp>
+      <p:sp>
+        <p:nvSpPr>
+          <p:cNvPr id="55" name="コンテンツ プレースホルダー 2">
+            <a:extLst>
+              <a:ext uri="{FF2B5EF4-FFF2-40B4-BE49-F238E27FC236}">
+                <a16:creationId xmlns:a16="http://schemas.microsoft.com/office/drawing/2014/main" id="{C44B09B7-40A5-9A2A-431F-0FD3407CFFDD}"/>
+              </a:ext>
+            </a:extLst>
+          </p:cNvPr>
+          <p:cNvSpPr txBox="1">
+            <a:spLocks/>
+          </p:cNvSpPr>
+          <p:nvPr/>
+        </p:nvSpPr>
+        <p:spPr>
+          <a:xfrm>
+            <a:off x="9895885" y="3534838"/>
+            <a:ext cx="1454582" cy="503304"/>
+          </a:xfrm>
+          <a:prstGeom prst="rect">
+            <a:avLst/>
+          </a:prstGeom>
+        </p:spPr>
+        <p:txBody>
+          <a:bodyPr vert="horz" lIns="91440" tIns="45720" rIns="91440" bIns="45720" rtlCol="0">
+            <a:noAutofit/>
+          </a:bodyPr>
+          <a:lstStyle>
+            <a:lvl1pPr marL="228600" indent="-228600" algn="l" defTabSz="914400" rtl="0" eaLnBrk="1" latinLnBrk="0" hangingPunct="1">
+              <a:lnSpc>
+                <a:spcPct val="90000"/>
+              </a:lnSpc>
+              <a:spcBef>
+                <a:spcPts val="1000"/>
+              </a:spcBef>
+              <a:buFont typeface="Wingdings 2" pitchFamily="18" charset="2"/>
+              <a:buChar char=""/>
+              <a:defRPr kumimoji="1" sz="2800" kern="1200">
+                <a:solidFill>
+                  <a:schemeClr val="tx1"/>
+                </a:solidFill>
+                <a:latin typeface="游ゴシック" panose="020B0400000000000000" pitchFamily="50" charset="-128"/>
+                <a:ea typeface="游ゴシック" panose="020B0400000000000000" pitchFamily="50" charset="-128"/>
+                <a:cs typeface="+mn-cs"/>
+              </a:defRPr>
+            </a:lvl1pPr>
+            <a:lvl2pPr marL="685800" indent="-228600" algn="l" defTabSz="914400" rtl="0" eaLnBrk="1" latinLnBrk="0" hangingPunct="1">
+              <a:lnSpc>
+                <a:spcPct val="90000"/>
+              </a:lnSpc>
+              <a:spcBef>
+                <a:spcPts val="500"/>
+              </a:spcBef>
+              <a:buFont typeface="Wingdings 2" pitchFamily="18" charset="2"/>
+              <a:buChar char=""/>
+              <a:defRPr kumimoji="1" sz="2400" kern="1200">
+                <a:solidFill>
+                  <a:schemeClr val="tx1"/>
+                </a:solidFill>
+                <a:latin typeface="游ゴシック" panose="020B0400000000000000" pitchFamily="50" charset="-128"/>
+                <a:ea typeface="游ゴシック" panose="020B0400000000000000" pitchFamily="50" charset="-128"/>
+                <a:cs typeface="+mn-cs"/>
+              </a:defRPr>
+            </a:lvl2pPr>
+            <a:lvl3pPr marL="1143000" indent="-228600" algn="l" defTabSz="914400" rtl="0" eaLnBrk="1" latinLnBrk="0" hangingPunct="1">
+              <a:lnSpc>
+                <a:spcPct val="90000"/>
+              </a:lnSpc>
+              <a:spcBef>
+                <a:spcPts val="500"/>
+              </a:spcBef>
+              <a:buFont typeface="Wingdings 2" pitchFamily="18" charset="2"/>
+              <a:buChar char=""/>
+              <a:defRPr kumimoji="1" sz="2000" kern="1200">
+                <a:solidFill>
+                  <a:schemeClr val="tx1"/>
+                </a:solidFill>
+                <a:latin typeface="游ゴシック" panose="020B0400000000000000" pitchFamily="50" charset="-128"/>
+                <a:ea typeface="游ゴシック" panose="020B0400000000000000" pitchFamily="50" charset="-128"/>
+                <a:cs typeface="+mn-cs"/>
+              </a:defRPr>
+            </a:lvl3pPr>
+            <a:lvl4pPr marL="1600200" indent="-228600" algn="l" defTabSz="914400" rtl="0" eaLnBrk="1" latinLnBrk="0" hangingPunct="1">
+              <a:lnSpc>
+                <a:spcPct val="90000"/>
+              </a:lnSpc>
+              <a:spcBef>
+                <a:spcPts val="500"/>
+              </a:spcBef>
+              <a:buFont typeface="Wingdings 2" pitchFamily="18" charset="2"/>
+              <a:buChar char=""/>
+              <a:defRPr kumimoji="1" sz="1800" kern="1200">
+                <a:solidFill>
+                  <a:schemeClr val="tx1"/>
+                </a:solidFill>
+                <a:latin typeface="游ゴシック" panose="020B0400000000000000" pitchFamily="50" charset="-128"/>
+                <a:ea typeface="游ゴシック" panose="020B0400000000000000" pitchFamily="50" charset="-128"/>
+                <a:cs typeface="+mn-cs"/>
+              </a:defRPr>
+            </a:lvl4pPr>
+            <a:lvl5pPr marL="2057400" indent="-228600" algn="l" defTabSz="914400" rtl="0" eaLnBrk="1" latinLnBrk="0" hangingPunct="1">
+              <a:lnSpc>
+                <a:spcPct val="90000"/>
+              </a:lnSpc>
+              <a:spcBef>
+                <a:spcPts val="500"/>
+              </a:spcBef>
+              <a:buFont typeface="Wingdings 2" pitchFamily="18" charset="2"/>
+              <a:buChar char=""/>
+              <a:defRPr kumimoji="1" sz="1800" kern="1200">
+                <a:solidFill>
+                  <a:schemeClr val="tx1"/>
+                </a:solidFill>
+                <a:latin typeface="游ゴシック" panose="020B0400000000000000" pitchFamily="50" charset="-128"/>
+                <a:ea typeface="游ゴシック" panose="020B0400000000000000" pitchFamily="50" charset="-128"/>
+                <a:cs typeface="+mn-cs"/>
+              </a:defRPr>
+            </a:lvl5pPr>
+            <a:lvl6pPr marL="2514600" indent="-228600" algn="l" defTabSz="914400" rtl="0" eaLnBrk="1" latinLnBrk="0" hangingPunct="1">
+              <a:spcBef>
+                <a:spcPct val="20000"/>
+              </a:spcBef>
+              <a:buFont typeface="Wingdings 2" pitchFamily="18" charset="2"/>
+              <a:buChar char=""/>
+              <a:defRPr kumimoji="1" sz="1800" kern="1200">
+                <a:solidFill>
+                  <a:schemeClr val="tx1"/>
+                </a:solidFill>
+                <a:latin typeface="+mn-lt"/>
+                <a:ea typeface="+mn-ea"/>
+                <a:cs typeface="+mn-cs"/>
+              </a:defRPr>
+            </a:lvl6pPr>
+            <a:lvl7pPr marL="2971800" indent="-228600" algn="l" defTabSz="914400" rtl="0" eaLnBrk="1" latinLnBrk="0" hangingPunct="1">
+              <a:spcBef>
+                <a:spcPct val="20000"/>
+              </a:spcBef>
+              <a:buFont typeface="Wingdings 2" pitchFamily="18" charset="2"/>
+              <a:buChar char=""/>
+              <a:defRPr kumimoji="1" sz="1800" kern="1200">
+                <a:solidFill>
+                  <a:schemeClr val="tx1"/>
+                </a:solidFill>
+                <a:latin typeface="+mn-lt"/>
+                <a:ea typeface="+mn-ea"/>
+                <a:cs typeface="+mn-cs"/>
+              </a:defRPr>
+            </a:lvl7pPr>
+            <a:lvl8pPr marL="3429000" indent="-228600" algn="l" defTabSz="914400" rtl="0" eaLnBrk="1" latinLnBrk="0" hangingPunct="1">
+              <a:spcBef>
+                <a:spcPct val="20000"/>
+              </a:spcBef>
+              <a:buFont typeface="Wingdings 2" pitchFamily="18" charset="2"/>
+              <a:buChar char=""/>
+              <a:defRPr kumimoji="1" sz="1800" kern="1200">
+                <a:solidFill>
+                  <a:schemeClr val="tx1"/>
+                </a:solidFill>
+                <a:latin typeface="+mn-lt"/>
+                <a:ea typeface="+mn-ea"/>
+                <a:cs typeface="+mn-cs"/>
+              </a:defRPr>
+            </a:lvl8pPr>
+            <a:lvl9pPr marL="3886200" indent="-228600" algn="l" defTabSz="914400" rtl="0" eaLnBrk="1" latinLnBrk="0" hangingPunct="1">
+              <a:spcBef>
+                <a:spcPct val="20000"/>
+              </a:spcBef>
+              <a:buFont typeface="Wingdings 2" pitchFamily="18" charset="2"/>
+              <a:buChar char=""/>
+              <a:defRPr kumimoji="1" sz="1800" kern="1200">
+                <a:solidFill>
+                  <a:schemeClr val="tx1"/>
+                </a:solidFill>
+                <a:latin typeface="+mn-lt"/>
+                <a:ea typeface="+mn-ea"/>
+                <a:cs typeface="+mn-cs"/>
+              </a:defRPr>
+            </a:lvl9pPr>
+          </a:lstStyle>
+          <a:p>
+            <a:pPr marL="0" indent="0">
+              <a:lnSpc>
+                <a:spcPct val="150000"/>
+              </a:lnSpc>
+              <a:buFont typeface="Wingdings 2" pitchFamily="18" charset="2"/>
+              <a:buNone/>
+            </a:pPr>
+            <a:r>
+              <a:rPr lang="ja-JP" altLang="en-US" sz="1800" dirty="0"/>
+              <a:t>プル</a:t>
+            </a:r>
+          </a:p>
+        </p:txBody>
+      </p:sp>
+      <p:sp>
+        <p:nvSpPr>
+          <p:cNvPr id="57" name="吹き出し: 円形 56">
+            <a:extLst>
+              <a:ext uri="{FF2B5EF4-FFF2-40B4-BE49-F238E27FC236}">
+                <a16:creationId xmlns:a16="http://schemas.microsoft.com/office/drawing/2014/main" id="{AC4AD521-5940-6EFB-6ED4-27FFB8834061}"/>
               </a:ext>
             </a:extLst>
           </p:cNvPr>
@@ -5932,19 +8123,17 @@
           <p:nvPr/>
         </p:nvSpPr>
         <p:spPr>
-          <a:xfrm>
-            <a:off x="7050304" y="6188364"/>
-            <a:ext cx="1183341" cy="451900"/>
+          <a:xfrm flipH="1">
+            <a:off x="4716216" y="5657324"/>
+            <a:ext cx="1779674" cy="992615"/>
           </a:xfrm>
-          <a:prstGeom prst="rect">
-            <a:avLst/>
+          <a:prstGeom prst="wedgeEllipseCallout">
+            <a:avLst>
+              <a:gd name="adj1" fmla="val 33192"/>
+              <a:gd name="adj2" fmla="val -70262"/>
+            </a:avLst>
           </a:prstGeom>
           <a:noFill/>
-          <a:ln w="50800">
-            <a:solidFill>
-              <a:srgbClr val="FF0000"/>
-            </a:solidFill>
-          </a:ln>
         </p:spPr>
         <p:style>
           <a:lnRef idx="2">
@@ -5963,18 +8152,413 @@
           </a:fontRef>
         </p:style>
         <p:txBody>
-          <a:bodyPr rtlCol="0" anchor="ctr"/>
+          <a:bodyPr lIns="0" tIns="0" rIns="0" bIns="0" rtlCol="0" anchor="ctr"/>
           <a:lstStyle/>
           <a:p>
             <a:pPr algn="ctr"/>
-            <a:endParaRPr kumimoji="1" lang="ja-JP" altLang="en-US"/>
+            <a:r>
+              <a:rPr kumimoji="1" lang="ja-JP" altLang="en-US" dirty="0">
+                <a:solidFill>
+                  <a:schemeClr val="tx1"/>
+                </a:solidFill>
+              </a:rPr>
+              <a:t>ローカルがないから</a:t>
+            </a:r>
+            <a:endParaRPr kumimoji="1" lang="en-US" altLang="ja-JP" dirty="0">
+              <a:solidFill>
+                <a:schemeClr val="tx1"/>
+              </a:solidFill>
+            </a:endParaRPr>
+          </a:p>
+          <a:p>
+            <a:pPr algn="ctr"/>
+            <a:r>
+              <a:rPr kumimoji="1" lang="ja-JP" altLang="en-US" dirty="0">
+                <a:solidFill>
+                  <a:schemeClr val="tx1"/>
+                </a:solidFill>
+              </a:rPr>
+              <a:t>コピーしよう</a:t>
+            </a:r>
+          </a:p>
+        </p:txBody>
+      </p:sp>
+      <p:sp>
+        <p:nvSpPr>
+          <p:cNvPr id="60" name="コンテンツ プレースホルダー 2">
+            <a:extLst>
+              <a:ext uri="{FF2B5EF4-FFF2-40B4-BE49-F238E27FC236}">
+                <a16:creationId xmlns:a16="http://schemas.microsoft.com/office/drawing/2014/main" id="{0DAD9A5A-7D02-7575-39C7-C1BE68B1C2D1}"/>
+              </a:ext>
+            </a:extLst>
+          </p:cNvPr>
+          <p:cNvSpPr txBox="1">
+            <a:spLocks/>
+          </p:cNvSpPr>
+          <p:nvPr/>
+        </p:nvSpPr>
+        <p:spPr>
+          <a:xfrm>
+            <a:off x="10537034" y="5277600"/>
+            <a:ext cx="1454582" cy="503304"/>
+          </a:xfrm>
+          <a:prstGeom prst="rect">
+            <a:avLst/>
+          </a:prstGeom>
+        </p:spPr>
+        <p:txBody>
+          <a:bodyPr vert="horz" lIns="91440" tIns="45720" rIns="91440" bIns="45720" rtlCol="0">
+            <a:noAutofit/>
+          </a:bodyPr>
+          <a:lstStyle>
+            <a:lvl1pPr marL="228600" indent="-228600" algn="l" defTabSz="914400" rtl="0" eaLnBrk="1" latinLnBrk="0" hangingPunct="1">
+              <a:lnSpc>
+                <a:spcPct val="90000"/>
+              </a:lnSpc>
+              <a:spcBef>
+                <a:spcPts val="1000"/>
+              </a:spcBef>
+              <a:buFont typeface="Wingdings 2" pitchFamily="18" charset="2"/>
+              <a:buChar char=""/>
+              <a:defRPr kumimoji="1" sz="2800" kern="1200">
+                <a:solidFill>
+                  <a:schemeClr val="tx1"/>
+                </a:solidFill>
+                <a:latin typeface="游ゴシック" panose="020B0400000000000000" pitchFamily="50" charset="-128"/>
+                <a:ea typeface="游ゴシック" panose="020B0400000000000000" pitchFamily="50" charset="-128"/>
+                <a:cs typeface="+mn-cs"/>
+              </a:defRPr>
+            </a:lvl1pPr>
+            <a:lvl2pPr marL="685800" indent="-228600" algn="l" defTabSz="914400" rtl="0" eaLnBrk="1" latinLnBrk="0" hangingPunct="1">
+              <a:lnSpc>
+                <a:spcPct val="90000"/>
+              </a:lnSpc>
+              <a:spcBef>
+                <a:spcPts val="500"/>
+              </a:spcBef>
+              <a:buFont typeface="Wingdings 2" pitchFamily="18" charset="2"/>
+              <a:buChar char=""/>
+              <a:defRPr kumimoji="1" sz="2400" kern="1200">
+                <a:solidFill>
+                  <a:schemeClr val="tx1"/>
+                </a:solidFill>
+                <a:latin typeface="游ゴシック" panose="020B0400000000000000" pitchFamily="50" charset="-128"/>
+                <a:ea typeface="游ゴシック" panose="020B0400000000000000" pitchFamily="50" charset="-128"/>
+                <a:cs typeface="+mn-cs"/>
+              </a:defRPr>
+            </a:lvl2pPr>
+            <a:lvl3pPr marL="1143000" indent="-228600" algn="l" defTabSz="914400" rtl="0" eaLnBrk="1" latinLnBrk="0" hangingPunct="1">
+              <a:lnSpc>
+                <a:spcPct val="90000"/>
+              </a:lnSpc>
+              <a:spcBef>
+                <a:spcPts val="500"/>
+              </a:spcBef>
+              <a:buFont typeface="Wingdings 2" pitchFamily="18" charset="2"/>
+              <a:buChar char=""/>
+              <a:defRPr kumimoji="1" sz="2000" kern="1200">
+                <a:solidFill>
+                  <a:schemeClr val="tx1"/>
+                </a:solidFill>
+                <a:latin typeface="游ゴシック" panose="020B0400000000000000" pitchFamily="50" charset="-128"/>
+                <a:ea typeface="游ゴシック" panose="020B0400000000000000" pitchFamily="50" charset="-128"/>
+                <a:cs typeface="+mn-cs"/>
+              </a:defRPr>
+            </a:lvl3pPr>
+            <a:lvl4pPr marL="1600200" indent="-228600" algn="l" defTabSz="914400" rtl="0" eaLnBrk="1" latinLnBrk="0" hangingPunct="1">
+              <a:lnSpc>
+                <a:spcPct val="90000"/>
+              </a:lnSpc>
+              <a:spcBef>
+                <a:spcPts val="500"/>
+              </a:spcBef>
+              <a:buFont typeface="Wingdings 2" pitchFamily="18" charset="2"/>
+              <a:buChar char=""/>
+              <a:defRPr kumimoji="1" sz="1800" kern="1200">
+                <a:solidFill>
+                  <a:schemeClr val="tx1"/>
+                </a:solidFill>
+                <a:latin typeface="游ゴシック" panose="020B0400000000000000" pitchFamily="50" charset="-128"/>
+                <a:ea typeface="游ゴシック" panose="020B0400000000000000" pitchFamily="50" charset="-128"/>
+                <a:cs typeface="+mn-cs"/>
+              </a:defRPr>
+            </a:lvl4pPr>
+            <a:lvl5pPr marL="2057400" indent="-228600" algn="l" defTabSz="914400" rtl="0" eaLnBrk="1" latinLnBrk="0" hangingPunct="1">
+              <a:lnSpc>
+                <a:spcPct val="90000"/>
+              </a:lnSpc>
+              <a:spcBef>
+                <a:spcPts val="500"/>
+              </a:spcBef>
+              <a:buFont typeface="Wingdings 2" pitchFamily="18" charset="2"/>
+              <a:buChar char=""/>
+              <a:defRPr kumimoji="1" sz="1800" kern="1200">
+                <a:solidFill>
+                  <a:schemeClr val="tx1"/>
+                </a:solidFill>
+                <a:latin typeface="游ゴシック" panose="020B0400000000000000" pitchFamily="50" charset="-128"/>
+                <a:ea typeface="游ゴシック" panose="020B0400000000000000" pitchFamily="50" charset="-128"/>
+                <a:cs typeface="+mn-cs"/>
+              </a:defRPr>
+            </a:lvl5pPr>
+            <a:lvl6pPr marL="2514600" indent="-228600" algn="l" defTabSz="914400" rtl="0" eaLnBrk="1" latinLnBrk="0" hangingPunct="1">
+              <a:spcBef>
+                <a:spcPct val="20000"/>
+              </a:spcBef>
+              <a:buFont typeface="Wingdings 2" pitchFamily="18" charset="2"/>
+              <a:buChar char=""/>
+              <a:defRPr kumimoji="1" sz="1800" kern="1200">
+                <a:solidFill>
+                  <a:schemeClr val="tx1"/>
+                </a:solidFill>
+                <a:latin typeface="+mn-lt"/>
+                <a:ea typeface="+mn-ea"/>
+                <a:cs typeface="+mn-cs"/>
+              </a:defRPr>
+            </a:lvl6pPr>
+            <a:lvl7pPr marL="2971800" indent="-228600" algn="l" defTabSz="914400" rtl="0" eaLnBrk="1" latinLnBrk="0" hangingPunct="1">
+              <a:spcBef>
+                <a:spcPct val="20000"/>
+              </a:spcBef>
+              <a:buFont typeface="Wingdings 2" pitchFamily="18" charset="2"/>
+              <a:buChar char=""/>
+              <a:defRPr kumimoji="1" sz="1800" kern="1200">
+                <a:solidFill>
+                  <a:schemeClr val="tx1"/>
+                </a:solidFill>
+                <a:latin typeface="+mn-lt"/>
+                <a:ea typeface="+mn-ea"/>
+                <a:cs typeface="+mn-cs"/>
+              </a:defRPr>
+            </a:lvl7pPr>
+            <a:lvl8pPr marL="3429000" indent="-228600" algn="l" defTabSz="914400" rtl="0" eaLnBrk="1" latinLnBrk="0" hangingPunct="1">
+              <a:spcBef>
+                <a:spcPct val="20000"/>
+              </a:spcBef>
+              <a:buFont typeface="Wingdings 2" pitchFamily="18" charset="2"/>
+              <a:buChar char=""/>
+              <a:defRPr kumimoji="1" sz="1800" kern="1200">
+                <a:solidFill>
+                  <a:schemeClr val="tx1"/>
+                </a:solidFill>
+                <a:latin typeface="+mn-lt"/>
+                <a:ea typeface="+mn-ea"/>
+                <a:cs typeface="+mn-cs"/>
+              </a:defRPr>
+            </a:lvl8pPr>
+            <a:lvl9pPr marL="3886200" indent="-228600" algn="l" defTabSz="914400" rtl="0" eaLnBrk="1" latinLnBrk="0" hangingPunct="1">
+              <a:spcBef>
+                <a:spcPct val="20000"/>
+              </a:spcBef>
+              <a:buFont typeface="Wingdings 2" pitchFamily="18" charset="2"/>
+              <a:buChar char=""/>
+              <a:defRPr kumimoji="1" sz="1800" kern="1200">
+                <a:solidFill>
+                  <a:schemeClr val="tx1"/>
+                </a:solidFill>
+                <a:latin typeface="+mn-lt"/>
+                <a:ea typeface="+mn-ea"/>
+                <a:cs typeface="+mn-cs"/>
+              </a:defRPr>
+            </a:lvl9pPr>
+          </a:lstStyle>
+          <a:p>
+            <a:pPr marL="0" indent="0">
+              <a:lnSpc>
+                <a:spcPct val="150000"/>
+              </a:lnSpc>
+              <a:buFont typeface="Wingdings 2" pitchFamily="18" charset="2"/>
+              <a:buNone/>
+            </a:pPr>
+            <a:r>
+              <a:rPr lang="ja-JP" altLang="en-US" sz="1800" dirty="0"/>
+              <a:t>ローカル</a:t>
+            </a:r>
+          </a:p>
+        </p:txBody>
+      </p:sp>
+      <p:sp>
+        <p:nvSpPr>
+          <p:cNvPr id="61" name="吹き出し: 円形 60">
+            <a:extLst>
+              <a:ext uri="{FF2B5EF4-FFF2-40B4-BE49-F238E27FC236}">
+                <a16:creationId xmlns:a16="http://schemas.microsoft.com/office/drawing/2014/main" id="{00CED09E-478D-B59B-3A90-48CA2C6F4A45}"/>
+              </a:ext>
+            </a:extLst>
+          </p:cNvPr>
+          <p:cNvSpPr/>
+          <p:nvPr/>
+        </p:nvSpPr>
+        <p:spPr>
+          <a:xfrm flipH="1">
+            <a:off x="7259695" y="5657324"/>
+            <a:ext cx="1779674" cy="992615"/>
+          </a:xfrm>
+          <a:prstGeom prst="wedgeEllipseCallout">
+            <a:avLst>
+              <a:gd name="adj1" fmla="val 33192"/>
+              <a:gd name="adj2" fmla="val -70262"/>
+            </a:avLst>
+          </a:prstGeom>
+          <a:noFill/>
+        </p:spPr>
+        <p:style>
+          <a:lnRef idx="2">
+            <a:schemeClr val="accent1">
+              <a:shade val="15000"/>
+            </a:schemeClr>
+          </a:lnRef>
+          <a:fillRef idx="1">
+            <a:schemeClr val="accent1"/>
+          </a:fillRef>
+          <a:effectRef idx="0">
+            <a:schemeClr val="accent1"/>
+          </a:effectRef>
+          <a:fontRef idx="minor">
+            <a:schemeClr val="lt1"/>
+          </a:fontRef>
+        </p:style>
+        <p:txBody>
+          <a:bodyPr lIns="0" tIns="0" rIns="0" bIns="0" rtlCol="0" anchor="ctr"/>
+          <a:lstStyle/>
+          <a:p>
+            <a:pPr algn="ctr"/>
+            <a:r>
+              <a:rPr kumimoji="1" lang="ja-JP" altLang="en-US" dirty="0">
+                <a:solidFill>
+                  <a:schemeClr val="tx1"/>
+                </a:solidFill>
+              </a:rPr>
+              <a:t>ローカルを</a:t>
+            </a:r>
+            <a:endParaRPr kumimoji="1" lang="en-US" altLang="ja-JP" dirty="0">
+              <a:solidFill>
+                <a:schemeClr val="tx1"/>
+              </a:solidFill>
+            </a:endParaRPr>
+          </a:p>
+          <a:p>
+            <a:pPr algn="ctr"/>
+            <a:r>
+              <a:rPr kumimoji="1" lang="ja-JP" altLang="en-US" dirty="0">
+                <a:solidFill>
+                  <a:schemeClr val="tx1"/>
+                </a:solidFill>
+              </a:rPr>
+              <a:t>変更したから</a:t>
+            </a:r>
+            <a:endParaRPr kumimoji="1" lang="en-US" altLang="ja-JP" dirty="0">
+              <a:solidFill>
+                <a:schemeClr val="tx1"/>
+              </a:solidFill>
+            </a:endParaRPr>
+          </a:p>
+          <a:p>
+            <a:pPr algn="ctr"/>
+            <a:r>
+              <a:rPr kumimoji="1" lang="ja-JP" altLang="en-US" dirty="0">
+                <a:solidFill>
+                  <a:schemeClr val="tx1"/>
+                </a:solidFill>
+              </a:rPr>
+              <a:t>アップしよう</a:t>
+            </a:r>
+          </a:p>
+        </p:txBody>
+      </p:sp>
+      <p:sp>
+        <p:nvSpPr>
+          <p:cNvPr id="62" name="吹き出し: 円形 61">
+            <a:extLst>
+              <a:ext uri="{FF2B5EF4-FFF2-40B4-BE49-F238E27FC236}">
+                <a16:creationId xmlns:a16="http://schemas.microsoft.com/office/drawing/2014/main" id="{177C1E7D-3400-ED67-E7EF-FA55D840ED43}"/>
+              </a:ext>
+            </a:extLst>
+          </p:cNvPr>
+          <p:cNvSpPr/>
+          <p:nvPr/>
+        </p:nvSpPr>
+        <p:spPr>
+          <a:xfrm flipH="1">
+            <a:off x="9894144" y="5657324"/>
+            <a:ext cx="1779674" cy="992615"/>
+          </a:xfrm>
+          <a:prstGeom prst="wedgeEllipseCallout">
+            <a:avLst>
+              <a:gd name="adj1" fmla="val 33192"/>
+              <a:gd name="adj2" fmla="val -70262"/>
+            </a:avLst>
+          </a:prstGeom>
+          <a:noFill/>
+        </p:spPr>
+        <p:style>
+          <a:lnRef idx="2">
+            <a:schemeClr val="accent1">
+              <a:shade val="15000"/>
+            </a:schemeClr>
+          </a:lnRef>
+          <a:fillRef idx="1">
+            <a:schemeClr val="accent1"/>
+          </a:fillRef>
+          <a:effectRef idx="0">
+            <a:schemeClr val="accent1"/>
+          </a:effectRef>
+          <a:fontRef idx="minor">
+            <a:schemeClr val="lt1"/>
+          </a:fontRef>
+        </p:style>
+        <p:txBody>
+          <a:bodyPr lIns="0" tIns="0" rIns="0" bIns="0" rtlCol="0" anchor="ctr"/>
+          <a:lstStyle/>
+          <a:p>
+            <a:pPr algn="ctr"/>
+            <a:r>
+              <a:rPr kumimoji="1" lang="ja-JP" altLang="en-US" dirty="0">
+                <a:solidFill>
+                  <a:schemeClr val="tx1"/>
+                </a:solidFill>
+              </a:rPr>
+              <a:t>他の人の</a:t>
+            </a:r>
+            <a:endParaRPr kumimoji="1" lang="en-US" altLang="ja-JP" dirty="0">
+              <a:solidFill>
+                <a:schemeClr val="tx1"/>
+              </a:solidFill>
+            </a:endParaRPr>
+          </a:p>
+          <a:p>
+            <a:pPr algn="ctr"/>
+            <a:r>
+              <a:rPr kumimoji="1" lang="ja-JP" altLang="en-US" dirty="0">
+                <a:solidFill>
+                  <a:schemeClr val="tx1"/>
+                </a:solidFill>
+              </a:rPr>
+              <a:t>変更を</a:t>
+            </a:r>
+            <a:endParaRPr kumimoji="1" lang="en-US" altLang="ja-JP" dirty="0">
+              <a:solidFill>
+                <a:schemeClr val="tx1"/>
+              </a:solidFill>
+            </a:endParaRPr>
+          </a:p>
+          <a:p>
+            <a:pPr algn="ctr"/>
+            <a:r>
+              <a:rPr kumimoji="1" lang="ja-JP" altLang="en-US" dirty="0">
+                <a:solidFill>
+                  <a:schemeClr val="tx1"/>
+                </a:solidFill>
+              </a:rPr>
+              <a:t>ダウンロード</a:t>
+            </a:r>
           </a:p>
         </p:txBody>
       </p:sp>
     </p:spTree>
     <p:extLst>
       <p:ext uri="{BB962C8B-B14F-4D97-AF65-F5344CB8AC3E}">
-        <p14:creationId xmlns:p14="http://schemas.microsoft.com/office/powerpoint/2010/main" val="3205590069"/>
+        <p14:creationId xmlns:p14="http://schemas.microsoft.com/office/powerpoint/2010/main" val="2273013975"/>
       </p:ext>
     </p:extLst>
   </p:cSld>
@@ -6001,36 +8585,6 @@
           <a:chExt cx="0" cy="0"/>
         </a:xfrm>
       </p:grpSpPr>
-      <p:pic>
-        <p:nvPicPr>
-          <p:cNvPr id="5" name="図 4">
-            <a:extLst>
-              <a:ext uri="{FF2B5EF4-FFF2-40B4-BE49-F238E27FC236}">
-                <a16:creationId xmlns:a16="http://schemas.microsoft.com/office/drawing/2014/main" id="{27374331-962E-FD36-6DDA-E1EEFBE9C762}"/>
-              </a:ext>
-            </a:extLst>
-          </p:cNvPr>
-          <p:cNvPicPr>
-            <a:picLocks noChangeAspect="1"/>
-          </p:cNvPicPr>
-          <p:nvPr/>
-        </p:nvPicPr>
-        <p:blipFill>
-          <a:blip r:embed="rId2"/>
-          <a:stretch>
-            <a:fillRect/>
-          </a:stretch>
-        </p:blipFill>
-        <p:spPr>
-          <a:xfrm>
-            <a:off x="2794000" y="1235074"/>
-            <a:ext cx="6604000" cy="5484813"/>
-          </a:xfrm>
-          <a:prstGeom prst="rect">
-            <a:avLst/>
-          </a:prstGeom>
-        </p:spPr>
-      </p:pic>
       <p:sp>
         <p:nvSpPr>
           <p:cNvPr id="2" name="タイトル 1">
@@ -6053,73 +8607,131 @@
           <a:lstStyle/>
           <a:p>
             <a:r>
-              <a:rPr lang="en-US" altLang="ja-JP" dirty="0"/>
-              <a:t>Git</a:t>
-            </a:r>
-            <a:r>
-              <a:rPr lang="ja-JP" altLang="en-US" dirty="0"/>
-              <a:t>のインストール</a:t>
-            </a:r>
-            <a:endParaRPr kumimoji="1" lang="ja-JP" altLang="en-US" dirty="0"/>
+              <a:rPr kumimoji="1" lang="ja-JP" altLang="en-US" dirty="0"/>
+              <a:t>リポジトリ</a:t>
+            </a:r>
           </a:p>
         </p:txBody>
       </p:sp>
       <p:sp>
         <p:nvSpPr>
-          <p:cNvPr id="8" name="正方形/長方形 7">
+          <p:cNvPr id="4" name="コンテンツ プレースホルダー 2">
             <a:extLst>
               <a:ext uri="{FF2B5EF4-FFF2-40B4-BE49-F238E27FC236}">
-                <a16:creationId xmlns:a16="http://schemas.microsoft.com/office/drawing/2014/main" id="{201EC2A1-D0D1-0AB6-6DF7-AF2354741295}"/>
+                <a16:creationId xmlns:a16="http://schemas.microsoft.com/office/drawing/2014/main" id="{81E22F13-F9BA-6547-7B98-D5E042138C96}"/>
               </a:ext>
             </a:extLst>
           </p:cNvPr>
-          <p:cNvSpPr/>
-          <p:nvPr/>
+          <p:cNvSpPr>
+            <a:spLocks noGrp="1"/>
+          </p:cNvSpPr>
+          <p:nvPr>
+            <p:ph idx="1"/>
+          </p:nvPr>
         </p:nvSpPr>
         <p:spPr>
           <a:xfrm>
-            <a:off x="7050304" y="6188364"/>
-            <a:ext cx="1183341" cy="451900"/>
+            <a:off x="571500" y="1376218"/>
+            <a:ext cx="11049000" cy="4844967"/>
           </a:xfrm>
-          <a:prstGeom prst="rect">
-            <a:avLst/>
-          </a:prstGeom>
-          <a:noFill/>
-          <a:ln w="50800">
-            <a:solidFill>
-              <a:srgbClr val="FF0000"/>
-            </a:solidFill>
-          </a:ln>
         </p:spPr>
-        <p:style>
-          <a:lnRef idx="2">
-            <a:schemeClr val="accent1">
-              <a:shade val="15000"/>
-            </a:schemeClr>
-          </a:lnRef>
-          <a:fillRef idx="1">
-            <a:schemeClr val="accent1"/>
-          </a:fillRef>
-          <a:effectRef idx="0">
-            <a:schemeClr val="accent1"/>
-          </a:effectRef>
-          <a:fontRef idx="minor">
-            <a:schemeClr val="lt1"/>
-          </a:fontRef>
-        </p:style>
         <p:txBody>
-          <a:bodyPr rtlCol="0" anchor="ctr"/>
+          <a:bodyPr>
+            <a:noAutofit/>
+          </a:bodyPr>
           <a:lstStyle/>
           <a:p>
-            <a:pPr algn="ctr"/>
-            <a:endParaRPr kumimoji="1" lang="ja-JP" altLang="en-US"/>
+            <a:pPr marL="0" indent="0">
+              <a:lnSpc>
+                <a:spcPct val="100000"/>
+              </a:lnSpc>
+              <a:buNone/>
+            </a:pPr>
+            <a:r>
+              <a:rPr kumimoji="1" lang="ja-JP" altLang="en-US" sz="3200" dirty="0"/>
+              <a:t>データの保管場所のことです。</a:t>
+            </a:r>
+            <a:endParaRPr kumimoji="1" lang="en-US" altLang="ja-JP" sz="3200" dirty="0"/>
+          </a:p>
+          <a:p>
+            <a:pPr marL="0" indent="0">
+              <a:lnSpc>
+                <a:spcPct val="100000"/>
+              </a:lnSpc>
+              <a:buNone/>
+            </a:pPr>
+            <a:r>
+              <a:rPr lang="ja-JP" altLang="en-US" sz="3200" dirty="0"/>
+              <a:t>ローカルとリモートの二種類が存在します。</a:t>
+            </a:r>
+            <a:endParaRPr lang="en-US" altLang="ja-JP" sz="3200" dirty="0"/>
+          </a:p>
+          <a:p>
+            <a:pPr marL="0" indent="0">
+              <a:lnSpc>
+                <a:spcPct val="100000"/>
+              </a:lnSpc>
+              <a:buNone/>
+            </a:pPr>
+            <a:r>
+              <a:rPr lang="ja-JP" altLang="en-US" sz="3200" dirty="0"/>
+              <a:t>ローカルは自分の</a:t>
+            </a:r>
+            <a:r>
+              <a:rPr lang="en-US" altLang="ja-JP" sz="3200" dirty="0"/>
+              <a:t>PC</a:t>
+            </a:r>
+            <a:r>
+              <a:rPr lang="ja-JP" altLang="en-US" sz="3200" dirty="0"/>
+              <a:t>に保管しているものを指します。</a:t>
+            </a:r>
+            <a:endParaRPr lang="en-US" altLang="ja-JP" sz="3200" dirty="0"/>
+          </a:p>
+          <a:p>
+            <a:pPr marL="0" indent="0">
+              <a:lnSpc>
+                <a:spcPct val="100000"/>
+              </a:lnSpc>
+              <a:buNone/>
+            </a:pPr>
+            <a:r>
+              <a:rPr lang="ja-JP" altLang="en-US" sz="3200" dirty="0"/>
+              <a:t>これを編集していきます。</a:t>
+            </a:r>
+            <a:endParaRPr lang="en-US" altLang="ja-JP" sz="3200" dirty="0"/>
+          </a:p>
+          <a:p>
+            <a:pPr marL="0" indent="0">
+              <a:lnSpc>
+                <a:spcPct val="100000"/>
+              </a:lnSpc>
+              <a:buNone/>
+            </a:pPr>
+            <a:r>
+              <a:rPr lang="ja-JP" altLang="en-US" sz="3200" dirty="0"/>
+              <a:t>リモートはネット上にアップしてあるものです。</a:t>
+            </a:r>
+            <a:endParaRPr lang="en-US" altLang="ja-JP" sz="3200" dirty="0"/>
+          </a:p>
+          <a:p>
+            <a:pPr marL="0" indent="0">
+              <a:lnSpc>
+                <a:spcPct val="100000"/>
+              </a:lnSpc>
+              <a:buNone/>
+            </a:pPr>
+            <a:r>
+              <a:rPr lang="ja-JP" altLang="en-US" sz="3200" dirty="0"/>
+              <a:t>ローカルのデータをアップして、内容を更新します。</a:t>
+            </a:r>
+            <a:endParaRPr lang="en-US" altLang="ja-JP" sz="3200" dirty="0"/>
           </a:p>
         </p:txBody>
       </p:sp>
     </p:spTree>
     <p:extLst>
       <p:ext uri="{BB962C8B-B14F-4D97-AF65-F5344CB8AC3E}">
-        <p14:creationId xmlns:p14="http://schemas.microsoft.com/office/powerpoint/2010/main" val="1941647672"/>
+        <p14:creationId xmlns:p14="http://schemas.microsoft.com/office/powerpoint/2010/main" val="3566682538"/>
       </p:ext>
     </p:extLst>
   </p:cSld>
@@ -6146,36 +8758,6 @@
           <a:chExt cx="0" cy="0"/>
         </a:xfrm>
       </p:grpSpPr>
-      <p:pic>
-        <p:nvPicPr>
-          <p:cNvPr id="4" name="図 3">
-            <a:extLst>
-              <a:ext uri="{FF2B5EF4-FFF2-40B4-BE49-F238E27FC236}">
-                <a16:creationId xmlns:a16="http://schemas.microsoft.com/office/drawing/2014/main" id="{E735D103-6124-5BB1-FC89-878BDE3D254C}"/>
-              </a:ext>
-            </a:extLst>
-          </p:cNvPr>
-          <p:cNvPicPr>
-            <a:picLocks noChangeAspect="1"/>
-          </p:cNvPicPr>
-          <p:nvPr/>
-        </p:nvPicPr>
-        <p:blipFill>
-          <a:blip r:embed="rId2"/>
-          <a:stretch>
-            <a:fillRect/>
-          </a:stretch>
-        </p:blipFill>
-        <p:spPr>
-          <a:xfrm>
-            <a:off x="2794000" y="1244311"/>
-            <a:ext cx="6604000" cy="5484813"/>
-          </a:xfrm>
-          <a:prstGeom prst="rect">
-            <a:avLst/>
-          </a:prstGeom>
-        </p:spPr>
-      </p:pic>
       <p:sp>
         <p:nvSpPr>
           <p:cNvPr id="2" name="タイトル 1">
@@ -6198,12 +8780,8 @@
           <a:lstStyle/>
           <a:p>
             <a:r>
-              <a:rPr lang="en-US" altLang="ja-JP" dirty="0"/>
-              <a:t>Git</a:t>
-            </a:r>
-            <a:r>
               <a:rPr lang="ja-JP" altLang="en-US" dirty="0"/>
-              <a:t>のインストール</a:t>
+              <a:t>クローン</a:t>
             </a:r>
             <a:endParaRPr kumimoji="1" lang="ja-JP" altLang="en-US" dirty="0"/>
           </a:p>
@@ -6211,60 +8789,63 @@
       </p:sp>
       <p:sp>
         <p:nvSpPr>
-          <p:cNvPr id="8" name="正方形/長方形 7">
+          <p:cNvPr id="4" name="コンテンツ プレースホルダー 2">
             <a:extLst>
               <a:ext uri="{FF2B5EF4-FFF2-40B4-BE49-F238E27FC236}">
-                <a16:creationId xmlns:a16="http://schemas.microsoft.com/office/drawing/2014/main" id="{201EC2A1-D0D1-0AB6-6DF7-AF2354741295}"/>
+                <a16:creationId xmlns:a16="http://schemas.microsoft.com/office/drawing/2014/main" id="{81E22F13-F9BA-6547-7B98-D5E042138C96}"/>
               </a:ext>
             </a:extLst>
           </p:cNvPr>
-          <p:cNvSpPr/>
-          <p:nvPr/>
+          <p:cNvSpPr>
+            <a:spLocks noGrp="1"/>
+          </p:cNvSpPr>
+          <p:nvPr>
+            <p:ph idx="1"/>
+          </p:nvPr>
         </p:nvSpPr>
         <p:spPr>
           <a:xfrm>
-            <a:off x="7050304" y="6188364"/>
-            <a:ext cx="1183341" cy="451900"/>
+            <a:off x="571500" y="1376218"/>
+            <a:ext cx="11049000" cy="4844967"/>
           </a:xfrm>
-          <a:prstGeom prst="rect">
-            <a:avLst/>
-          </a:prstGeom>
-          <a:noFill/>
-          <a:ln w="50800">
-            <a:solidFill>
-              <a:srgbClr val="FF0000"/>
-            </a:solidFill>
-          </a:ln>
         </p:spPr>
-        <p:style>
-          <a:lnRef idx="2">
-            <a:schemeClr val="accent1">
-              <a:shade val="15000"/>
-            </a:schemeClr>
-          </a:lnRef>
-          <a:fillRef idx="1">
-            <a:schemeClr val="accent1"/>
-          </a:fillRef>
-          <a:effectRef idx="0">
-            <a:schemeClr val="accent1"/>
-          </a:effectRef>
-          <a:fontRef idx="minor">
-            <a:schemeClr val="lt1"/>
-          </a:fontRef>
-        </p:style>
         <p:txBody>
-          <a:bodyPr rtlCol="0" anchor="ctr"/>
+          <a:bodyPr>
+            <a:noAutofit/>
+          </a:bodyPr>
           <a:lstStyle/>
           <a:p>
-            <a:pPr algn="ctr"/>
-            <a:endParaRPr kumimoji="1" lang="ja-JP" altLang="en-US"/>
+            <a:pPr marL="0" indent="0">
+              <a:lnSpc>
+                <a:spcPct val="150000"/>
+              </a:lnSpc>
+              <a:buNone/>
+            </a:pPr>
+            <a:r>
+              <a:rPr kumimoji="1" lang="ja-JP" altLang="en-US" dirty="0"/>
+              <a:t>リモートのリポジトリをコピーしてきて、</a:t>
+            </a:r>
+            <a:endParaRPr kumimoji="1" lang="en-US" altLang="ja-JP" dirty="0"/>
+          </a:p>
+          <a:p>
+            <a:pPr marL="0" indent="0">
+              <a:lnSpc>
+                <a:spcPct val="150000"/>
+              </a:lnSpc>
+              <a:buNone/>
+            </a:pPr>
+            <a:r>
+              <a:rPr lang="ja-JP" altLang="en-US" dirty="0"/>
+              <a:t>ローカルのリポジトリを作ることをクローンといいます。</a:t>
+            </a:r>
+            <a:endParaRPr lang="en-US" altLang="ja-JP" dirty="0"/>
           </a:p>
         </p:txBody>
       </p:sp>
     </p:spTree>
     <p:extLst>
       <p:ext uri="{BB962C8B-B14F-4D97-AF65-F5344CB8AC3E}">
-        <p14:creationId xmlns:p14="http://schemas.microsoft.com/office/powerpoint/2010/main" val="976493523"/>
+        <p14:creationId xmlns:p14="http://schemas.microsoft.com/office/powerpoint/2010/main" val="1240419068"/>
       </p:ext>
     </p:extLst>
   </p:cSld>
@@ -6291,36 +8872,6 @@
           <a:chExt cx="0" cy="0"/>
         </a:xfrm>
       </p:grpSpPr>
-      <p:pic>
-        <p:nvPicPr>
-          <p:cNvPr id="5" name="図 4">
-            <a:extLst>
-              <a:ext uri="{FF2B5EF4-FFF2-40B4-BE49-F238E27FC236}">
-                <a16:creationId xmlns:a16="http://schemas.microsoft.com/office/drawing/2014/main" id="{84DB7522-B95C-5E4C-2D20-45B2A364360B}"/>
-              </a:ext>
-            </a:extLst>
-          </p:cNvPr>
-          <p:cNvPicPr>
-            <a:picLocks noChangeAspect="1"/>
-          </p:cNvPicPr>
-          <p:nvPr/>
-        </p:nvPicPr>
-        <p:blipFill>
-          <a:blip r:embed="rId2"/>
-          <a:stretch>
-            <a:fillRect/>
-          </a:stretch>
-        </p:blipFill>
-        <p:spPr>
-          <a:xfrm>
-            <a:off x="2784443" y="1209964"/>
-            <a:ext cx="6623114" cy="5500687"/>
-          </a:xfrm>
-          <a:prstGeom prst="rect">
-            <a:avLst/>
-          </a:prstGeom>
-        </p:spPr>
-      </p:pic>
       <p:sp>
         <p:nvSpPr>
           <p:cNvPr id="2" name="タイトル 1">
@@ -6343,73 +8894,97 @@
           <a:lstStyle/>
           <a:p>
             <a:r>
-              <a:rPr lang="en-US" altLang="ja-JP" dirty="0"/>
-              <a:t>Git</a:t>
-            </a:r>
-            <a:r>
-              <a:rPr lang="ja-JP" altLang="en-US" dirty="0"/>
-              <a:t>のインストール</a:t>
-            </a:r>
-            <a:endParaRPr kumimoji="1" lang="ja-JP" altLang="en-US" dirty="0"/>
+              <a:rPr kumimoji="1" lang="ja-JP" altLang="en-US" dirty="0"/>
+              <a:t>コミット</a:t>
+            </a:r>
           </a:p>
         </p:txBody>
       </p:sp>
       <p:sp>
         <p:nvSpPr>
-          <p:cNvPr id="8" name="正方形/長方形 7">
+          <p:cNvPr id="4" name="コンテンツ プレースホルダー 2">
             <a:extLst>
               <a:ext uri="{FF2B5EF4-FFF2-40B4-BE49-F238E27FC236}">
-                <a16:creationId xmlns:a16="http://schemas.microsoft.com/office/drawing/2014/main" id="{201EC2A1-D0D1-0AB6-6DF7-AF2354741295}"/>
+                <a16:creationId xmlns:a16="http://schemas.microsoft.com/office/drawing/2014/main" id="{81E22F13-F9BA-6547-7B98-D5E042138C96}"/>
               </a:ext>
             </a:extLst>
           </p:cNvPr>
-          <p:cNvSpPr/>
-          <p:nvPr/>
+          <p:cNvSpPr>
+            <a:spLocks noGrp="1"/>
+          </p:cNvSpPr>
+          <p:nvPr>
+            <p:ph idx="1"/>
+          </p:nvPr>
         </p:nvSpPr>
         <p:spPr>
           <a:xfrm>
-            <a:off x="7050304" y="6188364"/>
-            <a:ext cx="1183341" cy="451900"/>
+            <a:off x="571500" y="1376218"/>
+            <a:ext cx="11049000" cy="4844967"/>
           </a:xfrm>
-          <a:prstGeom prst="rect">
-            <a:avLst/>
-          </a:prstGeom>
-          <a:noFill/>
-          <a:ln w="50800">
-            <a:solidFill>
-              <a:srgbClr val="FF0000"/>
-            </a:solidFill>
-          </a:ln>
         </p:spPr>
-        <p:style>
-          <a:lnRef idx="2">
-            <a:schemeClr val="accent1">
-              <a:shade val="15000"/>
-            </a:schemeClr>
-          </a:lnRef>
-          <a:fillRef idx="1">
-            <a:schemeClr val="accent1"/>
-          </a:fillRef>
-          <a:effectRef idx="0">
-            <a:schemeClr val="accent1"/>
-          </a:effectRef>
-          <a:fontRef idx="minor">
-            <a:schemeClr val="lt1"/>
-          </a:fontRef>
-        </p:style>
         <p:txBody>
-          <a:bodyPr rtlCol="0" anchor="ctr"/>
+          <a:bodyPr>
+            <a:noAutofit/>
+          </a:bodyPr>
           <a:lstStyle/>
           <a:p>
-            <a:pPr algn="ctr"/>
-            <a:endParaRPr kumimoji="1" lang="ja-JP" altLang="en-US"/>
+            <a:pPr marL="0" indent="0">
+              <a:lnSpc>
+                <a:spcPct val="150000"/>
+              </a:lnSpc>
+              <a:buNone/>
+            </a:pPr>
+            <a:r>
+              <a:rPr kumimoji="1" lang="ja-JP" altLang="en-US" dirty="0"/>
+              <a:t>ローカルで変更を加えるときは</a:t>
+            </a:r>
+            <a:endParaRPr kumimoji="1" lang="en-US" altLang="ja-JP" dirty="0"/>
+          </a:p>
+          <a:p>
+            <a:pPr marL="0" indent="0">
+              <a:lnSpc>
+                <a:spcPct val="150000"/>
+              </a:lnSpc>
+              <a:buNone/>
+            </a:pPr>
+            <a:r>
+              <a:rPr lang="ja-JP" altLang="en-US" dirty="0"/>
+              <a:t>１．ファイルの内容を変更する</a:t>
+            </a:r>
+            <a:endParaRPr lang="en-US" altLang="ja-JP" dirty="0"/>
+          </a:p>
+          <a:p>
+            <a:pPr marL="0" indent="0">
+              <a:lnSpc>
+                <a:spcPct val="150000"/>
+              </a:lnSpc>
+              <a:buNone/>
+            </a:pPr>
+            <a:r>
+              <a:rPr kumimoji="1" lang="ja-JP" altLang="en-US" dirty="0"/>
+              <a:t>２．その変更をコミットする（確定させる）</a:t>
+            </a:r>
+            <a:endParaRPr kumimoji="1" lang="en-US" altLang="ja-JP" dirty="0"/>
+          </a:p>
+          <a:p>
+            <a:pPr marL="0" indent="0">
+              <a:lnSpc>
+                <a:spcPct val="150000"/>
+              </a:lnSpc>
+              <a:buNone/>
+            </a:pPr>
+            <a:r>
+              <a:rPr lang="ja-JP" altLang="en-US" dirty="0"/>
+              <a:t>という２段階で変更します。</a:t>
+            </a:r>
+            <a:endParaRPr kumimoji="1" lang="en-US" altLang="ja-JP" dirty="0"/>
           </a:p>
         </p:txBody>
       </p:sp>
     </p:spTree>
     <p:extLst>
       <p:ext uri="{BB962C8B-B14F-4D97-AF65-F5344CB8AC3E}">
-        <p14:creationId xmlns:p14="http://schemas.microsoft.com/office/powerpoint/2010/main" val="941876795"/>
+        <p14:creationId xmlns:p14="http://schemas.microsoft.com/office/powerpoint/2010/main" val="1089258036"/>
       </p:ext>
     </p:extLst>
   </p:cSld>
@@ -6436,36 +9011,6 @@
           <a:chExt cx="0" cy="0"/>
         </a:xfrm>
       </p:grpSpPr>
-      <p:pic>
-        <p:nvPicPr>
-          <p:cNvPr id="7" name="図 6">
-            <a:extLst>
-              <a:ext uri="{FF2B5EF4-FFF2-40B4-BE49-F238E27FC236}">
-                <a16:creationId xmlns:a16="http://schemas.microsoft.com/office/drawing/2014/main" id="{51BC7683-4682-EB9A-7134-02F11E9D5FF7}"/>
-              </a:ext>
-            </a:extLst>
-          </p:cNvPr>
-          <p:cNvPicPr>
-            <a:picLocks noChangeAspect="1"/>
-          </p:cNvPicPr>
-          <p:nvPr/>
-        </p:nvPicPr>
-        <p:blipFill>
-          <a:blip r:embed="rId2"/>
-          <a:stretch>
-            <a:fillRect/>
-          </a:stretch>
-        </p:blipFill>
-        <p:spPr>
-          <a:xfrm>
-            <a:off x="2812472" y="1256522"/>
-            <a:ext cx="6567055" cy="5454129"/>
-          </a:xfrm>
-          <a:prstGeom prst="rect">
-            <a:avLst/>
-          </a:prstGeom>
-        </p:spPr>
-      </p:pic>
       <p:sp>
         <p:nvSpPr>
           <p:cNvPr id="2" name="タイトル 1">
@@ -6488,73 +9033,58 @@
           <a:lstStyle/>
           <a:p>
             <a:r>
-              <a:rPr lang="en-US" altLang="ja-JP" dirty="0"/>
-              <a:t>Git</a:t>
-            </a:r>
-            <a:r>
-              <a:rPr lang="ja-JP" altLang="en-US" dirty="0"/>
-              <a:t>のインストール</a:t>
-            </a:r>
-            <a:endParaRPr kumimoji="1" lang="ja-JP" altLang="en-US" dirty="0"/>
+              <a:rPr kumimoji="1" lang="ja-JP" altLang="en-US" dirty="0"/>
+              <a:t>プッシュ／プル</a:t>
+            </a:r>
           </a:p>
         </p:txBody>
       </p:sp>
       <p:sp>
         <p:nvSpPr>
-          <p:cNvPr id="8" name="正方形/長方形 7">
+          <p:cNvPr id="4" name="コンテンツ プレースホルダー 2">
             <a:extLst>
               <a:ext uri="{FF2B5EF4-FFF2-40B4-BE49-F238E27FC236}">
-                <a16:creationId xmlns:a16="http://schemas.microsoft.com/office/drawing/2014/main" id="{201EC2A1-D0D1-0AB6-6DF7-AF2354741295}"/>
+                <a16:creationId xmlns:a16="http://schemas.microsoft.com/office/drawing/2014/main" id="{81E22F13-F9BA-6547-7B98-D5E042138C96}"/>
               </a:ext>
             </a:extLst>
           </p:cNvPr>
-          <p:cNvSpPr/>
-          <p:nvPr/>
+          <p:cNvSpPr>
+            <a:spLocks noGrp="1"/>
+          </p:cNvSpPr>
+          <p:nvPr>
+            <p:ph idx="1"/>
+          </p:nvPr>
         </p:nvSpPr>
         <p:spPr>
           <a:xfrm>
-            <a:off x="7050304" y="6188364"/>
-            <a:ext cx="1183341" cy="451900"/>
+            <a:off x="571500" y="1376218"/>
+            <a:ext cx="11049000" cy="4844967"/>
           </a:xfrm>
-          <a:prstGeom prst="rect">
-            <a:avLst/>
-          </a:prstGeom>
-          <a:noFill/>
-          <a:ln w="50800">
-            <a:solidFill>
-              <a:srgbClr val="FF0000"/>
-            </a:solidFill>
-          </a:ln>
         </p:spPr>
-        <p:style>
-          <a:lnRef idx="2">
-            <a:schemeClr val="accent1">
-              <a:shade val="15000"/>
-            </a:schemeClr>
-          </a:lnRef>
-          <a:fillRef idx="1">
-            <a:schemeClr val="accent1"/>
-          </a:fillRef>
-          <a:effectRef idx="0">
-            <a:schemeClr val="accent1"/>
-          </a:effectRef>
-          <a:fontRef idx="minor">
-            <a:schemeClr val="lt1"/>
-          </a:fontRef>
-        </p:style>
         <p:txBody>
-          <a:bodyPr rtlCol="0" anchor="ctr"/>
+          <a:bodyPr>
+            <a:noAutofit/>
+          </a:bodyPr>
           <a:lstStyle/>
           <a:p>
-            <a:pPr algn="ctr"/>
-            <a:endParaRPr kumimoji="1" lang="ja-JP" altLang="en-US"/>
+            <a:pPr marL="0" indent="0">
+              <a:lnSpc>
+                <a:spcPct val="150000"/>
+              </a:lnSpc>
+              <a:buNone/>
+            </a:pPr>
+            <a:r>
+              <a:rPr kumimoji="1" lang="ja-JP" altLang="en-US" sz="3200" dirty="0"/>
+              <a:t>以下の項目について説明していきます。</a:t>
+            </a:r>
+            <a:endParaRPr kumimoji="1" lang="en-US" altLang="ja-JP" sz="3200" dirty="0"/>
           </a:p>
         </p:txBody>
       </p:sp>
     </p:spTree>
     <p:extLst>
       <p:ext uri="{BB962C8B-B14F-4D97-AF65-F5344CB8AC3E}">
-        <p14:creationId xmlns:p14="http://schemas.microsoft.com/office/powerpoint/2010/main" val="1890090629"/>
+        <p14:creationId xmlns:p14="http://schemas.microsoft.com/office/powerpoint/2010/main" val="312477690"/>
       </p:ext>
     </p:extLst>
   </p:cSld>
@@ -6581,42 +9111,12 @@
           <a:chExt cx="0" cy="0"/>
         </a:xfrm>
       </p:grpSpPr>
-      <p:pic>
-        <p:nvPicPr>
-          <p:cNvPr id="4" name="図 3">
+      <p:sp>
+        <p:nvSpPr>
+          <p:cNvPr id="3" name="コンテンツ プレースホルダー 2">
             <a:extLst>
               <a:ext uri="{FF2B5EF4-FFF2-40B4-BE49-F238E27FC236}">
-                <a16:creationId xmlns:a16="http://schemas.microsoft.com/office/drawing/2014/main" id="{96419D75-B159-33DF-AE9B-2A292FA616C8}"/>
-              </a:ext>
-            </a:extLst>
-          </p:cNvPr>
-          <p:cNvPicPr>
-            <a:picLocks noChangeAspect="1"/>
-          </p:cNvPicPr>
-          <p:nvPr/>
-        </p:nvPicPr>
-        <p:blipFill>
-          <a:blip r:embed="rId2"/>
-          <a:stretch>
-            <a:fillRect/>
-          </a:stretch>
-        </p:blipFill>
-        <p:spPr>
-          <a:xfrm>
-            <a:off x="2778883" y="1228436"/>
-            <a:ext cx="6634234" cy="5509923"/>
-          </a:xfrm>
-          <a:prstGeom prst="rect">
-            <a:avLst/>
-          </a:prstGeom>
-        </p:spPr>
-      </p:pic>
-      <p:sp>
-        <p:nvSpPr>
-          <p:cNvPr id="2" name="タイトル 1">
-            <a:extLst>
-              <a:ext uri="{FF2B5EF4-FFF2-40B4-BE49-F238E27FC236}">
-                <a16:creationId xmlns:a16="http://schemas.microsoft.com/office/drawing/2014/main" id="{679B1F19-EA37-6319-E74D-3884CF7D7061}"/>
+                <a16:creationId xmlns:a16="http://schemas.microsoft.com/office/drawing/2014/main" id="{7CC22780-5062-2994-BF8C-AABD73FBBCF9}"/>
               </a:ext>
             </a:extLst>
           </p:cNvPr>
@@ -6624,517 +9124,36 @@
             <a:spLocks noGrp="1"/>
           </p:cNvSpPr>
           <p:nvPr>
-            <p:ph type="title"/>
+            <p:ph idx="1"/>
           </p:nvPr>
-        </p:nvSpPr>
-        <p:spPr/>
-        <p:txBody>
-          <a:bodyPr/>
-          <a:lstStyle/>
-          <a:p>
-            <a:r>
-              <a:rPr lang="en-US" altLang="ja-JP" dirty="0"/>
-              <a:t>Git</a:t>
-            </a:r>
-            <a:r>
-              <a:rPr lang="ja-JP" altLang="en-US" dirty="0"/>
-              <a:t>のインストール</a:t>
-            </a:r>
-            <a:endParaRPr kumimoji="1" lang="ja-JP" altLang="en-US" dirty="0"/>
-          </a:p>
-        </p:txBody>
-      </p:sp>
-      <p:sp>
-        <p:nvSpPr>
-          <p:cNvPr id="8" name="正方形/長方形 7">
-            <a:extLst>
-              <a:ext uri="{FF2B5EF4-FFF2-40B4-BE49-F238E27FC236}">
-                <a16:creationId xmlns:a16="http://schemas.microsoft.com/office/drawing/2014/main" id="{201EC2A1-D0D1-0AB6-6DF7-AF2354741295}"/>
-              </a:ext>
-            </a:extLst>
-          </p:cNvPr>
-          <p:cNvSpPr/>
-          <p:nvPr/>
         </p:nvSpPr>
         <p:spPr>
           <a:xfrm>
-            <a:off x="7050304" y="6188364"/>
-            <a:ext cx="1183341" cy="451900"/>
+            <a:off x="7529450" y="6111340"/>
+            <a:ext cx="4335979" cy="536719"/>
           </a:xfrm>
-          <a:prstGeom prst="rect">
-            <a:avLst/>
-          </a:prstGeom>
-          <a:noFill/>
-          <a:ln w="50800">
-            <a:solidFill>
-              <a:srgbClr val="FF0000"/>
-            </a:solidFill>
-          </a:ln>
         </p:spPr>
-        <p:style>
-          <a:lnRef idx="2">
-            <a:schemeClr val="accent1">
-              <a:shade val="15000"/>
-            </a:schemeClr>
-          </a:lnRef>
-          <a:fillRef idx="1">
-            <a:schemeClr val="accent1"/>
-          </a:fillRef>
-          <a:effectRef idx="0">
-            <a:schemeClr val="accent1"/>
-          </a:effectRef>
-          <a:fontRef idx="minor">
-            <a:schemeClr val="lt1"/>
-          </a:fontRef>
-        </p:style>
         <p:txBody>
-          <a:bodyPr rtlCol="0" anchor="ctr"/>
+          <a:bodyPr>
+            <a:normAutofit fontScale="77500" lnSpcReduction="20000"/>
+          </a:bodyPr>
           <a:lstStyle/>
           <a:p>
-            <a:pPr algn="ctr"/>
-            <a:endParaRPr kumimoji="1" lang="ja-JP" altLang="en-US"/>
+            <a:pPr marL="0" indent="0">
+              <a:buNone/>
+            </a:pPr>
+            <a:r>
+              <a:rPr lang="ja-JP" altLang="en-US" dirty="0"/>
+              <a:t>ご清聴ありがとうございました。</a:t>
+            </a:r>
+            <a:endParaRPr lang="en-US" altLang="ja-JP" dirty="0"/>
           </a:p>
         </p:txBody>
       </p:sp>
     </p:spTree>
     <p:extLst>
       <p:ext uri="{BB962C8B-B14F-4D97-AF65-F5344CB8AC3E}">
-        <p14:creationId xmlns:p14="http://schemas.microsoft.com/office/powerpoint/2010/main" val="1108919878"/>
-      </p:ext>
-    </p:extLst>
-  </p:cSld>
-  <p:clrMapOvr>
-    <a:masterClrMapping/>
-  </p:clrMapOvr>
-</p:sld>
-</file>
-
-<file path=ppt/slides/slide17.xml><?xml version="1.0" encoding="utf-8"?>
-<p:sld xmlns:a="http://schemas.openxmlformats.org/drawingml/2006/main" xmlns:r="http://schemas.openxmlformats.org/officeDocument/2006/relationships" xmlns:p="http://schemas.openxmlformats.org/presentationml/2006/main">
-  <p:cSld>
-    <p:spTree>
-      <p:nvGrpSpPr>
-        <p:cNvPr id="1" name=""/>
-        <p:cNvGrpSpPr/>
-        <p:nvPr/>
-      </p:nvGrpSpPr>
-      <p:grpSpPr>
-        <a:xfrm>
-          <a:off x="0" y="0"/>
-          <a:ext cx="0" cy="0"/>
-          <a:chOff x="0" y="0"/>
-          <a:chExt cx="0" cy="0"/>
-        </a:xfrm>
-      </p:grpSpPr>
-      <p:pic>
-        <p:nvPicPr>
-          <p:cNvPr id="5" name="図 4">
-            <a:extLst>
-              <a:ext uri="{FF2B5EF4-FFF2-40B4-BE49-F238E27FC236}">
-                <a16:creationId xmlns:a16="http://schemas.microsoft.com/office/drawing/2014/main" id="{DC86154E-6E26-8B90-0DF6-2D3AB834E83A}"/>
-              </a:ext>
-            </a:extLst>
-          </p:cNvPr>
-          <p:cNvPicPr>
-            <a:picLocks noChangeAspect="1"/>
-          </p:cNvPicPr>
-          <p:nvPr/>
-        </p:nvPicPr>
-        <p:blipFill>
-          <a:blip r:embed="rId2"/>
-          <a:stretch>
-            <a:fillRect/>
-          </a:stretch>
-        </p:blipFill>
-        <p:spPr>
-          <a:xfrm>
-            <a:off x="2812246" y="1265382"/>
-            <a:ext cx="6567508" cy="5454505"/>
-          </a:xfrm>
-          <a:prstGeom prst="rect">
-            <a:avLst/>
-          </a:prstGeom>
-        </p:spPr>
-      </p:pic>
-      <p:sp>
-        <p:nvSpPr>
-          <p:cNvPr id="2" name="タイトル 1">
-            <a:extLst>
-              <a:ext uri="{FF2B5EF4-FFF2-40B4-BE49-F238E27FC236}">
-                <a16:creationId xmlns:a16="http://schemas.microsoft.com/office/drawing/2014/main" id="{679B1F19-EA37-6319-E74D-3884CF7D7061}"/>
-              </a:ext>
-            </a:extLst>
-          </p:cNvPr>
-          <p:cNvSpPr>
-            <a:spLocks noGrp="1"/>
-          </p:cNvSpPr>
-          <p:nvPr>
-            <p:ph type="title"/>
-          </p:nvPr>
-        </p:nvSpPr>
-        <p:spPr/>
-        <p:txBody>
-          <a:bodyPr/>
-          <a:lstStyle/>
-          <a:p>
-            <a:r>
-              <a:rPr lang="en-US" altLang="ja-JP" dirty="0"/>
-              <a:t>Git</a:t>
-            </a:r>
-            <a:r>
-              <a:rPr lang="ja-JP" altLang="en-US" dirty="0"/>
-              <a:t>のインストール</a:t>
-            </a:r>
-            <a:endParaRPr kumimoji="1" lang="ja-JP" altLang="en-US" dirty="0"/>
-          </a:p>
-        </p:txBody>
-      </p:sp>
-      <p:sp>
-        <p:nvSpPr>
-          <p:cNvPr id="8" name="正方形/長方形 7">
-            <a:extLst>
-              <a:ext uri="{FF2B5EF4-FFF2-40B4-BE49-F238E27FC236}">
-                <a16:creationId xmlns:a16="http://schemas.microsoft.com/office/drawing/2014/main" id="{201EC2A1-D0D1-0AB6-6DF7-AF2354741295}"/>
-              </a:ext>
-            </a:extLst>
-          </p:cNvPr>
-          <p:cNvSpPr/>
-          <p:nvPr/>
-        </p:nvSpPr>
-        <p:spPr>
-          <a:xfrm>
-            <a:off x="7050304" y="6188364"/>
-            <a:ext cx="1183341" cy="451900"/>
-          </a:xfrm>
-          <a:prstGeom prst="rect">
-            <a:avLst/>
-          </a:prstGeom>
-          <a:noFill/>
-          <a:ln w="50800">
-            <a:solidFill>
-              <a:srgbClr val="FF0000"/>
-            </a:solidFill>
-          </a:ln>
-        </p:spPr>
-        <p:style>
-          <a:lnRef idx="2">
-            <a:schemeClr val="accent1">
-              <a:shade val="15000"/>
-            </a:schemeClr>
-          </a:lnRef>
-          <a:fillRef idx="1">
-            <a:schemeClr val="accent1"/>
-          </a:fillRef>
-          <a:effectRef idx="0">
-            <a:schemeClr val="accent1"/>
-          </a:effectRef>
-          <a:fontRef idx="minor">
-            <a:schemeClr val="lt1"/>
-          </a:fontRef>
-        </p:style>
-        <p:txBody>
-          <a:bodyPr rtlCol="0" anchor="ctr"/>
-          <a:lstStyle/>
-          <a:p>
-            <a:pPr algn="ctr"/>
-            <a:endParaRPr kumimoji="1" lang="ja-JP" altLang="en-US"/>
-          </a:p>
-        </p:txBody>
-      </p:sp>
-    </p:spTree>
-    <p:extLst>
-      <p:ext uri="{BB962C8B-B14F-4D97-AF65-F5344CB8AC3E}">
-        <p14:creationId xmlns:p14="http://schemas.microsoft.com/office/powerpoint/2010/main" val="1766010445"/>
-      </p:ext>
-    </p:extLst>
-  </p:cSld>
-  <p:clrMapOvr>
-    <a:masterClrMapping/>
-  </p:clrMapOvr>
-</p:sld>
-</file>
-
-<file path=ppt/slides/slide18.xml><?xml version="1.0" encoding="utf-8"?>
-<p:sld xmlns:a="http://schemas.openxmlformats.org/drawingml/2006/main" xmlns:r="http://schemas.openxmlformats.org/officeDocument/2006/relationships" xmlns:p="http://schemas.openxmlformats.org/presentationml/2006/main">
-  <p:cSld>
-    <p:spTree>
-      <p:nvGrpSpPr>
-        <p:cNvPr id="1" name=""/>
-        <p:cNvGrpSpPr/>
-        <p:nvPr/>
-      </p:nvGrpSpPr>
-      <p:grpSpPr>
-        <a:xfrm>
-          <a:off x="0" y="0"/>
-          <a:ext cx="0" cy="0"/>
-          <a:chOff x="0" y="0"/>
-          <a:chExt cx="0" cy="0"/>
-        </a:xfrm>
-      </p:grpSpPr>
-      <p:pic>
-        <p:nvPicPr>
-          <p:cNvPr id="4" name="図 3">
-            <a:extLst>
-              <a:ext uri="{FF2B5EF4-FFF2-40B4-BE49-F238E27FC236}">
-                <a16:creationId xmlns:a16="http://schemas.microsoft.com/office/drawing/2014/main" id="{B513A453-6E59-89AF-C648-021B89046789}"/>
-              </a:ext>
-            </a:extLst>
-          </p:cNvPr>
-          <p:cNvPicPr>
-            <a:picLocks noChangeAspect="1"/>
-          </p:cNvPicPr>
-          <p:nvPr/>
-        </p:nvPicPr>
-        <p:blipFill>
-          <a:blip r:embed="rId2"/>
-          <a:stretch>
-            <a:fillRect/>
-          </a:stretch>
-        </p:blipFill>
-        <p:spPr>
-          <a:xfrm>
-            <a:off x="2775527" y="1213627"/>
-            <a:ext cx="6640945" cy="5515496"/>
-          </a:xfrm>
-          <a:prstGeom prst="rect">
-            <a:avLst/>
-          </a:prstGeom>
-        </p:spPr>
-      </p:pic>
-      <p:sp>
-        <p:nvSpPr>
-          <p:cNvPr id="2" name="タイトル 1">
-            <a:extLst>
-              <a:ext uri="{FF2B5EF4-FFF2-40B4-BE49-F238E27FC236}">
-                <a16:creationId xmlns:a16="http://schemas.microsoft.com/office/drawing/2014/main" id="{679B1F19-EA37-6319-E74D-3884CF7D7061}"/>
-              </a:ext>
-            </a:extLst>
-          </p:cNvPr>
-          <p:cNvSpPr>
-            <a:spLocks noGrp="1"/>
-          </p:cNvSpPr>
-          <p:nvPr>
-            <p:ph type="title"/>
-          </p:nvPr>
-        </p:nvSpPr>
-        <p:spPr/>
-        <p:txBody>
-          <a:bodyPr/>
-          <a:lstStyle/>
-          <a:p>
-            <a:r>
-              <a:rPr lang="en-US" altLang="ja-JP" dirty="0"/>
-              <a:t>Git</a:t>
-            </a:r>
-            <a:r>
-              <a:rPr lang="ja-JP" altLang="en-US" dirty="0"/>
-              <a:t>のインストール</a:t>
-            </a:r>
-            <a:endParaRPr kumimoji="1" lang="ja-JP" altLang="en-US" dirty="0"/>
-          </a:p>
-        </p:txBody>
-      </p:sp>
-      <p:sp>
-        <p:nvSpPr>
-          <p:cNvPr id="8" name="正方形/長方形 7">
-            <a:extLst>
-              <a:ext uri="{FF2B5EF4-FFF2-40B4-BE49-F238E27FC236}">
-                <a16:creationId xmlns:a16="http://schemas.microsoft.com/office/drawing/2014/main" id="{201EC2A1-D0D1-0AB6-6DF7-AF2354741295}"/>
-              </a:ext>
-            </a:extLst>
-          </p:cNvPr>
-          <p:cNvSpPr/>
-          <p:nvPr/>
-        </p:nvSpPr>
-        <p:spPr>
-          <a:xfrm>
-            <a:off x="7050304" y="6188364"/>
-            <a:ext cx="1183341" cy="451900"/>
-          </a:xfrm>
-          <a:prstGeom prst="rect">
-            <a:avLst/>
-          </a:prstGeom>
-          <a:noFill/>
-          <a:ln w="50800">
-            <a:solidFill>
-              <a:srgbClr val="FF0000"/>
-            </a:solidFill>
-          </a:ln>
-        </p:spPr>
-        <p:style>
-          <a:lnRef idx="2">
-            <a:schemeClr val="accent1">
-              <a:shade val="15000"/>
-            </a:schemeClr>
-          </a:lnRef>
-          <a:fillRef idx="1">
-            <a:schemeClr val="accent1"/>
-          </a:fillRef>
-          <a:effectRef idx="0">
-            <a:schemeClr val="accent1"/>
-          </a:effectRef>
-          <a:fontRef idx="minor">
-            <a:schemeClr val="lt1"/>
-          </a:fontRef>
-        </p:style>
-        <p:txBody>
-          <a:bodyPr rtlCol="0" anchor="ctr"/>
-          <a:lstStyle/>
-          <a:p>
-            <a:pPr algn="ctr"/>
-            <a:endParaRPr kumimoji="1" lang="ja-JP" altLang="en-US"/>
-          </a:p>
-        </p:txBody>
-      </p:sp>
-    </p:spTree>
-    <p:extLst>
-      <p:ext uri="{BB962C8B-B14F-4D97-AF65-F5344CB8AC3E}">
-        <p14:creationId xmlns:p14="http://schemas.microsoft.com/office/powerpoint/2010/main" val="3487670288"/>
-      </p:ext>
-    </p:extLst>
-  </p:cSld>
-  <p:clrMapOvr>
-    <a:masterClrMapping/>
-  </p:clrMapOvr>
-</p:sld>
-</file>
-
-<file path=ppt/slides/slide19.xml><?xml version="1.0" encoding="utf-8"?>
-<p:sld xmlns:a="http://schemas.openxmlformats.org/drawingml/2006/main" xmlns:r="http://schemas.openxmlformats.org/officeDocument/2006/relationships" xmlns:p="http://schemas.openxmlformats.org/presentationml/2006/main">
-  <p:cSld>
-    <p:spTree>
-      <p:nvGrpSpPr>
-        <p:cNvPr id="1" name=""/>
-        <p:cNvGrpSpPr/>
-        <p:nvPr/>
-      </p:nvGrpSpPr>
-      <p:grpSpPr>
-        <a:xfrm>
-          <a:off x="0" y="0"/>
-          <a:ext cx="0" cy="0"/>
-          <a:chOff x="0" y="0"/>
-          <a:chExt cx="0" cy="0"/>
-        </a:xfrm>
-      </p:grpSpPr>
-      <p:pic>
-        <p:nvPicPr>
-          <p:cNvPr id="5" name="図 4">
-            <a:extLst>
-              <a:ext uri="{FF2B5EF4-FFF2-40B4-BE49-F238E27FC236}">
-                <a16:creationId xmlns:a16="http://schemas.microsoft.com/office/drawing/2014/main" id="{DAF6EEC9-8411-AC7F-D6D9-2ACF727B9397}"/>
-              </a:ext>
-            </a:extLst>
-          </p:cNvPr>
-          <p:cNvPicPr>
-            <a:picLocks noChangeAspect="1"/>
-          </p:cNvPicPr>
-          <p:nvPr/>
-        </p:nvPicPr>
-        <p:blipFill>
-          <a:blip r:embed="rId2"/>
-          <a:stretch>
-            <a:fillRect/>
-          </a:stretch>
-        </p:blipFill>
-        <p:spPr>
-          <a:xfrm>
-            <a:off x="2796309" y="1236641"/>
-            <a:ext cx="6613236" cy="5492483"/>
-          </a:xfrm>
-          <a:prstGeom prst="rect">
-            <a:avLst/>
-          </a:prstGeom>
-        </p:spPr>
-      </p:pic>
-      <p:sp>
-        <p:nvSpPr>
-          <p:cNvPr id="2" name="タイトル 1">
-            <a:extLst>
-              <a:ext uri="{FF2B5EF4-FFF2-40B4-BE49-F238E27FC236}">
-                <a16:creationId xmlns:a16="http://schemas.microsoft.com/office/drawing/2014/main" id="{679B1F19-EA37-6319-E74D-3884CF7D7061}"/>
-              </a:ext>
-            </a:extLst>
-          </p:cNvPr>
-          <p:cNvSpPr>
-            <a:spLocks noGrp="1"/>
-          </p:cNvSpPr>
-          <p:nvPr>
-            <p:ph type="title"/>
-          </p:nvPr>
-        </p:nvSpPr>
-        <p:spPr/>
-        <p:txBody>
-          <a:bodyPr/>
-          <a:lstStyle/>
-          <a:p>
-            <a:r>
-              <a:rPr lang="en-US" altLang="ja-JP" dirty="0"/>
-              <a:t>Git</a:t>
-            </a:r>
-            <a:r>
-              <a:rPr lang="ja-JP" altLang="en-US" dirty="0"/>
-              <a:t>のインストール</a:t>
-            </a:r>
-            <a:endParaRPr kumimoji="1" lang="ja-JP" altLang="en-US" dirty="0"/>
-          </a:p>
-        </p:txBody>
-      </p:sp>
-      <p:sp>
-        <p:nvSpPr>
-          <p:cNvPr id="8" name="正方形/長方形 7">
-            <a:extLst>
-              <a:ext uri="{FF2B5EF4-FFF2-40B4-BE49-F238E27FC236}">
-                <a16:creationId xmlns:a16="http://schemas.microsoft.com/office/drawing/2014/main" id="{201EC2A1-D0D1-0AB6-6DF7-AF2354741295}"/>
-              </a:ext>
-            </a:extLst>
-          </p:cNvPr>
-          <p:cNvSpPr/>
-          <p:nvPr/>
-        </p:nvSpPr>
-        <p:spPr>
-          <a:xfrm>
-            <a:off x="7050304" y="6188364"/>
-            <a:ext cx="1183341" cy="451900"/>
-          </a:xfrm>
-          <a:prstGeom prst="rect">
-            <a:avLst/>
-          </a:prstGeom>
-          <a:noFill/>
-          <a:ln w="50800">
-            <a:solidFill>
-              <a:srgbClr val="FF0000"/>
-            </a:solidFill>
-          </a:ln>
-        </p:spPr>
-        <p:style>
-          <a:lnRef idx="2">
-            <a:schemeClr val="accent1">
-              <a:shade val="15000"/>
-            </a:schemeClr>
-          </a:lnRef>
-          <a:fillRef idx="1">
-            <a:schemeClr val="accent1"/>
-          </a:fillRef>
-          <a:effectRef idx="0">
-            <a:schemeClr val="accent1"/>
-          </a:effectRef>
-          <a:fontRef idx="minor">
-            <a:schemeClr val="lt1"/>
-          </a:fontRef>
-        </p:style>
-        <p:txBody>
-          <a:bodyPr rtlCol="0" anchor="ctr"/>
-          <a:lstStyle/>
-          <a:p>
-            <a:pPr algn="ctr"/>
-            <a:endParaRPr kumimoji="1" lang="ja-JP" altLang="en-US"/>
-          </a:p>
-        </p:txBody>
-      </p:sp>
-    </p:spTree>
-    <p:extLst>
-      <p:ext uri="{BB962C8B-B14F-4D97-AF65-F5344CB8AC3E}">
-        <p14:creationId xmlns:p14="http://schemas.microsoft.com/office/powerpoint/2010/main" val="437902838"/>
+        <p14:creationId xmlns:p14="http://schemas.microsoft.com/office/powerpoint/2010/main" val="827925618"/>
       </p:ext>
     </p:extLst>
   </p:cSld>
@@ -7208,8 +9227,8 @@
         </p:nvSpPr>
         <p:spPr>
           <a:xfrm>
-            <a:off x="288470" y="1166898"/>
-            <a:ext cx="11713029" cy="4176283"/>
+            <a:off x="976992" y="1391744"/>
+            <a:ext cx="10238016" cy="4176283"/>
           </a:xfrm>
         </p:spPr>
         <p:txBody>
@@ -7224,18 +9243,18 @@
               </a:lnSpc>
             </a:pPr>
             <a:r>
-              <a:rPr lang="ja-JP" altLang="en-US" sz="3200" dirty="0"/>
+              <a:rPr lang="ja-JP" altLang="en-US" dirty="0"/>
               <a:t>バージョン管理ソフト「</a:t>
             </a:r>
             <a:r>
-              <a:rPr lang="en-US" altLang="ja-JP" sz="3200" dirty="0"/>
+              <a:rPr lang="en-US" altLang="ja-JP" dirty="0"/>
               <a:t>Git</a:t>
             </a:r>
             <a:r>
-              <a:rPr lang="ja-JP" altLang="en-US" sz="3200" dirty="0"/>
+              <a:rPr lang="ja-JP" altLang="en-US" dirty="0"/>
               <a:t>」の基本を覚えるための講座です。</a:t>
             </a:r>
-            <a:endParaRPr lang="en-US" altLang="ja-JP" sz="3200" dirty="0"/>
+            <a:endParaRPr lang="en-US" altLang="ja-JP" dirty="0"/>
           </a:p>
           <a:p>
             <a:pPr marL="457200" lvl="1" indent="0">
@@ -7265,10 +9284,10 @@
               </a:lnSpc>
             </a:pPr>
             <a:r>
-              <a:rPr lang="ja-JP" altLang="en-US" sz="3200" dirty="0"/>
+              <a:rPr lang="ja-JP" altLang="en-US" dirty="0"/>
               <a:t>今回はハンズオン講習会です</a:t>
             </a:r>
-            <a:endParaRPr lang="en-US" altLang="ja-JP" sz="3200" dirty="0"/>
+            <a:endParaRPr lang="en-US" altLang="ja-JP" dirty="0"/>
           </a:p>
           <a:p>
             <a:pPr>
@@ -7277,15 +9296,15 @@
               </a:lnSpc>
             </a:pPr>
             <a:r>
-              <a:rPr lang="ja-JP" altLang="en-US" sz="3200" dirty="0"/>
+              <a:rPr lang="ja-JP" altLang="en-US" dirty="0"/>
               <a:t>講習会の時間はおよそ</a:t>
             </a:r>
             <a:r>
-              <a:rPr lang="en-US" altLang="ja-JP" sz="3200" dirty="0"/>
+              <a:rPr lang="en-US" altLang="ja-JP" dirty="0"/>
               <a:t>1</a:t>
             </a:r>
             <a:r>
-              <a:rPr lang="ja-JP" altLang="en-US" sz="3200" dirty="0"/>
+              <a:rPr lang="ja-JP" altLang="en-US" dirty="0"/>
               <a:t>時間を予定しています。</a:t>
             </a:r>
           </a:p>
@@ -7297,139 +9316,170 @@
               <a:buNone/>
             </a:pPr>
             <a:r>
-              <a:rPr lang="ja-JP" altLang="en-US" sz="3200" dirty="0"/>
+              <a:rPr lang="ja-JP" altLang="en-US" dirty="0"/>
               <a:t>    説明：２０分／ハンズオン：４０分</a:t>
             </a:r>
-            <a:endParaRPr kumimoji="1" lang="en-US" altLang="ja-JP" sz="3200" dirty="0"/>
+            <a:endParaRPr kumimoji="1" lang="en-US" altLang="ja-JP" dirty="0"/>
           </a:p>
         </p:txBody>
       </p:sp>
-      <p:pic>
-        <p:nvPicPr>
-          <p:cNvPr id="1026" name="Picture 2" descr="Git Logo - símbolo, significado logotipo, historia, PNG">
+      <p:grpSp>
+        <p:nvGrpSpPr>
+          <p:cNvPr id="5" name="グループ化 4">
             <a:extLst>
               <a:ext uri="{FF2B5EF4-FFF2-40B4-BE49-F238E27FC236}">
-                <a16:creationId xmlns:a16="http://schemas.microsoft.com/office/drawing/2014/main" id="{DA11E51B-4734-00CE-BF01-466F53A76598}"/>
+                <a16:creationId xmlns:a16="http://schemas.microsoft.com/office/drawing/2014/main" id="{B01DB2DA-BEFB-D395-C64B-17C90FEED469}"/>
               </a:ext>
             </a:extLst>
           </p:cNvPr>
-          <p:cNvPicPr>
-            <a:picLocks noChangeAspect="1" noChangeArrowheads="1"/>
-          </p:cNvPicPr>
+          <p:cNvGrpSpPr/>
           <p:nvPr/>
-        </p:nvPicPr>
-        <p:blipFill>
-          <a:blip r:embed="rId2">
+        </p:nvGrpSpPr>
+        <p:grpSpPr>
+          <a:xfrm>
+            <a:off x="2061224" y="5107760"/>
+            <a:ext cx="8083405" cy="1443669"/>
+            <a:chOff x="2118910" y="5265603"/>
+            <a:chExt cx="8083405" cy="1443669"/>
+          </a:xfrm>
+        </p:grpSpPr>
+        <p:pic>
+          <p:nvPicPr>
+            <p:cNvPr id="1026" name="Picture 2" descr="Git Logo - símbolo, significado logotipo, historia, PNG">
+              <a:extLst>
+                <a:ext uri="{FF2B5EF4-FFF2-40B4-BE49-F238E27FC236}">
+                  <a16:creationId xmlns:a16="http://schemas.microsoft.com/office/drawing/2014/main" id="{DA11E51B-4734-00CE-BF01-466F53A76598}"/>
+                </a:ext>
+              </a:extLst>
+            </p:cNvPr>
+            <p:cNvPicPr>
+              <a:picLocks noChangeAspect="1" noChangeArrowheads="1"/>
+            </p:cNvPicPr>
+            <p:nvPr/>
+          </p:nvPicPr>
+          <p:blipFill>
+            <a:blip r:embed="rId2">
+              <a:extLst>
+                <a:ext uri="{28A0092B-C50C-407E-A947-70E740481C1C}">
+                  <a14:useLocalDpi xmlns:a14="http://schemas.microsoft.com/office/drawing/2010/main" val="0"/>
+                </a:ext>
+              </a:extLst>
+            </a:blip>
+            <a:srcRect/>
+            <a:stretch>
+              <a:fillRect/>
+            </a:stretch>
+          </p:blipFill>
+          <p:spPr bwMode="auto">
+            <a:xfrm>
+              <a:off x="2118910" y="5265603"/>
+              <a:ext cx="2309870" cy="1443669"/>
+            </a:xfrm>
+            <a:prstGeom prst="rect">
+              <a:avLst/>
+            </a:prstGeom>
+            <a:noFill/>
             <a:extLst>
-              <a:ext uri="{28A0092B-C50C-407E-A947-70E740481C1C}">
-                <a14:useLocalDpi xmlns:a14="http://schemas.microsoft.com/office/drawing/2010/main" val="0"/>
+              <a:ext uri="{909E8E84-426E-40DD-AFC4-6F175D3DCCD1}">
+                <a14:hiddenFill xmlns:a14="http://schemas.microsoft.com/office/drawing/2010/main">
+                  <a:solidFill>
+                    <a:srgbClr val="FFFFFF"/>
+                  </a:solidFill>
+                </a14:hiddenFill>
               </a:ext>
             </a:extLst>
-          </a:blip>
-          <a:srcRect/>
-          <a:stretch>
-            <a:fillRect/>
-          </a:stretch>
-        </p:blipFill>
-        <p:spPr bwMode="auto">
-          <a:xfrm>
-            <a:off x="2118910" y="5265603"/>
-            <a:ext cx="2309870" cy="1443669"/>
-          </a:xfrm>
-          <a:prstGeom prst="rect">
-            <a:avLst/>
-          </a:prstGeom>
-          <a:noFill/>
-          <a:extLst>
-            <a:ext uri="{909E8E84-426E-40DD-AFC4-6F175D3DCCD1}">
-              <a14:hiddenFill xmlns:a14="http://schemas.microsoft.com/office/drawing/2010/main">
-                <a:solidFill>
-                  <a:srgbClr val="FFFFFF"/>
-                </a:solidFill>
-              </a14:hiddenFill>
-            </a:ext>
-          </a:extLst>
-        </p:spPr>
-      </p:pic>
-      <p:pic>
-        <p:nvPicPr>
-          <p:cNvPr id="1028" name="Picture 4" descr="SourceTree: einfache Versionsverwaltung - was hinter dem Git- und ...">
+          </p:spPr>
+        </p:pic>
+        <p:pic>
+          <p:nvPicPr>
+            <p:cNvPr id="1028" name="Picture 4" descr="SourceTree: einfache Versionsverwaltung - was hinter dem Git- und ...">
+              <a:extLst>
+                <a:ext uri="{FF2B5EF4-FFF2-40B4-BE49-F238E27FC236}">
+                  <a16:creationId xmlns:a16="http://schemas.microsoft.com/office/drawing/2014/main" id="{F96E401D-0D93-D911-EE5A-6F5F8AC03530}"/>
+                </a:ext>
+              </a:extLst>
+            </p:cNvPr>
+            <p:cNvPicPr>
+              <a:picLocks noChangeAspect="1" noChangeArrowheads="1"/>
+            </p:cNvPicPr>
+            <p:nvPr/>
+          </p:nvPicPr>
+          <p:blipFill>
+            <a:blip r:embed="rId3">
+              <a:extLst>
+                <a:ext uri="{28A0092B-C50C-407E-A947-70E740481C1C}">
+                  <a14:useLocalDpi xmlns:a14="http://schemas.microsoft.com/office/drawing/2010/main" val="0"/>
+                </a:ext>
+              </a:extLst>
+            </a:blip>
+            <a:srcRect/>
+            <a:stretch>
+              <a:fillRect/>
+            </a:stretch>
+          </p:blipFill>
+          <p:spPr bwMode="auto">
+            <a:xfrm>
+              <a:off x="5409059" y="5568027"/>
+              <a:ext cx="4793256" cy="838820"/>
+            </a:xfrm>
+            <a:prstGeom prst="rect">
+              <a:avLst/>
+            </a:prstGeom>
+            <a:noFill/>
             <a:extLst>
-              <a:ext uri="{FF2B5EF4-FFF2-40B4-BE49-F238E27FC236}">
-                <a16:creationId xmlns:a16="http://schemas.microsoft.com/office/drawing/2014/main" id="{F96E401D-0D93-D911-EE5A-6F5F8AC03530}"/>
+              <a:ext uri="{909E8E84-426E-40DD-AFC4-6F175D3DCCD1}">
+                <a14:hiddenFill xmlns:a14="http://schemas.microsoft.com/office/drawing/2010/main">
+                  <a:solidFill>
+                    <a:srgbClr val="FFFFFF"/>
+                  </a:solidFill>
+                </a14:hiddenFill>
               </a:ext>
             </a:extLst>
-          </p:cNvPr>
-          <p:cNvPicPr>
-            <a:picLocks noChangeAspect="1" noChangeArrowheads="1"/>
-          </p:cNvPicPr>
-          <p:nvPr/>
-        </p:nvPicPr>
-        <p:blipFill>
-          <a:blip r:embed="rId3">
-            <a:extLst>
-              <a:ext uri="{28A0092B-C50C-407E-A947-70E740481C1C}">
-                <a14:useLocalDpi xmlns:a14="http://schemas.microsoft.com/office/drawing/2010/main" val="0"/>
-              </a:ext>
-            </a:extLst>
-          </a:blip>
-          <a:srcRect/>
-          <a:stretch>
-            <a:fillRect/>
-          </a:stretch>
-        </p:blipFill>
-        <p:spPr bwMode="auto">
-          <a:xfrm>
-            <a:off x="5409059" y="5568027"/>
-            <a:ext cx="4793256" cy="838820"/>
-          </a:xfrm>
-          <a:prstGeom prst="rect">
-            <a:avLst/>
-          </a:prstGeom>
-          <a:noFill/>
-          <a:extLst>
-            <a:ext uri="{909E8E84-426E-40DD-AFC4-6F175D3DCCD1}">
-              <a14:hiddenFill xmlns:a14="http://schemas.microsoft.com/office/drawing/2010/main">
-                <a:solidFill>
-                  <a:srgbClr val="FFFFFF"/>
-                </a:solidFill>
-              </a14:hiddenFill>
-            </a:ext>
-          </a:extLst>
-        </p:spPr>
-      </p:pic>
-      <p:sp>
-        <p:nvSpPr>
-          <p:cNvPr id="4" name="テキスト ボックス 3">
-            <a:extLst>
-              <a:ext uri="{FF2B5EF4-FFF2-40B4-BE49-F238E27FC236}">
-                <a16:creationId xmlns:a16="http://schemas.microsoft.com/office/drawing/2014/main" id="{D8EF5833-DBA2-A9D0-9967-08AE06E7F850}"/>
-              </a:ext>
-            </a:extLst>
-          </p:cNvPr>
-          <p:cNvSpPr txBox="1"/>
-          <p:nvPr/>
-        </p:nvSpPr>
-        <p:spPr>
-          <a:xfrm>
-            <a:off x="4544458" y="5602716"/>
-            <a:ext cx="748923" cy="769441"/>
-          </a:xfrm>
-          <a:prstGeom prst="rect">
-            <a:avLst/>
-          </a:prstGeom>
-          <a:solidFill>
-            <a:schemeClr val="bg1"/>
-          </a:solidFill>
-        </p:spPr>
-        <p:txBody>
-          <a:bodyPr wrap="none" rtlCol="0">
-            <a:spAutoFit/>
-          </a:bodyPr>
-          <a:lstStyle/>
-          <a:p>
-            <a:r>
-              <a:rPr kumimoji="1" lang="en-US" altLang="ja-JP" sz="4400" b="1" dirty="0">
+          </p:spPr>
+        </p:pic>
+        <p:sp>
+          <p:nvSpPr>
+            <p:cNvPr id="4" name="テキスト ボックス 3">
+              <a:extLst>
+                <a:ext uri="{FF2B5EF4-FFF2-40B4-BE49-F238E27FC236}">
+                  <a16:creationId xmlns:a16="http://schemas.microsoft.com/office/drawing/2014/main" id="{D8EF5833-DBA2-A9D0-9967-08AE06E7F850}"/>
+                </a:ext>
+              </a:extLst>
+            </p:cNvPr>
+            <p:cNvSpPr txBox="1"/>
+            <p:nvPr/>
+          </p:nvSpPr>
+          <p:spPr>
+            <a:xfrm>
+              <a:off x="4544458" y="5602716"/>
+              <a:ext cx="748923" cy="769441"/>
+            </a:xfrm>
+            <a:prstGeom prst="rect">
+              <a:avLst/>
+            </a:prstGeom>
+            <a:solidFill>
+              <a:schemeClr val="bg1"/>
+            </a:solidFill>
+          </p:spPr>
+          <p:txBody>
+            <a:bodyPr wrap="none" rtlCol="0">
+              <a:spAutoFit/>
+            </a:bodyPr>
+            <a:lstStyle/>
+            <a:p>
+              <a:r>
+                <a:rPr kumimoji="1" lang="en-US" altLang="ja-JP" sz="4400" b="1" dirty="0">
+                  <a:solidFill>
+                    <a:schemeClr val="bg1">
+                      <a:lumMod val="50000"/>
+                    </a:schemeClr>
+                  </a:solidFill>
+                  <a:latin typeface="Noto Sans JP Black" panose="020B0200000000000000" pitchFamily="50" charset="-128"/>
+                  <a:ea typeface="Noto Sans JP Black" panose="020B0200000000000000" pitchFamily="50" charset="-128"/>
+                </a:rPr>
+                <a:t>×</a:t>
+              </a:r>
+              <a:endParaRPr kumimoji="1" lang="ja-JP" altLang="en-US" sz="4400" b="1" dirty="0">
                 <a:solidFill>
                   <a:schemeClr val="bg1">
                     <a:lumMod val="50000"/>
@@ -7437,21 +9487,11 @@
                 </a:solidFill>
                 <a:latin typeface="Noto Sans JP Black" panose="020B0200000000000000" pitchFamily="50" charset="-128"/>
                 <a:ea typeface="Noto Sans JP Black" panose="020B0200000000000000" pitchFamily="50" charset="-128"/>
-              </a:rPr>
-              <a:t>×</a:t>
-            </a:r>
-            <a:endParaRPr kumimoji="1" lang="ja-JP" altLang="en-US" sz="4400" b="1" dirty="0">
-              <a:solidFill>
-                <a:schemeClr val="bg1">
-                  <a:lumMod val="50000"/>
-                </a:schemeClr>
-              </a:solidFill>
-              <a:latin typeface="Noto Sans JP Black" panose="020B0200000000000000" pitchFamily="50" charset="-128"/>
-              <a:ea typeface="Noto Sans JP Black" panose="020B0200000000000000" pitchFamily="50" charset="-128"/>
-            </a:endParaRPr>
-          </a:p>
-        </p:txBody>
-      </p:sp>
+              </a:endParaRPr>
+            </a:p>
+          </p:txBody>
+        </p:sp>
+      </p:grpSp>
     </p:spTree>
     <p:extLst>
       <p:ext uri="{BB962C8B-B14F-4D97-AF65-F5344CB8AC3E}">
@@ -7465,7 +9505,7 @@
 </p:sld>
 </file>
 
-<file path=ppt/slides/slide20.xml><?xml version="1.0" encoding="utf-8"?>
+<file path=ppt/slides/slide3.xml><?xml version="1.0" encoding="utf-8"?>
 <p:sld xmlns:a="http://schemas.openxmlformats.org/drawingml/2006/main" xmlns:r="http://schemas.openxmlformats.org/officeDocument/2006/relationships" xmlns:p="http://schemas.openxmlformats.org/presentationml/2006/main">
   <p:cSld>
     <p:spTree>
@@ -7482,36 +9522,6 @@
           <a:chExt cx="0" cy="0"/>
         </a:xfrm>
       </p:grpSpPr>
-      <p:pic>
-        <p:nvPicPr>
-          <p:cNvPr id="4" name="図 3">
-            <a:extLst>
-              <a:ext uri="{FF2B5EF4-FFF2-40B4-BE49-F238E27FC236}">
-                <a16:creationId xmlns:a16="http://schemas.microsoft.com/office/drawing/2014/main" id="{63B00A32-1CC6-16F7-C030-FEA78C7A4DFE}"/>
-              </a:ext>
-            </a:extLst>
-          </p:cNvPr>
-          <p:cNvPicPr>
-            <a:picLocks noChangeAspect="1"/>
-          </p:cNvPicPr>
-          <p:nvPr/>
-        </p:nvPicPr>
-        <p:blipFill>
-          <a:blip r:embed="rId2"/>
-          <a:stretch>
-            <a:fillRect/>
-          </a:stretch>
-        </p:blipFill>
-        <p:spPr>
-          <a:xfrm>
-            <a:off x="2773322" y="1200727"/>
-            <a:ext cx="6645356" cy="5519160"/>
-          </a:xfrm>
-          <a:prstGeom prst="rect">
-            <a:avLst/>
-          </a:prstGeom>
-        </p:spPr>
-      </p:pic>
       <p:sp>
         <p:nvSpPr>
           <p:cNvPr id="2" name="タイトル 1">
@@ -7534,6 +9544,293 @@
           <a:lstStyle/>
           <a:p>
             <a:r>
+              <a:rPr kumimoji="1" lang="en-US" altLang="ja-JP" dirty="0"/>
+              <a:t>Git</a:t>
+            </a:r>
+            <a:r>
+              <a:rPr kumimoji="1" lang="ja-JP" altLang="en-US" dirty="0"/>
+              <a:t>とは？</a:t>
+            </a:r>
+          </a:p>
+        </p:txBody>
+      </p:sp>
+      <p:sp>
+        <p:nvSpPr>
+          <p:cNvPr id="4" name="コンテンツ プレースホルダー 2">
+            <a:extLst>
+              <a:ext uri="{FF2B5EF4-FFF2-40B4-BE49-F238E27FC236}">
+                <a16:creationId xmlns:a16="http://schemas.microsoft.com/office/drawing/2014/main" id="{81E22F13-F9BA-6547-7B98-D5E042138C96}"/>
+              </a:ext>
+            </a:extLst>
+          </p:cNvPr>
+          <p:cNvSpPr>
+            <a:spLocks noGrp="1"/>
+          </p:cNvSpPr>
+          <p:nvPr>
+            <p:ph idx="1"/>
+          </p:nvPr>
+        </p:nvSpPr>
+        <p:spPr>
+          <a:xfrm>
+            <a:off x="845127" y="1376219"/>
+            <a:ext cx="10685726" cy="2530152"/>
+          </a:xfrm>
+        </p:spPr>
+        <p:txBody>
+          <a:bodyPr>
+            <a:noAutofit/>
+          </a:bodyPr>
+          <a:lstStyle/>
+          <a:p>
+            <a:pPr>
+              <a:lnSpc>
+                <a:spcPct val="150000"/>
+              </a:lnSpc>
+            </a:pPr>
+            <a:r>
+              <a:rPr kumimoji="1" lang="en-US" altLang="ja-JP" dirty="0"/>
+              <a:t>Git</a:t>
+            </a:r>
+            <a:r>
+              <a:rPr kumimoji="1" lang="ja-JP" altLang="en-US" dirty="0"/>
+              <a:t>はバージョン管理ソフトです。</a:t>
+            </a:r>
+            <a:endParaRPr kumimoji="1" lang="en-US" altLang="ja-JP" dirty="0"/>
+          </a:p>
+          <a:p>
+            <a:pPr>
+              <a:lnSpc>
+                <a:spcPct val="150000"/>
+              </a:lnSpc>
+            </a:pPr>
+            <a:r>
+              <a:rPr kumimoji="1" lang="ja-JP" altLang="en-US" dirty="0"/>
+              <a:t>バージョン管理とは、ファイルやフォルダの変更履歴と内容を保存して整理することです。</a:t>
+            </a:r>
+          </a:p>
+        </p:txBody>
+      </p:sp>
+    </p:spTree>
+    <p:extLst>
+      <p:ext uri="{BB962C8B-B14F-4D97-AF65-F5344CB8AC3E}">
+        <p14:creationId xmlns:p14="http://schemas.microsoft.com/office/powerpoint/2010/main" val="301389911"/>
+      </p:ext>
+    </p:extLst>
+  </p:cSld>
+  <p:clrMapOvr>
+    <a:masterClrMapping/>
+  </p:clrMapOvr>
+</p:sld>
+</file>
+
+<file path=ppt/slides/slide4.xml><?xml version="1.0" encoding="utf-8"?>
+<p:sld xmlns:a="http://schemas.openxmlformats.org/drawingml/2006/main" xmlns:r="http://schemas.openxmlformats.org/officeDocument/2006/relationships" xmlns:p="http://schemas.openxmlformats.org/presentationml/2006/main">
+  <p:cSld>
+    <p:spTree>
+      <p:nvGrpSpPr>
+        <p:cNvPr id="1" name=""/>
+        <p:cNvGrpSpPr/>
+        <p:nvPr/>
+      </p:nvGrpSpPr>
+      <p:grpSpPr>
+        <a:xfrm>
+          <a:off x="0" y="0"/>
+          <a:ext cx="0" cy="0"/>
+          <a:chOff x="0" y="0"/>
+          <a:chExt cx="0" cy="0"/>
+        </a:xfrm>
+      </p:grpSpPr>
+      <p:sp>
+        <p:nvSpPr>
+          <p:cNvPr id="2" name="タイトル 1">
+            <a:extLst>
+              <a:ext uri="{FF2B5EF4-FFF2-40B4-BE49-F238E27FC236}">
+                <a16:creationId xmlns:a16="http://schemas.microsoft.com/office/drawing/2014/main" id="{679B1F19-EA37-6319-E74D-3884CF7D7061}"/>
+              </a:ext>
+            </a:extLst>
+          </p:cNvPr>
+          <p:cNvSpPr>
+            <a:spLocks noGrp="1"/>
+          </p:cNvSpPr>
+          <p:nvPr>
+            <p:ph type="title"/>
+          </p:nvPr>
+        </p:nvSpPr>
+        <p:spPr/>
+        <p:txBody>
+          <a:bodyPr/>
+          <a:lstStyle/>
+          <a:p>
+            <a:r>
+              <a:rPr kumimoji="1" lang="en-US" altLang="ja-JP" dirty="0"/>
+              <a:t>Git</a:t>
+            </a:r>
+            <a:r>
+              <a:rPr lang="ja-JP" altLang="en-US" dirty="0"/>
+              <a:t>が</a:t>
+            </a:r>
+            <a:r>
+              <a:rPr kumimoji="1" lang="ja-JP" altLang="en-US" dirty="0"/>
+              <a:t>便利なこと</a:t>
+            </a:r>
+          </a:p>
+        </p:txBody>
+      </p:sp>
+      <p:sp>
+        <p:nvSpPr>
+          <p:cNvPr id="4" name="コンテンツ プレースホルダー 2">
+            <a:extLst>
+              <a:ext uri="{FF2B5EF4-FFF2-40B4-BE49-F238E27FC236}">
+                <a16:creationId xmlns:a16="http://schemas.microsoft.com/office/drawing/2014/main" id="{81E22F13-F9BA-6547-7B98-D5E042138C96}"/>
+              </a:ext>
+            </a:extLst>
+          </p:cNvPr>
+          <p:cNvSpPr>
+            <a:spLocks noGrp="1"/>
+          </p:cNvSpPr>
+          <p:nvPr>
+            <p:ph idx="1"/>
+          </p:nvPr>
+        </p:nvSpPr>
+        <p:spPr>
+          <a:xfrm>
+            <a:off x="1533066" y="1692225"/>
+            <a:ext cx="9125867" cy="4527040"/>
+          </a:xfrm>
+        </p:spPr>
+        <p:txBody>
+          <a:bodyPr>
+            <a:noAutofit/>
+          </a:bodyPr>
+          <a:lstStyle/>
+          <a:p>
+            <a:pPr>
+              <a:lnSpc>
+                <a:spcPct val="150000"/>
+              </a:lnSpc>
+              <a:buFont typeface="Wingdings" panose="05000000000000000000" pitchFamily="2" charset="2"/>
+              <a:buChar char="ü"/>
+            </a:pPr>
+            <a:r>
+              <a:rPr kumimoji="1" lang="ja-JP" altLang="en-US" dirty="0"/>
+              <a:t> チャート式の画面で変更が分かりやすい</a:t>
+            </a:r>
+            <a:endParaRPr kumimoji="1" lang="en-US" altLang="ja-JP" dirty="0"/>
+          </a:p>
+          <a:p>
+            <a:pPr>
+              <a:lnSpc>
+                <a:spcPct val="150000"/>
+              </a:lnSpc>
+              <a:buFont typeface="Wingdings" panose="05000000000000000000" pitchFamily="2" charset="2"/>
+              <a:buChar char="ü"/>
+            </a:pPr>
+            <a:r>
+              <a:rPr kumimoji="1" lang="ja-JP" altLang="en-US" dirty="0"/>
+              <a:t> 変更にコメントを残すことができる</a:t>
+            </a:r>
+            <a:endParaRPr kumimoji="1" lang="en-US" altLang="ja-JP" dirty="0"/>
+          </a:p>
+          <a:p>
+            <a:pPr>
+              <a:lnSpc>
+                <a:spcPct val="150000"/>
+              </a:lnSpc>
+              <a:buFont typeface="Wingdings" panose="05000000000000000000" pitchFamily="2" charset="2"/>
+              <a:buChar char="ü"/>
+            </a:pPr>
+            <a:r>
+              <a:rPr lang="ja-JP" altLang="en-US" dirty="0"/>
+              <a:t> 差分が見えるので、チェックもしやすい</a:t>
+            </a:r>
+            <a:endParaRPr lang="en-US" altLang="ja-JP" dirty="0"/>
+          </a:p>
+          <a:p>
+            <a:pPr>
+              <a:lnSpc>
+                <a:spcPct val="150000"/>
+              </a:lnSpc>
+              <a:buFont typeface="Wingdings" panose="05000000000000000000" pitchFamily="2" charset="2"/>
+              <a:buChar char="ü"/>
+            </a:pPr>
+            <a:r>
+              <a:rPr kumimoji="1" lang="ja-JP" altLang="en-US" dirty="0"/>
+              <a:t> 共有が簡単で、チームでの作業に向いている</a:t>
+            </a:r>
+            <a:endParaRPr kumimoji="1" lang="en-US" altLang="ja-JP" dirty="0"/>
+          </a:p>
+          <a:p>
+            <a:pPr>
+              <a:lnSpc>
+                <a:spcPct val="150000"/>
+              </a:lnSpc>
+              <a:buFont typeface="Wingdings" panose="05000000000000000000" pitchFamily="2" charset="2"/>
+              <a:buChar char="ü"/>
+            </a:pPr>
+            <a:r>
+              <a:rPr kumimoji="1" lang="ja-JP" altLang="en-US" dirty="0"/>
+              <a:t> レビューの申請</a:t>
+            </a:r>
+            <a:r>
+              <a:rPr lang="ja-JP" altLang="en-US" dirty="0"/>
+              <a:t>・承認もできる</a:t>
+            </a:r>
+            <a:endParaRPr kumimoji="1" lang="ja-JP" altLang="en-US" dirty="0"/>
+          </a:p>
+        </p:txBody>
+      </p:sp>
+    </p:spTree>
+    <p:extLst>
+      <p:ext uri="{BB962C8B-B14F-4D97-AF65-F5344CB8AC3E}">
+        <p14:creationId xmlns:p14="http://schemas.microsoft.com/office/powerpoint/2010/main" val="1002267640"/>
+      </p:ext>
+    </p:extLst>
+  </p:cSld>
+  <p:clrMapOvr>
+    <a:masterClrMapping/>
+  </p:clrMapOvr>
+</p:sld>
+</file>
+
+<file path=ppt/slides/slide5.xml><?xml version="1.0" encoding="utf-8"?>
+<p:sld xmlns:a="http://schemas.openxmlformats.org/drawingml/2006/main" xmlns:r="http://schemas.openxmlformats.org/officeDocument/2006/relationships" xmlns:p="http://schemas.openxmlformats.org/presentationml/2006/main">
+  <p:cSld>
+    <p:spTree>
+      <p:nvGrpSpPr>
+        <p:cNvPr id="1" name=""/>
+        <p:cNvGrpSpPr/>
+        <p:nvPr/>
+      </p:nvGrpSpPr>
+      <p:grpSpPr>
+        <a:xfrm>
+          <a:off x="0" y="0"/>
+          <a:ext cx="0" cy="0"/>
+          <a:chOff x="0" y="0"/>
+          <a:chExt cx="0" cy="0"/>
+        </a:xfrm>
+      </p:grpSpPr>
+      <p:sp>
+        <p:nvSpPr>
+          <p:cNvPr id="2" name="タイトル 1">
+            <a:extLst>
+              <a:ext uri="{FF2B5EF4-FFF2-40B4-BE49-F238E27FC236}">
+                <a16:creationId xmlns:a16="http://schemas.microsoft.com/office/drawing/2014/main" id="{679B1F19-EA37-6319-E74D-3884CF7D7061}"/>
+              </a:ext>
+            </a:extLst>
+          </p:cNvPr>
+          <p:cNvSpPr>
+            <a:spLocks noGrp="1"/>
+          </p:cNvSpPr>
+          <p:nvPr>
+            <p:ph type="title"/>
+          </p:nvPr>
+        </p:nvSpPr>
+        <p:spPr/>
+        <p:txBody>
+          <a:bodyPr/>
+          <a:lstStyle/>
+          <a:p>
+            <a:r>
               <a:rPr lang="en-US" altLang="ja-JP" dirty="0"/>
               <a:t>Git</a:t>
             </a:r>
@@ -7545,6 +9842,36 @@
           </a:p>
         </p:txBody>
       </p:sp>
+      <p:pic>
+        <p:nvPicPr>
+          <p:cNvPr id="7" name="図 6">
+            <a:extLst>
+              <a:ext uri="{FF2B5EF4-FFF2-40B4-BE49-F238E27FC236}">
+                <a16:creationId xmlns:a16="http://schemas.microsoft.com/office/drawing/2014/main" id="{D9324220-86AB-4D99-9B94-223751877FD7}"/>
+              </a:ext>
+            </a:extLst>
+          </p:cNvPr>
+          <p:cNvPicPr>
+            <a:picLocks noChangeAspect="1"/>
+          </p:cNvPicPr>
+          <p:nvPr/>
+        </p:nvPicPr>
+        <p:blipFill>
+          <a:blip r:embed="rId2"/>
+          <a:stretch>
+            <a:fillRect/>
+          </a:stretch>
+        </p:blipFill>
+        <p:spPr>
+          <a:xfrm>
+            <a:off x="3147140" y="2272937"/>
+            <a:ext cx="5132663" cy="4262824"/>
+          </a:xfrm>
+          <a:prstGeom prst="rect">
+            <a:avLst/>
+          </a:prstGeom>
+        </p:spPr>
+      </p:pic>
       <p:sp>
         <p:nvSpPr>
           <p:cNvPr id="8" name="正方形/長方形 7">
@@ -7559,8 +9886,8 @@
         </p:nvSpPr>
         <p:spPr>
           <a:xfrm>
-            <a:off x="7050304" y="6188364"/>
-            <a:ext cx="1183341" cy="451900"/>
+            <a:off x="6411940" y="6084294"/>
+            <a:ext cx="935869" cy="385863"/>
           </a:xfrm>
           <a:prstGeom prst="rect">
             <a:avLst/>
@@ -7597,10 +9924,61 @@
           </a:p>
         </p:txBody>
       </p:sp>
+      <p:sp>
+        <p:nvSpPr>
+          <p:cNvPr id="3" name="コンテンツ プレースホルダー 2">
+            <a:extLst>
+              <a:ext uri="{FF2B5EF4-FFF2-40B4-BE49-F238E27FC236}">
+                <a16:creationId xmlns:a16="http://schemas.microsoft.com/office/drawing/2014/main" id="{A6A8E590-A663-47E2-C1CA-C374CFB9B595}"/>
+              </a:ext>
+            </a:extLst>
+          </p:cNvPr>
+          <p:cNvSpPr>
+            <a:spLocks noGrp="1"/>
+          </p:cNvSpPr>
+          <p:nvPr>
+            <p:ph idx="1"/>
+          </p:nvPr>
+        </p:nvSpPr>
+        <p:spPr>
+          <a:xfrm>
+            <a:off x="1315173" y="1333907"/>
+            <a:ext cx="9561654" cy="738733"/>
+          </a:xfrm>
+        </p:spPr>
+        <p:txBody>
+          <a:bodyPr>
+            <a:noAutofit/>
+          </a:bodyPr>
+          <a:lstStyle/>
+          <a:p>
+            <a:pPr>
+              <a:lnSpc>
+                <a:spcPct val="150000"/>
+              </a:lnSpc>
+              <a:buFont typeface="Arial" panose="020B0604020202020204" pitchFamily="34" charset="0"/>
+              <a:buChar char="•"/>
+            </a:pPr>
+            <a:r>
+              <a:rPr lang="ja-JP" altLang="en-US" sz="2400" dirty="0"/>
+              <a:t>インストーラーを起動した後は、</a:t>
+            </a:r>
+            <a:r>
+              <a:rPr lang="en-US" altLang="ja-JP" sz="2400" dirty="0"/>
+              <a:t>Next</a:t>
+            </a:r>
+            <a:r>
+              <a:rPr lang="ja-JP" altLang="en-US" sz="2400" dirty="0"/>
+              <a:t>を押し続けてください</a:t>
+            </a:r>
+            <a:endParaRPr kumimoji="1" lang="ja-JP" altLang="en-US" sz="2400" dirty="0"/>
+          </a:p>
+        </p:txBody>
+      </p:sp>
     </p:spTree>
     <p:extLst>
       <p:ext uri="{BB962C8B-B14F-4D97-AF65-F5344CB8AC3E}">
-        <p14:creationId xmlns:p14="http://schemas.microsoft.com/office/powerpoint/2010/main" val="2520815508"/>
+        <p14:creationId xmlns:p14="http://schemas.microsoft.com/office/powerpoint/2010/main" val="1639691319"/>
       </p:ext>
     </p:extLst>
   </p:cSld>
@@ -7610,7 +9988,7 @@
 </p:sld>
 </file>
 
-<file path=ppt/slides/slide21.xml><?xml version="1.0" encoding="utf-8"?>
+<file path=ppt/slides/slide6.xml><?xml version="1.0" encoding="utf-8"?>
 <p:sld xmlns:a="http://schemas.openxmlformats.org/drawingml/2006/main" xmlns:r="http://schemas.openxmlformats.org/officeDocument/2006/relationships" xmlns:p="http://schemas.openxmlformats.org/presentationml/2006/main">
   <p:cSld>
     <p:spTree>
@@ -7776,7 +10154,7 @@
 </p:sld>
 </file>
 
-<file path=ppt/slides/slide22.xml><?xml version="1.0" encoding="utf-8"?>
+<file path=ppt/slides/slide7.xml><?xml version="1.0" encoding="utf-8"?>
 <p:sld xmlns:a="http://schemas.openxmlformats.org/drawingml/2006/main" xmlns:r="http://schemas.openxmlformats.org/officeDocument/2006/relationships" xmlns:p="http://schemas.openxmlformats.org/presentationml/2006/main">
   <p:cSld>
     <p:spTree>
@@ -7994,7 +10372,7 @@
 </p:sld>
 </file>
 
-<file path=ppt/slides/slide23.xml><?xml version="1.0" encoding="utf-8"?>
+<file path=ppt/slides/slide8.xml><?xml version="1.0" encoding="utf-8"?>
 <p:sld xmlns:a="http://schemas.openxmlformats.org/drawingml/2006/main" xmlns:r="http://schemas.openxmlformats.org/officeDocument/2006/relationships" xmlns:p="http://schemas.openxmlformats.org/presentationml/2006/main">
   <p:cSld>
     <p:spTree>
@@ -8212,7 +10590,7 @@
 </p:sld>
 </file>
 
-<file path=ppt/slides/slide24.xml><?xml version="1.0" encoding="utf-8"?>
+<file path=ppt/slides/slide9.xml><?xml version="1.0" encoding="utf-8"?>
 <p:sld xmlns:a="http://schemas.openxmlformats.org/drawingml/2006/main" xmlns:r="http://schemas.openxmlformats.org/officeDocument/2006/relationships" xmlns:p="http://schemas.openxmlformats.org/presentationml/2006/main">
   <p:cSld>
     <p:spTree>
@@ -8369,1232 +10747,6 @@
     <p:extLst>
       <p:ext uri="{BB962C8B-B14F-4D97-AF65-F5344CB8AC3E}">
         <p14:creationId xmlns:p14="http://schemas.microsoft.com/office/powerpoint/2010/main" val="3013563385"/>
-      </p:ext>
-    </p:extLst>
-  </p:cSld>
-  <p:clrMapOvr>
-    <a:masterClrMapping/>
-  </p:clrMapOvr>
-</p:sld>
-</file>
-
-<file path=ppt/slides/slide25.xml><?xml version="1.0" encoding="utf-8"?>
-<p:sld xmlns:a="http://schemas.openxmlformats.org/drawingml/2006/main" xmlns:r="http://schemas.openxmlformats.org/officeDocument/2006/relationships" xmlns:p="http://schemas.openxmlformats.org/presentationml/2006/main">
-  <p:cSld>
-    <p:spTree>
-      <p:nvGrpSpPr>
-        <p:cNvPr id="1" name=""/>
-        <p:cNvGrpSpPr/>
-        <p:nvPr/>
-      </p:nvGrpSpPr>
-      <p:grpSpPr>
-        <a:xfrm>
-          <a:off x="0" y="0"/>
-          <a:ext cx="0" cy="0"/>
-          <a:chOff x="0" y="0"/>
-          <a:chExt cx="0" cy="0"/>
-        </a:xfrm>
-      </p:grpSpPr>
-      <p:sp>
-        <p:nvSpPr>
-          <p:cNvPr id="2" name="タイトル 1">
-            <a:extLst>
-              <a:ext uri="{FF2B5EF4-FFF2-40B4-BE49-F238E27FC236}">
-                <a16:creationId xmlns:a16="http://schemas.microsoft.com/office/drawing/2014/main" id="{679B1F19-EA37-6319-E74D-3884CF7D7061}"/>
-              </a:ext>
-            </a:extLst>
-          </p:cNvPr>
-          <p:cNvSpPr>
-            <a:spLocks noGrp="1"/>
-          </p:cNvSpPr>
-          <p:nvPr>
-            <p:ph type="title"/>
-          </p:nvPr>
-        </p:nvSpPr>
-        <p:spPr/>
-        <p:txBody>
-          <a:bodyPr/>
-          <a:lstStyle/>
-          <a:p>
-            <a:r>
-              <a:rPr lang="en-US" altLang="ja-JP" dirty="0"/>
-              <a:t>SourceTree</a:t>
-            </a:r>
-            <a:r>
-              <a:rPr lang="ja-JP" altLang="en-US" dirty="0"/>
-              <a:t>のインストール</a:t>
-            </a:r>
-            <a:endParaRPr kumimoji="1" lang="ja-JP" altLang="en-US" dirty="0"/>
-          </a:p>
-        </p:txBody>
-      </p:sp>
-      <p:pic>
-        <p:nvPicPr>
-          <p:cNvPr id="4" name="図 3">
-            <a:extLst>
-              <a:ext uri="{FF2B5EF4-FFF2-40B4-BE49-F238E27FC236}">
-                <a16:creationId xmlns:a16="http://schemas.microsoft.com/office/drawing/2014/main" id="{890A16A2-D076-3674-7CA9-801F16E644F8}"/>
-              </a:ext>
-            </a:extLst>
-          </p:cNvPr>
-          <p:cNvPicPr>
-            <a:picLocks noChangeAspect="1"/>
-          </p:cNvPicPr>
-          <p:nvPr/>
-        </p:nvPicPr>
-        <p:blipFill>
-          <a:blip r:embed="rId2"/>
-          <a:stretch>
-            <a:fillRect/>
-          </a:stretch>
-        </p:blipFill>
-        <p:spPr>
-          <a:xfrm>
-            <a:off x="1744478" y="1185049"/>
-            <a:ext cx="8716898" cy="5543641"/>
-          </a:xfrm>
-          <a:prstGeom prst="rect">
-            <a:avLst/>
-          </a:prstGeom>
-        </p:spPr>
-      </p:pic>
-    </p:spTree>
-    <p:extLst>
-      <p:ext uri="{BB962C8B-B14F-4D97-AF65-F5344CB8AC3E}">
-        <p14:creationId xmlns:p14="http://schemas.microsoft.com/office/powerpoint/2010/main" val="2305174529"/>
-      </p:ext>
-    </p:extLst>
-  </p:cSld>
-  <p:clrMapOvr>
-    <a:masterClrMapping/>
-  </p:clrMapOvr>
-</p:sld>
-</file>
-
-<file path=ppt/slides/slide26.xml><?xml version="1.0" encoding="utf-8"?>
-<p:sld xmlns:a="http://schemas.openxmlformats.org/drawingml/2006/main" xmlns:r="http://schemas.openxmlformats.org/officeDocument/2006/relationships" xmlns:p="http://schemas.openxmlformats.org/presentationml/2006/main">
-  <p:cSld>
-    <p:spTree>
-      <p:nvGrpSpPr>
-        <p:cNvPr id="1" name=""/>
-        <p:cNvGrpSpPr/>
-        <p:nvPr/>
-      </p:nvGrpSpPr>
-      <p:grpSpPr>
-        <a:xfrm>
-          <a:off x="0" y="0"/>
-          <a:ext cx="0" cy="0"/>
-          <a:chOff x="0" y="0"/>
-          <a:chExt cx="0" cy="0"/>
-        </a:xfrm>
-      </p:grpSpPr>
-      <p:sp>
-        <p:nvSpPr>
-          <p:cNvPr id="3" name="コンテンツ プレースホルダー 2">
-            <a:extLst>
-              <a:ext uri="{FF2B5EF4-FFF2-40B4-BE49-F238E27FC236}">
-                <a16:creationId xmlns:a16="http://schemas.microsoft.com/office/drawing/2014/main" id="{7CC22780-5062-2994-BF8C-AABD73FBBCF9}"/>
-              </a:ext>
-            </a:extLst>
-          </p:cNvPr>
-          <p:cNvSpPr>
-            <a:spLocks noGrp="1"/>
-          </p:cNvSpPr>
-          <p:nvPr>
-            <p:ph idx="1"/>
-          </p:nvPr>
-        </p:nvSpPr>
-        <p:spPr>
-          <a:xfrm>
-            <a:off x="7529450" y="6111340"/>
-            <a:ext cx="4335979" cy="536719"/>
-          </a:xfrm>
-        </p:spPr>
-        <p:txBody>
-          <a:bodyPr>
-            <a:normAutofit fontScale="77500" lnSpcReduction="20000"/>
-          </a:bodyPr>
-          <a:lstStyle/>
-          <a:p>
-            <a:pPr marL="0" indent="0">
-              <a:buNone/>
-            </a:pPr>
-            <a:r>
-              <a:rPr lang="ja-JP" altLang="en-US" dirty="0"/>
-              <a:t>ご清聴ありがとうございました。</a:t>
-            </a:r>
-            <a:endParaRPr lang="en-US" altLang="ja-JP" dirty="0"/>
-          </a:p>
-        </p:txBody>
-      </p:sp>
-    </p:spTree>
-    <p:extLst>
-      <p:ext uri="{BB962C8B-B14F-4D97-AF65-F5344CB8AC3E}">
-        <p14:creationId xmlns:p14="http://schemas.microsoft.com/office/powerpoint/2010/main" val="827925618"/>
-      </p:ext>
-    </p:extLst>
-  </p:cSld>
-  <p:clrMapOvr>
-    <a:masterClrMapping/>
-  </p:clrMapOvr>
-</p:sld>
-</file>
-
-<file path=ppt/slides/slide3.xml><?xml version="1.0" encoding="utf-8"?>
-<p:sld xmlns:a="http://schemas.openxmlformats.org/drawingml/2006/main" xmlns:r="http://schemas.openxmlformats.org/officeDocument/2006/relationships" xmlns:p="http://schemas.openxmlformats.org/presentationml/2006/main">
-  <p:cSld>
-    <p:spTree>
-      <p:nvGrpSpPr>
-        <p:cNvPr id="1" name=""/>
-        <p:cNvGrpSpPr/>
-        <p:nvPr/>
-      </p:nvGrpSpPr>
-      <p:grpSpPr>
-        <a:xfrm>
-          <a:off x="0" y="0"/>
-          <a:ext cx="0" cy="0"/>
-          <a:chOff x="0" y="0"/>
-          <a:chExt cx="0" cy="0"/>
-        </a:xfrm>
-      </p:grpSpPr>
-      <p:sp>
-        <p:nvSpPr>
-          <p:cNvPr id="2" name="タイトル 1">
-            <a:extLst>
-              <a:ext uri="{FF2B5EF4-FFF2-40B4-BE49-F238E27FC236}">
-                <a16:creationId xmlns:a16="http://schemas.microsoft.com/office/drawing/2014/main" id="{679B1F19-EA37-6319-E74D-3884CF7D7061}"/>
-              </a:ext>
-            </a:extLst>
-          </p:cNvPr>
-          <p:cNvSpPr>
-            <a:spLocks noGrp="1"/>
-          </p:cNvSpPr>
-          <p:nvPr>
-            <p:ph type="title"/>
-          </p:nvPr>
-        </p:nvSpPr>
-        <p:spPr/>
-        <p:txBody>
-          <a:bodyPr/>
-          <a:lstStyle/>
-          <a:p>
-            <a:r>
-              <a:rPr kumimoji="1" lang="en-US" altLang="ja-JP" dirty="0"/>
-              <a:t>Git</a:t>
-            </a:r>
-            <a:r>
-              <a:rPr kumimoji="1" lang="ja-JP" altLang="en-US" dirty="0"/>
-              <a:t>とは？</a:t>
-            </a:r>
-          </a:p>
-        </p:txBody>
-      </p:sp>
-      <p:sp>
-        <p:nvSpPr>
-          <p:cNvPr id="4" name="コンテンツ プレースホルダー 2">
-            <a:extLst>
-              <a:ext uri="{FF2B5EF4-FFF2-40B4-BE49-F238E27FC236}">
-                <a16:creationId xmlns:a16="http://schemas.microsoft.com/office/drawing/2014/main" id="{81E22F13-F9BA-6547-7B98-D5E042138C96}"/>
-              </a:ext>
-            </a:extLst>
-          </p:cNvPr>
-          <p:cNvSpPr>
-            <a:spLocks noGrp="1"/>
-          </p:cNvSpPr>
-          <p:nvPr>
-            <p:ph idx="1"/>
-          </p:nvPr>
-        </p:nvSpPr>
-        <p:spPr>
-          <a:xfrm>
-            <a:off x="845127" y="1376219"/>
-            <a:ext cx="10685726" cy="2530152"/>
-          </a:xfrm>
-        </p:spPr>
-        <p:txBody>
-          <a:bodyPr>
-            <a:noAutofit/>
-          </a:bodyPr>
-          <a:lstStyle/>
-          <a:p>
-            <a:pPr>
-              <a:lnSpc>
-                <a:spcPct val="150000"/>
-              </a:lnSpc>
-            </a:pPr>
-            <a:r>
-              <a:rPr kumimoji="1" lang="en-US" altLang="ja-JP" sz="3200" dirty="0"/>
-              <a:t>Git</a:t>
-            </a:r>
-            <a:r>
-              <a:rPr kumimoji="1" lang="ja-JP" altLang="en-US" sz="3200" dirty="0"/>
-              <a:t>はバージョン管理ソフトです。</a:t>
-            </a:r>
-            <a:endParaRPr kumimoji="1" lang="en-US" altLang="ja-JP" sz="3200" dirty="0"/>
-          </a:p>
-          <a:p>
-            <a:pPr>
-              <a:lnSpc>
-                <a:spcPct val="150000"/>
-              </a:lnSpc>
-            </a:pPr>
-            <a:r>
-              <a:rPr kumimoji="1" lang="ja-JP" altLang="en-US" sz="3200" dirty="0"/>
-              <a:t>バージョン管理とは、ファイルやフォルダの変更履歴と内容を保存して整理することです。</a:t>
-            </a:r>
-          </a:p>
-        </p:txBody>
-      </p:sp>
-    </p:spTree>
-    <p:extLst>
-      <p:ext uri="{BB962C8B-B14F-4D97-AF65-F5344CB8AC3E}">
-        <p14:creationId xmlns:p14="http://schemas.microsoft.com/office/powerpoint/2010/main" val="301389911"/>
-      </p:ext>
-    </p:extLst>
-  </p:cSld>
-  <p:clrMapOvr>
-    <a:masterClrMapping/>
-  </p:clrMapOvr>
-</p:sld>
-</file>
-
-<file path=ppt/slides/slide4.xml><?xml version="1.0" encoding="utf-8"?>
-<p:sld xmlns:a="http://schemas.openxmlformats.org/drawingml/2006/main" xmlns:r="http://schemas.openxmlformats.org/officeDocument/2006/relationships" xmlns:p="http://schemas.openxmlformats.org/presentationml/2006/main">
-  <p:cSld>
-    <p:spTree>
-      <p:nvGrpSpPr>
-        <p:cNvPr id="1" name=""/>
-        <p:cNvGrpSpPr/>
-        <p:nvPr/>
-      </p:nvGrpSpPr>
-      <p:grpSpPr>
-        <a:xfrm>
-          <a:off x="0" y="0"/>
-          <a:ext cx="0" cy="0"/>
-          <a:chOff x="0" y="0"/>
-          <a:chExt cx="0" cy="0"/>
-        </a:xfrm>
-      </p:grpSpPr>
-      <p:sp>
-        <p:nvSpPr>
-          <p:cNvPr id="2" name="タイトル 1">
-            <a:extLst>
-              <a:ext uri="{FF2B5EF4-FFF2-40B4-BE49-F238E27FC236}">
-                <a16:creationId xmlns:a16="http://schemas.microsoft.com/office/drawing/2014/main" id="{679B1F19-EA37-6319-E74D-3884CF7D7061}"/>
-              </a:ext>
-            </a:extLst>
-          </p:cNvPr>
-          <p:cNvSpPr>
-            <a:spLocks noGrp="1"/>
-          </p:cNvSpPr>
-          <p:nvPr>
-            <p:ph type="title"/>
-          </p:nvPr>
-        </p:nvSpPr>
-        <p:spPr/>
-        <p:txBody>
-          <a:bodyPr/>
-          <a:lstStyle/>
-          <a:p>
-            <a:r>
-              <a:rPr kumimoji="1" lang="en-US" altLang="ja-JP" dirty="0"/>
-              <a:t>Git</a:t>
-            </a:r>
-            <a:r>
-              <a:rPr lang="ja-JP" altLang="en-US" dirty="0"/>
-              <a:t>が</a:t>
-            </a:r>
-            <a:r>
-              <a:rPr kumimoji="1" lang="ja-JP" altLang="en-US" dirty="0"/>
-              <a:t>便利なこと</a:t>
-            </a:r>
-          </a:p>
-        </p:txBody>
-      </p:sp>
-      <p:sp>
-        <p:nvSpPr>
-          <p:cNvPr id="4" name="コンテンツ プレースホルダー 2">
-            <a:extLst>
-              <a:ext uri="{FF2B5EF4-FFF2-40B4-BE49-F238E27FC236}">
-                <a16:creationId xmlns:a16="http://schemas.microsoft.com/office/drawing/2014/main" id="{81E22F13-F9BA-6547-7B98-D5E042138C96}"/>
-              </a:ext>
-            </a:extLst>
-          </p:cNvPr>
-          <p:cNvSpPr>
-            <a:spLocks noGrp="1"/>
-          </p:cNvSpPr>
-          <p:nvPr>
-            <p:ph idx="1"/>
-          </p:nvPr>
-        </p:nvSpPr>
-        <p:spPr>
-          <a:xfrm>
-            <a:off x="1533066" y="1692225"/>
-            <a:ext cx="9125867" cy="4527040"/>
-          </a:xfrm>
-        </p:spPr>
-        <p:txBody>
-          <a:bodyPr>
-            <a:noAutofit/>
-          </a:bodyPr>
-          <a:lstStyle/>
-          <a:p>
-            <a:pPr>
-              <a:lnSpc>
-                <a:spcPct val="150000"/>
-              </a:lnSpc>
-              <a:buFont typeface="Wingdings" panose="05000000000000000000" pitchFamily="2" charset="2"/>
-              <a:buChar char="ü"/>
-            </a:pPr>
-            <a:r>
-              <a:rPr kumimoji="1" lang="ja-JP" altLang="en-US" sz="3200" dirty="0"/>
-              <a:t> チャート式の画面で変更が分かりやすい</a:t>
-            </a:r>
-            <a:endParaRPr kumimoji="1" lang="en-US" altLang="ja-JP" sz="3200" dirty="0"/>
-          </a:p>
-          <a:p>
-            <a:pPr>
-              <a:lnSpc>
-                <a:spcPct val="150000"/>
-              </a:lnSpc>
-              <a:buFont typeface="Wingdings" panose="05000000000000000000" pitchFamily="2" charset="2"/>
-              <a:buChar char="ü"/>
-            </a:pPr>
-            <a:r>
-              <a:rPr kumimoji="1" lang="ja-JP" altLang="en-US" sz="3200" dirty="0"/>
-              <a:t> 変更にコメントを残すことができる</a:t>
-            </a:r>
-            <a:endParaRPr kumimoji="1" lang="en-US" altLang="ja-JP" sz="3200" dirty="0"/>
-          </a:p>
-          <a:p>
-            <a:pPr>
-              <a:lnSpc>
-                <a:spcPct val="150000"/>
-              </a:lnSpc>
-              <a:buFont typeface="Wingdings" panose="05000000000000000000" pitchFamily="2" charset="2"/>
-              <a:buChar char="ü"/>
-            </a:pPr>
-            <a:r>
-              <a:rPr lang="ja-JP" altLang="en-US" sz="3200" dirty="0"/>
-              <a:t> 差分が見えるので、チェックもしやすい</a:t>
-            </a:r>
-            <a:endParaRPr lang="en-US" altLang="ja-JP" sz="3200" dirty="0"/>
-          </a:p>
-          <a:p>
-            <a:pPr>
-              <a:lnSpc>
-                <a:spcPct val="150000"/>
-              </a:lnSpc>
-              <a:buFont typeface="Wingdings" panose="05000000000000000000" pitchFamily="2" charset="2"/>
-              <a:buChar char="ü"/>
-            </a:pPr>
-            <a:r>
-              <a:rPr kumimoji="1" lang="ja-JP" altLang="en-US" sz="3200" dirty="0"/>
-              <a:t> 共有が簡単で、チームでの作業に向いている</a:t>
-            </a:r>
-            <a:endParaRPr kumimoji="1" lang="en-US" altLang="ja-JP" sz="3200" dirty="0"/>
-          </a:p>
-          <a:p>
-            <a:pPr>
-              <a:lnSpc>
-                <a:spcPct val="150000"/>
-              </a:lnSpc>
-              <a:buFont typeface="Wingdings" panose="05000000000000000000" pitchFamily="2" charset="2"/>
-              <a:buChar char="ü"/>
-            </a:pPr>
-            <a:r>
-              <a:rPr kumimoji="1" lang="ja-JP" altLang="en-US" sz="3200" dirty="0"/>
-              <a:t> レビューの申請</a:t>
-            </a:r>
-            <a:r>
-              <a:rPr lang="ja-JP" altLang="en-US" sz="3200" dirty="0"/>
-              <a:t>・承認もできる</a:t>
-            </a:r>
-            <a:endParaRPr kumimoji="1" lang="ja-JP" altLang="en-US" sz="3200" dirty="0"/>
-          </a:p>
-        </p:txBody>
-      </p:sp>
-    </p:spTree>
-    <p:extLst>
-      <p:ext uri="{BB962C8B-B14F-4D97-AF65-F5344CB8AC3E}">
-        <p14:creationId xmlns:p14="http://schemas.microsoft.com/office/powerpoint/2010/main" val="1002267640"/>
-      </p:ext>
-    </p:extLst>
-  </p:cSld>
-  <p:clrMapOvr>
-    <a:masterClrMapping/>
-  </p:clrMapOvr>
-</p:sld>
-</file>
-
-<file path=ppt/slides/slide5.xml><?xml version="1.0" encoding="utf-8"?>
-<p:sld xmlns:a="http://schemas.openxmlformats.org/drawingml/2006/main" xmlns:r="http://schemas.openxmlformats.org/officeDocument/2006/relationships" xmlns:p="http://schemas.openxmlformats.org/presentationml/2006/main">
-  <p:cSld>
-    <p:spTree>
-      <p:nvGrpSpPr>
-        <p:cNvPr id="1" name=""/>
-        <p:cNvGrpSpPr/>
-        <p:nvPr/>
-      </p:nvGrpSpPr>
-      <p:grpSpPr>
-        <a:xfrm>
-          <a:off x="0" y="0"/>
-          <a:ext cx="0" cy="0"/>
-          <a:chOff x="0" y="0"/>
-          <a:chExt cx="0" cy="0"/>
-        </a:xfrm>
-      </p:grpSpPr>
-      <p:sp>
-        <p:nvSpPr>
-          <p:cNvPr id="2" name="タイトル 1">
-            <a:extLst>
-              <a:ext uri="{FF2B5EF4-FFF2-40B4-BE49-F238E27FC236}">
-                <a16:creationId xmlns:a16="http://schemas.microsoft.com/office/drawing/2014/main" id="{679B1F19-EA37-6319-E74D-3884CF7D7061}"/>
-              </a:ext>
-            </a:extLst>
-          </p:cNvPr>
-          <p:cNvSpPr>
-            <a:spLocks noGrp="1"/>
-          </p:cNvSpPr>
-          <p:nvPr>
-            <p:ph type="title"/>
-          </p:nvPr>
-        </p:nvSpPr>
-        <p:spPr/>
-        <p:txBody>
-          <a:bodyPr/>
-          <a:lstStyle/>
-          <a:p>
-            <a:r>
-              <a:rPr lang="en-US" altLang="ja-JP" dirty="0"/>
-              <a:t>Git</a:t>
-            </a:r>
-            <a:r>
-              <a:rPr lang="ja-JP" altLang="en-US" dirty="0"/>
-              <a:t>のインストール</a:t>
-            </a:r>
-            <a:endParaRPr kumimoji="1" lang="ja-JP" altLang="en-US" dirty="0"/>
-          </a:p>
-        </p:txBody>
-      </p:sp>
-      <p:pic>
-        <p:nvPicPr>
-          <p:cNvPr id="7" name="図 6">
-            <a:extLst>
-              <a:ext uri="{FF2B5EF4-FFF2-40B4-BE49-F238E27FC236}">
-                <a16:creationId xmlns:a16="http://schemas.microsoft.com/office/drawing/2014/main" id="{D9324220-86AB-4D99-9B94-223751877FD7}"/>
-              </a:ext>
-            </a:extLst>
-          </p:cNvPr>
-          <p:cNvPicPr>
-            <a:picLocks noChangeAspect="1"/>
-          </p:cNvPicPr>
-          <p:nvPr/>
-        </p:nvPicPr>
-        <p:blipFill>
-          <a:blip r:embed="rId2"/>
-          <a:stretch>
-            <a:fillRect/>
-          </a:stretch>
-        </p:blipFill>
-        <p:spPr>
-          <a:xfrm>
-            <a:off x="2851048" y="1250213"/>
-            <a:ext cx="6489903" cy="5390051"/>
-          </a:xfrm>
-          <a:prstGeom prst="rect">
-            <a:avLst/>
-          </a:prstGeom>
-        </p:spPr>
-      </p:pic>
-      <p:sp>
-        <p:nvSpPr>
-          <p:cNvPr id="8" name="正方形/長方形 7">
-            <a:extLst>
-              <a:ext uri="{FF2B5EF4-FFF2-40B4-BE49-F238E27FC236}">
-                <a16:creationId xmlns:a16="http://schemas.microsoft.com/office/drawing/2014/main" id="{201EC2A1-D0D1-0AB6-6DF7-AF2354741295}"/>
-              </a:ext>
-            </a:extLst>
-          </p:cNvPr>
-          <p:cNvSpPr/>
-          <p:nvPr/>
-        </p:nvSpPr>
-        <p:spPr>
-          <a:xfrm>
-            <a:off x="7004122" y="6086763"/>
-            <a:ext cx="1183341" cy="487897"/>
-          </a:xfrm>
-          <a:prstGeom prst="rect">
-            <a:avLst/>
-          </a:prstGeom>
-          <a:noFill/>
-          <a:ln w="50800">
-            <a:solidFill>
-              <a:srgbClr val="FF0000"/>
-            </a:solidFill>
-          </a:ln>
-        </p:spPr>
-        <p:style>
-          <a:lnRef idx="2">
-            <a:schemeClr val="accent1">
-              <a:shade val="15000"/>
-            </a:schemeClr>
-          </a:lnRef>
-          <a:fillRef idx="1">
-            <a:schemeClr val="accent1"/>
-          </a:fillRef>
-          <a:effectRef idx="0">
-            <a:schemeClr val="accent1"/>
-          </a:effectRef>
-          <a:fontRef idx="minor">
-            <a:schemeClr val="lt1"/>
-          </a:fontRef>
-        </p:style>
-        <p:txBody>
-          <a:bodyPr rtlCol="0" anchor="ctr"/>
-          <a:lstStyle/>
-          <a:p>
-            <a:pPr algn="ctr"/>
-            <a:endParaRPr kumimoji="1" lang="ja-JP" altLang="en-US"/>
-          </a:p>
-        </p:txBody>
-      </p:sp>
-    </p:spTree>
-    <p:extLst>
-      <p:ext uri="{BB962C8B-B14F-4D97-AF65-F5344CB8AC3E}">
-        <p14:creationId xmlns:p14="http://schemas.microsoft.com/office/powerpoint/2010/main" val="1639691319"/>
-      </p:ext>
-    </p:extLst>
-  </p:cSld>
-  <p:clrMapOvr>
-    <a:masterClrMapping/>
-  </p:clrMapOvr>
-</p:sld>
-</file>
-
-<file path=ppt/slides/slide6.xml><?xml version="1.0" encoding="utf-8"?>
-<p:sld xmlns:a="http://schemas.openxmlformats.org/drawingml/2006/main" xmlns:r="http://schemas.openxmlformats.org/officeDocument/2006/relationships" xmlns:p="http://schemas.openxmlformats.org/presentationml/2006/main">
-  <p:cSld>
-    <p:spTree>
-      <p:nvGrpSpPr>
-        <p:cNvPr id="1" name=""/>
-        <p:cNvGrpSpPr/>
-        <p:nvPr/>
-      </p:nvGrpSpPr>
-      <p:grpSpPr>
-        <a:xfrm>
-          <a:off x="0" y="0"/>
-          <a:ext cx="0" cy="0"/>
-          <a:chOff x="0" y="0"/>
-          <a:chExt cx="0" cy="0"/>
-        </a:xfrm>
-      </p:grpSpPr>
-      <p:pic>
-        <p:nvPicPr>
-          <p:cNvPr id="4" name="図 3">
-            <a:extLst>
-              <a:ext uri="{FF2B5EF4-FFF2-40B4-BE49-F238E27FC236}">
-                <a16:creationId xmlns:a16="http://schemas.microsoft.com/office/drawing/2014/main" id="{D8C20148-CDDB-3FCD-DE9A-FCFE01DF81FD}"/>
-              </a:ext>
-            </a:extLst>
-          </p:cNvPr>
-          <p:cNvPicPr>
-            <a:picLocks noChangeAspect="1"/>
-          </p:cNvPicPr>
-          <p:nvPr/>
-        </p:nvPicPr>
-        <p:blipFill>
-          <a:blip r:embed="rId2"/>
-          <a:stretch>
-            <a:fillRect/>
-          </a:stretch>
-        </p:blipFill>
-        <p:spPr>
-          <a:xfrm>
-            <a:off x="2845609" y="1241177"/>
-            <a:ext cx="6500782" cy="5399087"/>
-          </a:xfrm>
-          <a:prstGeom prst="rect">
-            <a:avLst/>
-          </a:prstGeom>
-        </p:spPr>
-      </p:pic>
-      <p:sp>
-        <p:nvSpPr>
-          <p:cNvPr id="2" name="タイトル 1">
-            <a:extLst>
-              <a:ext uri="{FF2B5EF4-FFF2-40B4-BE49-F238E27FC236}">
-                <a16:creationId xmlns:a16="http://schemas.microsoft.com/office/drawing/2014/main" id="{679B1F19-EA37-6319-E74D-3884CF7D7061}"/>
-              </a:ext>
-            </a:extLst>
-          </p:cNvPr>
-          <p:cNvSpPr>
-            <a:spLocks noGrp="1"/>
-          </p:cNvSpPr>
-          <p:nvPr>
-            <p:ph type="title"/>
-          </p:nvPr>
-        </p:nvSpPr>
-        <p:spPr/>
-        <p:txBody>
-          <a:bodyPr/>
-          <a:lstStyle/>
-          <a:p>
-            <a:r>
-              <a:rPr lang="en-US" altLang="ja-JP" dirty="0"/>
-              <a:t>Git</a:t>
-            </a:r>
-            <a:r>
-              <a:rPr lang="ja-JP" altLang="en-US" dirty="0"/>
-              <a:t>のインストール</a:t>
-            </a:r>
-            <a:endParaRPr kumimoji="1" lang="ja-JP" altLang="en-US" dirty="0"/>
-          </a:p>
-        </p:txBody>
-      </p:sp>
-      <p:sp>
-        <p:nvSpPr>
-          <p:cNvPr id="8" name="正方形/長方形 7">
-            <a:extLst>
-              <a:ext uri="{FF2B5EF4-FFF2-40B4-BE49-F238E27FC236}">
-                <a16:creationId xmlns:a16="http://schemas.microsoft.com/office/drawing/2014/main" id="{201EC2A1-D0D1-0AB6-6DF7-AF2354741295}"/>
-              </a:ext>
-            </a:extLst>
-          </p:cNvPr>
-          <p:cNvSpPr/>
-          <p:nvPr/>
-        </p:nvSpPr>
-        <p:spPr>
-          <a:xfrm>
-            <a:off x="7004122" y="6086763"/>
-            <a:ext cx="1183341" cy="487897"/>
-          </a:xfrm>
-          <a:prstGeom prst="rect">
-            <a:avLst/>
-          </a:prstGeom>
-          <a:noFill/>
-          <a:ln w="50800">
-            <a:solidFill>
-              <a:srgbClr val="FF0000"/>
-            </a:solidFill>
-          </a:ln>
-        </p:spPr>
-        <p:style>
-          <a:lnRef idx="2">
-            <a:schemeClr val="accent1">
-              <a:shade val="15000"/>
-            </a:schemeClr>
-          </a:lnRef>
-          <a:fillRef idx="1">
-            <a:schemeClr val="accent1"/>
-          </a:fillRef>
-          <a:effectRef idx="0">
-            <a:schemeClr val="accent1"/>
-          </a:effectRef>
-          <a:fontRef idx="minor">
-            <a:schemeClr val="lt1"/>
-          </a:fontRef>
-        </p:style>
-        <p:txBody>
-          <a:bodyPr rtlCol="0" anchor="ctr"/>
-          <a:lstStyle/>
-          <a:p>
-            <a:pPr algn="ctr"/>
-            <a:endParaRPr kumimoji="1" lang="ja-JP" altLang="en-US"/>
-          </a:p>
-        </p:txBody>
-      </p:sp>
-      <p:sp>
-        <p:nvSpPr>
-          <p:cNvPr id="9" name="正方形/長方形 8">
-            <a:extLst>
-              <a:ext uri="{FF2B5EF4-FFF2-40B4-BE49-F238E27FC236}">
-                <a16:creationId xmlns:a16="http://schemas.microsoft.com/office/drawing/2014/main" id="{29A40203-F276-18AB-D080-FD26552A8CAB}"/>
-              </a:ext>
-            </a:extLst>
-          </p:cNvPr>
-          <p:cNvSpPr/>
-          <p:nvPr/>
-        </p:nvSpPr>
-        <p:spPr>
-          <a:xfrm>
-            <a:off x="3291104" y="3428999"/>
-            <a:ext cx="5621987" cy="487897"/>
-          </a:xfrm>
-          <a:prstGeom prst="rect">
-            <a:avLst/>
-          </a:prstGeom>
-          <a:noFill/>
-          <a:ln w="50800">
-            <a:solidFill>
-              <a:srgbClr val="FF0000"/>
-            </a:solidFill>
-          </a:ln>
-        </p:spPr>
-        <p:style>
-          <a:lnRef idx="2">
-            <a:schemeClr val="accent1">
-              <a:shade val="15000"/>
-            </a:schemeClr>
-          </a:lnRef>
-          <a:fillRef idx="1">
-            <a:schemeClr val="accent1"/>
-          </a:fillRef>
-          <a:effectRef idx="0">
-            <a:schemeClr val="accent1"/>
-          </a:effectRef>
-          <a:fontRef idx="minor">
-            <a:schemeClr val="lt1"/>
-          </a:fontRef>
-        </p:style>
-        <p:txBody>
-          <a:bodyPr rtlCol="0" anchor="ctr"/>
-          <a:lstStyle/>
-          <a:p>
-            <a:pPr algn="ctr"/>
-            <a:endParaRPr kumimoji="1" lang="ja-JP" altLang="en-US"/>
-          </a:p>
-        </p:txBody>
-      </p:sp>
-    </p:spTree>
-    <p:extLst>
-      <p:ext uri="{BB962C8B-B14F-4D97-AF65-F5344CB8AC3E}">
-        <p14:creationId xmlns:p14="http://schemas.microsoft.com/office/powerpoint/2010/main" val="479057209"/>
-      </p:ext>
-    </p:extLst>
-  </p:cSld>
-  <p:clrMapOvr>
-    <a:masterClrMapping/>
-  </p:clrMapOvr>
-</p:sld>
-</file>
-
-<file path=ppt/slides/slide7.xml><?xml version="1.0" encoding="utf-8"?>
-<p:sld xmlns:a="http://schemas.openxmlformats.org/drawingml/2006/main" xmlns:r="http://schemas.openxmlformats.org/officeDocument/2006/relationships" xmlns:p="http://schemas.openxmlformats.org/presentationml/2006/main">
-  <p:cSld>
-    <p:spTree>
-      <p:nvGrpSpPr>
-        <p:cNvPr id="1" name=""/>
-        <p:cNvGrpSpPr/>
-        <p:nvPr/>
-      </p:nvGrpSpPr>
-      <p:grpSpPr>
-        <a:xfrm>
-          <a:off x="0" y="0"/>
-          <a:ext cx="0" cy="0"/>
-          <a:chOff x="0" y="0"/>
-          <a:chExt cx="0" cy="0"/>
-        </a:xfrm>
-      </p:grpSpPr>
-      <p:pic>
-        <p:nvPicPr>
-          <p:cNvPr id="5" name="図 4">
-            <a:extLst>
-              <a:ext uri="{FF2B5EF4-FFF2-40B4-BE49-F238E27FC236}">
-                <a16:creationId xmlns:a16="http://schemas.microsoft.com/office/drawing/2014/main" id="{0BFC45F3-C3A0-43B5-DAC8-F23D7C748274}"/>
-              </a:ext>
-            </a:extLst>
-          </p:cNvPr>
-          <p:cNvPicPr>
-            <a:picLocks noChangeAspect="1"/>
-          </p:cNvPicPr>
-          <p:nvPr/>
-        </p:nvPicPr>
-        <p:blipFill>
-          <a:blip r:embed="rId2"/>
-          <a:stretch>
-            <a:fillRect/>
-          </a:stretch>
-        </p:blipFill>
-        <p:spPr>
-          <a:xfrm>
-            <a:off x="2795564" y="1246910"/>
-            <a:ext cx="6600871" cy="5482214"/>
-          </a:xfrm>
-          <a:prstGeom prst="rect">
-            <a:avLst/>
-          </a:prstGeom>
-        </p:spPr>
-      </p:pic>
-      <p:sp>
-        <p:nvSpPr>
-          <p:cNvPr id="2" name="タイトル 1">
-            <a:extLst>
-              <a:ext uri="{FF2B5EF4-FFF2-40B4-BE49-F238E27FC236}">
-                <a16:creationId xmlns:a16="http://schemas.microsoft.com/office/drawing/2014/main" id="{679B1F19-EA37-6319-E74D-3884CF7D7061}"/>
-              </a:ext>
-            </a:extLst>
-          </p:cNvPr>
-          <p:cNvSpPr>
-            <a:spLocks noGrp="1"/>
-          </p:cNvSpPr>
-          <p:nvPr>
-            <p:ph type="title"/>
-          </p:nvPr>
-        </p:nvSpPr>
-        <p:spPr/>
-        <p:txBody>
-          <a:bodyPr/>
-          <a:lstStyle/>
-          <a:p>
-            <a:r>
-              <a:rPr lang="en-US" altLang="ja-JP" dirty="0"/>
-              <a:t>Git</a:t>
-            </a:r>
-            <a:r>
-              <a:rPr lang="ja-JP" altLang="en-US" dirty="0"/>
-              <a:t>のインストール</a:t>
-            </a:r>
-            <a:endParaRPr kumimoji="1" lang="ja-JP" altLang="en-US" dirty="0"/>
-          </a:p>
-        </p:txBody>
-      </p:sp>
-      <p:sp>
-        <p:nvSpPr>
-          <p:cNvPr id="8" name="正方形/長方形 7">
-            <a:extLst>
-              <a:ext uri="{FF2B5EF4-FFF2-40B4-BE49-F238E27FC236}">
-                <a16:creationId xmlns:a16="http://schemas.microsoft.com/office/drawing/2014/main" id="{201EC2A1-D0D1-0AB6-6DF7-AF2354741295}"/>
-              </a:ext>
-            </a:extLst>
-          </p:cNvPr>
-          <p:cNvSpPr/>
-          <p:nvPr/>
-        </p:nvSpPr>
-        <p:spPr>
-          <a:xfrm>
-            <a:off x="7031831" y="6152367"/>
-            <a:ext cx="1183341" cy="487897"/>
-          </a:xfrm>
-          <a:prstGeom prst="rect">
-            <a:avLst/>
-          </a:prstGeom>
-          <a:noFill/>
-          <a:ln w="50800">
-            <a:solidFill>
-              <a:srgbClr val="FF0000"/>
-            </a:solidFill>
-          </a:ln>
-        </p:spPr>
-        <p:style>
-          <a:lnRef idx="2">
-            <a:schemeClr val="accent1">
-              <a:shade val="15000"/>
-            </a:schemeClr>
-          </a:lnRef>
-          <a:fillRef idx="1">
-            <a:schemeClr val="accent1"/>
-          </a:fillRef>
-          <a:effectRef idx="0">
-            <a:schemeClr val="accent1"/>
-          </a:effectRef>
-          <a:fontRef idx="minor">
-            <a:schemeClr val="lt1"/>
-          </a:fontRef>
-        </p:style>
-        <p:txBody>
-          <a:bodyPr rtlCol="0" anchor="ctr"/>
-          <a:lstStyle/>
-          <a:p>
-            <a:pPr algn="ctr"/>
-            <a:endParaRPr kumimoji="1" lang="ja-JP" altLang="en-US"/>
-          </a:p>
-        </p:txBody>
-      </p:sp>
-    </p:spTree>
-    <p:extLst>
-      <p:ext uri="{BB962C8B-B14F-4D97-AF65-F5344CB8AC3E}">
-        <p14:creationId xmlns:p14="http://schemas.microsoft.com/office/powerpoint/2010/main" val="126556158"/>
-      </p:ext>
-    </p:extLst>
-  </p:cSld>
-  <p:clrMapOvr>
-    <a:masterClrMapping/>
-  </p:clrMapOvr>
-</p:sld>
-</file>
-
-<file path=ppt/slides/slide8.xml><?xml version="1.0" encoding="utf-8"?>
-<p:sld xmlns:a="http://schemas.openxmlformats.org/drawingml/2006/main" xmlns:r="http://schemas.openxmlformats.org/officeDocument/2006/relationships" xmlns:p="http://schemas.openxmlformats.org/presentationml/2006/main">
-  <p:cSld>
-    <p:spTree>
-      <p:nvGrpSpPr>
-        <p:cNvPr id="1" name=""/>
-        <p:cNvGrpSpPr/>
-        <p:nvPr/>
-      </p:nvGrpSpPr>
-      <p:grpSpPr>
-        <a:xfrm>
-          <a:off x="0" y="0"/>
-          <a:ext cx="0" cy="0"/>
-          <a:chOff x="0" y="0"/>
-          <a:chExt cx="0" cy="0"/>
-        </a:xfrm>
-      </p:grpSpPr>
-      <p:pic>
-        <p:nvPicPr>
-          <p:cNvPr id="5" name="図 4">
-            <a:extLst>
-              <a:ext uri="{FF2B5EF4-FFF2-40B4-BE49-F238E27FC236}">
-                <a16:creationId xmlns:a16="http://schemas.microsoft.com/office/drawing/2014/main" id="{0BFC45F3-C3A0-43B5-DAC8-F23D7C748274}"/>
-              </a:ext>
-            </a:extLst>
-          </p:cNvPr>
-          <p:cNvPicPr>
-            <a:picLocks noChangeAspect="1"/>
-          </p:cNvPicPr>
-          <p:nvPr/>
-        </p:nvPicPr>
-        <p:blipFill>
-          <a:blip r:embed="rId2"/>
-          <a:stretch>
-            <a:fillRect/>
-          </a:stretch>
-        </p:blipFill>
-        <p:spPr>
-          <a:xfrm>
-            <a:off x="2795564" y="1246910"/>
-            <a:ext cx="6600871" cy="5482214"/>
-          </a:xfrm>
-          <a:prstGeom prst="rect">
-            <a:avLst/>
-          </a:prstGeom>
-        </p:spPr>
-      </p:pic>
-      <p:sp>
-        <p:nvSpPr>
-          <p:cNvPr id="2" name="タイトル 1">
-            <a:extLst>
-              <a:ext uri="{FF2B5EF4-FFF2-40B4-BE49-F238E27FC236}">
-                <a16:creationId xmlns:a16="http://schemas.microsoft.com/office/drawing/2014/main" id="{679B1F19-EA37-6319-E74D-3884CF7D7061}"/>
-              </a:ext>
-            </a:extLst>
-          </p:cNvPr>
-          <p:cNvSpPr>
-            <a:spLocks noGrp="1"/>
-          </p:cNvSpPr>
-          <p:nvPr>
-            <p:ph type="title"/>
-          </p:nvPr>
-        </p:nvSpPr>
-        <p:spPr/>
-        <p:txBody>
-          <a:bodyPr/>
-          <a:lstStyle/>
-          <a:p>
-            <a:r>
-              <a:rPr lang="en-US" altLang="ja-JP" dirty="0"/>
-              <a:t>Git</a:t>
-            </a:r>
-            <a:r>
-              <a:rPr lang="ja-JP" altLang="en-US" dirty="0"/>
-              <a:t>のインストール</a:t>
-            </a:r>
-            <a:endParaRPr kumimoji="1" lang="ja-JP" altLang="en-US" dirty="0"/>
-          </a:p>
-        </p:txBody>
-      </p:sp>
-      <p:sp>
-        <p:nvSpPr>
-          <p:cNvPr id="8" name="正方形/長方形 7">
-            <a:extLst>
-              <a:ext uri="{FF2B5EF4-FFF2-40B4-BE49-F238E27FC236}">
-                <a16:creationId xmlns:a16="http://schemas.microsoft.com/office/drawing/2014/main" id="{201EC2A1-D0D1-0AB6-6DF7-AF2354741295}"/>
-              </a:ext>
-            </a:extLst>
-          </p:cNvPr>
-          <p:cNvSpPr/>
-          <p:nvPr/>
-        </p:nvSpPr>
-        <p:spPr>
-          <a:xfrm>
-            <a:off x="7031831" y="6152367"/>
-            <a:ext cx="1183341" cy="487897"/>
-          </a:xfrm>
-          <a:prstGeom prst="rect">
-            <a:avLst/>
-          </a:prstGeom>
-          <a:noFill/>
-          <a:ln w="50800">
-            <a:solidFill>
-              <a:srgbClr val="FF0000"/>
-            </a:solidFill>
-          </a:ln>
-        </p:spPr>
-        <p:style>
-          <a:lnRef idx="2">
-            <a:schemeClr val="accent1">
-              <a:shade val="15000"/>
-            </a:schemeClr>
-          </a:lnRef>
-          <a:fillRef idx="1">
-            <a:schemeClr val="accent1"/>
-          </a:fillRef>
-          <a:effectRef idx="0">
-            <a:schemeClr val="accent1"/>
-          </a:effectRef>
-          <a:fontRef idx="minor">
-            <a:schemeClr val="lt1"/>
-          </a:fontRef>
-        </p:style>
-        <p:txBody>
-          <a:bodyPr rtlCol="0" anchor="ctr"/>
-          <a:lstStyle/>
-          <a:p>
-            <a:pPr algn="ctr"/>
-            <a:endParaRPr kumimoji="1" lang="ja-JP" altLang="en-US"/>
-          </a:p>
-        </p:txBody>
-      </p:sp>
-    </p:spTree>
-    <p:extLst>
-      <p:ext uri="{BB962C8B-B14F-4D97-AF65-F5344CB8AC3E}">
-        <p14:creationId xmlns:p14="http://schemas.microsoft.com/office/powerpoint/2010/main" val="4216514209"/>
-      </p:ext>
-    </p:extLst>
-  </p:cSld>
-  <p:clrMapOvr>
-    <a:masterClrMapping/>
-  </p:clrMapOvr>
-</p:sld>
-</file>
-
-<file path=ppt/slides/slide9.xml><?xml version="1.0" encoding="utf-8"?>
-<p:sld xmlns:a="http://schemas.openxmlformats.org/drawingml/2006/main" xmlns:r="http://schemas.openxmlformats.org/officeDocument/2006/relationships" xmlns:p="http://schemas.openxmlformats.org/presentationml/2006/main">
-  <p:cSld>
-    <p:spTree>
-      <p:nvGrpSpPr>
-        <p:cNvPr id="1" name=""/>
-        <p:cNvGrpSpPr/>
-        <p:nvPr/>
-      </p:nvGrpSpPr>
-      <p:grpSpPr>
-        <a:xfrm>
-          <a:off x="0" y="0"/>
-          <a:ext cx="0" cy="0"/>
-          <a:chOff x="0" y="0"/>
-          <a:chExt cx="0" cy="0"/>
-        </a:xfrm>
-      </p:grpSpPr>
-      <p:pic>
-        <p:nvPicPr>
-          <p:cNvPr id="4" name="図 3">
-            <a:extLst>
-              <a:ext uri="{FF2B5EF4-FFF2-40B4-BE49-F238E27FC236}">
-                <a16:creationId xmlns:a16="http://schemas.microsoft.com/office/drawing/2014/main" id="{818E7E9E-42D4-0861-C47F-FC5B05206BFE}"/>
-              </a:ext>
-            </a:extLst>
-          </p:cNvPr>
-          <p:cNvPicPr>
-            <a:picLocks noChangeAspect="1"/>
-          </p:cNvPicPr>
-          <p:nvPr/>
-        </p:nvPicPr>
-        <p:blipFill>
-          <a:blip r:embed="rId2"/>
-          <a:stretch>
-            <a:fillRect/>
-          </a:stretch>
-        </p:blipFill>
-        <p:spPr>
-          <a:xfrm>
-            <a:off x="2927928" y="1327127"/>
-            <a:ext cx="6493164" cy="5392760"/>
-          </a:xfrm>
-          <a:prstGeom prst="rect">
-            <a:avLst/>
-          </a:prstGeom>
-        </p:spPr>
-      </p:pic>
-      <p:sp>
-        <p:nvSpPr>
-          <p:cNvPr id="2" name="タイトル 1">
-            <a:extLst>
-              <a:ext uri="{FF2B5EF4-FFF2-40B4-BE49-F238E27FC236}">
-                <a16:creationId xmlns:a16="http://schemas.microsoft.com/office/drawing/2014/main" id="{679B1F19-EA37-6319-E74D-3884CF7D7061}"/>
-              </a:ext>
-            </a:extLst>
-          </p:cNvPr>
-          <p:cNvSpPr>
-            <a:spLocks noGrp="1"/>
-          </p:cNvSpPr>
-          <p:nvPr>
-            <p:ph type="title"/>
-          </p:nvPr>
-        </p:nvSpPr>
-        <p:spPr/>
-        <p:txBody>
-          <a:bodyPr/>
-          <a:lstStyle/>
-          <a:p>
-            <a:r>
-              <a:rPr lang="en-US" altLang="ja-JP" dirty="0"/>
-              <a:t>Git</a:t>
-            </a:r>
-            <a:r>
-              <a:rPr lang="ja-JP" altLang="en-US" dirty="0"/>
-              <a:t>のインストール</a:t>
-            </a:r>
-            <a:endParaRPr kumimoji="1" lang="ja-JP" altLang="en-US" dirty="0"/>
-          </a:p>
-        </p:txBody>
-      </p:sp>
-      <p:sp>
-        <p:nvSpPr>
-          <p:cNvPr id="8" name="正方形/長方形 7">
-            <a:extLst>
-              <a:ext uri="{FF2B5EF4-FFF2-40B4-BE49-F238E27FC236}">
-                <a16:creationId xmlns:a16="http://schemas.microsoft.com/office/drawing/2014/main" id="{201EC2A1-D0D1-0AB6-6DF7-AF2354741295}"/>
-              </a:ext>
-            </a:extLst>
-          </p:cNvPr>
-          <p:cNvSpPr/>
-          <p:nvPr/>
-        </p:nvSpPr>
-        <p:spPr>
-          <a:xfrm>
-            <a:off x="7096486" y="6188364"/>
-            <a:ext cx="1183341" cy="451900"/>
-          </a:xfrm>
-          <a:prstGeom prst="rect">
-            <a:avLst/>
-          </a:prstGeom>
-          <a:noFill/>
-          <a:ln w="50800">
-            <a:solidFill>
-              <a:srgbClr val="FF0000"/>
-            </a:solidFill>
-          </a:ln>
-        </p:spPr>
-        <p:style>
-          <a:lnRef idx="2">
-            <a:schemeClr val="accent1">
-              <a:shade val="15000"/>
-            </a:schemeClr>
-          </a:lnRef>
-          <a:fillRef idx="1">
-            <a:schemeClr val="accent1"/>
-          </a:fillRef>
-          <a:effectRef idx="0">
-            <a:schemeClr val="accent1"/>
-          </a:effectRef>
-          <a:fontRef idx="minor">
-            <a:schemeClr val="lt1"/>
-          </a:fontRef>
-        </p:style>
-        <p:txBody>
-          <a:bodyPr rtlCol="0" anchor="ctr"/>
-          <a:lstStyle/>
-          <a:p>
-            <a:pPr algn="ctr"/>
-            <a:endParaRPr kumimoji="1" lang="ja-JP" altLang="en-US"/>
-          </a:p>
-        </p:txBody>
-      </p:sp>
-    </p:spTree>
-    <p:extLst>
-      <p:ext uri="{BB962C8B-B14F-4D97-AF65-F5344CB8AC3E}">
-        <p14:creationId xmlns:p14="http://schemas.microsoft.com/office/powerpoint/2010/main" val="3904240913"/>
       </p:ext>
     </p:extLst>
   </p:cSld>

--- a/ハンズオン_Git入門.pptx
+++ b/ハンズオン_Git入門.pptx
@@ -5,25 +5,29 @@
     <p:sldMasterId id="2147483660" r:id="rId1"/>
   </p:sldMasterIdLst>
   <p:notesMasterIdLst>
-    <p:notesMasterId r:id="rId18"/>
+    <p:notesMasterId r:id="rId22"/>
   </p:notesMasterIdLst>
   <p:sldIdLst>
     <p:sldId id="256" r:id="rId2"/>
     <p:sldId id="257" r:id="rId3"/>
-    <p:sldId id="259" r:id="rId4"/>
-    <p:sldId id="264" r:id="rId5"/>
-    <p:sldId id="265" r:id="rId6"/>
-    <p:sldId id="266" r:id="rId7"/>
-    <p:sldId id="267" r:id="rId8"/>
-    <p:sldId id="268" r:id="rId9"/>
-    <p:sldId id="270" r:id="rId10"/>
-    <p:sldId id="271" r:id="rId11"/>
-    <p:sldId id="272" r:id="rId12"/>
-    <p:sldId id="273" r:id="rId13"/>
-    <p:sldId id="274" r:id="rId14"/>
-    <p:sldId id="275" r:id="rId15"/>
-    <p:sldId id="276" r:id="rId16"/>
-    <p:sldId id="263" r:id="rId17"/>
+    <p:sldId id="277" r:id="rId4"/>
+    <p:sldId id="259" r:id="rId5"/>
+    <p:sldId id="264" r:id="rId6"/>
+    <p:sldId id="278" r:id="rId7"/>
+    <p:sldId id="265" r:id="rId8"/>
+    <p:sldId id="266" r:id="rId9"/>
+    <p:sldId id="267" r:id="rId10"/>
+    <p:sldId id="268" r:id="rId11"/>
+    <p:sldId id="270" r:id="rId12"/>
+    <p:sldId id="271" r:id="rId13"/>
+    <p:sldId id="279" r:id="rId14"/>
+    <p:sldId id="272" r:id="rId15"/>
+    <p:sldId id="273" r:id="rId16"/>
+    <p:sldId id="274" r:id="rId17"/>
+    <p:sldId id="275" r:id="rId18"/>
+    <p:sldId id="276" r:id="rId19"/>
+    <p:sldId id="280" r:id="rId20"/>
+    <p:sldId id="263" r:id="rId21"/>
   </p:sldIdLst>
   <p:sldSz cx="12192000" cy="6858000"/>
   <p:notesSz cx="6858000" cy="9144000"/>
@@ -134,7 +138,7 @@
 <p1510:revInfo xmlns:a="http://schemas.openxmlformats.org/drawingml/2006/main" xmlns:r="http://schemas.openxmlformats.org/officeDocument/2006/relationships" xmlns:p1510="http://schemas.microsoft.com/office/powerpoint/2015/10/main">
   <p1510:revLst>
     <p1510:client id="{90FA48F5-FA59-48F7-AEE2-C5783AE6C803}" v="172" dt="2023-10-30T13:39:38.130"/>
-    <p1510:client id="{C0DA2B10-F1D4-4897-B074-9E17192A92F8}" v="47" dt="2023-10-30T14:41:06.691"/>
+    <p1510:client id="{C0DA2B10-F1D4-4897-B074-9E17192A92F8}" v="66" dt="2023-10-31T08:00:50.801"/>
   </p1510:revLst>
 </p1510:revInfo>
 </file>
@@ -675,8 +679,8 @@
   </pc:docChgLst>
   <pc:docChgLst>
     <pc:chgData name="SHHD 山本覚" userId="57e3f178-c88d-44ee-9b09-55235ac55cf9" providerId="ADAL" clId="{C0DA2B10-F1D4-4897-B074-9E17192A92F8}"/>
-    <pc:docChg chg="undo custSel addSld delSld modSld">
-      <pc:chgData name="SHHD 山本覚" userId="57e3f178-c88d-44ee-9b09-55235ac55cf9" providerId="ADAL" clId="{C0DA2B10-F1D4-4897-B074-9E17192A92F8}" dt="2023-10-30T22:02:57.483" v="1840" actId="404"/>
+    <pc:docChg chg="undo custSel addSld delSld modSld sldOrd">
+      <pc:chgData name="SHHD 山本覚" userId="57e3f178-c88d-44ee-9b09-55235ac55cf9" providerId="ADAL" clId="{C0DA2B10-F1D4-4897-B074-9E17192A92F8}" dt="2023-10-31T08:01:17.675" v="2458" actId="20577"/>
       <pc:docMkLst>
         <pc:docMk/>
       </pc:docMkLst>
@@ -1248,8 +1252,8 @@
           <pc:sldMk cId="126556158" sldId="273"/>
         </pc:sldMkLst>
       </pc:sldChg>
-      <pc:sldChg chg="modSp add mod">
-        <pc:chgData name="SHHD 山本覚" userId="57e3f178-c88d-44ee-9b09-55235ac55cf9" providerId="ADAL" clId="{C0DA2B10-F1D4-4897-B074-9E17192A92F8}" dt="2023-10-30T14:24:12.472" v="829" actId="20577"/>
+      <pc:sldChg chg="addSp modSp add mod">
+        <pc:chgData name="SHHD 山本覚" userId="57e3f178-c88d-44ee-9b09-55235ac55cf9" providerId="ADAL" clId="{C0DA2B10-F1D4-4897-B074-9E17192A92F8}" dt="2023-10-31T06:54:01.640" v="2051" actId="14100"/>
         <pc:sldMkLst>
           <pc:docMk/>
           <pc:sldMk cId="3566682538" sldId="273"/>
@@ -1263,13 +1267,85 @@
           </ac:spMkLst>
         </pc:spChg>
         <pc:spChg chg="mod">
-          <ac:chgData name="SHHD 山本覚" userId="57e3f178-c88d-44ee-9b09-55235ac55cf9" providerId="ADAL" clId="{C0DA2B10-F1D4-4897-B074-9E17192A92F8}" dt="2023-10-30T14:24:12.472" v="829" actId="20577"/>
+          <ac:chgData name="SHHD 山本覚" userId="57e3f178-c88d-44ee-9b09-55235ac55cf9" providerId="ADAL" clId="{C0DA2B10-F1D4-4897-B074-9E17192A92F8}" dt="2023-10-31T06:51:39.838" v="1944" actId="1076"/>
           <ac:spMkLst>
             <pc:docMk/>
             <pc:sldMk cId="3566682538" sldId="273"/>
             <ac:spMk id="4" creationId="{81E22F13-F9BA-6547-7B98-D5E042138C96}"/>
           </ac:spMkLst>
         </pc:spChg>
+        <pc:spChg chg="add mod ord">
+          <ac:chgData name="SHHD 山本覚" userId="57e3f178-c88d-44ee-9b09-55235ac55cf9" providerId="ADAL" clId="{C0DA2B10-F1D4-4897-B074-9E17192A92F8}" dt="2023-10-31T06:54:01.640" v="2051" actId="14100"/>
+          <ac:spMkLst>
+            <pc:docMk/>
+            <pc:sldMk cId="3566682538" sldId="273"/>
+            <ac:spMk id="16" creationId="{7A57C9BE-363F-3668-ABF0-82EA776098C3}"/>
+          </ac:spMkLst>
+        </pc:spChg>
+        <pc:grpChg chg="add mod">
+          <ac:chgData name="SHHD 山本覚" userId="57e3f178-c88d-44ee-9b09-55235ac55cf9" providerId="ADAL" clId="{C0DA2B10-F1D4-4897-B074-9E17192A92F8}" dt="2023-10-31T06:48:04.124" v="1889" actId="164"/>
+          <ac:grpSpMkLst>
+            <pc:docMk/>
+            <pc:sldMk cId="3566682538" sldId="273"/>
+            <ac:grpSpMk id="5" creationId="{13570E6D-F389-4EFD-5518-F33023447770}"/>
+          </ac:grpSpMkLst>
+        </pc:grpChg>
+        <pc:grpChg chg="add mod">
+          <ac:chgData name="SHHD 山本覚" userId="57e3f178-c88d-44ee-9b09-55235ac55cf9" providerId="ADAL" clId="{C0DA2B10-F1D4-4897-B074-9E17192A92F8}" dt="2023-10-31T06:52:17.189" v="1946" actId="1076"/>
+          <ac:grpSpMkLst>
+            <pc:docMk/>
+            <pc:sldMk cId="3566682538" sldId="273"/>
+            <ac:grpSpMk id="15" creationId="{7E75A89C-FF08-392D-812A-4311482EAB46}"/>
+          </ac:grpSpMkLst>
+        </pc:grpChg>
+        <pc:picChg chg="add mod">
+          <ac:chgData name="SHHD 山本覚" userId="57e3f178-c88d-44ee-9b09-55235ac55cf9" providerId="ADAL" clId="{C0DA2B10-F1D4-4897-B074-9E17192A92F8}" dt="2023-10-31T06:48:04.124" v="1889" actId="164"/>
+          <ac:picMkLst>
+            <pc:docMk/>
+            <pc:sldMk cId="3566682538" sldId="273"/>
+            <ac:picMk id="3" creationId="{63645E22-4705-827C-9BA0-C2B7B8795552}"/>
+          </ac:picMkLst>
+        </pc:picChg>
+        <pc:picChg chg="mod">
+          <ac:chgData name="SHHD 山本覚" userId="57e3f178-c88d-44ee-9b09-55235ac55cf9" providerId="ADAL" clId="{C0DA2B10-F1D4-4897-B074-9E17192A92F8}" dt="2023-10-31T06:45:57.278" v="1842"/>
+          <ac:picMkLst>
+            <pc:docMk/>
+            <pc:sldMk cId="3566682538" sldId="273"/>
+            <ac:picMk id="6" creationId="{9F6B8CA0-3E38-54C8-A202-73EF2857B0A7}"/>
+          </ac:picMkLst>
+        </pc:picChg>
+        <pc:picChg chg="mod">
+          <ac:chgData name="SHHD 山本覚" userId="57e3f178-c88d-44ee-9b09-55235ac55cf9" providerId="ADAL" clId="{C0DA2B10-F1D4-4897-B074-9E17192A92F8}" dt="2023-10-31T06:45:57.278" v="1842"/>
+          <ac:picMkLst>
+            <pc:docMk/>
+            <pc:sldMk cId="3566682538" sldId="273"/>
+            <ac:picMk id="7" creationId="{68E6F91C-810F-D85B-B51C-9F06565C2237}"/>
+          </ac:picMkLst>
+        </pc:picChg>
+        <pc:picChg chg="add mod">
+          <ac:chgData name="SHHD 山本覚" userId="57e3f178-c88d-44ee-9b09-55235ac55cf9" providerId="ADAL" clId="{C0DA2B10-F1D4-4897-B074-9E17192A92F8}" dt="2023-10-31T06:48:04.124" v="1889" actId="164"/>
+          <ac:picMkLst>
+            <pc:docMk/>
+            <pc:sldMk cId="3566682538" sldId="273"/>
+            <ac:picMk id="8" creationId="{909C12C1-F739-236C-86B6-C962575E4B8E}"/>
+          </ac:picMkLst>
+        </pc:picChg>
+        <pc:cxnChg chg="add mod">
+          <ac:chgData name="SHHD 山本覚" userId="57e3f178-c88d-44ee-9b09-55235ac55cf9" providerId="ADAL" clId="{C0DA2B10-F1D4-4897-B074-9E17192A92F8}" dt="2023-10-31T06:48:04.124" v="1889" actId="164"/>
+          <ac:cxnSpMkLst>
+            <pc:docMk/>
+            <pc:sldMk cId="3566682538" sldId="273"/>
+            <ac:cxnSpMk id="9" creationId="{E64AA179-4C0C-0CAC-D022-3D3AB5CDBA47}"/>
+          </ac:cxnSpMkLst>
+        </pc:cxnChg>
+        <pc:cxnChg chg="add mod">
+          <ac:chgData name="SHHD 山本覚" userId="57e3f178-c88d-44ee-9b09-55235ac55cf9" providerId="ADAL" clId="{C0DA2B10-F1D4-4897-B074-9E17192A92F8}" dt="2023-10-31T06:48:04.124" v="1889" actId="164"/>
+          <ac:cxnSpMkLst>
+            <pc:docMk/>
+            <pc:sldMk cId="3566682538" sldId="273"/>
+            <ac:cxnSpMk id="14" creationId="{24D54EA5-047C-A963-99E0-8D8A847668B2}"/>
+          </ac:cxnSpMkLst>
+        </pc:cxnChg>
       </pc:sldChg>
       <pc:sldChg chg="modSp add mod">
         <pc:chgData name="SHHD 山本覚" userId="57e3f178-c88d-44ee-9b09-55235ac55cf9" providerId="ADAL" clId="{C0DA2B10-F1D4-4897-B074-9E17192A92F8}" dt="2023-10-30T22:02:57.483" v="1840" actId="404"/>
@@ -1346,7 +1422,7 @@
         </pc:sldMkLst>
       </pc:sldChg>
       <pc:sldChg chg="modSp add mod">
-        <pc:chgData name="SHHD 山本覚" userId="57e3f178-c88d-44ee-9b09-55235ac55cf9" providerId="ADAL" clId="{C0DA2B10-F1D4-4897-B074-9E17192A92F8}" dt="2023-10-30T14:43:07.934" v="1380" actId="20577"/>
+        <pc:chgData name="SHHD 山本覚" userId="57e3f178-c88d-44ee-9b09-55235ac55cf9" providerId="ADAL" clId="{C0DA2B10-F1D4-4897-B074-9E17192A92F8}" dt="2023-10-31T06:58:22.415" v="2226" actId="14100"/>
         <pc:sldMkLst>
           <pc:docMk/>
           <pc:sldMk cId="312477690" sldId="276"/>
@@ -1357,6 +1433,14 @@
             <pc:docMk/>
             <pc:sldMk cId="312477690" sldId="276"/>
             <ac:spMk id="2" creationId="{679B1F19-EA37-6319-E74D-3884CF7D7061}"/>
+          </ac:spMkLst>
+        </pc:spChg>
+        <pc:spChg chg="mod">
+          <ac:chgData name="SHHD 山本覚" userId="57e3f178-c88d-44ee-9b09-55235ac55cf9" providerId="ADAL" clId="{C0DA2B10-F1D4-4897-B074-9E17192A92F8}" dt="2023-10-31T06:58:22.415" v="2226" actId="14100"/>
+          <ac:spMkLst>
+            <pc:docMk/>
+            <pc:sldMk cId="312477690" sldId="276"/>
+            <ac:spMk id="4" creationId="{81E22F13-F9BA-6547-7B98-D5E042138C96}"/>
           </ac:spMkLst>
         </pc:spChg>
       </pc:sldChg>
@@ -1381,12 +1465,144 @@
           <pc:sldMk cId="3205590069" sldId="277"/>
         </pc:sldMkLst>
       </pc:sldChg>
+      <pc:sldChg chg="addSp delSp modSp new mod ord modClrScheme chgLayout">
+        <pc:chgData name="SHHD 山本覚" userId="57e3f178-c88d-44ee-9b09-55235ac55cf9" providerId="ADAL" clId="{C0DA2B10-F1D4-4897-B074-9E17192A92F8}" dt="2023-10-31T08:00:19.907" v="2361" actId="1076"/>
+        <pc:sldMkLst>
+          <pc:docMk/>
+          <pc:sldMk cId="3921864204" sldId="277"/>
+        </pc:sldMkLst>
+        <pc:spChg chg="del mod ord">
+          <ac:chgData name="SHHD 山本覚" userId="57e3f178-c88d-44ee-9b09-55235ac55cf9" providerId="ADAL" clId="{C0DA2B10-F1D4-4897-B074-9E17192A92F8}" dt="2023-10-31T07:48:35.175" v="2228" actId="700"/>
+          <ac:spMkLst>
+            <pc:docMk/>
+            <pc:sldMk cId="3921864204" sldId="277"/>
+            <ac:spMk id="2" creationId="{DA7E911E-E303-FABC-2AD2-A557CF640F21}"/>
+          </ac:spMkLst>
+        </pc:spChg>
+        <pc:spChg chg="del mod ord">
+          <ac:chgData name="SHHD 山本覚" userId="57e3f178-c88d-44ee-9b09-55235ac55cf9" providerId="ADAL" clId="{C0DA2B10-F1D4-4897-B074-9E17192A92F8}" dt="2023-10-31T07:48:35.175" v="2228" actId="700"/>
+          <ac:spMkLst>
+            <pc:docMk/>
+            <pc:sldMk cId="3921864204" sldId="277"/>
+            <ac:spMk id="3" creationId="{A490419A-7139-0721-13C5-D5FA22C679D2}"/>
+          </ac:spMkLst>
+        </pc:spChg>
+        <pc:spChg chg="add mod ord">
+          <ac:chgData name="SHHD 山本覚" userId="57e3f178-c88d-44ee-9b09-55235ac55cf9" providerId="ADAL" clId="{C0DA2B10-F1D4-4897-B074-9E17192A92F8}" dt="2023-10-31T08:00:19.907" v="2361" actId="1076"/>
+          <ac:spMkLst>
+            <pc:docMk/>
+            <pc:sldMk cId="3921864204" sldId="277"/>
+            <ac:spMk id="4" creationId="{9696FD56-A136-8319-D86C-0569605E49F0}"/>
+          </ac:spMkLst>
+        </pc:spChg>
+        <pc:spChg chg="add del mod ord">
+          <ac:chgData name="SHHD 山本覚" userId="57e3f178-c88d-44ee-9b09-55235ac55cf9" providerId="ADAL" clId="{C0DA2B10-F1D4-4897-B074-9E17192A92F8}" dt="2023-10-31T07:51:08.786" v="2262" actId="478"/>
+          <ac:spMkLst>
+            <pc:docMk/>
+            <pc:sldMk cId="3921864204" sldId="277"/>
+            <ac:spMk id="5" creationId="{A33DBD91-F315-D5E0-07D2-E679247DCD76}"/>
+          </ac:spMkLst>
+        </pc:spChg>
+        <pc:spChg chg="mod">
+          <ac:chgData name="SHHD 山本覚" userId="57e3f178-c88d-44ee-9b09-55235ac55cf9" providerId="ADAL" clId="{C0DA2B10-F1D4-4897-B074-9E17192A92F8}" dt="2023-10-31T08:00:15.436" v="2360" actId="1076"/>
+          <ac:spMkLst>
+            <pc:docMk/>
+            <pc:sldMk cId="3921864204" sldId="277"/>
+            <ac:spMk id="10" creationId="{B2371AEE-3D4A-D56F-B7D0-1F2682376F5B}"/>
+          </ac:spMkLst>
+        </pc:spChg>
+        <pc:spChg chg="add mod ord">
+          <ac:chgData name="SHHD 山本覚" userId="57e3f178-c88d-44ee-9b09-55235ac55cf9" providerId="ADAL" clId="{C0DA2B10-F1D4-4897-B074-9E17192A92F8}" dt="2023-10-31T07:55:53.993" v="2329" actId="167"/>
+          <ac:spMkLst>
+            <pc:docMk/>
+            <pc:sldMk cId="3921864204" sldId="277"/>
+            <ac:spMk id="11" creationId="{1285EFFE-5514-138C-91D6-9278F46A30A9}"/>
+          </ac:spMkLst>
+        </pc:spChg>
+        <pc:grpChg chg="add mod">
+          <ac:chgData name="SHHD 山本覚" userId="57e3f178-c88d-44ee-9b09-55235ac55cf9" providerId="ADAL" clId="{C0DA2B10-F1D4-4897-B074-9E17192A92F8}" dt="2023-10-31T08:00:15.436" v="2360" actId="1076"/>
+          <ac:grpSpMkLst>
+            <pc:docMk/>
+            <pc:sldMk cId="3921864204" sldId="277"/>
+            <ac:grpSpMk id="7" creationId="{663DE046-33B6-E249-2D96-B13A95C66780}"/>
+          </ac:grpSpMkLst>
+        </pc:grpChg>
+        <pc:picChg chg="add del mod">
+          <ac:chgData name="SHHD 山本覚" userId="57e3f178-c88d-44ee-9b09-55235ac55cf9" providerId="ADAL" clId="{C0DA2B10-F1D4-4897-B074-9E17192A92F8}" dt="2023-10-31T07:54:40.943" v="2321" actId="478"/>
+          <ac:picMkLst>
+            <pc:docMk/>
+            <pc:sldMk cId="3921864204" sldId="277"/>
+            <ac:picMk id="6" creationId="{1DDA4FDE-E615-A112-5B4E-8B5968606C38}"/>
+          </ac:picMkLst>
+        </pc:picChg>
+        <pc:picChg chg="mod">
+          <ac:chgData name="SHHD 山本覚" userId="57e3f178-c88d-44ee-9b09-55235ac55cf9" providerId="ADAL" clId="{C0DA2B10-F1D4-4897-B074-9E17192A92F8}" dt="2023-10-31T08:00:15.436" v="2360" actId="1076"/>
+          <ac:picMkLst>
+            <pc:docMk/>
+            <pc:sldMk cId="3921864204" sldId="277"/>
+            <ac:picMk id="8" creationId="{B5712062-420E-C422-F78E-837D7DFC9FBD}"/>
+          </ac:picMkLst>
+        </pc:picChg>
+        <pc:picChg chg="mod">
+          <ac:chgData name="SHHD 山本覚" userId="57e3f178-c88d-44ee-9b09-55235ac55cf9" providerId="ADAL" clId="{C0DA2B10-F1D4-4897-B074-9E17192A92F8}" dt="2023-10-31T08:00:15.436" v="2360" actId="1076"/>
+          <ac:picMkLst>
+            <pc:docMk/>
+            <pc:sldMk cId="3921864204" sldId="277"/>
+            <ac:picMk id="9" creationId="{B6EA514E-2C76-0584-3549-36C265EC8AB5}"/>
+          </ac:picMkLst>
+        </pc:picChg>
+      </pc:sldChg>
+      <pc:sldChg chg="modSp add mod">
+        <pc:chgData name="SHHD 山本覚" userId="57e3f178-c88d-44ee-9b09-55235ac55cf9" providerId="ADAL" clId="{C0DA2B10-F1D4-4897-B074-9E17192A92F8}" dt="2023-10-31T08:00:32.424" v="2375" actId="20577"/>
+        <pc:sldMkLst>
+          <pc:docMk/>
+          <pc:sldMk cId="736853584" sldId="278"/>
+        </pc:sldMkLst>
+        <pc:spChg chg="mod">
+          <ac:chgData name="SHHD 山本覚" userId="57e3f178-c88d-44ee-9b09-55235ac55cf9" providerId="ADAL" clId="{C0DA2B10-F1D4-4897-B074-9E17192A92F8}" dt="2023-10-31T08:00:32.424" v="2375" actId="20577"/>
+          <ac:spMkLst>
+            <pc:docMk/>
+            <pc:sldMk cId="736853584" sldId="278"/>
+            <ac:spMk id="4" creationId="{9696FD56-A136-8319-D86C-0569605E49F0}"/>
+          </ac:spMkLst>
+        </pc:spChg>
+      </pc:sldChg>
+      <pc:sldChg chg="modSp add del mod">
+        <pc:chgData name="SHHD 山本覚" userId="57e3f178-c88d-44ee-9b09-55235ac55cf9" providerId="ADAL" clId="{C0DA2B10-F1D4-4897-B074-9E17192A92F8}" dt="2023-10-31T07:54:21.280" v="2320" actId="47"/>
+        <pc:sldMkLst>
+          <pc:docMk/>
+          <pc:sldMk cId="1619977358" sldId="278"/>
+        </pc:sldMkLst>
+        <pc:spChg chg="mod">
+          <ac:chgData name="SHHD 山本覚" userId="57e3f178-c88d-44ee-9b09-55235ac55cf9" providerId="ADAL" clId="{C0DA2B10-F1D4-4897-B074-9E17192A92F8}" dt="2023-10-31T07:53:59.197" v="2315" actId="20577"/>
+          <ac:spMkLst>
+            <pc:docMk/>
+            <pc:sldMk cId="1619977358" sldId="278"/>
+            <ac:spMk id="4" creationId="{9696FD56-A136-8319-D86C-0569605E49F0}"/>
+          </ac:spMkLst>
+        </pc:spChg>
+      </pc:sldChg>
       <pc:sldChg chg="del">
         <pc:chgData name="SHHD 山本覚" userId="57e3f178-c88d-44ee-9b09-55235ac55cf9" providerId="ADAL" clId="{C0DA2B10-F1D4-4897-B074-9E17192A92F8}" dt="2023-10-30T13:46:45.297" v="0" actId="47"/>
         <pc:sldMkLst>
           <pc:docMk/>
           <pc:sldMk cId="1941647672" sldId="278"/>
         </pc:sldMkLst>
+      </pc:sldChg>
+      <pc:sldChg chg="modSp add del mod">
+        <pc:chgData name="SHHD 山本覚" userId="57e3f178-c88d-44ee-9b09-55235ac55cf9" providerId="ADAL" clId="{C0DA2B10-F1D4-4897-B074-9E17192A92F8}" dt="2023-10-31T08:00:24.152" v="2362" actId="47"/>
+        <pc:sldMkLst>
+          <pc:docMk/>
+          <pc:sldMk cId="3780625364" sldId="278"/>
+        </pc:sldMkLst>
+        <pc:spChg chg="mod">
+          <ac:chgData name="SHHD 山本覚" userId="57e3f178-c88d-44ee-9b09-55235ac55cf9" providerId="ADAL" clId="{C0DA2B10-F1D4-4897-B074-9E17192A92F8}" dt="2023-10-31T07:59:37.824" v="2352" actId="20577"/>
+          <ac:spMkLst>
+            <pc:docMk/>
+            <pc:sldMk cId="3780625364" sldId="278"/>
+            <ac:spMk id="4" creationId="{9696FD56-A136-8319-D86C-0569605E49F0}"/>
+          </ac:spMkLst>
+        </pc:spChg>
       </pc:sldChg>
       <pc:sldChg chg="del">
         <pc:chgData name="SHHD 山本覚" userId="57e3f178-c88d-44ee-9b09-55235ac55cf9" providerId="ADAL" clId="{C0DA2B10-F1D4-4897-B074-9E17192A92F8}" dt="2023-10-30T13:46:45.297" v="0" actId="47"/>
@@ -1395,12 +1611,42 @@
           <pc:sldMk cId="976493523" sldId="279"/>
         </pc:sldMkLst>
       </pc:sldChg>
+      <pc:sldChg chg="modSp add mod">
+        <pc:chgData name="SHHD 山本覚" userId="57e3f178-c88d-44ee-9b09-55235ac55cf9" providerId="ADAL" clId="{C0DA2B10-F1D4-4897-B074-9E17192A92F8}" dt="2023-10-31T08:00:43.387" v="2388" actId="20577"/>
+        <pc:sldMkLst>
+          <pc:docMk/>
+          <pc:sldMk cId="1699497212" sldId="279"/>
+        </pc:sldMkLst>
+        <pc:spChg chg="mod">
+          <ac:chgData name="SHHD 山本覚" userId="57e3f178-c88d-44ee-9b09-55235ac55cf9" providerId="ADAL" clId="{C0DA2B10-F1D4-4897-B074-9E17192A92F8}" dt="2023-10-31T08:00:43.387" v="2388" actId="20577"/>
+          <ac:spMkLst>
+            <pc:docMk/>
+            <pc:sldMk cId="1699497212" sldId="279"/>
+            <ac:spMk id="4" creationId="{9696FD56-A136-8319-D86C-0569605E49F0}"/>
+          </ac:spMkLst>
+        </pc:spChg>
+      </pc:sldChg>
       <pc:sldChg chg="del">
         <pc:chgData name="SHHD 山本覚" userId="57e3f178-c88d-44ee-9b09-55235ac55cf9" providerId="ADAL" clId="{C0DA2B10-F1D4-4897-B074-9E17192A92F8}" dt="2023-10-30T13:46:45.297" v="0" actId="47"/>
         <pc:sldMkLst>
           <pc:docMk/>
           <pc:sldMk cId="941876795" sldId="280"/>
         </pc:sldMkLst>
+      </pc:sldChg>
+      <pc:sldChg chg="modSp add mod">
+        <pc:chgData name="SHHD 山本覚" userId="57e3f178-c88d-44ee-9b09-55235ac55cf9" providerId="ADAL" clId="{C0DA2B10-F1D4-4897-B074-9E17192A92F8}" dt="2023-10-31T08:01:17.675" v="2458" actId="20577"/>
+        <pc:sldMkLst>
+          <pc:docMk/>
+          <pc:sldMk cId="1590978194" sldId="280"/>
+        </pc:sldMkLst>
+        <pc:spChg chg="mod">
+          <ac:chgData name="SHHD 山本覚" userId="57e3f178-c88d-44ee-9b09-55235ac55cf9" providerId="ADAL" clId="{C0DA2B10-F1D4-4897-B074-9E17192A92F8}" dt="2023-10-31T08:01:17.675" v="2458" actId="20577"/>
+          <ac:spMkLst>
+            <pc:docMk/>
+            <pc:sldMk cId="1590978194" sldId="280"/>
+            <ac:spMk id="4" creationId="{9696FD56-A136-8319-D86C-0569605E49F0}"/>
+          </ac:spMkLst>
+        </pc:spChg>
       </pc:sldChg>
       <pc:sldChg chg="del">
         <pc:chgData name="SHHD 山本覚" userId="57e3f178-c88d-44ee-9b09-55235ac55cf9" providerId="ADAL" clId="{C0DA2B10-F1D4-4897-B074-9E17192A92F8}" dt="2023-10-30T13:46:45.297" v="0" actId="47"/>
@@ -2570,7 +2816,7 @@
           <a:p>
             <a:fld id="{BA04E035-FB07-446B-A26E-E8C61E49FEB3}" type="datetimeFigureOut">
               <a:rPr kumimoji="1" lang="ja-JP" altLang="en-US" smtClean="0"/>
-              <a:t>2023/10/30</a:t>
+              <a:t>2023/10/31</a:t>
             </a:fld>
             <a:endParaRPr kumimoji="1" lang="ja-JP" altLang="en-US"/>
           </a:p>
@@ -2934,7 +3180,7 @@
           <a:p>
             <a:fld id="{E30F2518-C81B-4DFE-8FD7-FBA88C2788B5}" type="slidenum">
               <a:rPr kumimoji="1" lang="ja-JP" altLang="en-US" smtClean="0"/>
-              <a:t>16</a:t>
+              <a:t>20</a:t>
             </a:fld>
             <a:endParaRPr kumimoji="1" lang="ja-JP" altLang="en-US"/>
           </a:p>
@@ -3108,7 +3354,7 @@
             <a:fld id="{8BEA83CE-7942-4D00-A2F9-2434B9DB8797}" type="datetimeFigureOut">
               <a:rPr kumimoji="1" lang="ja-JP" altLang="en-US" smtClean="0"/>
               <a:pPr/>
-              <a:t>2023/10/30</a:t>
+              <a:t>2023/10/31</a:t>
             </a:fld>
             <a:endParaRPr kumimoji="1" lang="ja-JP" altLang="en-US"/>
           </a:p>
@@ -3374,7 +3620,7 @@
           <a:p>
             <a:fld id="{8BEA83CE-7942-4D00-A2F9-2434B9DB8797}" type="datetimeFigureOut">
               <a:rPr kumimoji="1" lang="ja-JP" altLang="en-US" smtClean="0"/>
-              <a:t>2023/10/30</a:t>
+              <a:t>2023/10/31</a:t>
             </a:fld>
             <a:endParaRPr kumimoji="1" lang="ja-JP" altLang="en-US"/>
           </a:p>
@@ -3586,7 +3832,7 @@
           <a:p>
             <a:fld id="{8BEA83CE-7942-4D00-A2F9-2434B9DB8797}" type="datetimeFigureOut">
               <a:rPr kumimoji="1" lang="ja-JP" altLang="en-US" smtClean="0"/>
-              <a:t>2023/10/30</a:t>
+              <a:t>2023/10/31</a:t>
             </a:fld>
             <a:endParaRPr kumimoji="1" lang="ja-JP" altLang="en-US"/>
           </a:p>
@@ -3844,7 +4090,7 @@
             <a:fld id="{8BEA83CE-7942-4D00-A2F9-2434B9DB8797}" type="datetimeFigureOut">
               <a:rPr kumimoji="1" lang="ja-JP" altLang="en-US" smtClean="0"/>
               <a:pPr/>
-              <a:t>2023/10/30</a:t>
+              <a:t>2023/10/31</a:t>
             </a:fld>
             <a:endParaRPr kumimoji="1" lang="ja-JP" altLang="en-US"/>
           </a:p>
@@ -4159,7 +4405,7 @@
           <a:p>
             <a:fld id="{8BEA83CE-7942-4D00-A2F9-2434B9DB8797}" type="datetimeFigureOut">
               <a:rPr kumimoji="1" lang="ja-JP" altLang="en-US" smtClean="0"/>
-              <a:t>2023/10/30</a:t>
+              <a:t>2023/10/31</a:t>
             </a:fld>
             <a:endParaRPr kumimoji="1" lang="ja-JP" altLang="en-US"/>
           </a:p>
@@ -4455,7 +4701,7 @@
           <a:p>
             <a:fld id="{8BEA83CE-7942-4D00-A2F9-2434B9DB8797}" type="datetimeFigureOut">
               <a:rPr kumimoji="1" lang="ja-JP" altLang="en-US" smtClean="0"/>
-              <a:t>2023/10/30</a:t>
+              <a:t>2023/10/31</a:t>
             </a:fld>
             <a:endParaRPr kumimoji="1" lang="ja-JP" altLang="en-US"/>
           </a:p>
@@ -4866,7 +5112,7 @@
           <a:p>
             <a:fld id="{8BEA83CE-7942-4D00-A2F9-2434B9DB8797}" type="datetimeFigureOut">
               <a:rPr kumimoji="1" lang="ja-JP" altLang="en-US" smtClean="0"/>
-              <a:t>2023/10/30</a:t>
+              <a:t>2023/10/31</a:t>
             </a:fld>
             <a:endParaRPr kumimoji="1" lang="ja-JP" altLang="en-US"/>
           </a:p>
@@ -4984,7 +5230,7 @@
           <a:p>
             <a:fld id="{8BEA83CE-7942-4D00-A2F9-2434B9DB8797}" type="datetimeFigureOut">
               <a:rPr kumimoji="1" lang="ja-JP" altLang="en-US" smtClean="0"/>
-              <a:t>2023/10/30</a:t>
+              <a:t>2023/10/31</a:t>
             </a:fld>
             <a:endParaRPr kumimoji="1" lang="ja-JP" altLang="en-US"/>
           </a:p>
@@ -5102,7 +5348,7 @@
           <a:p>
             <a:fld id="{8BEA83CE-7942-4D00-A2F9-2434B9DB8797}" type="datetimeFigureOut">
               <a:rPr kumimoji="1" lang="ja-JP" altLang="en-US" smtClean="0"/>
-              <a:t>2023/10/30</a:t>
+              <a:t>2023/10/31</a:t>
             </a:fld>
             <a:endParaRPr kumimoji="1" lang="ja-JP" altLang="en-US"/>
           </a:p>
@@ -5418,7 +5664,7 @@
           <a:p>
             <a:fld id="{8BEA83CE-7942-4D00-A2F9-2434B9DB8797}" type="datetimeFigureOut">
               <a:rPr kumimoji="1" lang="ja-JP" altLang="en-US" smtClean="0"/>
-              <a:t>2023/10/30</a:t>
+              <a:t>2023/10/31</a:t>
             </a:fld>
             <a:endParaRPr kumimoji="1" lang="ja-JP" altLang="en-US"/>
           </a:p>
@@ -5682,7 +5928,7 @@
           <a:p>
             <a:fld id="{8BEA83CE-7942-4D00-A2F9-2434B9DB8797}" type="datetimeFigureOut">
               <a:rPr kumimoji="1" lang="ja-JP" altLang="en-US" smtClean="0"/>
-              <a:t>2023/10/30</a:t>
+              <a:t>2023/10/31</a:t>
             </a:fld>
             <a:endParaRPr kumimoji="1" lang="ja-JP" altLang="en-US"/>
           </a:p>
@@ -5928,7 +6174,7 @@
           <a:p>
             <a:fld id="{8BEA83CE-7942-4D00-A2F9-2434B9DB8797}" type="datetimeFigureOut">
               <a:rPr kumimoji="1" lang="ja-JP" altLang="en-US" smtClean="0"/>
-              <a:t>2023/10/30</a:t>
+              <a:t>2023/10/31</a:t>
             </a:fld>
             <a:endParaRPr kumimoji="1" lang="ja-JP" altLang="en-US"/>
           </a:p>
@@ -6508,6 +6754,390 @@
           </a:p>
         </p:txBody>
       </p:sp>
+      <p:grpSp>
+        <p:nvGrpSpPr>
+          <p:cNvPr id="7" name="グループ化 6">
+            <a:extLst>
+              <a:ext uri="{FF2B5EF4-FFF2-40B4-BE49-F238E27FC236}">
+                <a16:creationId xmlns:a16="http://schemas.microsoft.com/office/drawing/2014/main" id="{BE08FB0B-68D4-4A51-2F0A-C2245C5BDE12}"/>
+              </a:ext>
+            </a:extLst>
+          </p:cNvPr>
+          <p:cNvGrpSpPr/>
+          <p:nvPr/>
+        </p:nvGrpSpPr>
+        <p:grpSpPr>
+          <a:xfrm>
+            <a:off x="1593913" y="1228002"/>
+            <a:ext cx="9004174" cy="5493830"/>
+            <a:chOff x="1593913" y="1209529"/>
+            <a:chExt cx="9004174" cy="5493830"/>
+          </a:xfrm>
+        </p:grpSpPr>
+        <p:pic>
+          <p:nvPicPr>
+            <p:cNvPr id="4" name="図 3">
+              <a:extLst>
+                <a:ext uri="{FF2B5EF4-FFF2-40B4-BE49-F238E27FC236}">
+                  <a16:creationId xmlns:a16="http://schemas.microsoft.com/office/drawing/2014/main" id="{DED4ABE4-A92C-1A34-7F21-A735C9F1259F}"/>
+                </a:ext>
+              </a:extLst>
+            </p:cNvPr>
+            <p:cNvPicPr>
+              <a:picLocks noChangeAspect="1"/>
+            </p:cNvPicPr>
+            <p:nvPr/>
+          </p:nvPicPr>
+          <p:blipFill>
+            <a:blip r:embed="rId2"/>
+            <a:stretch>
+              <a:fillRect/>
+            </a:stretch>
+          </p:blipFill>
+          <p:spPr>
+            <a:xfrm>
+              <a:off x="1593913" y="1209529"/>
+              <a:ext cx="9004174" cy="5493830"/>
+            </a:xfrm>
+            <a:prstGeom prst="rect">
+              <a:avLst/>
+            </a:prstGeom>
+          </p:spPr>
+        </p:pic>
+        <p:sp>
+          <p:nvSpPr>
+            <p:cNvPr id="8" name="正方形/長方形 7">
+              <a:extLst>
+                <a:ext uri="{FF2B5EF4-FFF2-40B4-BE49-F238E27FC236}">
+                  <a16:creationId xmlns:a16="http://schemas.microsoft.com/office/drawing/2014/main" id="{4A68C346-93C3-49E6-9B98-C493DE252831}"/>
+                </a:ext>
+              </a:extLst>
+            </p:cNvPr>
+            <p:cNvSpPr/>
+            <p:nvPr/>
+          </p:nvSpPr>
+          <p:spPr>
+            <a:xfrm>
+              <a:off x="4565277" y="2359958"/>
+              <a:ext cx="4027394" cy="1183341"/>
+            </a:xfrm>
+            <a:prstGeom prst="rect">
+              <a:avLst/>
+            </a:prstGeom>
+            <a:noFill/>
+            <a:ln w="50800">
+              <a:solidFill>
+                <a:srgbClr val="FF0000"/>
+              </a:solidFill>
+            </a:ln>
+          </p:spPr>
+          <p:style>
+            <a:lnRef idx="2">
+              <a:schemeClr val="accent1">
+                <a:shade val="15000"/>
+              </a:schemeClr>
+            </a:lnRef>
+            <a:fillRef idx="1">
+              <a:schemeClr val="accent1"/>
+            </a:fillRef>
+            <a:effectRef idx="0">
+              <a:schemeClr val="accent1"/>
+            </a:effectRef>
+            <a:fontRef idx="minor">
+              <a:schemeClr val="lt1"/>
+            </a:fontRef>
+          </p:style>
+          <p:txBody>
+            <a:bodyPr rtlCol="0" anchor="ctr"/>
+            <a:lstStyle/>
+            <a:p>
+              <a:pPr algn="ctr"/>
+              <a:endParaRPr kumimoji="1" lang="ja-JP" altLang="en-US"/>
+            </a:p>
+          </p:txBody>
+        </p:sp>
+        <p:sp>
+          <p:nvSpPr>
+            <p:cNvPr id="6" name="正方形/長方形 5">
+              <a:extLst>
+                <a:ext uri="{FF2B5EF4-FFF2-40B4-BE49-F238E27FC236}">
+                  <a16:creationId xmlns:a16="http://schemas.microsoft.com/office/drawing/2014/main" id="{B1F08B14-2EC1-5372-015E-5EF317131813}"/>
+                </a:ext>
+              </a:extLst>
+            </p:cNvPr>
+            <p:cNvSpPr/>
+            <p:nvPr/>
+          </p:nvSpPr>
+          <p:spPr>
+            <a:xfrm>
+              <a:off x="9406217" y="5862918"/>
+              <a:ext cx="934571" cy="564775"/>
+            </a:xfrm>
+            <a:prstGeom prst="rect">
+              <a:avLst/>
+            </a:prstGeom>
+            <a:noFill/>
+            <a:ln w="50800">
+              <a:solidFill>
+                <a:srgbClr val="FF0000"/>
+              </a:solidFill>
+            </a:ln>
+          </p:spPr>
+          <p:style>
+            <a:lnRef idx="2">
+              <a:schemeClr val="accent1">
+                <a:shade val="15000"/>
+              </a:schemeClr>
+            </a:lnRef>
+            <a:fillRef idx="1">
+              <a:schemeClr val="accent1"/>
+            </a:fillRef>
+            <a:effectRef idx="0">
+              <a:schemeClr val="accent1"/>
+            </a:effectRef>
+            <a:fontRef idx="minor">
+              <a:schemeClr val="lt1"/>
+            </a:fontRef>
+          </p:style>
+          <p:txBody>
+            <a:bodyPr rtlCol="0" anchor="ctr"/>
+            <a:lstStyle/>
+            <a:p>
+              <a:pPr algn="ctr"/>
+              <a:endParaRPr kumimoji="1" lang="ja-JP" altLang="en-US"/>
+            </a:p>
+          </p:txBody>
+        </p:sp>
+      </p:grpSp>
+    </p:spTree>
+    <p:extLst>
+      <p:ext uri="{BB962C8B-B14F-4D97-AF65-F5344CB8AC3E}">
+        <p14:creationId xmlns:p14="http://schemas.microsoft.com/office/powerpoint/2010/main" val="2548665621"/>
+      </p:ext>
+    </p:extLst>
+  </p:cSld>
+  <p:clrMapOvr>
+    <a:masterClrMapping/>
+  </p:clrMapOvr>
+</p:sld>
+</file>
+
+<file path=ppt/slides/slide11.xml><?xml version="1.0" encoding="utf-8"?>
+<p:sld xmlns:a="http://schemas.openxmlformats.org/drawingml/2006/main" xmlns:r="http://schemas.openxmlformats.org/officeDocument/2006/relationships" xmlns:p="http://schemas.openxmlformats.org/presentationml/2006/main">
+  <p:cSld>
+    <p:spTree>
+      <p:nvGrpSpPr>
+        <p:cNvPr id="1" name=""/>
+        <p:cNvGrpSpPr/>
+        <p:nvPr/>
+      </p:nvGrpSpPr>
+      <p:grpSpPr>
+        <a:xfrm>
+          <a:off x="0" y="0"/>
+          <a:ext cx="0" cy="0"/>
+          <a:chOff x="0" y="0"/>
+          <a:chExt cx="0" cy="0"/>
+        </a:xfrm>
+      </p:grpSpPr>
+      <p:sp>
+        <p:nvSpPr>
+          <p:cNvPr id="2" name="タイトル 1">
+            <a:extLst>
+              <a:ext uri="{FF2B5EF4-FFF2-40B4-BE49-F238E27FC236}">
+                <a16:creationId xmlns:a16="http://schemas.microsoft.com/office/drawing/2014/main" id="{679B1F19-EA37-6319-E74D-3884CF7D7061}"/>
+              </a:ext>
+            </a:extLst>
+          </p:cNvPr>
+          <p:cNvSpPr>
+            <a:spLocks noGrp="1"/>
+          </p:cNvSpPr>
+          <p:nvPr>
+            <p:ph type="title"/>
+          </p:nvPr>
+        </p:nvSpPr>
+        <p:spPr/>
+        <p:txBody>
+          <a:bodyPr/>
+          <a:lstStyle/>
+          <a:p>
+            <a:r>
+              <a:rPr lang="en-US" altLang="ja-JP" dirty="0"/>
+              <a:t>SourceTree</a:t>
+            </a:r>
+            <a:r>
+              <a:rPr lang="ja-JP" altLang="en-US" dirty="0"/>
+              <a:t>のインストール</a:t>
+            </a:r>
+            <a:endParaRPr kumimoji="1" lang="ja-JP" altLang="en-US" dirty="0"/>
+          </a:p>
+        </p:txBody>
+      </p:sp>
+      <p:grpSp>
+        <p:nvGrpSpPr>
+          <p:cNvPr id="7" name="グループ化 6">
+            <a:extLst>
+              <a:ext uri="{FF2B5EF4-FFF2-40B4-BE49-F238E27FC236}">
+                <a16:creationId xmlns:a16="http://schemas.microsoft.com/office/drawing/2014/main" id="{638D20F1-7623-95DF-132B-389F8D07FC3A}"/>
+              </a:ext>
+            </a:extLst>
+          </p:cNvPr>
+          <p:cNvGrpSpPr/>
+          <p:nvPr/>
+        </p:nvGrpSpPr>
+        <p:grpSpPr>
+          <a:xfrm>
+            <a:off x="2333625" y="2686050"/>
+            <a:ext cx="7524750" cy="2171700"/>
+            <a:chOff x="2333625" y="1462368"/>
+            <a:chExt cx="7524750" cy="2171700"/>
+          </a:xfrm>
+        </p:grpSpPr>
+        <p:pic>
+          <p:nvPicPr>
+            <p:cNvPr id="5" name="図 4">
+              <a:extLst>
+                <a:ext uri="{FF2B5EF4-FFF2-40B4-BE49-F238E27FC236}">
+                  <a16:creationId xmlns:a16="http://schemas.microsoft.com/office/drawing/2014/main" id="{613483F1-E408-F95A-155A-3B3F3EE4995B}"/>
+                </a:ext>
+              </a:extLst>
+            </p:cNvPr>
+            <p:cNvPicPr>
+              <a:picLocks noChangeAspect="1"/>
+            </p:cNvPicPr>
+            <p:nvPr/>
+          </p:nvPicPr>
+          <p:blipFill>
+            <a:blip r:embed="rId2"/>
+            <a:stretch>
+              <a:fillRect/>
+            </a:stretch>
+          </p:blipFill>
+          <p:spPr>
+            <a:xfrm>
+              <a:off x="2333625" y="1462368"/>
+              <a:ext cx="7524750" cy="2171700"/>
+            </a:xfrm>
+            <a:prstGeom prst="rect">
+              <a:avLst/>
+            </a:prstGeom>
+          </p:spPr>
+        </p:pic>
+        <p:sp>
+          <p:nvSpPr>
+            <p:cNvPr id="6" name="正方形/長方形 5">
+              <a:extLst>
+                <a:ext uri="{FF2B5EF4-FFF2-40B4-BE49-F238E27FC236}">
+                  <a16:creationId xmlns:a16="http://schemas.microsoft.com/office/drawing/2014/main" id="{B1F08B14-2EC1-5372-015E-5EF317131813}"/>
+                </a:ext>
+              </a:extLst>
+            </p:cNvPr>
+            <p:cNvSpPr/>
+            <p:nvPr/>
+          </p:nvSpPr>
+          <p:spPr>
+            <a:xfrm>
+              <a:off x="8518712" y="2998695"/>
+              <a:ext cx="1250576" cy="564775"/>
+            </a:xfrm>
+            <a:prstGeom prst="rect">
+              <a:avLst/>
+            </a:prstGeom>
+            <a:noFill/>
+            <a:ln w="50800">
+              <a:solidFill>
+                <a:srgbClr val="FF0000"/>
+              </a:solidFill>
+            </a:ln>
+          </p:spPr>
+          <p:style>
+            <a:lnRef idx="2">
+              <a:schemeClr val="accent1">
+                <a:shade val="15000"/>
+              </a:schemeClr>
+            </a:lnRef>
+            <a:fillRef idx="1">
+              <a:schemeClr val="accent1"/>
+            </a:fillRef>
+            <a:effectRef idx="0">
+              <a:schemeClr val="accent1"/>
+            </a:effectRef>
+            <a:fontRef idx="minor">
+              <a:schemeClr val="lt1"/>
+            </a:fontRef>
+          </p:style>
+          <p:txBody>
+            <a:bodyPr rtlCol="0" anchor="ctr"/>
+            <a:lstStyle/>
+            <a:p>
+              <a:pPr algn="ctr"/>
+              <a:endParaRPr kumimoji="1" lang="ja-JP" altLang="en-US"/>
+            </a:p>
+          </p:txBody>
+        </p:sp>
+      </p:grpSp>
+    </p:spTree>
+    <p:extLst>
+      <p:ext uri="{BB962C8B-B14F-4D97-AF65-F5344CB8AC3E}">
+        <p14:creationId xmlns:p14="http://schemas.microsoft.com/office/powerpoint/2010/main" val="3013563385"/>
+      </p:ext>
+    </p:extLst>
+  </p:cSld>
+  <p:clrMapOvr>
+    <a:masterClrMapping/>
+  </p:clrMapOvr>
+</p:sld>
+</file>
+
+<file path=ppt/slides/slide12.xml><?xml version="1.0" encoding="utf-8"?>
+<p:sld xmlns:a="http://schemas.openxmlformats.org/drawingml/2006/main" xmlns:r="http://schemas.openxmlformats.org/officeDocument/2006/relationships" xmlns:p="http://schemas.openxmlformats.org/presentationml/2006/main">
+  <p:cSld>
+    <p:spTree>
+      <p:nvGrpSpPr>
+        <p:cNvPr id="1" name=""/>
+        <p:cNvGrpSpPr/>
+        <p:nvPr/>
+      </p:nvGrpSpPr>
+      <p:grpSpPr>
+        <a:xfrm>
+          <a:off x="0" y="0"/>
+          <a:ext cx="0" cy="0"/>
+          <a:chOff x="0" y="0"/>
+          <a:chExt cx="0" cy="0"/>
+        </a:xfrm>
+      </p:grpSpPr>
+      <p:sp>
+        <p:nvSpPr>
+          <p:cNvPr id="2" name="タイトル 1">
+            <a:extLst>
+              <a:ext uri="{FF2B5EF4-FFF2-40B4-BE49-F238E27FC236}">
+                <a16:creationId xmlns:a16="http://schemas.microsoft.com/office/drawing/2014/main" id="{679B1F19-EA37-6319-E74D-3884CF7D7061}"/>
+              </a:ext>
+            </a:extLst>
+          </p:cNvPr>
+          <p:cNvSpPr>
+            <a:spLocks noGrp="1"/>
+          </p:cNvSpPr>
+          <p:nvPr>
+            <p:ph type="title"/>
+          </p:nvPr>
+        </p:nvSpPr>
+        <p:spPr/>
+        <p:txBody>
+          <a:bodyPr/>
+          <a:lstStyle/>
+          <a:p>
+            <a:r>
+              <a:rPr lang="en-US" altLang="ja-JP" dirty="0"/>
+              <a:t>SourceTree</a:t>
+            </a:r>
+            <a:r>
+              <a:rPr lang="ja-JP" altLang="en-US" dirty="0"/>
+              <a:t>のインストール</a:t>
+            </a:r>
+            <a:endParaRPr kumimoji="1" lang="ja-JP" altLang="en-US" dirty="0"/>
+          </a:p>
+        </p:txBody>
+      </p:sp>
       <p:pic>
         <p:nvPicPr>
           <p:cNvPr id="4" name="図 3">
@@ -6593,7 +7223,293 @@
 </p:sld>
 </file>
 
-<file path=ppt/slides/slide11.xml><?xml version="1.0" encoding="utf-8"?>
+<file path=ppt/slides/slide13.xml><?xml version="1.0" encoding="utf-8"?>
+<p:sld xmlns:a="http://schemas.openxmlformats.org/drawingml/2006/main" xmlns:r="http://schemas.openxmlformats.org/officeDocument/2006/relationships" xmlns:p="http://schemas.openxmlformats.org/presentationml/2006/main">
+  <p:cSld>
+    <p:spTree>
+      <p:nvGrpSpPr>
+        <p:cNvPr id="1" name=""/>
+        <p:cNvGrpSpPr/>
+        <p:nvPr/>
+      </p:nvGrpSpPr>
+      <p:grpSpPr>
+        <a:xfrm>
+          <a:off x="0" y="0"/>
+          <a:ext cx="0" cy="0"/>
+          <a:chOff x="0" y="0"/>
+          <a:chExt cx="0" cy="0"/>
+        </a:xfrm>
+      </p:grpSpPr>
+      <p:sp>
+        <p:nvSpPr>
+          <p:cNvPr id="11" name="正方形/長方形 10">
+            <a:extLst>
+              <a:ext uri="{FF2B5EF4-FFF2-40B4-BE49-F238E27FC236}">
+                <a16:creationId xmlns:a16="http://schemas.microsoft.com/office/drawing/2014/main" id="{1285EFFE-5514-138C-91D6-9278F46A30A9}"/>
+              </a:ext>
+            </a:extLst>
+          </p:cNvPr>
+          <p:cNvSpPr/>
+          <p:nvPr/>
+        </p:nvSpPr>
+        <p:spPr>
+          <a:xfrm>
+            <a:off x="0" y="3381082"/>
+            <a:ext cx="12192000" cy="87482"/>
+          </a:xfrm>
+          <a:prstGeom prst="rect">
+            <a:avLst/>
+          </a:prstGeom>
+          <a:ln>
+            <a:noFill/>
+          </a:ln>
+        </p:spPr>
+        <p:style>
+          <a:lnRef idx="2">
+            <a:schemeClr val="accent1">
+              <a:shade val="15000"/>
+            </a:schemeClr>
+          </a:lnRef>
+          <a:fillRef idx="1">
+            <a:schemeClr val="accent1"/>
+          </a:fillRef>
+          <a:effectRef idx="0">
+            <a:schemeClr val="accent1"/>
+          </a:effectRef>
+          <a:fontRef idx="minor">
+            <a:schemeClr val="lt1"/>
+          </a:fontRef>
+        </p:style>
+        <p:txBody>
+          <a:bodyPr rtlCol="0" anchor="ctr"/>
+          <a:lstStyle/>
+          <a:p>
+            <a:pPr algn="ctr"/>
+            <a:endParaRPr kumimoji="1" lang="ja-JP" altLang="en-US" dirty="0"/>
+          </a:p>
+        </p:txBody>
+      </p:sp>
+      <p:sp>
+        <p:nvSpPr>
+          <p:cNvPr id="4" name="タイトル 3">
+            <a:extLst>
+              <a:ext uri="{FF2B5EF4-FFF2-40B4-BE49-F238E27FC236}">
+                <a16:creationId xmlns:a16="http://schemas.microsoft.com/office/drawing/2014/main" id="{9696FD56-A136-8319-D86C-0569605E49F0}"/>
+              </a:ext>
+            </a:extLst>
+          </p:cNvPr>
+          <p:cNvSpPr>
+            <a:spLocks noGrp="1"/>
+          </p:cNvSpPr>
+          <p:nvPr>
+            <p:ph type="title"/>
+          </p:nvPr>
+        </p:nvSpPr>
+        <p:spPr>
+          <a:xfrm>
+            <a:off x="2155077" y="1983283"/>
+            <a:ext cx="7881845" cy="1107417"/>
+          </a:xfrm>
+          <a:noFill/>
+        </p:spPr>
+        <p:txBody>
+          <a:bodyPr/>
+          <a:lstStyle/>
+          <a:p>
+            <a:pPr algn="ctr"/>
+            <a:r>
+              <a:rPr lang="ja-JP" altLang="en-US" dirty="0">
+                <a:latin typeface="游ゴシック" panose="020B0400000000000000" pitchFamily="50" charset="-128"/>
+                <a:ea typeface="游ゴシック" panose="020B0400000000000000" pitchFamily="50" charset="-128"/>
+              </a:rPr>
+              <a:t>基礎知識</a:t>
+            </a:r>
+          </a:p>
+        </p:txBody>
+      </p:sp>
+      <p:grpSp>
+        <p:nvGrpSpPr>
+          <p:cNvPr id="7" name="グループ化 6">
+            <a:extLst>
+              <a:ext uri="{FF2B5EF4-FFF2-40B4-BE49-F238E27FC236}">
+                <a16:creationId xmlns:a16="http://schemas.microsoft.com/office/drawing/2014/main" id="{663DE046-33B6-E249-2D96-B13A95C66780}"/>
+              </a:ext>
+            </a:extLst>
+          </p:cNvPr>
+          <p:cNvGrpSpPr/>
+          <p:nvPr/>
+        </p:nvGrpSpPr>
+        <p:grpSpPr>
+          <a:xfrm>
+            <a:off x="5381368" y="5657770"/>
+            <a:ext cx="6560261" cy="1171641"/>
+            <a:chOff x="2118910" y="5265603"/>
+            <a:chExt cx="8083405" cy="1443669"/>
+          </a:xfrm>
+        </p:grpSpPr>
+        <p:pic>
+          <p:nvPicPr>
+            <p:cNvPr id="8" name="Picture 2" descr="Git Logo - símbolo, significado logotipo, historia, PNG">
+              <a:extLst>
+                <a:ext uri="{FF2B5EF4-FFF2-40B4-BE49-F238E27FC236}">
+                  <a16:creationId xmlns:a16="http://schemas.microsoft.com/office/drawing/2014/main" id="{B5712062-420E-C422-F78E-837D7DFC9FBD}"/>
+                </a:ext>
+              </a:extLst>
+            </p:cNvPr>
+            <p:cNvPicPr>
+              <a:picLocks noChangeAspect="1" noChangeArrowheads="1"/>
+            </p:cNvPicPr>
+            <p:nvPr/>
+          </p:nvPicPr>
+          <p:blipFill>
+            <a:blip r:embed="rId2">
+              <a:extLst>
+                <a:ext uri="{28A0092B-C50C-407E-A947-70E740481C1C}">
+                  <a14:useLocalDpi xmlns:a14="http://schemas.microsoft.com/office/drawing/2010/main" val="0"/>
+                </a:ext>
+              </a:extLst>
+            </a:blip>
+            <a:srcRect/>
+            <a:stretch>
+              <a:fillRect/>
+            </a:stretch>
+          </p:blipFill>
+          <p:spPr bwMode="auto">
+            <a:xfrm>
+              <a:off x="2118910" y="5265603"/>
+              <a:ext cx="2309870" cy="1443669"/>
+            </a:xfrm>
+            <a:prstGeom prst="rect">
+              <a:avLst/>
+            </a:prstGeom>
+            <a:noFill/>
+            <a:extLst>
+              <a:ext uri="{909E8E84-426E-40DD-AFC4-6F175D3DCCD1}">
+                <a14:hiddenFill xmlns:a14="http://schemas.microsoft.com/office/drawing/2010/main">
+                  <a:solidFill>
+                    <a:srgbClr val="FFFFFF"/>
+                  </a:solidFill>
+                </a14:hiddenFill>
+              </a:ext>
+            </a:extLst>
+          </p:spPr>
+        </p:pic>
+        <p:pic>
+          <p:nvPicPr>
+            <p:cNvPr id="9" name="Picture 4" descr="SourceTree: einfache Versionsverwaltung - was hinter dem Git- und ...">
+              <a:extLst>
+                <a:ext uri="{FF2B5EF4-FFF2-40B4-BE49-F238E27FC236}">
+                  <a16:creationId xmlns:a16="http://schemas.microsoft.com/office/drawing/2014/main" id="{B6EA514E-2C76-0584-3549-36C265EC8AB5}"/>
+                </a:ext>
+              </a:extLst>
+            </p:cNvPr>
+            <p:cNvPicPr>
+              <a:picLocks noChangeAspect="1" noChangeArrowheads="1"/>
+            </p:cNvPicPr>
+            <p:nvPr/>
+          </p:nvPicPr>
+          <p:blipFill>
+            <a:blip r:embed="rId3">
+              <a:extLst>
+                <a:ext uri="{28A0092B-C50C-407E-A947-70E740481C1C}">
+                  <a14:useLocalDpi xmlns:a14="http://schemas.microsoft.com/office/drawing/2010/main" val="0"/>
+                </a:ext>
+              </a:extLst>
+            </a:blip>
+            <a:srcRect/>
+            <a:stretch>
+              <a:fillRect/>
+            </a:stretch>
+          </p:blipFill>
+          <p:spPr bwMode="auto">
+            <a:xfrm>
+              <a:off x="5409059" y="5568027"/>
+              <a:ext cx="4793256" cy="838820"/>
+            </a:xfrm>
+            <a:prstGeom prst="rect">
+              <a:avLst/>
+            </a:prstGeom>
+            <a:noFill/>
+            <a:extLst>
+              <a:ext uri="{909E8E84-426E-40DD-AFC4-6F175D3DCCD1}">
+                <a14:hiddenFill xmlns:a14="http://schemas.microsoft.com/office/drawing/2010/main">
+                  <a:solidFill>
+                    <a:srgbClr val="FFFFFF"/>
+                  </a:solidFill>
+                </a14:hiddenFill>
+              </a:ext>
+            </a:extLst>
+          </p:spPr>
+        </p:pic>
+        <p:sp>
+          <p:nvSpPr>
+            <p:cNvPr id="10" name="テキスト ボックス 9">
+              <a:extLst>
+                <a:ext uri="{FF2B5EF4-FFF2-40B4-BE49-F238E27FC236}">
+                  <a16:creationId xmlns:a16="http://schemas.microsoft.com/office/drawing/2014/main" id="{B2371AEE-3D4A-D56F-B7D0-1F2682376F5B}"/>
+                </a:ext>
+              </a:extLst>
+            </p:cNvPr>
+            <p:cNvSpPr txBox="1"/>
+            <p:nvPr/>
+          </p:nvSpPr>
+          <p:spPr>
+            <a:xfrm>
+              <a:off x="4544459" y="5602716"/>
+              <a:ext cx="748924" cy="796394"/>
+            </a:xfrm>
+            <a:prstGeom prst="rect">
+              <a:avLst/>
+            </a:prstGeom>
+            <a:solidFill>
+              <a:schemeClr val="bg1"/>
+            </a:solidFill>
+          </p:spPr>
+          <p:txBody>
+            <a:bodyPr wrap="square" rtlCol="0">
+              <a:spAutoFit/>
+            </a:bodyPr>
+            <a:lstStyle/>
+            <a:p>
+              <a:r>
+                <a:rPr kumimoji="1" lang="en-US" altLang="ja-JP" sz="3600" b="1" dirty="0">
+                  <a:solidFill>
+                    <a:schemeClr val="bg1">
+                      <a:lumMod val="50000"/>
+                    </a:schemeClr>
+                  </a:solidFill>
+                  <a:latin typeface="Noto Sans JP Black" panose="020B0200000000000000" pitchFamily="50" charset="-128"/>
+                  <a:ea typeface="Noto Sans JP Black" panose="020B0200000000000000" pitchFamily="50" charset="-128"/>
+                </a:rPr>
+                <a:t>×</a:t>
+              </a:r>
+              <a:endParaRPr kumimoji="1" lang="ja-JP" altLang="en-US" sz="3600" b="1" dirty="0">
+                <a:solidFill>
+                  <a:schemeClr val="bg1">
+                    <a:lumMod val="50000"/>
+                  </a:schemeClr>
+                </a:solidFill>
+                <a:latin typeface="Noto Sans JP Black" panose="020B0200000000000000" pitchFamily="50" charset="-128"/>
+                <a:ea typeface="Noto Sans JP Black" panose="020B0200000000000000" pitchFamily="50" charset="-128"/>
+              </a:endParaRPr>
+            </a:p>
+          </p:txBody>
+        </p:sp>
+      </p:grpSp>
+    </p:spTree>
+    <p:extLst>
+      <p:ext uri="{BB962C8B-B14F-4D97-AF65-F5344CB8AC3E}">
+        <p14:creationId xmlns:p14="http://schemas.microsoft.com/office/powerpoint/2010/main" val="1699497212"/>
+      </p:ext>
+    </p:extLst>
+  </p:cSld>
+  <p:clrMapOvr>
+    <a:masterClrMapping/>
+  </p:clrMapOvr>
+</p:sld>
+</file>
+
+<file path=ppt/slides/slide14.xml><?xml version="1.0" encoding="utf-8"?>
 <p:sld xmlns:a="http://schemas.openxmlformats.org/drawingml/2006/main" xmlns:r="http://schemas.openxmlformats.org/officeDocument/2006/relationships" xmlns:p="http://schemas.openxmlformats.org/presentationml/2006/main">
   <p:cSld>
     <p:spTree>
@@ -8568,7 +9484,491 @@
 </p:sld>
 </file>
 
-<file path=ppt/slides/slide12.xml><?xml version="1.0" encoding="utf-8"?>
+<file path=ppt/slides/slide15.xml><?xml version="1.0" encoding="utf-8"?>
+<p:sld xmlns:a="http://schemas.openxmlformats.org/drawingml/2006/main" xmlns:r="http://schemas.openxmlformats.org/officeDocument/2006/relationships" xmlns:p="http://schemas.openxmlformats.org/presentationml/2006/main">
+  <p:cSld>
+    <p:spTree>
+      <p:nvGrpSpPr>
+        <p:cNvPr id="1" name=""/>
+        <p:cNvGrpSpPr/>
+        <p:nvPr/>
+      </p:nvGrpSpPr>
+      <p:grpSpPr>
+        <a:xfrm>
+          <a:off x="0" y="0"/>
+          <a:ext cx="0" cy="0"/>
+          <a:chOff x="0" y="0"/>
+          <a:chExt cx="0" cy="0"/>
+        </a:xfrm>
+      </p:grpSpPr>
+      <p:sp>
+        <p:nvSpPr>
+          <p:cNvPr id="16" name="四角形: 角を丸くする 15">
+            <a:extLst>
+              <a:ext uri="{FF2B5EF4-FFF2-40B4-BE49-F238E27FC236}">
+                <a16:creationId xmlns:a16="http://schemas.microsoft.com/office/drawing/2014/main" id="{7A57C9BE-363F-3668-ABF0-82EA776098C3}"/>
+              </a:ext>
+            </a:extLst>
+          </p:cNvPr>
+          <p:cNvSpPr/>
+          <p:nvPr/>
+        </p:nvSpPr>
+        <p:spPr>
+          <a:xfrm>
+            <a:off x="6878171" y="4572002"/>
+            <a:ext cx="2527704" cy="1788458"/>
+          </a:xfrm>
+          <a:prstGeom prst="roundRect">
+            <a:avLst/>
+          </a:prstGeom>
+          <a:solidFill>
+            <a:schemeClr val="accent1">
+              <a:alpha val="45000"/>
+            </a:schemeClr>
+          </a:solidFill>
+          <a:ln>
+            <a:noFill/>
+          </a:ln>
+          <a:effectLst>
+            <a:softEdge rad="139700"/>
+          </a:effectLst>
+        </p:spPr>
+        <p:style>
+          <a:lnRef idx="2">
+            <a:schemeClr val="accent1">
+              <a:shade val="15000"/>
+            </a:schemeClr>
+          </a:lnRef>
+          <a:fillRef idx="1">
+            <a:schemeClr val="accent1"/>
+          </a:fillRef>
+          <a:effectRef idx="0">
+            <a:schemeClr val="accent1"/>
+          </a:effectRef>
+          <a:fontRef idx="minor">
+            <a:schemeClr val="lt1"/>
+          </a:fontRef>
+        </p:style>
+        <p:txBody>
+          <a:bodyPr rtlCol="0" anchor="ctr"/>
+          <a:lstStyle/>
+          <a:p>
+            <a:pPr algn="ctr"/>
+            <a:endParaRPr kumimoji="1" lang="ja-JP" altLang="en-US"/>
+          </a:p>
+        </p:txBody>
+      </p:sp>
+      <p:sp>
+        <p:nvSpPr>
+          <p:cNvPr id="2" name="タイトル 1">
+            <a:extLst>
+              <a:ext uri="{FF2B5EF4-FFF2-40B4-BE49-F238E27FC236}">
+                <a16:creationId xmlns:a16="http://schemas.microsoft.com/office/drawing/2014/main" id="{679B1F19-EA37-6319-E74D-3884CF7D7061}"/>
+              </a:ext>
+            </a:extLst>
+          </p:cNvPr>
+          <p:cNvSpPr>
+            <a:spLocks noGrp="1"/>
+          </p:cNvSpPr>
+          <p:nvPr>
+            <p:ph type="title"/>
+          </p:nvPr>
+        </p:nvSpPr>
+        <p:spPr/>
+        <p:txBody>
+          <a:bodyPr/>
+          <a:lstStyle/>
+          <a:p>
+            <a:r>
+              <a:rPr kumimoji="1" lang="ja-JP" altLang="en-US" dirty="0"/>
+              <a:t>リポジトリ</a:t>
+            </a:r>
+          </a:p>
+        </p:txBody>
+      </p:sp>
+      <p:sp>
+        <p:nvSpPr>
+          <p:cNvPr id="4" name="コンテンツ プレースホルダー 2">
+            <a:extLst>
+              <a:ext uri="{FF2B5EF4-FFF2-40B4-BE49-F238E27FC236}">
+                <a16:creationId xmlns:a16="http://schemas.microsoft.com/office/drawing/2014/main" id="{81E22F13-F9BA-6547-7B98-D5E042138C96}"/>
+              </a:ext>
+            </a:extLst>
+          </p:cNvPr>
+          <p:cNvSpPr>
+            <a:spLocks noGrp="1"/>
+          </p:cNvSpPr>
+          <p:nvPr>
+            <p:ph idx="1"/>
+          </p:nvPr>
+        </p:nvSpPr>
+        <p:spPr>
+          <a:xfrm>
+            <a:off x="1547837" y="1297946"/>
+            <a:ext cx="9110179" cy="3459605"/>
+          </a:xfrm>
+        </p:spPr>
+        <p:txBody>
+          <a:bodyPr>
+            <a:noAutofit/>
+          </a:bodyPr>
+          <a:lstStyle/>
+          <a:p>
+            <a:pPr>
+              <a:lnSpc>
+                <a:spcPct val="100000"/>
+              </a:lnSpc>
+              <a:buFont typeface="Arial" panose="020B0604020202020204" pitchFamily="34" charset="0"/>
+              <a:buChar char="•"/>
+            </a:pPr>
+            <a:r>
+              <a:rPr kumimoji="1" lang="ja-JP" altLang="en-US" dirty="0"/>
+              <a:t>リポジトリとはデータの保管場所のことです。</a:t>
+            </a:r>
+            <a:br>
+              <a:rPr lang="en-US" altLang="ja-JP" dirty="0"/>
+            </a:br>
+            <a:r>
+              <a:rPr lang="ja-JP" altLang="en-US" dirty="0"/>
+              <a:t>ローカルとリモートの２種類が存在します。</a:t>
+            </a:r>
+            <a:endParaRPr lang="en-US" altLang="ja-JP" dirty="0"/>
+          </a:p>
+          <a:p>
+            <a:pPr>
+              <a:lnSpc>
+                <a:spcPct val="100000"/>
+              </a:lnSpc>
+              <a:buFont typeface="Arial" panose="020B0604020202020204" pitchFamily="34" charset="0"/>
+              <a:buChar char="•"/>
+            </a:pPr>
+            <a:r>
+              <a:rPr lang="ja-JP" altLang="en-US" dirty="0"/>
+              <a:t>ローカルとは自分の</a:t>
+            </a:r>
+            <a:r>
+              <a:rPr lang="en-US" altLang="ja-JP" dirty="0"/>
+              <a:t>PC</a:t>
+            </a:r>
+            <a:r>
+              <a:rPr lang="ja-JP" altLang="en-US" dirty="0"/>
+              <a:t>に保管しているものを指します。</a:t>
+            </a:r>
+            <a:br>
+              <a:rPr lang="en-US" altLang="ja-JP" dirty="0"/>
+            </a:br>
+            <a:r>
+              <a:rPr lang="ja-JP" altLang="en-US" dirty="0"/>
+              <a:t>作業するときはこのローカルを編集していきます。</a:t>
+            </a:r>
+            <a:endParaRPr lang="en-US" altLang="ja-JP" dirty="0"/>
+          </a:p>
+          <a:p>
+            <a:pPr>
+              <a:lnSpc>
+                <a:spcPct val="100000"/>
+              </a:lnSpc>
+              <a:buFont typeface="Arial" panose="020B0604020202020204" pitchFamily="34" charset="0"/>
+              <a:buChar char="•"/>
+            </a:pPr>
+            <a:r>
+              <a:rPr lang="ja-JP" altLang="en-US" dirty="0"/>
+              <a:t>リモートはネット上にアップしてあるものです。</a:t>
+            </a:r>
+            <a:br>
+              <a:rPr lang="en-US" altLang="ja-JP" dirty="0"/>
+            </a:br>
+            <a:r>
+              <a:rPr lang="ja-JP" altLang="en-US" dirty="0"/>
+              <a:t>ローカルのデータをアップして、内容を更新します。</a:t>
+            </a:r>
+            <a:endParaRPr lang="en-US" altLang="ja-JP" dirty="0"/>
+          </a:p>
+        </p:txBody>
+      </p:sp>
+      <p:grpSp>
+        <p:nvGrpSpPr>
+          <p:cNvPr id="15" name="グループ化 14">
+            <a:extLst>
+              <a:ext uri="{FF2B5EF4-FFF2-40B4-BE49-F238E27FC236}">
+                <a16:creationId xmlns:a16="http://schemas.microsoft.com/office/drawing/2014/main" id="{7E75A89C-FF08-392D-812A-4311482EAB46}"/>
+              </a:ext>
+            </a:extLst>
+          </p:cNvPr>
+          <p:cNvGrpSpPr/>
+          <p:nvPr/>
+        </p:nvGrpSpPr>
+        <p:grpSpPr>
+          <a:xfrm>
+            <a:off x="2719144" y="4893504"/>
+            <a:ext cx="5965316" cy="1159328"/>
+            <a:chOff x="2698974" y="5155722"/>
+            <a:chExt cx="5965316" cy="1159328"/>
+          </a:xfrm>
+        </p:grpSpPr>
+        <p:pic>
+          <p:nvPicPr>
+            <p:cNvPr id="3" name="図 2" descr="アイコン&#10;&#10;自動的に生成された説明">
+              <a:extLst>
+                <a:ext uri="{FF2B5EF4-FFF2-40B4-BE49-F238E27FC236}">
+                  <a16:creationId xmlns:a16="http://schemas.microsoft.com/office/drawing/2014/main" id="{63645E22-4705-827C-9BA0-C2B7B8795552}"/>
+                </a:ext>
+              </a:extLst>
+            </p:cNvPr>
+            <p:cNvPicPr>
+              <a:picLocks noChangeAspect="1"/>
+            </p:cNvPicPr>
+            <p:nvPr/>
+          </p:nvPicPr>
+          <p:blipFill>
+            <a:blip r:embed="rId2">
+              <a:extLst>
+                <a:ext uri="{28A0092B-C50C-407E-A947-70E740481C1C}">
+                  <a14:useLocalDpi xmlns:a14="http://schemas.microsoft.com/office/drawing/2010/main" val="0"/>
+                </a:ext>
+              </a:extLst>
+            </a:blip>
+            <a:stretch>
+              <a:fillRect/>
+            </a:stretch>
+          </p:blipFill>
+          <p:spPr>
+            <a:xfrm>
+              <a:off x="7504962" y="5155722"/>
+              <a:ext cx="1159328" cy="1159328"/>
+            </a:xfrm>
+            <a:prstGeom prst="rect">
+              <a:avLst/>
+            </a:prstGeom>
+          </p:spPr>
+        </p:pic>
+        <p:grpSp>
+          <p:nvGrpSpPr>
+            <p:cNvPr id="5" name="グループ化 4">
+              <a:extLst>
+                <a:ext uri="{FF2B5EF4-FFF2-40B4-BE49-F238E27FC236}">
+                  <a16:creationId xmlns:a16="http://schemas.microsoft.com/office/drawing/2014/main" id="{13570E6D-F389-4EFD-5518-F33023447770}"/>
+                </a:ext>
+              </a:extLst>
+            </p:cNvPr>
+            <p:cNvGrpSpPr/>
+            <p:nvPr/>
+          </p:nvGrpSpPr>
+          <p:grpSpPr>
+            <a:xfrm>
+              <a:off x="2698974" y="5322435"/>
+              <a:ext cx="1733867" cy="992615"/>
+              <a:chOff x="4604295" y="5192847"/>
+              <a:chExt cx="1733867" cy="992615"/>
+            </a:xfrm>
+          </p:grpSpPr>
+          <p:pic>
+            <p:nvPicPr>
+              <p:cNvPr id="6" name="図 5" descr="アイコン&#10;&#10;自動的に生成された説明">
+                <a:extLst>
+                  <a:ext uri="{FF2B5EF4-FFF2-40B4-BE49-F238E27FC236}">
+                    <a16:creationId xmlns:a16="http://schemas.microsoft.com/office/drawing/2014/main" id="{9F6B8CA0-3E38-54C8-A202-73EF2857B0A7}"/>
+                  </a:ext>
+                </a:extLst>
+              </p:cNvPr>
+              <p:cNvPicPr>
+                <a:picLocks noChangeAspect="1"/>
+              </p:cNvPicPr>
+              <p:nvPr/>
+            </p:nvPicPr>
+            <p:blipFill>
+              <a:blip r:embed="rId3">
+                <a:extLst>
+                  <a:ext uri="{28A0092B-C50C-407E-A947-70E740481C1C}">
+                    <a14:useLocalDpi xmlns:a14="http://schemas.microsoft.com/office/drawing/2010/main" val="0"/>
+                  </a:ext>
+                </a:extLst>
+              </a:blip>
+              <a:stretch>
+                <a:fillRect/>
+              </a:stretch>
+            </p:blipFill>
+            <p:spPr>
+              <a:xfrm>
+                <a:off x="5345547" y="5192847"/>
+                <a:ext cx="992615" cy="992615"/>
+              </a:xfrm>
+              <a:prstGeom prst="rect">
+                <a:avLst/>
+              </a:prstGeom>
+            </p:spPr>
+          </p:pic>
+          <p:pic>
+            <p:nvPicPr>
+              <p:cNvPr id="7" name="図 6" descr="アイコン&#10;&#10;自動的に生成された説明">
+                <a:extLst>
+                  <a:ext uri="{FF2B5EF4-FFF2-40B4-BE49-F238E27FC236}">
+                    <a16:creationId xmlns:a16="http://schemas.microsoft.com/office/drawing/2014/main" id="{68E6F91C-810F-D85B-B51C-9F06565C2237}"/>
+                  </a:ext>
+                </a:extLst>
+              </p:cNvPr>
+              <p:cNvPicPr>
+                <a:picLocks noChangeAspect="1"/>
+              </p:cNvPicPr>
+              <p:nvPr/>
+            </p:nvPicPr>
+            <p:blipFill>
+              <a:blip r:embed="rId4">
+                <a:extLst>
+                  <a:ext uri="{28A0092B-C50C-407E-A947-70E740481C1C}">
+                    <a14:useLocalDpi xmlns:a14="http://schemas.microsoft.com/office/drawing/2010/main" val="0"/>
+                  </a:ext>
+                </a:extLst>
+              </a:blip>
+              <a:stretch>
+                <a:fillRect/>
+              </a:stretch>
+            </p:blipFill>
+            <p:spPr>
+              <a:xfrm>
+                <a:off x="4604295" y="5400139"/>
+                <a:ext cx="630679" cy="630678"/>
+              </a:xfrm>
+              <a:prstGeom prst="rect">
+                <a:avLst/>
+              </a:prstGeom>
+            </p:spPr>
+          </p:pic>
+        </p:grpSp>
+        <p:pic>
+          <p:nvPicPr>
+            <p:cNvPr id="8" name="図 7" descr="アイコン&#10;&#10;自動的に生成された説明">
+              <a:extLst>
+                <a:ext uri="{FF2B5EF4-FFF2-40B4-BE49-F238E27FC236}">
+                  <a16:creationId xmlns:a16="http://schemas.microsoft.com/office/drawing/2014/main" id="{909C12C1-F739-236C-86B6-C962575E4B8E}"/>
+                </a:ext>
+              </a:extLst>
+            </p:cNvPr>
+            <p:cNvPicPr>
+              <a:picLocks noChangeAspect="1"/>
+            </p:cNvPicPr>
+            <p:nvPr/>
+          </p:nvPicPr>
+          <p:blipFill>
+            <a:blip r:embed="rId2">
+              <a:extLst>
+                <a:ext uri="{28A0092B-C50C-407E-A947-70E740481C1C}">
+                  <a14:useLocalDpi xmlns:a14="http://schemas.microsoft.com/office/drawing/2010/main" val="0"/>
+                </a:ext>
+              </a:extLst>
+            </a:blip>
+            <a:stretch>
+              <a:fillRect/>
+            </a:stretch>
+          </p:blipFill>
+          <p:spPr>
+            <a:xfrm>
+              <a:off x="3756926" y="5540163"/>
+              <a:ext cx="359214" cy="359214"/>
+            </a:xfrm>
+            <a:prstGeom prst="rect">
+              <a:avLst/>
+            </a:prstGeom>
+          </p:spPr>
+        </p:pic>
+        <p:cxnSp>
+          <p:nvCxnSpPr>
+            <p:cNvPr id="9" name="直線矢印コネクタ 8">
+              <a:extLst>
+                <a:ext uri="{FF2B5EF4-FFF2-40B4-BE49-F238E27FC236}">
+                  <a16:creationId xmlns:a16="http://schemas.microsoft.com/office/drawing/2014/main" id="{E64AA179-4C0C-0CAC-D022-3D3AB5CDBA47}"/>
+                </a:ext>
+              </a:extLst>
+            </p:cNvPr>
+            <p:cNvCxnSpPr>
+              <a:cxnSpLocks/>
+            </p:cNvCxnSpPr>
+            <p:nvPr/>
+          </p:nvCxnSpPr>
+          <p:spPr>
+            <a:xfrm>
+              <a:off x="4817889" y="5616466"/>
+              <a:ext cx="2362200" cy="0"/>
+            </a:xfrm>
+            <a:prstGeom prst="straightConnector1">
+              <a:avLst/>
+            </a:prstGeom>
+            <a:ln w="76200">
+              <a:tailEnd type="triangle"/>
+            </a:ln>
+          </p:spPr>
+          <p:style>
+            <a:lnRef idx="1">
+              <a:schemeClr val="accent1"/>
+            </a:lnRef>
+            <a:fillRef idx="0">
+              <a:schemeClr val="accent1"/>
+            </a:fillRef>
+            <a:effectRef idx="0">
+              <a:schemeClr val="accent1"/>
+            </a:effectRef>
+            <a:fontRef idx="minor">
+              <a:schemeClr val="tx1"/>
+            </a:fontRef>
+          </p:style>
+        </p:cxnSp>
+        <p:cxnSp>
+          <p:nvCxnSpPr>
+            <p:cNvPr id="14" name="直線矢印コネクタ 13">
+              <a:extLst>
+                <a:ext uri="{FF2B5EF4-FFF2-40B4-BE49-F238E27FC236}">
+                  <a16:creationId xmlns:a16="http://schemas.microsoft.com/office/drawing/2014/main" id="{24D54EA5-047C-A963-99E0-8D8A847668B2}"/>
+                </a:ext>
+              </a:extLst>
+            </p:cNvPr>
+            <p:cNvCxnSpPr>
+              <a:cxnSpLocks/>
+            </p:cNvCxnSpPr>
+            <p:nvPr/>
+          </p:nvCxnSpPr>
+          <p:spPr>
+            <a:xfrm>
+              <a:off x="4823332" y="5981138"/>
+              <a:ext cx="2362200" cy="0"/>
+            </a:xfrm>
+            <a:prstGeom prst="straightConnector1">
+              <a:avLst/>
+            </a:prstGeom>
+            <a:ln w="76200">
+              <a:headEnd type="triangle"/>
+              <a:tailEnd type="none"/>
+            </a:ln>
+          </p:spPr>
+          <p:style>
+            <a:lnRef idx="1">
+              <a:schemeClr val="accent1"/>
+            </a:lnRef>
+            <a:fillRef idx="0">
+              <a:schemeClr val="accent1"/>
+            </a:fillRef>
+            <a:effectRef idx="0">
+              <a:schemeClr val="accent1"/>
+            </a:effectRef>
+            <a:fontRef idx="minor">
+              <a:schemeClr val="tx1"/>
+            </a:fontRef>
+          </p:style>
+        </p:cxnSp>
+      </p:grpSp>
+    </p:spTree>
+    <p:extLst>
+      <p:ext uri="{BB962C8B-B14F-4D97-AF65-F5344CB8AC3E}">
+        <p14:creationId xmlns:p14="http://schemas.microsoft.com/office/powerpoint/2010/main" val="3566682538"/>
+      </p:ext>
+    </p:extLst>
+  </p:cSld>
+  <p:clrMapOvr>
+    <a:masterClrMapping/>
+  </p:clrMapOvr>
+</p:sld>
+</file>
+
+<file path=ppt/slides/slide16.xml><?xml version="1.0" encoding="utf-8"?>
 <p:sld xmlns:a="http://schemas.openxmlformats.org/drawingml/2006/main" xmlns:r="http://schemas.openxmlformats.org/officeDocument/2006/relationships" xmlns:p="http://schemas.openxmlformats.org/presentationml/2006/main">
   <p:cSld>
     <p:spTree>
@@ -8607,9 +10007,10 @@
           <a:lstStyle/>
           <a:p>
             <a:r>
-              <a:rPr kumimoji="1" lang="ja-JP" altLang="en-US" dirty="0"/>
-              <a:t>リポジトリ</a:t>
-            </a:r>
+              <a:rPr lang="ja-JP" altLang="en-US" dirty="0"/>
+              <a:t>クローン</a:t>
+            </a:r>
+            <a:endParaRPr kumimoji="1" lang="ja-JP" altLang="en-US" dirty="0"/>
           </a:p>
         </p:txBody>
       </p:sp>
@@ -8643,95 +10044,35 @@
           <a:p>
             <a:pPr marL="0" indent="0">
               <a:lnSpc>
-                <a:spcPct val="100000"/>
+                <a:spcPct val="150000"/>
               </a:lnSpc>
               <a:buNone/>
             </a:pPr>
             <a:r>
-              <a:rPr kumimoji="1" lang="ja-JP" altLang="en-US" sz="3200" dirty="0"/>
-              <a:t>データの保管場所のことです。</a:t>
-            </a:r>
-            <a:endParaRPr kumimoji="1" lang="en-US" altLang="ja-JP" sz="3200" dirty="0"/>
+              <a:rPr kumimoji="1" lang="ja-JP" altLang="en-US" dirty="0"/>
+              <a:t>リモートのリポジトリをコピーしてきて、</a:t>
+            </a:r>
+            <a:endParaRPr kumimoji="1" lang="en-US" altLang="ja-JP" dirty="0"/>
           </a:p>
           <a:p>
             <a:pPr marL="0" indent="0">
               <a:lnSpc>
-                <a:spcPct val="100000"/>
+                <a:spcPct val="150000"/>
               </a:lnSpc>
               <a:buNone/>
             </a:pPr>
             <a:r>
-              <a:rPr lang="ja-JP" altLang="en-US" sz="3200" dirty="0"/>
-              <a:t>ローカルとリモートの二種類が存在します。</a:t>
-            </a:r>
-            <a:endParaRPr lang="en-US" altLang="ja-JP" sz="3200" dirty="0"/>
-          </a:p>
-          <a:p>
-            <a:pPr marL="0" indent="0">
-              <a:lnSpc>
-                <a:spcPct val="100000"/>
-              </a:lnSpc>
-              <a:buNone/>
-            </a:pPr>
-            <a:r>
-              <a:rPr lang="ja-JP" altLang="en-US" sz="3200" dirty="0"/>
-              <a:t>ローカルは自分の</a:t>
-            </a:r>
-            <a:r>
-              <a:rPr lang="en-US" altLang="ja-JP" sz="3200" dirty="0"/>
-              <a:t>PC</a:t>
-            </a:r>
-            <a:r>
-              <a:rPr lang="ja-JP" altLang="en-US" sz="3200" dirty="0"/>
-              <a:t>に保管しているものを指します。</a:t>
-            </a:r>
-            <a:endParaRPr lang="en-US" altLang="ja-JP" sz="3200" dirty="0"/>
-          </a:p>
-          <a:p>
-            <a:pPr marL="0" indent="0">
-              <a:lnSpc>
-                <a:spcPct val="100000"/>
-              </a:lnSpc>
-              <a:buNone/>
-            </a:pPr>
-            <a:r>
-              <a:rPr lang="ja-JP" altLang="en-US" sz="3200" dirty="0"/>
-              <a:t>これを編集していきます。</a:t>
-            </a:r>
-            <a:endParaRPr lang="en-US" altLang="ja-JP" sz="3200" dirty="0"/>
-          </a:p>
-          <a:p>
-            <a:pPr marL="0" indent="0">
-              <a:lnSpc>
-                <a:spcPct val="100000"/>
-              </a:lnSpc>
-              <a:buNone/>
-            </a:pPr>
-            <a:r>
-              <a:rPr lang="ja-JP" altLang="en-US" sz="3200" dirty="0"/>
-              <a:t>リモートはネット上にアップしてあるものです。</a:t>
-            </a:r>
-            <a:endParaRPr lang="en-US" altLang="ja-JP" sz="3200" dirty="0"/>
-          </a:p>
-          <a:p>
-            <a:pPr marL="0" indent="0">
-              <a:lnSpc>
-                <a:spcPct val="100000"/>
-              </a:lnSpc>
-              <a:buNone/>
-            </a:pPr>
-            <a:r>
-              <a:rPr lang="ja-JP" altLang="en-US" sz="3200" dirty="0"/>
-              <a:t>ローカルのデータをアップして、内容を更新します。</a:t>
-            </a:r>
-            <a:endParaRPr lang="en-US" altLang="ja-JP" sz="3200" dirty="0"/>
+              <a:rPr lang="ja-JP" altLang="en-US" dirty="0"/>
+              <a:t>ローカルのリポジトリを作ることをクローンといいます。</a:t>
+            </a:r>
+            <a:endParaRPr lang="en-US" altLang="ja-JP" dirty="0"/>
           </a:p>
         </p:txBody>
       </p:sp>
     </p:spTree>
     <p:extLst>
       <p:ext uri="{BB962C8B-B14F-4D97-AF65-F5344CB8AC3E}">
-        <p14:creationId xmlns:p14="http://schemas.microsoft.com/office/powerpoint/2010/main" val="3566682538"/>
+        <p14:creationId xmlns:p14="http://schemas.microsoft.com/office/powerpoint/2010/main" val="1240419068"/>
       </p:ext>
     </p:extLst>
   </p:cSld>
@@ -8741,7 +10082,7 @@
 </p:sld>
 </file>
 
-<file path=ppt/slides/slide13.xml><?xml version="1.0" encoding="utf-8"?>
+<file path=ppt/slides/slide17.xml><?xml version="1.0" encoding="utf-8"?>
 <p:sld xmlns:a="http://schemas.openxmlformats.org/drawingml/2006/main" xmlns:r="http://schemas.openxmlformats.org/officeDocument/2006/relationships" xmlns:p="http://schemas.openxmlformats.org/presentationml/2006/main">
   <p:cSld>
     <p:spTree>
@@ -8780,10 +10121,9 @@
           <a:lstStyle/>
           <a:p>
             <a:r>
-              <a:rPr lang="ja-JP" altLang="en-US" dirty="0"/>
-              <a:t>クローン</a:t>
-            </a:r>
-            <a:endParaRPr kumimoji="1" lang="ja-JP" altLang="en-US" dirty="0"/>
+              <a:rPr kumimoji="1" lang="ja-JP" altLang="en-US" dirty="0"/>
+              <a:t>コミット</a:t>
+            </a:r>
           </a:p>
         </p:txBody>
       </p:sp>
@@ -8823,7 +10163,7 @@
             </a:pPr>
             <a:r>
               <a:rPr kumimoji="1" lang="ja-JP" altLang="en-US" dirty="0"/>
-              <a:t>リモートのリポジトリをコピーしてきて、</a:t>
+              <a:t>ローカルで変更を加えるときは</a:t>
             </a:r>
             <a:endParaRPr kumimoji="1" lang="en-US" altLang="ja-JP" dirty="0"/>
           </a:p>
@@ -8836,16 +10176,42 @@
             </a:pPr>
             <a:r>
               <a:rPr lang="ja-JP" altLang="en-US" dirty="0"/>
-              <a:t>ローカルのリポジトリを作ることをクローンといいます。</a:t>
+              <a:t>１．ファイルの内容を変更する</a:t>
             </a:r>
             <a:endParaRPr lang="en-US" altLang="ja-JP" dirty="0"/>
+          </a:p>
+          <a:p>
+            <a:pPr marL="0" indent="0">
+              <a:lnSpc>
+                <a:spcPct val="150000"/>
+              </a:lnSpc>
+              <a:buNone/>
+            </a:pPr>
+            <a:r>
+              <a:rPr kumimoji="1" lang="ja-JP" altLang="en-US" dirty="0"/>
+              <a:t>２．その変更をコミットする（確定させる）</a:t>
+            </a:r>
+            <a:endParaRPr kumimoji="1" lang="en-US" altLang="ja-JP" dirty="0"/>
+          </a:p>
+          <a:p>
+            <a:pPr marL="0" indent="0">
+              <a:lnSpc>
+                <a:spcPct val="150000"/>
+              </a:lnSpc>
+              <a:buNone/>
+            </a:pPr>
+            <a:r>
+              <a:rPr lang="ja-JP" altLang="en-US" dirty="0"/>
+              <a:t>という２段階で変更します。</a:t>
+            </a:r>
+            <a:endParaRPr kumimoji="1" lang="en-US" altLang="ja-JP" dirty="0"/>
           </a:p>
         </p:txBody>
       </p:sp>
     </p:spTree>
     <p:extLst>
       <p:ext uri="{BB962C8B-B14F-4D97-AF65-F5344CB8AC3E}">
-        <p14:creationId xmlns:p14="http://schemas.microsoft.com/office/powerpoint/2010/main" val="1240419068"/>
+        <p14:creationId xmlns:p14="http://schemas.microsoft.com/office/powerpoint/2010/main" val="1089258036"/>
       </p:ext>
     </p:extLst>
   </p:cSld>
@@ -8855,7 +10221,7 @@
 </p:sld>
 </file>
 
-<file path=ppt/slides/slide14.xml><?xml version="1.0" encoding="utf-8"?>
+<file path=ppt/slides/slide18.xml><?xml version="1.0" encoding="utf-8"?>
 <p:sld xmlns:a="http://schemas.openxmlformats.org/drawingml/2006/main" xmlns:r="http://schemas.openxmlformats.org/officeDocument/2006/relationships" xmlns:p="http://schemas.openxmlformats.org/presentationml/2006/main">
   <p:cSld>
     <p:spTree>
@@ -8895,7 +10261,7 @@
           <a:p>
             <a:r>
               <a:rPr kumimoji="1" lang="ja-JP" altLang="en-US" dirty="0"/>
-              <a:t>コミット</a:t>
+              <a:t>プッシュ／プル</a:t>
             </a:r>
           </a:p>
         </p:txBody>
@@ -8919,7 +10285,7 @@
         <p:spPr>
           <a:xfrm>
             <a:off x="571500" y="1376218"/>
-            <a:ext cx="11049000" cy="4844967"/>
+            <a:ext cx="11049000" cy="1777117"/>
           </a:xfrm>
         </p:spPr>
         <p:txBody>
@@ -8928,63 +10294,39 @@
           </a:bodyPr>
           <a:lstStyle/>
           <a:p>
-            <a:pPr marL="0" indent="0">
+            <a:pPr>
               <a:lnSpc>
                 <a:spcPct val="150000"/>
               </a:lnSpc>
-              <a:buNone/>
+              <a:buFont typeface="Arial" panose="020B0604020202020204" pitchFamily="34" charset="0"/>
+              <a:buChar char="•"/>
             </a:pPr>
             <a:r>
-              <a:rPr kumimoji="1" lang="ja-JP" altLang="en-US" dirty="0"/>
-              <a:t>ローカルで変更を加えるときは</a:t>
-            </a:r>
-            <a:endParaRPr kumimoji="1" lang="en-US" altLang="ja-JP" dirty="0"/>
-          </a:p>
-          <a:p>
-            <a:pPr marL="0" indent="0">
+              <a:rPr kumimoji="1" lang="ja-JP" altLang="en-US" sz="3200" dirty="0"/>
+              <a:t>自分の行った変更をリモートにアップするのがプッシュ</a:t>
+            </a:r>
+            <a:endParaRPr kumimoji="1" lang="en-US" altLang="ja-JP" sz="3200" dirty="0"/>
+          </a:p>
+          <a:p>
+            <a:pPr>
               <a:lnSpc>
                 <a:spcPct val="150000"/>
               </a:lnSpc>
-              <a:buNone/>
+              <a:buFont typeface="Arial" panose="020B0604020202020204" pitchFamily="34" charset="0"/>
+              <a:buChar char="•"/>
             </a:pPr>
             <a:r>
-              <a:rPr lang="ja-JP" altLang="en-US" dirty="0"/>
-              <a:t>１．ファイルの内容を変更する</a:t>
-            </a:r>
-            <a:endParaRPr lang="en-US" altLang="ja-JP" dirty="0"/>
-          </a:p>
-          <a:p>
-            <a:pPr marL="0" indent="0">
-              <a:lnSpc>
-                <a:spcPct val="150000"/>
-              </a:lnSpc>
-              <a:buNone/>
-            </a:pPr>
-            <a:r>
-              <a:rPr kumimoji="1" lang="ja-JP" altLang="en-US" dirty="0"/>
-              <a:t>２．その変更をコミットする（確定させる）</a:t>
-            </a:r>
-            <a:endParaRPr kumimoji="1" lang="en-US" altLang="ja-JP" dirty="0"/>
-          </a:p>
-          <a:p>
-            <a:pPr marL="0" indent="0">
-              <a:lnSpc>
-                <a:spcPct val="150000"/>
-              </a:lnSpc>
-              <a:buNone/>
-            </a:pPr>
-            <a:r>
-              <a:rPr lang="ja-JP" altLang="en-US" dirty="0"/>
-              <a:t>という２段階で変更します。</a:t>
-            </a:r>
-            <a:endParaRPr kumimoji="1" lang="en-US" altLang="ja-JP" dirty="0"/>
+              <a:rPr kumimoji="1" lang="ja-JP" altLang="en-US" sz="3200" dirty="0"/>
+              <a:t>他の人が変更した内容をダウンロードするのがプル</a:t>
+            </a:r>
+            <a:endParaRPr kumimoji="1" lang="en-US" altLang="ja-JP" sz="3200" dirty="0"/>
           </a:p>
         </p:txBody>
       </p:sp>
     </p:spTree>
     <p:extLst>
       <p:ext uri="{BB962C8B-B14F-4D97-AF65-F5344CB8AC3E}">
-        <p14:creationId xmlns:p14="http://schemas.microsoft.com/office/powerpoint/2010/main" val="1089258036"/>
+        <p14:creationId xmlns:p14="http://schemas.microsoft.com/office/powerpoint/2010/main" val="312477690"/>
       </p:ext>
     </p:extLst>
   </p:cSld>
@@ -8994,7 +10336,7 @@
 </p:sld>
 </file>
 
-<file path=ppt/slides/slide15.xml><?xml version="1.0" encoding="utf-8"?>
+<file path=ppt/slides/slide19.xml><?xml version="1.0" encoding="utf-8"?>
 <p:sld xmlns:a="http://schemas.openxmlformats.org/drawingml/2006/main" xmlns:r="http://schemas.openxmlformats.org/officeDocument/2006/relationships" xmlns:p="http://schemas.openxmlformats.org/presentationml/2006/main">
   <p:cSld>
     <p:spTree>
@@ -9013,10 +10355,59 @@
       </p:grpSpPr>
       <p:sp>
         <p:nvSpPr>
-          <p:cNvPr id="2" name="タイトル 1">
+          <p:cNvPr id="11" name="正方形/長方形 10">
             <a:extLst>
               <a:ext uri="{FF2B5EF4-FFF2-40B4-BE49-F238E27FC236}">
-                <a16:creationId xmlns:a16="http://schemas.microsoft.com/office/drawing/2014/main" id="{679B1F19-EA37-6319-E74D-3884CF7D7061}"/>
+                <a16:creationId xmlns:a16="http://schemas.microsoft.com/office/drawing/2014/main" id="{1285EFFE-5514-138C-91D6-9278F46A30A9}"/>
+              </a:ext>
+            </a:extLst>
+          </p:cNvPr>
+          <p:cNvSpPr/>
+          <p:nvPr/>
+        </p:nvSpPr>
+        <p:spPr>
+          <a:xfrm>
+            <a:off x="0" y="3381082"/>
+            <a:ext cx="12192000" cy="87482"/>
+          </a:xfrm>
+          <a:prstGeom prst="rect">
+            <a:avLst/>
+          </a:prstGeom>
+          <a:ln>
+            <a:noFill/>
+          </a:ln>
+        </p:spPr>
+        <p:style>
+          <a:lnRef idx="2">
+            <a:schemeClr val="accent1">
+              <a:shade val="15000"/>
+            </a:schemeClr>
+          </a:lnRef>
+          <a:fillRef idx="1">
+            <a:schemeClr val="accent1"/>
+          </a:fillRef>
+          <a:effectRef idx="0">
+            <a:schemeClr val="accent1"/>
+          </a:effectRef>
+          <a:fontRef idx="minor">
+            <a:schemeClr val="lt1"/>
+          </a:fontRef>
+        </p:style>
+        <p:txBody>
+          <a:bodyPr rtlCol="0" anchor="ctr"/>
+          <a:lstStyle/>
+          <a:p>
+            <a:pPr algn="ctr"/>
+            <a:endParaRPr kumimoji="1" lang="ja-JP" altLang="en-US" dirty="0"/>
+          </a:p>
+        </p:txBody>
+      </p:sp>
+      <p:sp>
+        <p:nvSpPr>
+          <p:cNvPr id="4" name="タイトル 3">
+            <a:extLst>
+              <a:ext uri="{FF2B5EF4-FFF2-40B4-BE49-F238E27FC236}">
+                <a16:creationId xmlns:a16="http://schemas.microsoft.com/office/drawing/2014/main" id="{9696FD56-A136-8319-D86C-0569605E49F0}"/>
               </a:ext>
             </a:extLst>
           </p:cNvPr>
@@ -9027,133 +10418,201 @@
             <p:ph type="title"/>
           </p:nvPr>
         </p:nvSpPr>
-        <p:spPr/>
+        <p:spPr>
+          <a:xfrm>
+            <a:off x="2155077" y="1983283"/>
+            <a:ext cx="7881845" cy="1107417"/>
+          </a:xfrm>
+          <a:noFill/>
+        </p:spPr>
         <p:txBody>
           <a:bodyPr/>
           <a:lstStyle/>
           <a:p>
-            <a:r>
-              <a:rPr kumimoji="1" lang="ja-JP" altLang="en-US" dirty="0"/>
-              <a:t>プッシュ／プル</a:t>
+            <a:pPr algn="ctr"/>
+            <a:r>
+              <a:rPr lang="ja-JP" altLang="en-US" dirty="0">
+                <a:latin typeface="游ゴシック" panose="020B0400000000000000" pitchFamily="50" charset="-128"/>
+                <a:ea typeface="游ゴシック" panose="020B0400000000000000" pitchFamily="50" charset="-128"/>
+              </a:rPr>
+              <a:t>実際に操作する</a:t>
             </a:r>
           </a:p>
         </p:txBody>
       </p:sp>
-      <p:sp>
-        <p:nvSpPr>
-          <p:cNvPr id="4" name="コンテンツ プレースホルダー 2">
+      <p:grpSp>
+        <p:nvGrpSpPr>
+          <p:cNvPr id="7" name="グループ化 6">
             <a:extLst>
               <a:ext uri="{FF2B5EF4-FFF2-40B4-BE49-F238E27FC236}">
-                <a16:creationId xmlns:a16="http://schemas.microsoft.com/office/drawing/2014/main" id="{81E22F13-F9BA-6547-7B98-D5E042138C96}"/>
+                <a16:creationId xmlns:a16="http://schemas.microsoft.com/office/drawing/2014/main" id="{663DE046-33B6-E249-2D96-B13A95C66780}"/>
               </a:ext>
             </a:extLst>
           </p:cNvPr>
-          <p:cNvSpPr>
-            <a:spLocks noGrp="1"/>
-          </p:cNvSpPr>
-          <p:nvPr>
-            <p:ph idx="1"/>
-          </p:nvPr>
-        </p:nvSpPr>
-        <p:spPr>
+          <p:cNvGrpSpPr/>
+          <p:nvPr/>
+        </p:nvGrpSpPr>
+        <p:grpSpPr>
           <a:xfrm>
-            <a:off x="571500" y="1376218"/>
-            <a:ext cx="11049000" cy="4844967"/>
+            <a:off x="5381368" y="5657770"/>
+            <a:ext cx="6560261" cy="1171641"/>
+            <a:chOff x="2118910" y="5265603"/>
+            <a:chExt cx="8083405" cy="1443669"/>
           </a:xfrm>
-        </p:spPr>
-        <p:txBody>
-          <a:bodyPr>
-            <a:noAutofit/>
-          </a:bodyPr>
-          <a:lstStyle/>
-          <a:p>
-            <a:pPr marL="0" indent="0">
-              <a:lnSpc>
-                <a:spcPct val="150000"/>
-              </a:lnSpc>
-              <a:buNone/>
-            </a:pPr>
-            <a:r>
-              <a:rPr kumimoji="1" lang="ja-JP" altLang="en-US" sz="3200" dirty="0"/>
-              <a:t>以下の項目について説明していきます。</a:t>
-            </a:r>
-            <a:endParaRPr kumimoji="1" lang="en-US" altLang="ja-JP" sz="3200" dirty="0"/>
-          </a:p>
-        </p:txBody>
-      </p:sp>
+        </p:grpSpPr>
+        <p:pic>
+          <p:nvPicPr>
+            <p:cNvPr id="8" name="Picture 2" descr="Git Logo - símbolo, significado logotipo, historia, PNG">
+              <a:extLst>
+                <a:ext uri="{FF2B5EF4-FFF2-40B4-BE49-F238E27FC236}">
+                  <a16:creationId xmlns:a16="http://schemas.microsoft.com/office/drawing/2014/main" id="{B5712062-420E-C422-F78E-837D7DFC9FBD}"/>
+                </a:ext>
+              </a:extLst>
+            </p:cNvPr>
+            <p:cNvPicPr>
+              <a:picLocks noChangeAspect="1" noChangeArrowheads="1"/>
+            </p:cNvPicPr>
+            <p:nvPr/>
+          </p:nvPicPr>
+          <p:blipFill>
+            <a:blip r:embed="rId2">
+              <a:extLst>
+                <a:ext uri="{28A0092B-C50C-407E-A947-70E740481C1C}">
+                  <a14:useLocalDpi xmlns:a14="http://schemas.microsoft.com/office/drawing/2010/main" val="0"/>
+                </a:ext>
+              </a:extLst>
+            </a:blip>
+            <a:srcRect/>
+            <a:stretch>
+              <a:fillRect/>
+            </a:stretch>
+          </p:blipFill>
+          <p:spPr bwMode="auto">
+            <a:xfrm>
+              <a:off x="2118910" y="5265603"/>
+              <a:ext cx="2309870" cy="1443669"/>
+            </a:xfrm>
+            <a:prstGeom prst="rect">
+              <a:avLst/>
+            </a:prstGeom>
+            <a:noFill/>
+            <a:extLst>
+              <a:ext uri="{909E8E84-426E-40DD-AFC4-6F175D3DCCD1}">
+                <a14:hiddenFill xmlns:a14="http://schemas.microsoft.com/office/drawing/2010/main">
+                  <a:solidFill>
+                    <a:srgbClr val="FFFFFF"/>
+                  </a:solidFill>
+                </a14:hiddenFill>
+              </a:ext>
+            </a:extLst>
+          </p:spPr>
+        </p:pic>
+        <p:pic>
+          <p:nvPicPr>
+            <p:cNvPr id="9" name="Picture 4" descr="SourceTree: einfache Versionsverwaltung - was hinter dem Git- und ...">
+              <a:extLst>
+                <a:ext uri="{FF2B5EF4-FFF2-40B4-BE49-F238E27FC236}">
+                  <a16:creationId xmlns:a16="http://schemas.microsoft.com/office/drawing/2014/main" id="{B6EA514E-2C76-0584-3549-36C265EC8AB5}"/>
+                </a:ext>
+              </a:extLst>
+            </p:cNvPr>
+            <p:cNvPicPr>
+              <a:picLocks noChangeAspect="1" noChangeArrowheads="1"/>
+            </p:cNvPicPr>
+            <p:nvPr/>
+          </p:nvPicPr>
+          <p:blipFill>
+            <a:blip r:embed="rId3">
+              <a:extLst>
+                <a:ext uri="{28A0092B-C50C-407E-A947-70E740481C1C}">
+                  <a14:useLocalDpi xmlns:a14="http://schemas.microsoft.com/office/drawing/2010/main" val="0"/>
+                </a:ext>
+              </a:extLst>
+            </a:blip>
+            <a:srcRect/>
+            <a:stretch>
+              <a:fillRect/>
+            </a:stretch>
+          </p:blipFill>
+          <p:spPr bwMode="auto">
+            <a:xfrm>
+              <a:off x="5409059" y="5568027"/>
+              <a:ext cx="4793256" cy="838820"/>
+            </a:xfrm>
+            <a:prstGeom prst="rect">
+              <a:avLst/>
+            </a:prstGeom>
+            <a:noFill/>
+            <a:extLst>
+              <a:ext uri="{909E8E84-426E-40DD-AFC4-6F175D3DCCD1}">
+                <a14:hiddenFill xmlns:a14="http://schemas.microsoft.com/office/drawing/2010/main">
+                  <a:solidFill>
+                    <a:srgbClr val="FFFFFF"/>
+                  </a:solidFill>
+                </a14:hiddenFill>
+              </a:ext>
+            </a:extLst>
+          </p:spPr>
+        </p:pic>
+        <p:sp>
+          <p:nvSpPr>
+            <p:cNvPr id="10" name="テキスト ボックス 9">
+              <a:extLst>
+                <a:ext uri="{FF2B5EF4-FFF2-40B4-BE49-F238E27FC236}">
+                  <a16:creationId xmlns:a16="http://schemas.microsoft.com/office/drawing/2014/main" id="{B2371AEE-3D4A-D56F-B7D0-1F2682376F5B}"/>
+                </a:ext>
+              </a:extLst>
+            </p:cNvPr>
+            <p:cNvSpPr txBox="1"/>
+            <p:nvPr/>
+          </p:nvSpPr>
+          <p:spPr>
+            <a:xfrm>
+              <a:off x="4544459" y="5602716"/>
+              <a:ext cx="748924" cy="796394"/>
+            </a:xfrm>
+            <a:prstGeom prst="rect">
+              <a:avLst/>
+            </a:prstGeom>
+            <a:solidFill>
+              <a:schemeClr val="bg1"/>
+            </a:solidFill>
+          </p:spPr>
+          <p:txBody>
+            <a:bodyPr wrap="square" rtlCol="0">
+              <a:spAutoFit/>
+            </a:bodyPr>
+            <a:lstStyle/>
+            <a:p>
+              <a:r>
+                <a:rPr kumimoji="1" lang="en-US" altLang="ja-JP" sz="3600" b="1" dirty="0">
+                  <a:solidFill>
+                    <a:schemeClr val="bg1">
+                      <a:lumMod val="50000"/>
+                    </a:schemeClr>
+                  </a:solidFill>
+                  <a:latin typeface="Noto Sans JP Black" panose="020B0200000000000000" pitchFamily="50" charset="-128"/>
+                  <a:ea typeface="Noto Sans JP Black" panose="020B0200000000000000" pitchFamily="50" charset="-128"/>
+                </a:rPr>
+                <a:t>×</a:t>
+              </a:r>
+              <a:endParaRPr kumimoji="1" lang="ja-JP" altLang="en-US" sz="3600" b="1" dirty="0">
+                <a:solidFill>
+                  <a:schemeClr val="bg1">
+                    <a:lumMod val="50000"/>
+                  </a:schemeClr>
+                </a:solidFill>
+                <a:latin typeface="Noto Sans JP Black" panose="020B0200000000000000" pitchFamily="50" charset="-128"/>
+                <a:ea typeface="Noto Sans JP Black" panose="020B0200000000000000" pitchFamily="50" charset="-128"/>
+              </a:endParaRPr>
+            </a:p>
+          </p:txBody>
+        </p:sp>
+      </p:grpSp>
     </p:spTree>
     <p:extLst>
       <p:ext uri="{BB962C8B-B14F-4D97-AF65-F5344CB8AC3E}">
-        <p14:creationId xmlns:p14="http://schemas.microsoft.com/office/powerpoint/2010/main" val="312477690"/>
-      </p:ext>
-    </p:extLst>
-  </p:cSld>
-  <p:clrMapOvr>
-    <a:masterClrMapping/>
-  </p:clrMapOvr>
-</p:sld>
-</file>
-
-<file path=ppt/slides/slide16.xml><?xml version="1.0" encoding="utf-8"?>
-<p:sld xmlns:a="http://schemas.openxmlformats.org/drawingml/2006/main" xmlns:r="http://schemas.openxmlformats.org/officeDocument/2006/relationships" xmlns:p="http://schemas.openxmlformats.org/presentationml/2006/main">
-  <p:cSld>
-    <p:spTree>
-      <p:nvGrpSpPr>
-        <p:cNvPr id="1" name=""/>
-        <p:cNvGrpSpPr/>
-        <p:nvPr/>
-      </p:nvGrpSpPr>
-      <p:grpSpPr>
-        <a:xfrm>
-          <a:off x="0" y="0"/>
-          <a:ext cx="0" cy="0"/>
-          <a:chOff x="0" y="0"/>
-          <a:chExt cx="0" cy="0"/>
-        </a:xfrm>
-      </p:grpSpPr>
-      <p:sp>
-        <p:nvSpPr>
-          <p:cNvPr id="3" name="コンテンツ プレースホルダー 2">
-            <a:extLst>
-              <a:ext uri="{FF2B5EF4-FFF2-40B4-BE49-F238E27FC236}">
-                <a16:creationId xmlns:a16="http://schemas.microsoft.com/office/drawing/2014/main" id="{7CC22780-5062-2994-BF8C-AABD73FBBCF9}"/>
-              </a:ext>
-            </a:extLst>
-          </p:cNvPr>
-          <p:cNvSpPr>
-            <a:spLocks noGrp="1"/>
-          </p:cNvSpPr>
-          <p:nvPr>
-            <p:ph idx="1"/>
-          </p:nvPr>
-        </p:nvSpPr>
-        <p:spPr>
-          <a:xfrm>
-            <a:off x="7529450" y="6111340"/>
-            <a:ext cx="4335979" cy="536719"/>
-          </a:xfrm>
-        </p:spPr>
-        <p:txBody>
-          <a:bodyPr>
-            <a:normAutofit fontScale="77500" lnSpcReduction="20000"/>
-          </a:bodyPr>
-          <a:lstStyle/>
-          <a:p>
-            <a:pPr marL="0" indent="0">
-              <a:buNone/>
-            </a:pPr>
-            <a:r>
-              <a:rPr lang="ja-JP" altLang="en-US" dirty="0"/>
-              <a:t>ご清聴ありがとうございました。</a:t>
-            </a:r>
-            <a:endParaRPr lang="en-US" altLang="ja-JP" dirty="0"/>
-          </a:p>
-        </p:txBody>
-      </p:sp>
-    </p:spTree>
-    <p:extLst>
-      <p:ext uri="{BB962C8B-B14F-4D97-AF65-F5344CB8AC3E}">
-        <p14:creationId xmlns:p14="http://schemas.microsoft.com/office/powerpoint/2010/main" val="827925618"/>
+        <p14:creationId xmlns:p14="http://schemas.microsoft.com/office/powerpoint/2010/main" val="1590978194"/>
       </p:ext>
     </p:extLst>
   </p:cSld>
@@ -9505,6 +10964,75 @@
 </p:sld>
 </file>
 
+<file path=ppt/slides/slide20.xml><?xml version="1.0" encoding="utf-8"?>
+<p:sld xmlns:a="http://schemas.openxmlformats.org/drawingml/2006/main" xmlns:r="http://schemas.openxmlformats.org/officeDocument/2006/relationships" xmlns:p="http://schemas.openxmlformats.org/presentationml/2006/main">
+  <p:cSld>
+    <p:spTree>
+      <p:nvGrpSpPr>
+        <p:cNvPr id="1" name=""/>
+        <p:cNvGrpSpPr/>
+        <p:nvPr/>
+      </p:nvGrpSpPr>
+      <p:grpSpPr>
+        <a:xfrm>
+          <a:off x="0" y="0"/>
+          <a:ext cx="0" cy="0"/>
+          <a:chOff x="0" y="0"/>
+          <a:chExt cx="0" cy="0"/>
+        </a:xfrm>
+      </p:grpSpPr>
+      <p:sp>
+        <p:nvSpPr>
+          <p:cNvPr id="3" name="コンテンツ プレースホルダー 2">
+            <a:extLst>
+              <a:ext uri="{FF2B5EF4-FFF2-40B4-BE49-F238E27FC236}">
+                <a16:creationId xmlns:a16="http://schemas.microsoft.com/office/drawing/2014/main" id="{7CC22780-5062-2994-BF8C-AABD73FBBCF9}"/>
+              </a:ext>
+            </a:extLst>
+          </p:cNvPr>
+          <p:cNvSpPr>
+            <a:spLocks noGrp="1"/>
+          </p:cNvSpPr>
+          <p:nvPr>
+            <p:ph idx="1"/>
+          </p:nvPr>
+        </p:nvSpPr>
+        <p:spPr>
+          <a:xfrm>
+            <a:off x="7529450" y="6111340"/>
+            <a:ext cx="4335979" cy="536719"/>
+          </a:xfrm>
+        </p:spPr>
+        <p:txBody>
+          <a:bodyPr>
+            <a:normAutofit fontScale="77500" lnSpcReduction="20000"/>
+          </a:bodyPr>
+          <a:lstStyle/>
+          <a:p>
+            <a:pPr marL="0" indent="0">
+              <a:buNone/>
+            </a:pPr>
+            <a:r>
+              <a:rPr lang="ja-JP" altLang="en-US" dirty="0"/>
+              <a:t>ご清聴ありがとうございました。</a:t>
+            </a:r>
+            <a:endParaRPr lang="en-US" altLang="ja-JP" dirty="0"/>
+          </a:p>
+        </p:txBody>
+      </p:sp>
+    </p:spTree>
+    <p:extLst>
+      <p:ext uri="{BB962C8B-B14F-4D97-AF65-F5344CB8AC3E}">
+        <p14:creationId xmlns:p14="http://schemas.microsoft.com/office/powerpoint/2010/main" val="827925618"/>
+      </p:ext>
+    </p:extLst>
+  </p:cSld>
+  <p:clrMapOvr>
+    <a:masterClrMapping/>
+  </p:clrMapOvr>
+</p:sld>
+</file>
+
 <file path=ppt/slides/slide3.xml><?xml version="1.0" encoding="utf-8"?>
 <p:sld xmlns:a="http://schemas.openxmlformats.org/drawingml/2006/main" xmlns:r="http://schemas.openxmlformats.org/officeDocument/2006/relationships" xmlns:p="http://schemas.openxmlformats.org/presentationml/2006/main">
   <p:cSld>
@@ -9524,10 +11052,59 @@
       </p:grpSpPr>
       <p:sp>
         <p:nvSpPr>
-          <p:cNvPr id="2" name="タイトル 1">
+          <p:cNvPr id="11" name="正方形/長方形 10">
             <a:extLst>
               <a:ext uri="{FF2B5EF4-FFF2-40B4-BE49-F238E27FC236}">
-                <a16:creationId xmlns:a16="http://schemas.microsoft.com/office/drawing/2014/main" id="{679B1F19-EA37-6319-E74D-3884CF7D7061}"/>
+                <a16:creationId xmlns:a16="http://schemas.microsoft.com/office/drawing/2014/main" id="{1285EFFE-5514-138C-91D6-9278F46A30A9}"/>
+              </a:ext>
+            </a:extLst>
+          </p:cNvPr>
+          <p:cNvSpPr/>
+          <p:nvPr/>
+        </p:nvSpPr>
+        <p:spPr>
+          <a:xfrm>
+            <a:off x="0" y="3381082"/>
+            <a:ext cx="12192000" cy="87482"/>
+          </a:xfrm>
+          <a:prstGeom prst="rect">
+            <a:avLst/>
+          </a:prstGeom>
+          <a:ln>
+            <a:noFill/>
+          </a:ln>
+        </p:spPr>
+        <p:style>
+          <a:lnRef idx="2">
+            <a:schemeClr val="accent1">
+              <a:shade val="15000"/>
+            </a:schemeClr>
+          </a:lnRef>
+          <a:fillRef idx="1">
+            <a:schemeClr val="accent1"/>
+          </a:fillRef>
+          <a:effectRef idx="0">
+            <a:schemeClr val="accent1"/>
+          </a:effectRef>
+          <a:fontRef idx="minor">
+            <a:schemeClr val="lt1"/>
+          </a:fontRef>
+        </p:style>
+        <p:txBody>
+          <a:bodyPr rtlCol="0" anchor="ctr"/>
+          <a:lstStyle/>
+          <a:p>
+            <a:pPr algn="ctr"/>
+            <a:endParaRPr kumimoji="1" lang="ja-JP" altLang="en-US" dirty="0"/>
+          </a:p>
+        </p:txBody>
+      </p:sp>
+      <p:sp>
+        <p:nvSpPr>
+          <p:cNvPr id="4" name="タイトル 3">
+            <a:extLst>
+              <a:ext uri="{FF2B5EF4-FFF2-40B4-BE49-F238E27FC236}">
+                <a16:creationId xmlns:a16="http://schemas.microsoft.com/office/drawing/2014/main" id="{9696FD56-A136-8319-D86C-0569605E49F0}"/>
               </a:ext>
             </a:extLst>
           </p:cNvPr>
@@ -9538,82 +11115,208 @@
             <p:ph type="title"/>
           </p:nvPr>
         </p:nvSpPr>
-        <p:spPr/>
+        <p:spPr>
+          <a:xfrm>
+            <a:off x="2155077" y="1983283"/>
+            <a:ext cx="7881845" cy="1107417"/>
+          </a:xfrm>
+          <a:noFill/>
+        </p:spPr>
         <p:txBody>
           <a:bodyPr/>
           <a:lstStyle/>
           <a:p>
-            <a:r>
-              <a:rPr kumimoji="1" lang="en-US" altLang="ja-JP" dirty="0"/>
+            <a:pPr algn="ctr"/>
+            <a:r>
+              <a:rPr lang="en-US" altLang="ja-JP" dirty="0">
+                <a:latin typeface="游ゴシック" panose="020B0400000000000000" pitchFamily="50" charset="-128"/>
+                <a:ea typeface="游ゴシック" panose="020B0400000000000000" pitchFamily="50" charset="-128"/>
+              </a:rPr>
               <a:t>Git</a:t>
             </a:r>
             <a:r>
-              <a:rPr kumimoji="1" lang="ja-JP" altLang="en-US" dirty="0"/>
-              <a:t>とは？</a:t>
+              <a:rPr lang="ja-JP" altLang="en-US" dirty="0">
+                <a:latin typeface="游ゴシック" panose="020B0400000000000000" pitchFamily="50" charset="-128"/>
+                <a:ea typeface="游ゴシック" panose="020B0400000000000000" pitchFamily="50" charset="-128"/>
+              </a:rPr>
+              <a:t>とは</a:t>
             </a:r>
           </a:p>
         </p:txBody>
       </p:sp>
-      <p:sp>
-        <p:nvSpPr>
-          <p:cNvPr id="4" name="コンテンツ プレースホルダー 2">
+      <p:grpSp>
+        <p:nvGrpSpPr>
+          <p:cNvPr id="7" name="グループ化 6">
             <a:extLst>
               <a:ext uri="{FF2B5EF4-FFF2-40B4-BE49-F238E27FC236}">
-                <a16:creationId xmlns:a16="http://schemas.microsoft.com/office/drawing/2014/main" id="{81E22F13-F9BA-6547-7B98-D5E042138C96}"/>
+                <a16:creationId xmlns:a16="http://schemas.microsoft.com/office/drawing/2014/main" id="{663DE046-33B6-E249-2D96-B13A95C66780}"/>
               </a:ext>
             </a:extLst>
           </p:cNvPr>
-          <p:cNvSpPr>
-            <a:spLocks noGrp="1"/>
-          </p:cNvSpPr>
-          <p:nvPr>
-            <p:ph idx="1"/>
-          </p:nvPr>
-        </p:nvSpPr>
-        <p:spPr>
+          <p:cNvGrpSpPr/>
+          <p:nvPr/>
+        </p:nvGrpSpPr>
+        <p:grpSpPr>
           <a:xfrm>
-            <a:off x="845127" y="1376219"/>
-            <a:ext cx="10685726" cy="2530152"/>
+            <a:off x="5381368" y="5657770"/>
+            <a:ext cx="6560261" cy="1171641"/>
+            <a:chOff x="2118910" y="5265603"/>
+            <a:chExt cx="8083405" cy="1443669"/>
           </a:xfrm>
-        </p:spPr>
-        <p:txBody>
-          <a:bodyPr>
-            <a:noAutofit/>
-          </a:bodyPr>
-          <a:lstStyle/>
-          <a:p>
-            <a:pPr>
-              <a:lnSpc>
-                <a:spcPct val="150000"/>
-              </a:lnSpc>
-            </a:pPr>
-            <a:r>
-              <a:rPr kumimoji="1" lang="en-US" altLang="ja-JP" dirty="0"/>
-              <a:t>Git</a:t>
-            </a:r>
-            <a:r>
-              <a:rPr kumimoji="1" lang="ja-JP" altLang="en-US" dirty="0"/>
-              <a:t>はバージョン管理ソフトです。</a:t>
-            </a:r>
-            <a:endParaRPr kumimoji="1" lang="en-US" altLang="ja-JP" dirty="0"/>
-          </a:p>
-          <a:p>
-            <a:pPr>
-              <a:lnSpc>
-                <a:spcPct val="150000"/>
-              </a:lnSpc>
-            </a:pPr>
-            <a:r>
-              <a:rPr kumimoji="1" lang="ja-JP" altLang="en-US" dirty="0"/>
-              <a:t>バージョン管理とは、ファイルやフォルダの変更履歴と内容を保存して整理することです。</a:t>
-            </a:r>
-          </a:p>
-        </p:txBody>
-      </p:sp>
+        </p:grpSpPr>
+        <p:pic>
+          <p:nvPicPr>
+            <p:cNvPr id="8" name="Picture 2" descr="Git Logo - símbolo, significado logotipo, historia, PNG">
+              <a:extLst>
+                <a:ext uri="{FF2B5EF4-FFF2-40B4-BE49-F238E27FC236}">
+                  <a16:creationId xmlns:a16="http://schemas.microsoft.com/office/drawing/2014/main" id="{B5712062-420E-C422-F78E-837D7DFC9FBD}"/>
+                </a:ext>
+              </a:extLst>
+            </p:cNvPr>
+            <p:cNvPicPr>
+              <a:picLocks noChangeAspect="1" noChangeArrowheads="1"/>
+            </p:cNvPicPr>
+            <p:nvPr/>
+          </p:nvPicPr>
+          <p:blipFill>
+            <a:blip r:embed="rId2">
+              <a:extLst>
+                <a:ext uri="{28A0092B-C50C-407E-A947-70E740481C1C}">
+                  <a14:useLocalDpi xmlns:a14="http://schemas.microsoft.com/office/drawing/2010/main" val="0"/>
+                </a:ext>
+              </a:extLst>
+            </a:blip>
+            <a:srcRect/>
+            <a:stretch>
+              <a:fillRect/>
+            </a:stretch>
+          </p:blipFill>
+          <p:spPr bwMode="auto">
+            <a:xfrm>
+              <a:off x="2118910" y="5265603"/>
+              <a:ext cx="2309870" cy="1443669"/>
+            </a:xfrm>
+            <a:prstGeom prst="rect">
+              <a:avLst/>
+            </a:prstGeom>
+            <a:noFill/>
+            <a:extLst>
+              <a:ext uri="{909E8E84-426E-40DD-AFC4-6F175D3DCCD1}">
+                <a14:hiddenFill xmlns:a14="http://schemas.microsoft.com/office/drawing/2010/main">
+                  <a:solidFill>
+                    <a:srgbClr val="FFFFFF"/>
+                  </a:solidFill>
+                </a14:hiddenFill>
+              </a:ext>
+            </a:extLst>
+          </p:spPr>
+        </p:pic>
+        <p:pic>
+          <p:nvPicPr>
+            <p:cNvPr id="9" name="Picture 4" descr="SourceTree: einfache Versionsverwaltung - was hinter dem Git- und ...">
+              <a:extLst>
+                <a:ext uri="{FF2B5EF4-FFF2-40B4-BE49-F238E27FC236}">
+                  <a16:creationId xmlns:a16="http://schemas.microsoft.com/office/drawing/2014/main" id="{B6EA514E-2C76-0584-3549-36C265EC8AB5}"/>
+                </a:ext>
+              </a:extLst>
+            </p:cNvPr>
+            <p:cNvPicPr>
+              <a:picLocks noChangeAspect="1" noChangeArrowheads="1"/>
+            </p:cNvPicPr>
+            <p:nvPr/>
+          </p:nvPicPr>
+          <p:blipFill>
+            <a:blip r:embed="rId3">
+              <a:extLst>
+                <a:ext uri="{28A0092B-C50C-407E-A947-70E740481C1C}">
+                  <a14:useLocalDpi xmlns:a14="http://schemas.microsoft.com/office/drawing/2010/main" val="0"/>
+                </a:ext>
+              </a:extLst>
+            </a:blip>
+            <a:srcRect/>
+            <a:stretch>
+              <a:fillRect/>
+            </a:stretch>
+          </p:blipFill>
+          <p:spPr bwMode="auto">
+            <a:xfrm>
+              <a:off x="5409059" y="5568027"/>
+              <a:ext cx="4793256" cy="838820"/>
+            </a:xfrm>
+            <a:prstGeom prst="rect">
+              <a:avLst/>
+            </a:prstGeom>
+            <a:noFill/>
+            <a:extLst>
+              <a:ext uri="{909E8E84-426E-40DD-AFC4-6F175D3DCCD1}">
+                <a14:hiddenFill xmlns:a14="http://schemas.microsoft.com/office/drawing/2010/main">
+                  <a:solidFill>
+                    <a:srgbClr val="FFFFFF"/>
+                  </a:solidFill>
+                </a14:hiddenFill>
+              </a:ext>
+            </a:extLst>
+          </p:spPr>
+        </p:pic>
+        <p:sp>
+          <p:nvSpPr>
+            <p:cNvPr id="10" name="テキスト ボックス 9">
+              <a:extLst>
+                <a:ext uri="{FF2B5EF4-FFF2-40B4-BE49-F238E27FC236}">
+                  <a16:creationId xmlns:a16="http://schemas.microsoft.com/office/drawing/2014/main" id="{B2371AEE-3D4A-D56F-B7D0-1F2682376F5B}"/>
+                </a:ext>
+              </a:extLst>
+            </p:cNvPr>
+            <p:cNvSpPr txBox="1"/>
+            <p:nvPr/>
+          </p:nvSpPr>
+          <p:spPr>
+            <a:xfrm>
+              <a:off x="4544459" y="5602716"/>
+              <a:ext cx="748924" cy="796394"/>
+            </a:xfrm>
+            <a:prstGeom prst="rect">
+              <a:avLst/>
+            </a:prstGeom>
+            <a:solidFill>
+              <a:schemeClr val="bg1"/>
+            </a:solidFill>
+          </p:spPr>
+          <p:txBody>
+            <a:bodyPr wrap="square" rtlCol="0">
+              <a:spAutoFit/>
+            </a:bodyPr>
+            <a:lstStyle/>
+            <a:p>
+              <a:r>
+                <a:rPr kumimoji="1" lang="en-US" altLang="ja-JP" sz="3600" b="1" dirty="0">
+                  <a:solidFill>
+                    <a:schemeClr val="bg1">
+                      <a:lumMod val="50000"/>
+                    </a:schemeClr>
+                  </a:solidFill>
+                  <a:latin typeface="Noto Sans JP Black" panose="020B0200000000000000" pitchFamily="50" charset="-128"/>
+                  <a:ea typeface="Noto Sans JP Black" panose="020B0200000000000000" pitchFamily="50" charset="-128"/>
+                </a:rPr>
+                <a:t>×</a:t>
+              </a:r>
+              <a:endParaRPr kumimoji="1" lang="ja-JP" altLang="en-US" sz="3600" b="1" dirty="0">
+                <a:solidFill>
+                  <a:schemeClr val="bg1">
+                    <a:lumMod val="50000"/>
+                  </a:schemeClr>
+                </a:solidFill>
+                <a:latin typeface="Noto Sans JP Black" panose="020B0200000000000000" pitchFamily="50" charset="-128"/>
+                <a:ea typeface="Noto Sans JP Black" panose="020B0200000000000000" pitchFamily="50" charset="-128"/>
+              </a:endParaRPr>
+            </a:p>
+          </p:txBody>
+        </p:sp>
+      </p:grpSp>
     </p:spTree>
     <p:extLst>
       <p:ext uri="{BB962C8B-B14F-4D97-AF65-F5344CB8AC3E}">
-        <p14:creationId xmlns:p14="http://schemas.microsoft.com/office/powerpoint/2010/main" val="301389911"/>
+        <p14:creationId xmlns:p14="http://schemas.microsoft.com/office/powerpoint/2010/main" val="3921864204"/>
       </p:ext>
     </p:extLst>
   </p:cSld>
@@ -9666,6 +11369,124 @@
               <a:t>Git</a:t>
             </a:r>
             <a:r>
+              <a:rPr kumimoji="1" lang="ja-JP" altLang="en-US" dirty="0"/>
+              <a:t>とは？</a:t>
+            </a:r>
+          </a:p>
+        </p:txBody>
+      </p:sp>
+      <p:sp>
+        <p:nvSpPr>
+          <p:cNvPr id="4" name="コンテンツ プレースホルダー 2">
+            <a:extLst>
+              <a:ext uri="{FF2B5EF4-FFF2-40B4-BE49-F238E27FC236}">
+                <a16:creationId xmlns:a16="http://schemas.microsoft.com/office/drawing/2014/main" id="{81E22F13-F9BA-6547-7B98-D5E042138C96}"/>
+              </a:ext>
+            </a:extLst>
+          </p:cNvPr>
+          <p:cNvSpPr>
+            <a:spLocks noGrp="1"/>
+          </p:cNvSpPr>
+          <p:nvPr>
+            <p:ph idx="1"/>
+          </p:nvPr>
+        </p:nvSpPr>
+        <p:spPr>
+          <a:xfrm>
+            <a:off x="845127" y="1376219"/>
+            <a:ext cx="10685726" cy="2530152"/>
+          </a:xfrm>
+        </p:spPr>
+        <p:txBody>
+          <a:bodyPr>
+            <a:noAutofit/>
+          </a:bodyPr>
+          <a:lstStyle/>
+          <a:p>
+            <a:pPr>
+              <a:lnSpc>
+                <a:spcPct val="150000"/>
+              </a:lnSpc>
+            </a:pPr>
+            <a:r>
+              <a:rPr kumimoji="1" lang="en-US" altLang="ja-JP" dirty="0"/>
+              <a:t>Git</a:t>
+            </a:r>
+            <a:r>
+              <a:rPr kumimoji="1" lang="ja-JP" altLang="en-US" dirty="0"/>
+              <a:t>はバージョン管理ソフトです。</a:t>
+            </a:r>
+            <a:endParaRPr kumimoji="1" lang="en-US" altLang="ja-JP" dirty="0"/>
+          </a:p>
+          <a:p>
+            <a:pPr>
+              <a:lnSpc>
+                <a:spcPct val="150000"/>
+              </a:lnSpc>
+            </a:pPr>
+            <a:r>
+              <a:rPr kumimoji="1" lang="ja-JP" altLang="en-US" dirty="0"/>
+              <a:t>バージョン管理とは、ファイルやフォルダの変更履歴と内容を保存して整理することです。</a:t>
+            </a:r>
+          </a:p>
+        </p:txBody>
+      </p:sp>
+    </p:spTree>
+    <p:extLst>
+      <p:ext uri="{BB962C8B-B14F-4D97-AF65-F5344CB8AC3E}">
+        <p14:creationId xmlns:p14="http://schemas.microsoft.com/office/powerpoint/2010/main" val="301389911"/>
+      </p:ext>
+    </p:extLst>
+  </p:cSld>
+  <p:clrMapOvr>
+    <a:masterClrMapping/>
+  </p:clrMapOvr>
+</p:sld>
+</file>
+
+<file path=ppt/slides/slide5.xml><?xml version="1.0" encoding="utf-8"?>
+<p:sld xmlns:a="http://schemas.openxmlformats.org/drawingml/2006/main" xmlns:r="http://schemas.openxmlformats.org/officeDocument/2006/relationships" xmlns:p="http://schemas.openxmlformats.org/presentationml/2006/main">
+  <p:cSld>
+    <p:spTree>
+      <p:nvGrpSpPr>
+        <p:cNvPr id="1" name=""/>
+        <p:cNvGrpSpPr/>
+        <p:nvPr/>
+      </p:nvGrpSpPr>
+      <p:grpSpPr>
+        <a:xfrm>
+          <a:off x="0" y="0"/>
+          <a:ext cx="0" cy="0"/>
+          <a:chOff x="0" y="0"/>
+          <a:chExt cx="0" cy="0"/>
+        </a:xfrm>
+      </p:grpSpPr>
+      <p:sp>
+        <p:nvSpPr>
+          <p:cNvPr id="2" name="タイトル 1">
+            <a:extLst>
+              <a:ext uri="{FF2B5EF4-FFF2-40B4-BE49-F238E27FC236}">
+                <a16:creationId xmlns:a16="http://schemas.microsoft.com/office/drawing/2014/main" id="{679B1F19-EA37-6319-E74D-3884CF7D7061}"/>
+              </a:ext>
+            </a:extLst>
+          </p:cNvPr>
+          <p:cNvSpPr>
+            <a:spLocks noGrp="1"/>
+          </p:cNvSpPr>
+          <p:nvPr>
+            <p:ph type="title"/>
+          </p:nvPr>
+        </p:nvSpPr>
+        <p:spPr/>
+        <p:txBody>
+          <a:bodyPr/>
+          <a:lstStyle/>
+          <a:p>
+            <a:r>
+              <a:rPr kumimoji="1" lang="en-US" altLang="ja-JP" dirty="0"/>
+              <a:t>Git</a:t>
+            </a:r>
+            <a:r>
               <a:rPr lang="ja-JP" altLang="en-US" dirty="0"/>
               <a:t>が</a:t>
             </a:r>
@@ -9792,7 +11613,293 @@
 </p:sld>
 </file>
 
-<file path=ppt/slides/slide5.xml><?xml version="1.0" encoding="utf-8"?>
+<file path=ppt/slides/slide6.xml><?xml version="1.0" encoding="utf-8"?>
+<p:sld xmlns:a="http://schemas.openxmlformats.org/drawingml/2006/main" xmlns:r="http://schemas.openxmlformats.org/officeDocument/2006/relationships" xmlns:p="http://schemas.openxmlformats.org/presentationml/2006/main">
+  <p:cSld>
+    <p:spTree>
+      <p:nvGrpSpPr>
+        <p:cNvPr id="1" name=""/>
+        <p:cNvGrpSpPr/>
+        <p:nvPr/>
+      </p:nvGrpSpPr>
+      <p:grpSpPr>
+        <a:xfrm>
+          <a:off x="0" y="0"/>
+          <a:ext cx="0" cy="0"/>
+          <a:chOff x="0" y="0"/>
+          <a:chExt cx="0" cy="0"/>
+        </a:xfrm>
+      </p:grpSpPr>
+      <p:sp>
+        <p:nvSpPr>
+          <p:cNvPr id="11" name="正方形/長方形 10">
+            <a:extLst>
+              <a:ext uri="{FF2B5EF4-FFF2-40B4-BE49-F238E27FC236}">
+                <a16:creationId xmlns:a16="http://schemas.microsoft.com/office/drawing/2014/main" id="{1285EFFE-5514-138C-91D6-9278F46A30A9}"/>
+              </a:ext>
+            </a:extLst>
+          </p:cNvPr>
+          <p:cNvSpPr/>
+          <p:nvPr/>
+        </p:nvSpPr>
+        <p:spPr>
+          <a:xfrm>
+            <a:off x="0" y="3381082"/>
+            <a:ext cx="12192000" cy="87482"/>
+          </a:xfrm>
+          <a:prstGeom prst="rect">
+            <a:avLst/>
+          </a:prstGeom>
+          <a:ln>
+            <a:noFill/>
+          </a:ln>
+        </p:spPr>
+        <p:style>
+          <a:lnRef idx="2">
+            <a:schemeClr val="accent1">
+              <a:shade val="15000"/>
+            </a:schemeClr>
+          </a:lnRef>
+          <a:fillRef idx="1">
+            <a:schemeClr val="accent1"/>
+          </a:fillRef>
+          <a:effectRef idx="0">
+            <a:schemeClr val="accent1"/>
+          </a:effectRef>
+          <a:fontRef idx="minor">
+            <a:schemeClr val="lt1"/>
+          </a:fontRef>
+        </p:style>
+        <p:txBody>
+          <a:bodyPr rtlCol="0" anchor="ctr"/>
+          <a:lstStyle/>
+          <a:p>
+            <a:pPr algn="ctr"/>
+            <a:endParaRPr kumimoji="1" lang="ja-JP" altLang="en-US" dirty="0"/>
+          </a:p>
+        </p:txBody>
+      </p:sp>
+      <p:sp>
+        <p:nvSpPr>
+          <p:cNvPr id="4" name="タイトル 3">
+            <a:extLst>
+              <a:ext uri="{FF2B5EF4-FFF2-40B4-BE49-F238E27FC236}">
+                <a16:creationId xmlns:a16="http://schemas.microsoft.com/office/drawing/2014/main" id="{9696FD56-A136-8319-D86C-0569605E49F0}"/>
+              </a:ext>
+            </a:extLst>
+          </p:cNvPr>
+          <p:cNvSpPr>
+            <a:spLocks noGrp="1"/>
+          </p:cNvSpPr>
+          <p:nvPr>
+            <p:ph type="title"/>
+          </p:nvPr>
+        </p:nvSpPr>
+        <p:spPr>
+          <a:xfrm>
+            <a:off x="2155077" y="1983283"/>
+            <a:ext cx="7881845" cy="1107417"/>
+          </a:xfrm>
+          <a:noFill/>
+        </p:spPr>
+        <p:txBody>
+          <a:bodyPr/>
+          <a:lstStyle/>
+          <a:p>
+            <a:pPr algn="ctr"/>
+            <a:r>
+              <a:rPr lang="ja-JP" altLang="en-US" dirty="0">
+                <a:latin typeface="游ゴシック" panose="020B0400000000000000" pitchFamily="50" charset="-128"/>
+                <a:ea typeface="游ゴシック" panose="020B0400000000000000" pitchFamily="50" charset="-128"/>
+              </a:rPr>
+              <a:t>インストール</a:t>
+            </a:r>
+          </a:p>
+        </p:txBody>
+      </p:sp>
+      <p:grpSp>
+        <p:nvGrpSpPr>
+          <p:cNvPr id="7" name="グループ化 6">
+            <a:extLst>
+              <a:ext uri="{FF2B5EF4-FFF2-40B4-BE49-F238E27FC236}">
+                <a16:creationId xmlns:a16="http://schemas.microsoft.com/office/drawing/2014/main" id="{663DE046-33B6-E249-2D96-B13A95C66780}"/>
+              </a:ext>
+            </a:extLst>
+          </p:cNvPr>
+          <p:cNvGrpSpPr/>
+          <p:nvPr/>
+        </p:nvGrpSpPr>
+        <p:grpSpPr>
+          <a:xfrm>
+            <a:off x="5381368" y="5657770"/>
+            <a:ext cx="6560261" cy="1171641"/>
+            <a:chOff x="2118910" y="5265603"/>
+            <a:chExt cx="8083405" cy="1443669"/>
+          </a:xfrm>
+        </p:grpSpPr>
+        <p:pic>
+          <p:nvPicPr>
+            <p:cNvPr id="8" name="Picture 2" descr="Git Logo - símbolo, significado logotipo, historia, PNG">
+              <a:extLst>
+                <a:ext uri="{FF2B5EF4-FFF2-40B4-BE49-F238E27FC236}">
+                  <a16:creationId xmlns:a16="http://schemas.microsoft.com/office/drawing/2014/main" id="{B5712062-420E-C422-F78E-837D7DFC9FBD}"/>
+                </a:ext>
+              </a:extLst>
+            </p:cNvPr>
+            <p:cNvPicPr>
+              <a:picLocks noChangeAspect="1" noChangeArrowheads="1"/>
+            </p:cNvPicPr>
+            <p:nvPr/>
+          </p:nvPicPr>
+          <p:blipFill>
+            <a:blip r:embed="rId2">
+              <a:extLst>
+                <a:ext uri="{28A0092B-C50C-407E-A947-70E740481C1C}">
+                  <a14:useLocalDpi xmlns:a14="http://schemas.microsoft.com/office/drawing/2010/main" val="0"/>
+                </a:ext>
+              </a:extLst>
+            </a:blip>
+            <a:srcRect/>
+            <a:stretch>
+              <a:fillRect/>
+            </a:stretch>
+          </p:blipFill>
+          <p:spPr bwMode="auto">
+            <a:xfrm>
+              <a:off x="2118910" y="5265603"/>
+              <a:ext cx="2309870" cy="1443669"/>
+            </a:xfrm>
+            <a:prstGeom prst="rect">
+              <a:avLst/>
+            </a:prstGeom>
+            <a:noFill/>
+            <a:extLst>
+              <a:ext uri="{909E8E84-426E-40DD-AFC4-6F175D3DCCD1}">
+                <a14:hiddenFill xmlns:a14="http://schemas.microsoft.com/office/drawing/2010/main">
+                  <a:solidFill>
+                    <a:srgbClr val="FFFFFF"/>
+                  </a:solidFill>
+                </a14:hiddenFill>
+              </a:ext>
+            </a:extLst>
+          </p:spPr>
+        </p:pic>
+        <p:pic>
+          <p:nvPicPr>
+            <p:cNvPr id="9" name="Picture 4" descr="SourceTree: einfache Versionsverwaltung - was hinter dem Git- und ...">
+              <a:extLst>
+                <a:ext uri="{FF2B5EF4-FFF2-40B4-BE49-F238E27FC236}">
+                  <a16:creationId xmlns:a16="http://schemas.microsoft.com/office/drawing/2014/main" id="{B6EA514E-2C76-0584-3549-36C265EC8AB5}"/>
+                </a:ext>
+              </a:extLst>
+            </p:cNvPr>
+            <p:cNvPicPr>
+              <a:picLocks noChangeAspect="1" noChangeArrowheads="1"/>
+            </p:cNvPicPr>
+            <p:nvPr/>
+          </p:nvPicPr>
+          <p:blipFill>
+            <a:blip r:embed="rId3">
+              <a:extLst>
+                <a:ext uri="{28A0092B-C50C-407E-A947-70E740481C1C}">
+                  <a14:useLocalDpi xmlns:a14="http://schemas.microsoft.com/office/drawing/2010/main" val="0"/>
+                </a:ext>
+              </a:extLst>
+            </a:blip>
+            <a:srcRect/>
+            <a:stretch>
+              <a:fillRect/>
+            </a:stretch>
+          </p:blipFill>
+          <p:spPr bwMode="auto">
+            <a:xfrm>
+              <a:off x="5409059" y="5568027"/>
+              <a:ext cx="4793256" cy="838820"/>
+            </a:xfrm>
+            <a:prstGeom prst="rect">
+              <a:avLst/>
+            </a:prstGeom>
+            <a:noFill/>
+            <a:extLst>
+              <a:ext uri="{909E8E84-426E-40DD-AFC4-6F175D3DCCD1}">
+                <a14:hiddenFill xmlns:a14="http://schemas.microsoft.com/office/drawing/2010/main">
+                  <a:solidFill>
+                    <a:srgbClr val="FFFFFF"/>
+                  </a:solidFill>
+                </a14:hiddenFill>
+              </a:ext>
+            </a:extLst>
+          </p:spPr>
+        </p:pic>
+        <p:sp>
+          <p:nvSpPr>
+            <p:cNvPr id="10" name="テキスト ボックス 9">
+              <a:extLst>
+                <a:ext uri="{FF2B5EF4-FFF2-40B4-BE49-F238E27FC236}">
+                  <a16:creationId xmlns:a16="http://schemas.microsoft.com/office/drawing/2014/main" id="{B2371AEE-3D4A-D56F-B7D0-1F2682376F5B}"/>
+                </a:ext>
+              </a:extLst>
+            </p:cNvPr>
+            <p:cNvSpPr txBox="1"/>
+            <p:nvPr/>
+          </p:nvSpPr>
+          <p:spPr>
+            <a:xfrm>
+              <a:off x="4544459" y="5602716"/>
+              <a:ext cx="748924" cy="796394"/>
+            </a:xfrm>
+            <a:prstGeom prst="rect">
+              <a:avLst/>
+            </a:prstGeom>
+            <a:solidFill>
+              <a:schemeClr val="bg1"/>
+            </a:solidFill>
+          </p:spPr>
+          <p:txBody>
+            <a:bodyPr wrap="square" rtlCol="0">
+              <a:spAutoFit/>
+            </a:bodyPr>
+            <a:lstStyle/>
+            <a:p>
+              <a:r>
+                <a:rPr kumimoji="1" lang="en-US" altLang="ja-JP" sz="3600" b="1" dirty="0">
+                  <a:solidFill>
+                    <a:schemeClr val="bg1">
+                      <a:lumMod val="50000"/>
+                    </a:schemeClr>
+                  </a:solidFill>
+                  <a:latin typeface="Noto Sans JP Black" panose="020B0200000000000000" pitchFamily="50" charset="-128"/>
+                  <a:ea typeface="Noto Sans JP Black" panose="020B0200000000000000" pitchFamily="50" charset="-128"/>
+                </a:rPr>
+                <a:t>×</a:t>
+              </a:r>
+              <a:endParaRPr kumimoji="1" lang="ja-JP" altLang="en-US" sz="3600" b="1" dirty="0">
+                <a:solidFill>
+                  <a:schemeClr val="bg1">
+                    <a:lumMod val="50000"/>
+                  </a:schemeClr>
+                </a:solidFill>
+                <a:latin typeface="Noto Sans JP Black" panose="020B0200000000000000" pitchFamily="50" charset="-128"/>
+                <a:ea typeface="Noto Sans JP Black" panose="020B0200000000000000" pitchFamily="50" charset="-128"/>
+              </a:endParaRPr>
+            </a:p>
+          </p:txBody>
+        </p:sp>
+      </p:grpSp>
+    </p:spTree>
+    <p:extLst>
+      <p:ext uri="{BB962C8B-B14F-4D97-AF65-F5344CB8AC3E}">
+        <p14:creationId xmlns:p14="http://schemas.microsoft.com/office/powerpoint/2010/main" val="736853584"/>
+      </p:ext>
+    </p:extLst>
+  </p:cSld>
+  <p:clrMapOvr>
+    <a:masterClrMapping/>
+  </p:clrMapOvr>
+</p:sld>
+</file>
+
+<file path=ppt/slides/slide7.xml><?xml version="1.0" encoding="utf-8"?>
 <p:sld xmlns:a="http://schemas.openxmlformats.org/drawingml/2006/main" xmlns:r="http://schemas.openxmlformats.org/officeDocument/2006/relationships" xmlns:p="http://schemas.openxmlformats.org/presentationml/2006/main">
   <p:cSld>
     <p:spTree>
@@ -9988,7 +12095,7 @@
 </p:sld>
 </file>
 
-<file path=ppt/slides/slide6.xml><?xml version="1.0" encoding="utf-8"?>
+<file path=ppt/slides/slide8.xml><?xml version="1.0" encoding="utf-8"?>
 <p:sld xmlns:a="http://schemas.openxmlformats.org/drawingml/2006/main" xmlns:r="http://schemas.openxmlformats.org/officeDocument/2006/relationships" xmlns:p="http://schemas.openxmlformats.org/presentationml/2006/main">
   <p:cSld>
     <p:spTree>
@@ -10154,7 +12261,7 @@
 </p:sld>
 </file>
 
-<file path=ppt/slides/slide7.xml><?xml version="1.0" encoding="utf-8"?>
+<file path=ppt/slides/slide9.xml><?xml version="1.0" encoding="utf-8"?>
 <p:sld xmlns:a="http://schemas.openxmlformats.org/drawingml/2006/main" xmlns:r="http://schemas.openxmlformats.org/officeDocument/2006/relationships" xmlns:p="http://schemas.openxmlformats.org/presentationml/2006/main">
   <p:cSld>
     <p:spTree>
@@ -10363,390 +12470,6 @@
     <p:extLst>
       <p:ext uri="{BB962C8B-B14F-4D97-AF65-F5344CB8AC3E}">
         <p14:creationId xmlns:p14="http://schemas.microsoft.com/office/powerpoint/2010/main" val="1305876647"/>
-      </p:ext>
-    </p:extLst>
-  </p:cSld>
-  <p:clrMapOvr>
-    <a:masterClrMapping/>
-  </p:clrMapOvr>
-</p:sld>
-</file>
-
-<file path=ppt/slides/slide8.xml><?xml version="1.0" encoding="utf-8"?>
-<p:sld xmlns:a="http://schemas.openxmlformats.org/drawingml/2006/main" xmlns:r="http://schemas.openxmlformats.org/officeDocument/2006/relationships" xmlns:p="http://schemas.openxmlformats.org/presentationml/2006/main">
-  <p:cSld>
-    <p:spTree>
-      <p:nvGrpSpPr>
-        <p:cNvPr id="1" name=""/>
-        <p:cNvGrpSpPr/>
-        <p:nvPr/>
-      </p:nvGrpSpPr>
-      <p:grpSpPr>
-        <a:xfrm>
-          <a:off x="0" y="0"/>
-          <a:ext cx="0" cy="0"/>
-          <a:chOff x="0" y="0"/>
-          <a:chExt cx="0" cy="0"/>
-        </a:xfrm>
-      </p:grpSpPr>
-      <p:sp>
-        <p:nvSpPr>
-          <p:cNvPr id="2" name="タイトル 1">
-            <a:extLst>
-              <a:ext uri="{FF2B5EF4-FFF2-40B4-BE49-F238E27FC236}">
-                <a16:creationId xmlns:a16="http://schemas.microsoft.com/office/drawing/2014/main" id="{679B1F19-EA37-6319-E74D-3884CF7D7061}"/>
-              </a:ext>
-            </a:extLst>
-          </p:cNvPr>
-          <p:cNvSpPr>
-            <a:spLocks noGrp="1"/>
-          </p:cNvSpPr>
-          <p:nvPr>
-            <p:ph type="title"/>
-          </p:nvPr>
-        </p:nvSpPr>
-        <p:spPr/>
-        <p:txBody>
-          <a:bodyPr/>
-          <a:lstStyle/>
-          <a:p>
-            <a:r>
-              <a:rPr lang="en-US" altLang="ja-JP" dirty="0"/>
-              <a:t>SourceTree</a:t>
-            </a:r>
-            <a:r>
-              <a:rPr lang="ja-JP" altLang="en-US" dirty="0"/>
-              <a:t>のインストール</a:t>
-            </a:r>
-            <a:endParaRPr kumimoji="1" lang="ja-JP" altLang="en-US" dirty="0"/>
-          </a:p>
-        </p:txBody>
-      </p:sp>
-      <p:grpSp>
-        <p:nvGrpSpPr>
-          <p:cNvPr id="7" name="グループ化 6">
-            <a:extLst>
-              <a:ext uri="{FF2B5EF4-FFF2-40B4-BE49-F238E27FC236}">
-                <a16:creationId xmlns:a16="http://schemas.microsoft.com/office/drawing/2014/main" id="{BE08FB0B-68D4-4A51-2F0A-C2245C5BDE12}"/>
-              </a:ext>
-            </a:extLst>
-          </p:cNvPr>
-          <p:cNvGrpSpPr/>
-          <p:nvPr/>
-        </p:nvGrpSpPr>
-        <p:grpSpPr>
-          <a:xfrm>
-            <a:off x="1593913" y="1228002"/>
-            <a:ext cx="9004174" cy="5493830"/>
-            <a:chOff x="1593913" y="1209529"/>
-            <a:chExt cx="9004174" cy="5493830"/>
-          </a:xfrm>
-        </p:grpSpPr>
-        <p:pic>
-          <p:nvPicPr>
-            <p:cNvPr id="4" name="図 3">
-              <a:extLst>
-                <a:ext uri="{FF2B5EF4-FFF2-40B4-BE49-F238E27FC236}">
-                  <a16:creationId xmlns:a16="http://schemas.microsoft.com/office/drawing/2014/main" id="{DED4ABE4-A92C-1A34-7F21-A735C9F1259F}"/>
-                </a:ext>
-              </a:extLst>
-            </p:cNvPr>
-            <p:cNvPicPr>
-              <a:picLocks noChangeAspect="1"/>
-            </p:cNvPicPr>
-            <p:nvPr/>
-          </p:nvPicPr>
-          <p:blipFill>
-            <a:blip r:embed="rId2"/>
-            <a:stretch>
-              <a:fillRect/>
-            </a:stretch>
-          </p:blipFill>
-          <p:spPr>
-            <a:xfrm>
-              <a:off x="1593913" y="1209529"/>
-              <a:ext cx="9004174" cy="5493830"/>
-            </a:xfrm>
-            <a:prstGeom prst="rect">
-              <a:avLst/>
-            </a:prstGeom>
-          </p:spPr>
-        </p:pic>
-        <p:sp>
-          <p:nvSpPr>
-            <p:cNvPr id="8" name="正方形/長方形 7">
-              <a:extLst>
-                <a:ext uri="{FF2B5EF4-FFF2-40B4-BE49-F238E27FC236}">
-                  <a16:creationId xmlns:a16="http://schemas.microsoft.com/office/drawing/2014/main" id="{4A68C346-93C3-49E6-9B98-C493DE252831}"/>
-                </a:ext>
-              </a:extLst>
-            </p:cNvPr>
-            <p:cNvSpPr/>
-            <p:nvPr/>
-          </p:nvSpPr>
-          <p:spPr>
-            <a:xfrm>
-              <a:off x="4565277" y="2359958"/>
-              <a:ext cx="4027394" cy="1183341"/>
-            </a:xfrm>
-            <a:prstGeom prst="rect">
-              <a:avLst/>
-            </a:prstGeom>
-            <a:noFill/>
-            <a:ln w="50800">
-              <a:solidFill>
-                <a:srgbClr val="FF0000"/>
-              </a:solidFill>
-            </a:ln>
-          </p:spPr>
-          <p:style>
-            <a:lnRef idx="2">
-              <a:schemeClr val="accent1">
-                <a:shade val="15000"/>
-              </a:schemeClr>
-            </a:lnRef>
-            <a:fillRef idx="1">
-              <a:schemeClr val="accent1"/>
-            </a:fillRef>
-            <a:effectRef idx="0">
-              <a:schemeClr val="accent1"/>
-            </a:effectRef>
-            <a:fontRef idx="minor">
-              <a:schemeClr val="lt1"/>
-            </a:fontRef>
-          </p:style>
-          <p:txBody>
-            <a:bodyPr rtlCol="0" anchor="ctr"/>
-            <a:lstStyle/>
-            <a:p>
-              <a:pPr algn="ctr"/>
-              <a:endParaRPr kumimoji="1" lang="ja-JP" altLang="en-US"/>
-            </a:p>
-          </p:txBody>
-        </p:sp>
-        <p:sp>
-          <p:nvSpPr>
-            <p:cNvPr id="6" name="正方形/長方形 5">
-              <a:extLst>
-                <a:ext uri="{FF2B5EF4-FFF2-40B4-BE49-F238E27FC236}">
-                  <a16:creationId xmlns:a16="http://schemas.microsoft.com/office/drawing/2014/main" id="{B1F08B14-2EC1-5372-015E-5EF317131813}"/>
-                </a:ext>
-              </a:extLst>
-            </p:cNvPr>
-            <p:cNvSpPr/>
-            <p:nvPr/>
-          </p:nvSpPr>
-          <p:spPr>
-            <a:xfrm>
-              <a:off x="9406217" y="5862918"/>
-              <a:ext cx="934571" cy="564775"/>
-            </a:xfrm>
-            <a:prstGeom prst="rect">
-              <a:avLst/>
-            </a:prstGeom>
-            <a:noFill/>
-            <a:ln w="50800">
-              <a:solidFill>
-                <a:srgbClr val="FF0000"/>
-              </a:solidFill>
-            </a:ln>
-          </p:spPr>
-          <p:style>
-            <a:lnRef idx="2">
-              <a:schemeClr val="accent1">
-                <a:shade val="15000"/>
-              </a:schemeClr>
-            </a:lnRef>
-            <a:fillRef idx="1">
-              <a:schemeClr val="accent1"/>
-            </a:fillRef>
-            <a:effectRef idx="0">
-              <a:schemeClr val="accent1"/>
-            </a:effectRef>
-            <a:fontRef idx="minor">
-              <a:schemeClr val="lt1"/>
-            </a:fontRef>
-          </p:style>
-          <p:txBody>
-            <a:bodyPr rtlCol="0" anchor="ctr"/>
-            <a:lstStyle/>
-            <a:p>
-              <a:pPr algn="ctr"/>
-              <a:endParaRPr kumimoji="1" lang="ja-JP" altLang="en-US"/>
-            </a:p>
-          </p:txBody>
-        </p:sp>
-      </p:grpSp>
-    </p:spTree>
-    <p:extLst>
-      <p:ext uri="{BB962C8B-B14F-4D97-AF65-F5344CB8AC3E}">
-        <p14:creationId xmlns:p14="http://schemas.microsoft.com/office/powerpoint/2010/main" val="2548665621"/>
-      </p:ext>
-    </p:extLst>
-  </p:cSld>
-  <p:clrMapOvr>
-    <a:masterClrMapping/>
-  </p:clrMapOvr>
-</p:sld>
-</file>
-
-<file path=ppt/slides/slide9.xml><?xml version="1.0" encoding="utf-8"?>
-<p:sld xmlns:a="http://schemas.openxmlformats.org/drawingml/2006/main" xmlns:r="http://schemas.openxmlformats.org/officeDocument/2006/relationships" xmlns:p="http://schemas.openxmlformats.org/presentationml/2006/main">
-  <p:cSld>
-    <p:spTree>
-      <p:nvGrpSpPr>
-        <p:cNvPr id="1" name=""/>
-        <p:cNvGrpSpPr/>
-        <p:nvPr/>
-      </p:nvGrpSpPr>
-      <p:grpSpPr>
-        <a:xfrm>
-          <a:off x="0" y="0"/>
-          <a:ext cx="0" cy="0"/>
-          <a:chOff x="0" y="0"/>
-          <a:chExt cx="0" cy="0"/>
-        </a:xfrm>
-      </p:grpSpPr>
-      <p:sp>
-        <p:nvSpPr>
-          <p:cNvPr id="2" name="タイトル 1">
-            <a:extLst>
-              <a:ext uri="{FF2B5EF4-FFF2-40B4-BE49-F238E27FC236}">
-                <a16:creationId xmlns:a16="http://schemas.microsoft.com/office/drawing/2014/main" id="{679B1F19-EA37-6319-E74D-3884CF7D7061}"/>
-              </a:ext>
-            </a:extLst>
-          </p:cNvPr>
-          <p:cNvSpPr>
-            <a:spLocks noGrp="1"/>
-          </p:cNvSpPr>
-          <p:nvPr>
-            <p:ph type="title"/>
-          </p:nvPr>
-        </p:nvSpPr>
-        <p:spPr/>
-        <p:txBody>
-          <a:bodyPr/>
-          <a:lstStyle/>
-          <a:p>
-            <a:r>
-              <a:rPr lang="en-US" altLang="ja-JP" dirty="0"/>
-              <a:t>SourceTree</a:t>
-            </a:r>
-            <a:r>
-              <a:rPr lang="ja-JP" altLang="en-US" dirty="0"/>
-              <a:t>のインストール</a:t>
-            </a:r>
-            <a:endParaRPr kumimoji="1" lang="ja-JP" altLang="en-US" dirty="0"/>
-          </a:p>
-        </p:txBody>
-      </p:sp>
-      <p:grpSp>
-        <p:nvGrpSpPr>
-          <p:cNvPr id="7" name="グループ化 6">
-            <a:extLst>
-              <a:ext uri="{FF2B5EF4-FFF2-40B4-BE49-F238E27FC236}">
-                <a16:creationId xmlns:a16="http://schemas.microsoft.com/office/drawing/2014/main" id="{638D20F1-7623-95DF-132B-389F8D07FC3A}"/>
-              </a:ext>
-            </a:extLst>
-          </p:cNvPr>
-          <p:cNvGrpSpPr/>
-          <p:nvPr/>
-        </p:nvGrpSpPr>
-        <p:grpSpPr>
-          <a:xfrm>
-            <a:off x="2333625" y="2686050"/>
-            <a:ext cx="7524750" cy="2171700"/>
-            <a:chOff x="2333625" y="1462368"/>
-            <a:chExt cx="7524750" cy="2171700"/>
-          </a:xfrm>
-        </p:grpSpPr>
-        <p:pic>
-          <p:nvPicPr>
-            <p:cNvPr id="5" name="図 4">
-              <a:extLst>
-                <a:ext uri="{FF2B5EF4-FFF2-40B4-BE49-F238E27FC236}">
-                  <a16:creationId xmlns:a16="http://schemas.microsoft.com/office/drawing/2014/main" id="{613483F1-E408-F95A-155A-3B3F3EE4995B}"/>
-                </a:ext>
-              </a:extLst>
-            </p:cNvPr>
-            <p:cNvPicPr>
-              <a:picLocks noChangeAspect="1"/>
-            </p:cNvPicPr>
-            <p:nvPr/>
-          </p:nvPicPr>
-          <p:blipFill>
-            <a:blip r:embed="rId2"/>
-            <a:stretch>
-              <a:fillRect/>
-            </a:stretch>
-          </p:blipFill>
-          <p:spPr>
-            <a:xfrm>
-              <a:off x="2333625" y="1462368"/>
-              <a:ext cx="7524750" cy="2171700"/>
-            </a:xfrm>
-            <a:prstGeom prst="rect">
-              <a:avLst/>
-            </a:prstGeom>
-          </p:spPr>
-        </p:pic>
-        <p:sp>
-          <p:nvSpPr>
-            <p:cNvPr id="6" name="正方形/長方形 5">
-              <a:extLst>
-                <a:ext uri="{FF2B5EF4-FFF2-40B4-BE49-F238E27FC236}">
-                  <a16:creationId xmlns:a16="http://schemas.microsoft.com/office/drawing/2014/main" id="{B1F08B14-2EC1-5372-015E-5EF317131813}"/>
-                </a:ext>
-              </a:extLst>
-            </p:cNvPr>
-            <p:cNvSpPr/>
-            <p:nvPr/>
-          </p:nvSpPr>
-          <p:spPr>
-            <a:xfrm>
-              <a:off x="8518712" y="2998695"/>
-              <a:ext cx="1250576" cy="564775"/>
-            </a:xfrm>
-            <a:prstGeom prst="rect">
-              <a:avLst/>
-            </a:prstGeom>
-            <a:noFill/>
-            <a:ln w="50800">
-              <a:solidFill>
-                <a:srgbClr val="FF0000"/>
-              </a:solidFill>
-            </a:ln>
-          </p:spPr>
-          <p:style>
-            <a:lnRef idx="2">
-              <a:schemeClr val="accent1">
-                <a:shade val="15000"/>
-              </a:schemeClr>
-            </a:lnRef>
-            <a:fillRef idx="1">
-              <a:schemeClr val="accent1"/>
-            </a:fillRef>
-            <a:effectRef idx="0">
-              <a:schemeClr val="accent1"/>
-            </a:effectRef>
-            <a:fontRef idx="minor">
-              <a:schemeClr val="lt1"/>
-            </a:fontRef>
-          </p:style>
-          <p:txBody>
-            <a:bodyPr rtlCol="0" anchor="ctr"/>
-            <a:lstStyle/>
-            <a:p>
-              <a:pPr algn="ctr"/>
-              <a:endParaRPr kumimoji="1" lang="ja-JP" altLang="en-US"/>
-            </a:p>
-          </p:txBody>
-        </p:sp>
-      </p:grpSp>
-    </p:spTree>
-    <p:extLst>
-      <p:ext uri="{BB962C8B-B14F-4D97-AF65-F5344CB8AC3E}">
-        <p14:creationId xmlns:p14="http://schemas.microsoft.com/office/powerpoint/2010/main" val="3013563385"/>
       </p:ext>
     </p:extLst>
   </p:cSld>

--- a/ハンズオン_Git入門.pptx
+++ b/ハンズオン_Git入門.pptx
@@ -5,7 +5,7 @@
     <p:sldMasterId id="2147483660" r:id="rId1"/>
   </p:sldMasterIdLst>
   <p:notesMasterIdLst>
-    <p:notesMasterId r:id="rId22"/>
+    <p:notesMasterId r:id="rId30"/>
   </p:notesMasterIdLst>
   <p:sldIdLst>
     <p:sldId id="256" r:id="rId2"/>
@@ -27,7 +27,15 @@
     <p:sldId id="275" r:id="rId18"/>
     <p:sldId id="276" r:id="rId19"/>
     <p:sldId id="280" r:id="rId20"/>
-    <p:sldId id="263" r:id="rId21"/>
+    <p:sldId id="281" r:id="rId21"/>
+    <p:sldId id="282" r:id="rId22"/>
+    <p:sldId id="283" r:id="rId23"/>
+    <p:sldId id="284" r:id="rId24"/>
+    <p:sldId id="285" r:id="rId25"/>
+    <p:sldId id="288" r:id="rId26"/>
+    <p:sldId id="286" r:id="rId27"/>
+    <p:sldId id="287" r:id="rId28"/>
+    <p:sldId id="263" r:id="rId29"/>
   </p:sldIdLst>
   <p:sldSz cx="12192000" cy="6858000"/>
   <p:notesSz cx="6858000" cy="9144000"/>
@@ -138,7 +146,7 @@
 <p1510:revInfo xmlns:a="http://schemas.openxmlformats.org/drawingml/2006/main" xmlns:r="http://schemas.openxmlformats.org/officeDocument/2006/relationships" xmlns:p1510="http://schemas.microsoft.com/office/powerpoint/2015/10/main">
   <p1510:revLst>
     <p1510:client id="{90FA48F5-FA59-48F7-AEE2-C5783AE6C803}" v="172" dt="2023-10-30T13:39:38.130"/>
-    <p1510:client id="{C0DA2B10-F1D4-4897-B074-9E17192A92F8}" v="66" dt="2023-10-31T08:00:50.801"/>
+    <p1510:client id="{C0DA2B10-F1D4-4897-B074-9E17192A92F8}" v="76" dt="2023-10-31T08:18:44.073"/>
   </p1510:revLst>
 </p1510:revInfo>
 </file>
@@ -680,7 +688,7 @@
   <pc:docChgLst>
     <pc:chgData name="SHHD 山本覚" userId="57e3f178-c88d-44ee-9b09-55235ac55cf9" providerId="ADAL" clId="{C0DA2B10-F1D4-4897-B074-9E17192A92F8}"/>
     <pc:docChg chg="undo custSel addSld delSld modSld sldOrd">
-      <pc:chgData name="SHHD 山本覚" userId="57e3f178-c88d-44ee-9b09-55235ac55cf9" providerId="ADAL" clId="{C0DA2B10-F1D4-4897-B074-9E17192A92F8}" dt="2023-10-31T08:01:17.675" v="2458" actId="20577"/>
+      <pc:chgData name="SHHD 山本覚" userId="57e3f178-c88d-44ee-9b09-55235ac55cf9" providerId="ADAL" clId="{C0DA2B10-F1D4-4897-B074-9E17192A92F8}" dt="2023-10-31T08:18:53.470" v="2675" actId="20577"/>
       <pc:docMkLst>
         <pc:docMk/>
       </pc:docMkLst>
@@ -1648,6 +1656,53 @@
           </ac:spMkLst>
         </pc:spChg>
       </pc:sldChg>
+      <pc:sldChg chg="addSp delSp modSp add mod">
+        <pc:chgData name="SHHD 山本覚" userId="57e3f178-c88d-44ee-9b09-55235ac55cf9" providerId="ADAL" clId="{C0DA2B10-F1D4-4897-B074-9E17192A92F8}" dt="2023-10-31T08:11:24.045" v="2482" actId="478"/>
+        <pc:sldMkLst>
+          <pc:docMk/>
+          <pc:sldMk cId="1378349243" sldId="281"/>
+        </pc:sldMkLst>
+        <pc:spChg chg="mod">
+          <ac:chgData name="SHHD 山本覚" userId="57e3f178-c88d-44ee-9b09-55235ac55cf9" providerId="ADAL" clId="{C0DA2B10-F1D4-4897-B074-9E17192A92F8}" dt="2023-10-31T08:11:19.210" v="2479" actId="20577"/>
+          <ac:spMkLst>
+            <pc:docMk/>
+            <pc:sldMk cId="1378349243" sldId="281"/>
+            <ac:spMk id="2" creationId="{679B1F19-EA37-6319-E74D-3884CF7D7061}"/>
+          </ac:spMkLst>
+        </pc:spChg>
+        <pc:spChg chg="del">
+          <ac:chgData name="SHHD 山本覚" userId="57e3f178-c88d-44ee-9b09-55235ac55cf9" providerId="ADAL" clId="{C0DA2B10-F1D4-4897-B074-9E17192A92F8}" dt="2023-10-31T08:11:21.240" v="2480" actId="478"/>
+          <ac:spMkLst>
+            <pc:docMk/>
+            <pc:sldMk cId="1378349243" sldId="281"/>
+            <ac:spMk id="4" creationId="{81E22F13-F9BA-6547-7B98-D5E042138C96}"/>
+          </ac:spMkLst>
+        </pc:spChg>
+        <pc:spChg chg="add del mod">
+          <ac:chgData name="SHHD 山本覚" userId="57e3f178-c88d-44ee-9b09-55235ac55cf9" providerId="ADAL" clId="{C0DA2B10-F1D4-4897-B074-9E17192A92F8}" dt="2023-10-31T08:11:22.792" v="2481" actId="478"/>
+          <ac:spMkLst>
+            <pc:docMk/>
+            <pc:sldMk cId="1378349243" sldId="281"/>
+            <ac:spMk id="11" creationId="{AD285096-EA9E-8E23-8BD2-246BB4D72535}"/>
+          </ac:spMkLst>
+        </pc:spChg>
+        <pc:spChg chg="del">
+          <ac:chgData name="SHHD 山本覚" userId="57e3f178-c88d-44ee-9b09-55235ac55cf9" providerId="ADAL" clId="{C0DA2B10-F1D4-4897-B074-9E17192A92F8}" dt="2023-10-31T08:11:24.045" v="2482" actId="478"/>
+          <ac:spMkLst>
+            <pc:docMk/>
+            <pc:sldMk cId="1378349243" sldId="281"/>
+            <ac:spMk id="16" creationId="{7A57C9BE-363F-3668-ABF0-82EA776098C3}"/>
+          </ac:spMkLst>
+        </pc:spChg>
+        <pc:grpChg chg="del">
+          <ac:chgData name="SHHD 山本覚" userId="57e3f178-c88d-44ee-9b09-55235ac55cf9" providerId="ADAL" clId="{C0DA2B10-F1D4-4897-B074-9E17192A92F8}" dt="2023-10-31T08:11:24.045" v="2482" actId="478"/>
+          <ac:grpSpMkLst>
+            <pc:docMk/>
+            <pc:sldMk cId="1378349243" sldId="281"/>
+            <ac:grpSpMk id="15" creationId="{7E75A89C-FF08-392D-812A-4311482EAB46}"/>
+          </ac:grpSpMkLst>
+        </pc:grpChg>
+      </pc:sldChg>
       <pc:sldChg chg="del">
         <pc:chgData name="SHHD 山本覚" userId="57e3f178-c88d-44ee-9b09-55235ac55cf9" providerId="ADAL" clId="{C0DA2B10-F1D4-4897-B074-9E17192A92F8}" dt="2023-10-30T13:46:45.297" v="0" actId="47"/>
         <pc:sldMkLst>
@@ -1662,12 +1717,57 @@
           <pc:sldMk cId="1108919878" sldId="282"/>
         </pc:sldMkLst>
       </pc:sldChg>
+      <pc:sldChg chg="modSp add mod">
+        <pc:chgData name="SHHD 山本覚" userId="57e3f178-c88d-44ee-9b09-55235ac55cf9" providerId="ADAL" clId="{C0DA2B10-F1D4-4897-B074-9E17192A92F8}" dt="2023-10-31T08:12:36.838" v="2517" actId="20577"/>
+        <pc:sldMkLst>
+          <pc:docMk/>
+          <pc:sldMk cId="1424329812" sldId="282"/>
+        </pc:sldMkLst>
+        <pc:spChg chg="mod">
+          <ac:chgData name="SHHD 山本覚" userId="57e3f178-c88d-44ee-9b09-55235ac55cf9" providerId="ADAL" clId="{C0DA2B10-F1D4-4897-B074-9E17192A92F8}" dt="2023-10-31T08:12:36.838" v="2517" actId="20577"/>
+          <ac:spMkLst>
+            <pc:docMk/>
+            <pc:sldMk cId="1424329812" sldId="282"/>
+            <ac:spMk id="2" creationId="{679B1F19-EA37-6319-E74D-3884CF7D7061}"/>
+          </ac:spMkLst>
+        </pc:spChg>
+      </pc:sldChg>
       <pc:sldChg chg="del">
         <pc:chgData name="SHHD 山本覚" userId="57e3f178-c88d-44ee-9b09-55235ac55cf9" providerId="ADAL" clId="{C0DA2B10-F1D4-4897-B074-9E17192A92F8}" dt="2023-10-30T13:46:45.297" v="0" actId="47"/>
         <pc:sldMkLst>
           <pc:docMk/>
           <pc:sldMk cId="1766010445" sldId="283"/>
         </pc:sldMkLst>
+      </pc:sldChg>
+      <pc:sldChg chg="modSp add mod">
+        <pc:chgData name="SHHD 山本覚" userId="57e3f178-c88d-44ee-9b09-55235ac55cf9" providerId="ADAL" clId="{C0DA2B10-F1D4-4897-B074-9E17192A92F8}" dt="2023-10-31T08:12:45.883" v="2533" actId="20577"/>
+        <pc:sldMkLst>
+          <pc:docMk/>
+          <pc:sldMk cId="3319574417" sldId="283"/>
+        </pc:sldMkLst>
+        <pc:spChg chg="mod">
+          <ac:chgData name="SHHD 山本覚" userId="57e3f178-c88d-44ee-9b09-55235ac55cf9" providerId="ADAL" clId="{C0DA2B10-F1D4-4897-B074-9E17192A92F8}" dt="2023-10-31T08:12:45.883" v="2533" actId="20577"/>
+          <ac:spMkLst>
+            <pc:docMk/>
+            <pc:sldMk cId="3319574417" sldId="283"/>
+            <ac:spMk id="2" creationId="{679B1F19-EA37-6319-E74D-3884CF7D7061}"/>
+          </ac:spMkLst>
+        </pc:spChg>
+      </pc:sldChg>
+      <pc:sldChg chg="modSp add mod">
+        <pc:chgData name="SHHD 山本覚" userId="57e3f178-c88d-44ee-9b09-55235ac55cf9" providerId="ADAL" clId="{C0DA2B10-F1D4-4897-B074-9E17192A92F8}" dt="2023-10-31T08:12:55.341" v="2548" actId="20577"/>
+        <pc:sldMkLst>
+          <pc:docMk/>
+          <pc:sldMk cId="2637753194" sldId="284"/>
+        </pc:sldMkLst>
+        <pc:spChg chg="mod">
+          <ac:chgData name="SHHD 山本覚" userId="57e3f178-c88d-44ee-9b09-55235ac55cf9" providerId="ADAL" clId="{C0DA2B10-F1D4-4897-B074-9E17192A92F8}" dt="2023-10-31T08:12:55.341" v="2548" actId="20577"/>
+          <ac:spMkLst>
+            <pc:docMk/>
+            <pc:sldMk cId="2637753194" sldId="284"/>
+            <ac:spMk id="2" creationId="{679B1F19-EA37-6319-E74D-3884CF7D7061}"/>
+          </ac:spMkLst>
+        </pc:spChg>
       </pc:sldChg>
       <pc:sldChg chg="del">
         <pc:chgData name="SHHD 山本覚" userId="57e3f178-c88d-44ee-9b09-55235ac55cf9" providerId="ADAL" clId="{C0DA2B10-F1D4-4897-B074-9E17192A92F8}" dt="2023-10-30T13:46:45.297" v="0" actId="47"/>
@@ -1683,11 +1783,86 @@
           <pc:sldMk cId="437902838" sldId="285"/>
         </pc:sldMkLst>
       </pc:sldChg>
+      <pc:sldChg chg="modSp add mod">
+        <pc:chgData name="SHHD 山本覚" userId="57e3f178-c88d-44ee-9b09-55235ac55cf9" providerId="ADAL" clId="{C0DA2B10-F1D4-4897-B074-9E17192A92F8}" dt="2023-10-31T08:13:10.881" v="2570" actId="20577"/>
+        <pc:sldMkLst>
+          <pc:docMk/>
+          <pc:sldMk cId="2517323573" sldId="285"/>
+        </pc:sldMkLst>
+        <pc:spChg chg="mod">
+          <ac:chgData name="SHHD 山本覚" userId="57e3f178-c88d-44ee-9b09-55235ac55cf9" providerId="ADAL" clId="{C0DA2B10-F1D4-4897-B074-9E17192A92F8}" dt="2023-10-31T08:13:10.881" v="2570" actId="20577"/>
+          <ac:spMkLst>
+            <pc:docMk/>
+            <pc:sldMk cId="2517323573" sldId="285"/>
+            <ac:spMk id="2" creationId="{679B1F19-EA37-6319-E74D-3884CF7D7061}"/>
+          </ac:spMkLst>
+        </pc:spChg>
+      </pc:sldChg>
+      <pc:sldChg chg="addSp delSp modSp add mod">
+        <pc:chgData name="SHHD 山本覚" userId="57e3f178-c88d-44ee-9b09-55235ac55cf9" providerId="ADAL" clId="{C0DA2B10-F1D4-4897-B074-9E17192A92F8}" dt="2023-10-31T08:14:43.366" v="2612" actId="22"/>
+        <pc:sldMkLst>
+          <pc:docMk/>
+          <pc:sldMk cId="898054369" sldId="286"/>
+        </pc:sldMkLst>
+        <pc:spChg chg="mod">
+          <ac:chgData name="SHHD 山本覚" userId="57e3f178-c88d-44ee-9b09-55235ac55cf9" providerId="ADAL" clId="{C0DA2B10-F1D4-4897-B074-9E17192A92F8}" dt="2023-10-31T08:14:28.803" v="2610" actId="20577"/>
+          <ac:spMkLst>
+            <pc:docMk/>
+            <pc:sldMk cId="898054369" sldId="286"/>
+            <ac:spMk id="2" creationId="{679B1F19-EA37-6319-E74D-3884CF7D7061}"/>
+          </ac:spMkLst>
+        </pc:spChg>
+        <pc:spChg chg="add del">
+          <ac:chgData name="SHHD 山本覚" userId="57e3f178-c88d-44ee-9b09-55235ac55cf9" providerId="ADAL" clId="{C0DA2B10-F1D4-4897-B074-9E17192A92F8}" dt="2023-10-31T08:14:43.366" v="2612" actId="22"/>
+          <ac:spMkLst>
+            <pc:docMk/>
+            <pc:sldMk cId="898054369" sldId="286"/>
+            <ac:spMk id="4" creationId="{5DC6BF89-4C99-AC36-6AFE-7C666E5B5C38}"/>
+          </ac:spMkLst>
+        </pc:spChg>
+      </pc:sldChg>
       <pc:sldChg chg="del">
         <pc:chgData name="SHHD 山本覚" userId="57e3f178-c88d-44ee-9b09-55235ac55cf9" providerId="ADAL" clId="{C0DA2B10-F1D4-4897-B074-9E17192A92F8}" dt="2023-10-30T13:46:45.297" v="0" actId="47"/>
         <pc:sldMkLst>
           <pc:docMk/>
           <pc:sldMk cId="2520815508" sldId="286"/>
+        </pc:sldMkLst>
+      </pc:sldChg>
+      <pc:sldChg chg="modSp add mod">
+        <pc:chgData name="SHHD 山本覚" userId="57e3f178-c88d-44ee-9b09-55235ac55cf9" providerId="ADAL" clId="{C0DA2B10-F1D4-4897-B074-9E17192A92F8}" dt="2023-10-31T08:14:55.416" v="2639" actId="20577"/>
+        <pc:sldMkLst>
+          <pc:docMk/>
+          <pc:sldMk cId="3982079533" sldId="287"/>
+        </pc:sldMkLst>
+        <pc:spChg chg="mod">
+          <ac:chgData name="SHHD 山本覚" userId="57e3f178-c88d-44ee-9b09-55235ac55cf9" providerId="ADAL" clId="{C0DA2B10-F1D4-4897-B074-9E17192A92F8}" dt="2023-10-31T08:14:55.416" v="2639" actId="20577"/>
+          <ac:spMkLst>
+            <pc:docMk/>
+            <pc:sldMk cId="3982079533" sldId="287"/>
+            <ac:spMk id="2" creationId="{679B1F19-EA37-6319-E74D-3884CF7D7061}"/>
+          </ac:spMkLst>
+        </pc:spChg>
+      </pc:sldChg>
+      <pc:sldChg chg="modSp add mod">
+        <pc:chgData name="SHHD 山本覚" userId="57e3f178-c88d-44ee-9b09-55235ac55cf9" providerId="ADAL" clId="{C0DA2B10-F1D4-4897-B074-9E17192A92F8}" dt="2023-10-31T08:18:53.470" v="2675" actId="20577"/>
+        <pc:sldMkLst>
+          <pc:docMk/>
+          <pc:sldMk cId="2588003327" sldId="288"/>
+        </pc:sldMkLst>
+        <pc:spChg chg="mod">
+          <ac:chgData name="SHHD 山本覚" userId="57e3f178-c88d-44ee-9b09-55235ac55cf9" providerId="ADAL" clId="{C0DA2B10-F1D4-4897-B074-9E17192A92F8}" dt="2023-10-31T08:18:53.470" v="2675" actId="20577"/>
+          <ac:spMkLst>
+            <pc:docMk/>
+            <pc:sldMk cId="2588003327" sldId="288"/>
+            <ac:spMk id="4" creationId="{9696FD56-A136-8319-D86C-0569605E49F0}"/>
+          </ac:spMkLst>
+        </pc:spChg>
+      </pc:sldChg>
+      <pc:sldChg chg="add del">
+        <pc:chgData name="SHHD 山本覚" userId="57e3f178-c88d-44ee-9b09-55235ac55cf9" providerId="ADAL" clId="{C0DA2B10-F1D4-4897-B074-9E17192A92F8}" dt="2023-10-31T08:18:39.433" v="2641"/>
+        <pc:sldMkLst>
+          <pc:docMk/>
+          <pc:sldMk cId="3653599568" sldId="288"/>
         </pc:sldMkLst>
       </pc:sldChg>
     </pc:docChg>
@@ -3180,7 +3355,7 @@
           <a:p>
             <a:fld id="{E30F2518-C81B-4DFE-8FD7-FBA88C2788B5}" type="slidenum">
               <a:rPr kumimoji="1" lang="ja-JP" altLang="en-US" smtClean="0"/>
-              <a:t>20</a:t>
+              <a:t>28</a:t>
             </a:fld>
             <a:endParaRPr kumimoji="1" lang="ja-JP" altLang="en-US"/>
           </a:p>
@@ -10965,6 +11140,706 @@
 </file>
 
 <file path=ppt/slides/slide20.xml><?xml version="1.0" encoding="utf-8"?>
+<p:sld xmlns:a="http://schemas.openxmlformats.org/drawingml/2006/main" xmlns:r="http://schemas.openxmlformats.org/officeDocument/2006/relationships" xmlns:p="http://schemas.openxmlformats.org/presentationml/2006/main">
+  <p:cSld>
+    <p:spTree>
+      <p:nvGrpSpPr>
+        <p:cNvPr id="1" name=""/>
+        <p:cNvGrpSpPr/>
+        <p:nvPr/>
+      </p:nvGrpSpPr>
+      <p:grpSpPr>
+        <a:xfrm>
+          <a:off x="0" y="0"/>
+          <a:ext cx="0" cy="0"/>
+          <a:chOff x="0" y="0"/>
+          <a:chExt cx="0" cy="0"/>
+        </a:xfrm>
+      </p:grpSpPr>
+      <p:sp>
+        <p:nvSpPr>
+          <p:cNvPr id="2" name="タイトル 1">
+            <a:extLst>
+              <a:ext uri="{FF2B5EF4-FFF2-40B4-BE49-F238E27FC236}">
+                <a16:creationId xmlns:a16="http://schemas.microsoft.com/office/drawing/2014/main" id="{679B1F19-EA37-6319-E74D-3884CF7D7061}"/>
+              </a:ext>
+            </a:extLst>
+          </p:cNvPr>
+          <p:cNvSpPr>
+            <a:spLocks noGrp="1"/>
+          </p:cNvSpPr>
+          <p:nvPr>
+            <p:ph type="title"/>
+          </p:nvPr>
+        </p:nvSpPr>
+        <p:spPr/>
+        <p:txBody>
+          <a:bodyPr/>
+          <a:lstStyle/>
+          <a:p>
+            <a:r>
+              <a:rPr lang="ja-JP" altLang="en-US" dirty="0"/>
+              <a:t>クローンしよう</a:t>
+            </a:r>
+            <a:endParaRPr kumimoji="1" lang="ja-JP" altLang="en-US" dirty="0"/>
+          </a:p>
+        </p:txBody>
+      </p:sp>
+    </p:spTree>
+    <p:extLst>
+      <p:ext uri="{BB962C8B-B14F-4D97-AF65-F5344CB8AC3E}">
+        <p14:creationId xmlns:p14="http://schemas.microsoft.com/office/powerpoint/2010/main" val="1378349243"/>
+      </p:ext>
+    </p:extLst>
+  </p:cSld>
+  <p:clrMapOvr>
+    <a:masterClrMapping/>
+  </p:clrMapOvr>
+</p:sld>
+</file>
+
+<file path=ppt/slides/slide21.xml><?xml version="1.0" encoding="utf-8"?>
+<p:sld xmlns:a="http://schemas.openxmlformats.org/drawingml/2006/main" xmlns:r="http://schemas.openxmlformats.org/officeDocument/2006/relationships" xmlns:p="http://schemas.openxmlformats.org/presentationml/2006/main">
+  <p:cSld>
+    <p:spTree>
+      <p:nvGrpSpPr>
+        <p:cNvPr id="1" name=""/>
+        <p:cNvGrpSpPr/>
+        <p:nvPr/>
+      </p:nvGrpSpPr>
+      <p:grpSpPr>
+        <a:xfrm>
+          <a:off x="0" y="0"/>
+          <a:ext cx="0" cy="0"/>
+          <a:chOff x="0" y="0"/>
+          <a:chExt cx="0" cy="0"/>
+        </a:xfrm>
+      </p:grpSpPr>
+      <p:sp>
+        <p:nvSpPr>
+          <p:cNvPr id="2" name="タイトル 1">
+            <a:extLst>
+              <a:ext uri="{FF2B5EF4-FFF2-40B4-BE49-F238E27FC236}">
+                <a16:creationId xmlns:a16="http://schemas.microsoft.com/office/drawing/2014/main" id="{679B1F19-EA37-6319-E74D-3884CF7D7061}"/>
+              </a:ext>
+            </a:extLst>
+          </p:cNvPr>
+          <p:cNvSpPr>
+            <a:spLocks noGrp="1"/>
+          </p:cNvSpPr>
+          <p:nvPr>
+            <p:ph type="title"/>
+          </p:nvPr>
+        </p:nvSpPr>
+        <p:spPr/>
+        <p:txBody>
+          <a:bodyPr/>
+          <a:lstStyle/>
+          <a:p>
+            <a:r>
+              <a:rPr kumimoji="1" lang="ja-JP" altLang="en-US" dirty="0"/>
+              <a:t>ファイルを編集しよう</a:t>
+            </a:r>
+          </a:p>
+        </p:txBody>
+      </p:sp>
+    </p:spTree>
+    <p:extLst>
+      <p:ext uri="{BB962C8B-B14F-4D97-AF65-F5344CB8AC3E}">
+        <p14:creationId xmlns:p14="http://schemas.microsoft.com/office/powerpoint/2010/main" val="1424329812"/>
+      </p:ext>
+    </p:extLst>
+  </p:cSld>
+  <p:clrMapOvr>
+    <a:masterClrMapping/>
+  </p:clrMapOvr>
+</p:sld>
+</file>
+
+<file path=ppt/slides/slide22.xml><?xml version="1.0" encoding="utf-8"?>
+<p:sld xmlns:a="http://schemas.openxmlformats.org/drawingml/2006/main" xmlns:r="http://schemas.openxmlformats.org/officeDocument/2006/relationships" xmlns:p="http://schemas.openxmlformats.org/presentationml/2006/main">
+  <p:cSld>
+    <p:spTree>
+      <p:nvGrpSpPr>
+        <p:cNvPr id="1" name=""/>
+        <p:cNvGrpSpPr/>
+        <p:nvPr/>
+      </p:nvGrpSpPr>
+      <p:grpSpPr>
+        <a:xfrm>
+          <a:off x="0" y="0"/>
+          <a:ext cx="0" cy="0"/>
+          <a:chOff x="0" y="0"/>
+          <a:chExt cx="0" cy="0"/>
+        </a:xfrm>
+      </p:grpSpPr>
+      <p:sp>
+        <p:nvSpPr>
+          <p:cNvPr id="2" name="タイトル 1">
+            <a:extLst>
+              <a:ext uri="{FF2B5EF4-FFF2-40B4-BE49-F238E27FC236}">
+                <a16:creationId xmlns:a16="http://schemas.microsoft.com/office/drawing/2014/main" id="{679B1F19-EA37-6319-E74D-3884CF7D7061}"/>
+              </a:ext>
+            </a:extLst>
+          </p:cNvPr>
+          <p:cNvSpPr>
+            <a:spLocks noGrp="1"/>
+          </p:cNvSpPr>
+          <p:nvPr>
+            <p:ph type="title"/>
+          </p:nvPr>
+        </p:nvSpPr>
+        <p:spPr/>
+        <p:txBody>
+          <a:bodyPr/>
+          <a:lstStyle/>
+          <a:p>
+            <a:r>
+              <a:rPr lang="ja-JP" altLang="en-US" dirty="0"/>
+              <a:t>コミットしよう</a:t>
+            </a:r>
+            <a:endParaRPr kumimoji="1" lang="ja-JP" altLang="en-US" dirty="0"/>
+          </a:p>
+        </p:txBody>
+      </p:sp>
+    </p:spTree>
+    <p:extLst>
+      <p:ext uri="{BB962C8B-B14F-4D97-AF65-F5344CB8AC3E}">
+        <p14:creationId xmlns:p14="http://schemas.microsoft.com/office/powerpoint/2010/main" val="3319574417"/>
+      </p:ext>
+    </p:extLst>
+  </p:cSld>
+  <p:clrMapOvr>
+    <a:masterClrMapping/>
+  </p:clrMapOvr>
+</p:sld>
+</file>
+
+<file path=ppt/slides/slide23.xml><?xml version="1.0" encoding="utf-8"?>
+<p:sld xmlns:a="http://schemas.openxmlformats.org/drawingml/2006/main" xmlns:r="http://schemas.openxmlformats.org/officeDocument/2006/relationships" xmlns:p="http://schemas.openxmlformats.org/presentationml/2006/main">
+  <p:cSld>
+    <p:spTree>
+      <p:nvGrpSpPr>
+        <p:cNvPr id="1" name=""/>
+        <p:cNvGrpSpPr/>
+        <p:nvPr/>
+      </p:nvGrpSpPr>
+      <p:grpSpPr>
+        <a:xfrm>
+          <a:off x="0" y="0"/>
+          <a:ext cx="0" cy="0"/>
+          <a:chOff x="0" y="0"/>
+          <a:chExt cx="0" cy="0"/>
+        </a:xfrm>
+      </p:grpSpPr>
+      <p:sp>
+        <p:nvSpPr>
+          <p:cNvPr id="2" name="タイトル 1">
+            <a:extLst>
+              <a:ext uri="{FF2B5EF4-FFF2-40B4-BE49-F238E27FC236}">
+                <a16:creationId xmlns:a16="http://schemas.microsoft.com/office/drawing/2014/main" id="{679B1F19-EA37-6319-E74D-3884CF7D7061}"/>
+              </a:ext>
+            </a:extLst>
+          </p:cNvPr>
+          <p:cNvSpPr>
+            <a:spLocks noGrp="1"/>
+          </p:cNvSpPr>
+          <p:nvPr>
+            <p:ph type="title"/>
+          </p:nvPr>
+        </p:nvSpPr>
+        <p:spPr/>
+        <p:txBody>
+          <a:bodyPr/>
+          <a:lstStyle/>
+          <a:p>
+            <a:r>
+              <a:rPr lang="ja-JP" altLang="en-US" dirty="0"/>
+              <a:t>プッシュしよう</a:t>
+            </a:r>
+            <a:endParaRPr kumimoji="1" lang="ja-JP" altLang="en-US" dirty="0"/>
+          </a:p>
+        </p:txBody>
+      </p:sp>
+    </p:spTree>
+    <p:extLst>
+      <p:ext uri="{BB962C8B-B14F-4D97-AF65-F5344CB8AC3E}">
+        <p14:creationId xmlns:p14="http://schemas.microsoft.com/office/powerpoint/2010/main" val="2637753194"/>
+      </p:ext>
+    </p:extLst>
+  </p:cSld>
+  <p:clrMapOvr>
+    <a:masterClrMapping/>
+  </p:clrMapOvr>
+</p:sld>
+</file>
+
+<file path=ppt/slides/slide24.xml><?xml version="1.0" encoding="utf-8"?>
+<p:sld xmlns:a="http://schemas.openxmlformats.org/drawingml/2006/main" xmlns:r="http://schemas.openxmlformats.org/officeDocument/2006/relationships" xmlns:p="http://schemas.openxmlformats.org/presentationml/2006/main">
+  <p:cSld>
+    <p:spTree>
+      <p:nvGrpSpPr>
+        <p:cNvPr id="1" name=""/>
+        <p:cNvGrpSpPr/>
+        <p:nvPr/>
+      </p:nvGrpSpPr>
+      <p:grpSpPr>
+        <a:xfrm>
+          <a:off x="0" y="0"/>
+          <a:ext cx="0" cy="0"/>
+          <a:chOff x="0" y="0"/>
+          <a:chExt cx="0" cy="0"/>
+        </a:xfrm>
+      </p:grpSpPr>
+      <p:sp>
+        <p:nvSpPr>
+          <p:cNvPr id="2" name="タイトル 1">
+            <a:extLst>
+              <a:ext uri="{FF2B5EF4-FFF2-40B4-BE49-F238E27FC236}">
+                <a16:creationId xmlns:a16="http://schemas.microsoft.com/office/drawing/2014/main" id="{679B1F19-EA37-6319-E74D-3884CF7D7061}"/>
+              </a:ext>
+            </a:extLst>
+          </p:cNvPr>
+          <p:cNvSpPr>
+            <a:spLocks noGrp="1"/>
+          </p:cNvSpPr>
+          <p:nvPr>
+            <p:ph type="title"/>
+          </p:nvPr>
+        </p:nvSpPr>
+        <p:spPr/>
+        <p:txBody>
+          <a:bodyPr/>
+          <a:lstStyle/>
+          <a:p>
+            <a:r>
+              <a:rPr lang="ja-JP" altLang="en-US" dirty="0"/>
+              <a:t>プルして確認しよう</a:t>
+            </a:r>
+            <a:endParaRPr kumimoji="1" lang="ja-JP" altLang="en-US" dirty="0"/>
+          </a:p>
+        </p:txBody>
+      </p:sp>
+    </p:spTree>
+    <p:extLst>
+      <p:ext uri="{BB962C8B-B14F-4D97-AF65-F5344CB8AC3E}">
+        <p14:creationId xmlns:p14="http://schemas.microsoft.com/office/powerpoint/2010/main" val="2517323573"/>
+      </p:ext>
+    </p:extLst>
+  </p:cSld>
+  <p:clrMapOvr>
+    <a:masterClrMapping/>
+  </p:clrMapOvr>
+</p:sld>
+</file>
+
+<file path=ppt/slides/slide25.xml><?xml version="1.0" encoding="utf-8"?>
+<p:sld xmlns:a="http://schemas.openxmlformats.org/drawingml/2006/main" xmlns:r="http://schemas.openxmlformats.org/officeDocument/2006/relationships" xmlns:p="http://schemas.openxmlformats.org/presentationml/2006/main">
+  <p:cSld>
+    <p:spTree>
+      <p:nvGrpSpPr>
+        <p:cNvPr id="1" name=""/>
+        <p:cNvGrpSpPr/>
+        <p:nvPr/>
+      </p:nvGrpSpPr>
+      <p:grpSpPr>
+        <a:xfrm>
+          <a:off x="0" y="0"/>
+          <a:ext cx="0" cy="0"/>
+          <a:chOff x="0" y="0"/>
+          <a:chExt cx="0" cy="0"/>
+        </a:xfrm>
+      </p:grpSpPr>
+      <p:sp>
+        <p:nvSpPr>
+          <p:cNvPr id="11" name="正方形/長方形 10">
+            <a:extLst>
+              <a:ext uri="{FF2B5EF4-FFF2-40B4-BE49-F238E27FC236}">
+                <a16:creationId xmlns:a16="http://schemas.microsoft.com/office/drawing/2014/main" id="{1285EFFE-5514-138C-91D6-9278F46A30A9}"/>
+              </a:ext>
+            </a:extLst>
+          </p:cNvPr>
+          <p:cNvSpPr/>
+          <p:nvPr/>
+        </p:nvSpPr>
+        <p:spPr>
+          <a:xfrm>
+            <a:off x="0" y="3381082"/>
+            <a:ext cx="12192000" cy="87482"/>
+          </a:xfrm>
+          <a:prstGeom prst="rect">
+            <a:avLst/>
+          </a:prstGeom>
+          <a:ln>
+            <a:noFill/>
+          </a:ln>
+        </p:spPr>
+        <p:style>
+          <a:lnRef idx="2">
+            <a:schemeClr val="accent1">
+              <a:shade val="15000"/>
+            </a:schemeClr>
+          </a:lnRef>
+          <a:fillRef idx="1">
+            <a:schemeClr val="accent1"/>
+          </a:fillRef>
+          <a:effectRef idx="0">
+            <a:schemeClr val="accent1"/>
+          </a:effectRef>
+          <a:fontRef idx="minor">
+            <a:schemeClr val="lt1"/>
+          </a:fontRef>
+        </p:style>
+        <p:txBody>
+          <a:bodyPr rtlCol="0" anchor="ctr"/>
+          <a:lstStyle/>
+          <a:p>
+            <a:pPr algn="ctr"/>
+            <a:endParaRPr kumimoji="1" lang="ja-JP" altLang="en-US" dirty="0"/>
+          </a:p>
+        </p:txBody>
+      </p:sp>
+      <p:sp>
+        <p:nvSpPr>
+          <p:cNvPr id="4" name="タイトル 3">
+            <a:extLst>
+              <a:ext uri="{FF2B5EF4-FFF2-40B4-BE49-F238E27FC236}">
+                <a16:creationId xmlns:a16="http://schemas.microsoft.com/office/drawing/2014/main" id="{9696FD56-A136-8319-D86C-0569605E49F0}"/>
+              </a:ext>
+            </a:extLst>
+          </p:cNvPr>
+          <p:cNvSpPr>
+            <a:spLocks noGrp="1"/>
+          </p:cNvSpPr>
+          <p:nvPr>
+            <p:ph type="title"/>
+          </p:nvPr>
+        </p:nvSpPr>
+        <p:spPr>
+          <a:xfrm>
+            <a:off x="2155077" y="1983283"/>
+            <a:ext cx="7881845" cy="1107417"/>
+          </a:xfrm>
+          <a:noFill/>
+        </p:spPr>
+        <p:txBody>
+          <a:bodyPr/>
+          <a:lstStyle/>
+          <a:p>
+            <a:pPr algn="ctr"/>
+            <a:r>
+              <a:rPr lang="ja-JP" altLang="en-US">
+                <a:latin typeface="游ゴシック" panose="020B0400000000000000" pitchFamily="50" charset="-128"/>
+                <a:ea typeface="游ゴシック" panose="020B0400000000000000" pitchFamily="50" charset="-128"/>
+              </a:rPr>
+              <a:t>レビューをする</a:t>
+            </a:r>
+            <a:endParaRPr lang="ja-JP" altLang="en-US" dirty="0">
+              <a:latin typeface="游ゴシック" panose="020B0400000000000000" pitchFamily="50" charset="-128"/>
+              <a:ea typeface="游ゴシック" panose="020B0400000000000000" pitchFamily="50" charset="-128"/>
+            </a:endParaRPr>
+          </a:p>
+        </p:txBody>
+      </p:sp>
+      <p:grpSp>
+        <p:nvGrpSpPr>
+          <p:cNvPr id="7" name="グループ化 6">
+            <a:extLst>
+              <a:ext uri="{FF2B5EF4-FFF2-40B4-BE49-F238E27FC236}">
+                <a16:creationId xmlns:a16="http://schemas.microsoft.com/office/drawing/2014/main" id="{663DE046-33B6-E249-2D96-B13A95C66780}"/>
+              </a:ext>
+            </a:extLst>
+          </p:cNvPr>
+          <p:cNvGrpSpPr/>
+          <p:nvPr/>
+        </p:nvGrpSpPr>
+        <p:grpSpPr>
+          <a:xfrm>
+            <a:off x="5381368" y="5657770"/>
+            <a:ext cx="6560261" cy="1171641"/>
+            <a:chOff x="2118910" y="5265603"/>
+            <a:chExt cx="8083405" cy="1443669"/>
+          </a:xfrm>
+        </p:grpSpPr>
+        <p:pic>
+          <p:nvPicPr>
+            <p:cNvPr id="8" name="Picture 2" descr="Git Logo - símbolo, significado logotipo, historia, PNG">
+              <a:extLst>
+                <a:ext uri="{FF2B5EF4-FFF2-40B4-BE49-F238E27FC236}">
+                  <a16:creationId xmlns:a16="http://schemas.microsoft.com/office/drawing/2014/main" id="{B5712062-420E-C422-F78E-837D7DFC9FBD}"/>
+                </a:ext>
+              </a:extLst>
+            </p:cNvPr>
+            <p:cNvPicPr>
+              <a:picLocks noChangeAspect="1" noChangeArrowheads="1"/>
+            </p:cNvPicPr>
+            <p:nvPr/>
+          </p:nvPicPr>
+          <p:blipFill>
+            <a:blip r:embed="rId2">
+              <a:extLst>
+                <a:ext uri="{28A0092B-C50C-407E-A947-70E740481C1C}">
+                  <a14:useLocalDpi xmlns:a14="http://schemas.microsoft.com/office/drawing/2010/main" val="0"/>
+                </a:ext>
+              </a:extLst>
+            </a:blip>
+            <a:srcRect/>
+            <a:stretch>
+              <a:fillRect/>
+            </a:stretch>
+          </p:blipFill>
+          <p:spPr bwMode="auto">
+            <a:xfrm>
+              <a:off x="2118910" y="5265603"/>
+              <a:ext cx="2309870" cy="1443669"/>
+            </a:xfrm>
+            <a:prstGeom prst="rect">
+              <a:avLst/>
+            </a:prstGeom>
+            <a:noFill/>
+            <a:extLst>
+              <a:ext uri="{909E8E84-426E-40DD-AFC4-6F175D3DCCD1}">
+                <a14:hiddenFill xmlns:a14="http://schemas.microsoft.com/office/drawing/2010/main">
+                  <a:solidFill>
+                    <a:srgbClr val="FFFFFF"/>
+                  </a:solidFill>
+                </a14:hiddenFill>
+              </a:ext>
+            </a:extLst>
+          </p:spPr>
+        </p:pic>
+        <p:pic>
+          <p:nvPicPr>
+            <p:cNvPr id="9" name="Picture 4" descr="SourceTree: einfache Versionsverwaltung - was hinter dem Git- und ...">
+              <a:extLst>
+                <a:ext uri="{FF2B5EF4-FFF2-40B4-BE49-F238E27FC236}">
+                  <a16:creationId xmlns:a16="http://schemas.microsoft.com/office/drawing/2014/main" id="{B6EA514E-2C76-0584-3549-36C265EC8AB5}"/>
+                </a:ext>
+              </a:extLst>
+            </p:cNvPr>
+            <p:cNvPicPr>
+              <a:picLocks noChangeAspect="1" noChangeArrowheads="1"/>
+            </p:cNvPicPr>
+            <p:nvPr/>
+          </p:nvPicPr>
+          <p:blipFill>
+            <a:blip r:embed="rId3">
+              <a:extLst>
+                <a:ext uri="{28A0092B-C50C-407E-A947-70E740481C1C}">
+                  <a14:useLocalDpi xmlns:a14="http://schemas.microsoft.com/office/drawing/2010/main" val="0"/>
+                </a:ext>
+              </a:extLst>
+            </a:blip>
+            <a:srcRect/>
+            <a:stretch>
+              <a:fillRect/>
+            </a:stretch>
+          </p:blipFill>
+          <p:spPr bwMode="auto">
+            <a:xfrm>
+              <a:off x="5409059" y="5568027"/>
+              <a:ext cx="4793256" cy="838820"/>
+            </a:xfrm>
+            <a:prstGeom prst="rect">
+              <a:avLst/>
+            </a:prstGeom>
+            <a:noFill/>
+            <a:extLst>
+              <a:ext uri="{909E8E84-426E-40DD-AFC4-6F175D3DCCD1}">
+                <a14:hiddenFill xmlns:a14="http://schemas.microsoft.com/office/drawing/2010/main">
+                  <a:solidFill>
+                    <a:srgbClr val="FFFFFF"/>
+                  </a:solidFill>
+                </a14:hiddenFill>
+              </a:ext>
+            </a:extLst>
+          </p:spPr>
+        </p:pic>
+        <p:sp>
+          <p:nvSpPr>
+            <p:cNvPr id="10" name="テキスト ボックス 9">
+              <a:extLst>
+                <a:ext uri="{FF2B5EF4-FFF2-40B4-BE49-F238E27FC236}">
+                  <a16:creationId xmlns:a16="http://schemas.microsoft.com/office/drawing/2014/main" id="{B2371AEE-3D4A-D56F-B7D0-1F2682376F5B}"/>
+                </a:ext>
+              </a:extLst>
+            </p:cNvPr>
+            <p:cNvSpPr txBox="1"/>
+            <p:nvPr/>
+          </p:nvSpPr>
+          <p:spPr>
+            <a:xfrm>
+              <a:off x="4544459" y="5602716"/>
+              <a:ext cx="748924" cy="796394"/>
+            </a:xfrm>
+            <a:prstGeom prst="rect">
+              <a:avLst/>
+            </a:prstGeom>
+            <a:solidFill>
+              <a:schemeClr val="bg1"/>
+            </a:solidFill>
+          </p:spPr>
+          <p:txBody>
+            <a:bodyPr wrap="square" rtlCol="0">
+              <a:spAutoFit/>
+            </a:bodyPr>
+            <a:lstStyle/>
+            <a:p>
+              <a:r>
+                <a:rPr kumimoji="1" lang="en-US" altLang="ja-JP" sz="3600" b="1" dirty="0">
+                  <a:solidFill>
+                    <a:schemeClr val="bg1">
+                      <a:lumMod val="50000"/>
+                    </a:schemeClr>
+                  </a:solidFill>
+                  <a:latin typeface="Noto Sans JP Black" panose="020B0200000000000000" pitchFamily="50" charset="-128"/>
+                  <a:ea typeface="Noto Sans JP Black" panose="020B0200000000000000" pitchFamily="50" charset="-128"/>
+                </a:rPr>
+                <a:t>×</a:t>
+              </a:r>
+              <a:endParaRPr kumimoji="1" lang="ja-JP" altLang="en-US" sz="3600" b="1" dirty="0">
+                <a:solidFill>
+                  <a:schemeClr val="bg1">
+                    <a:lumMod val="50000"/>
+                  </a:schemeClr>
+                </a:solidFill>
+                <a:latin typeface="Noto Sans JP Black" panose="020B0200000000000000" pitchFamily="50" charset="-128"/>
+                <a:ea typeface="Noto Sans JP Black" panose="020B0200000000000000" pitchFamily="50" charset="-128"/>
+              </a:endParaRPr>
+            </a:p>
+          </p:txBody>
+        </p:sp>
+      </p:grpSp>
+    </p:spTree>
+    <p:extLst>
+      <p:ext uri="{BB962C8B-B14F-4D97-AF65-F5344CB8AC3E}">
+        <p14:creationId xmlns:p14="http://schemas.microsoft.com/office/powerpoint/2010/main" val="2588003327"/>
+      </p:ext>
+    </p:extLst>
+  </p:cSld>
+  <p:clrMapOvr>
+    <a:masterClrMapping/>
+  </p:clrMapOvr>
+</p:sld>
+</file>
+
+<file path=ppt/slides/slide26.xml><?xml version="1.0" encoding="utf-8"?>
+<p:sld xmlns:a="http://schemas.openxmlformats.org/drawingml/2006/main" xmlns:r="http://schemas.openxmlformats.org/officeDocument/2006/relationships" xmlns:p="http://schemas.openxmlformats.org/presentationml/2006/main">
+  <p:cSld>
+    <p:spTree>
+      <p:nvGrpSpPr>
+        <p:cNvPr id="1" name=""/>
+        <p:cNvGrpSpPr/>
+        <p:nvPr/>
+      </p:nvGrpSpPr>
+      <p:grpSpPr>
+        <a:xfrm>
+          <a:off x="0" y="0"/>
+          <a:ext cx="0" cy="0"/>
+          <a:chOff x="0" y="0"/>
+          <a:chExt cx="0" cy="0"/>
+        </a:xfrm>
+      </p:grpSpPr>
+      <p:sp>
+        <p:nvSpPr>
+          <p:cNvPr id="2" name="タイトル 1">
+            <a:extLst>
+              <a:ext uri="{FF2B5EF4-FFF2-40B4-BE49-F238E27FC236}">
+                <a16:creationId xmlns:a16="http://schemas.microsoft.com/office/drawing/2014/main" id="{679B1F19-EA37-6319-E74D-3884CF7D7061}"/>
+              </a:ext>
+            </a:extLst>
+          </p:cNvPr>
+          <p:cNvSpPr>
+            <a:spLocks noGrp="1"/>
+          </p:cNvSpPr>
+          <p:nvPr>
+            <p:ph type="title"/>
+          </p:nvPr>
+        </p:nvSpPr>
+        <p:spPr/>
+        <p:txBody>
+          <a:bodyPr/>
+          <a:lstStyle/>
+          <a:p>
+            <a:r>
+              <a:rPr kumimoji="1" lang="ja-JP" altLang="en-US" dirty="0"/>
+              <a:t>前のバージョンに戻ってみよう</a:t>
+            </a:r>
+          </a:p>
+        </p:txBody>
+      </p:sp>
+    </p:spTree>
+    <p:extLst>
+      <p:ext uri="{BB962C8B-B14F-4D97-AF65-F5344CB8AC3E}">
+        <p14:creationId xmlns:p14="http://schemas.microsoft.com/office/powerpoint/2010/main" val="898054369"/>
+      </p:ext>
+    </p:extLst>
+  </p:cSld>
+  <p:clrMapOvr>
+    <a:masterClrMapping/>
+  </p:clrMapOvr>
+</p:sld>
+</file>
+
+<file path=ppt/slides/slide27.xml><?xml version="1.0" encoding="utf-8"?>
+<p:sld xmlns:a="http://schemas.openxmlformats.org/drawingml/2006/main" xmlns:r="http://schemas.openxmlformats.org/officeDocument/2006/relationships" xmlns:p="http://schemas.openxmlformats.org/presentationml/2006/main">
+  <p:cSld>
+    <p:spTree>
+      <p:nvGrpSpPr>
+        <p:cNvPr id="1" name=""/>
+        <p:cNvGrpSpPr/>
+        <p:nvPr/>
+      </p:nvGrpSpPr>
+      <p:grpSpPr>
+        <a:xfrm>
+          <a:off x="0" y="0"/>
+          <a:ext cx="0" cy="0"/>
+          <a:chOff x="0" y="0"/>
+          <a:chExt cx="0" cy="0"/>
+        </a:xfrm>
+      </p:grpSpPr>
+      <p:sp>
+        <p:nvSpPr>
+          <p:cNvPr id="2" name="タイトル 1">
+            <a:extLst>
+              <a:ext uri="{FF2B5EF4-FFF2-40B4-BE49-F238E27FC236}">
+                <a16:creationId xmlns:a16="http://schemas.microsoft.com/office/drawing/2014/main" id="{679B1F19-EA37-6319-E74D-3884CF7D7061}"/>
+              </a:ext>
+            </a:extLst>
+          </p:cNvPr>
+          <p:cNvSpPr>
+            <a:spLocks noGrp="1"/>
+          </p:cNvSpPr>
+          <p:nvPr>
+            <p:ph type="title"/>
+          </p:nvPr>
+        </p:nvSpPr>
+        <p:spPr/>
+        <p:txBody>
+          <a:bodyPr/>
+          <a:lstStyle/>
+          <a:p>
+            <a:r>
+              <a:rPr kumimoji="1" lang="ja-JP" altLang="en-US" dirty="0"/>
+              <a:t>レビューを申請してみよう</a:t>
+            </a:r>
+          </a:p>
+        </p:txBody>
+      </p:sp>
+    </p:spTree>
+    <p:extLst>
+      <p:ext uri="{BB962C8B-B14F-4D97-AF65-F5344CB8AC3E}">
+        <p14:creationId xmlns:p14="http://schemas.microsoft.com/office/powerpoint/2010/main" val="3982079533"/>
+      </p:ext>
+    </p:extLst>
+  </p:cSld>
+  <p:clrMapOvr>
+    <a:masterClrMapping/>
+  </p:clrMapOvr>
+</p:sld>
+</file>
+
+<file path=ppt/slides/slide28.xml><?xml version="1.0" encoding="utf-8"?>
 <p:sld xmlns:a="http://schemas.openxmlformats.org/drawingml/2006/main" xmlns:r="http://schemas.openxmlformats.org/officeDocument/2006/relationships" xmlns:p="http://schemas.openxmlformats.org/presentationml/2006/main">
   <p:cSld>
     <p:spTree>

--- a/ハンズオン_Git入門.pptx
+++ b/ハンズオン_Git入門.pptx
@@ -5,7 +5,7 @@
     <p:sldMasterId id="2147483660" r:id="rId1"/>
   </p:sldMasterIdLst>
   <p:notesMasterIdLst>
-    <p:notesMasterId r:id="rId37"/>
+    <p:notesMasterId r:id="rId38"/>
   </p:notesMasterIdLst>
   <p:sldIdLst>
     <p:sldId id="256" r:id="rId2"/>
@@ -38,11 +38,12 @@
     <p:sldId id="282" r:id="rId29"/>
     <p:sldId id="283" r:id="rId30"/>
     <p:sldId id="298" r:id="rId31"/>
-    <p:sldId id="284" r:id="rId32"/>
-    <p:sldId id="285" r:id="rId33"/>
-    <p:sldId id="293" r:id="rId34"/>
-    <p:sldId id="294" r:id="rId35"/>
-    <p:sldId id="263" r:id="rId36"/>
+    <p:sldId id="299" r:id="rId32"/>
+    <p:sldId id="284" r:id="rId33"/>
+    <p:sldId id="285" r:id="rId34"/>
+    <p:sldId id="293" r:id="rId35"/>
+    <p:sldId id="294" r:id="rId36"/>
+    <p:sldId id="263" r:id="rId37"/>
   </p:sldIdLst>
   <p:sldSz cx="12192000" cy="6858000"/>
   <p:notesSz cx="6858000" cy="9144000"/>
@@ -152,7 +153,7 @@
 <file path=ppt/revisionInfo.xml><?xml version="1.0" encoding="utf-8"?>
 <p1510:revInfo xmlns:a="http://schemas.openxmlformats.org/drawingml/2006/main" xmlns:r="http://schemas.openxmlformats.org/officeDocument/2006/relationships" xmlns:p1510="http://schemas.microsoft.com/office/powerpoint/2015/10/main">
   <p1510:revLst>
-    <p1510:client id="{C0DA2B10-F1D4-4897-B074-9E17192A92F8}" v="342" dt="2023-10-31T18:46:38.660"/>
+    <p1510:client id="{C0DA2B10-F1D4-4897-B074-9E17192A92F8}" v="350" dt="2023-10-31T18:53:19.763"/>
   </p1510:revLst>
 </p1510:revInfo>
 </file>
@@ -694,7 +695,7 @@
   <pc:docChgLst>
     <pc:chgData name="SHHD 山本覚" userId="57e3f178-c88d-44ee-9b09-55235ac55cf9" providerId="ADAL" clId="{C0DA2B10-F1D4-4897-B074-9E17192A92F8}"/>
     <pc:docChg chg="undo custSel addSld delSld modSld sldOrd">
-      <pc:chgData name="SHHD 山本覚" userId="57e3f178-c88d-44ee-9b09-55235ac55cf9" providerId="ADAL" clId="{C0DA2B10-F1D4-4897-B074-9E17192A92F8}" dt="2023-10-31T18:47:08.152" v="8807" actId="1076"/>
+      <pc:chgData name="SHHD 山本覚" userId="57e3f178-c88d-44ee-9b09-55235ac55cf9" providerId="ADAL" clId="{C0DA2B10-F1D4-4897-B074-9E17192A92F8}" dt="2023-10-31T18:54:23.973" v="9212" actId="14100"/>
       <pc:docMkLst>
         <pc:docMk/>
       </pc:docMkLst>
@@ -2980,7 +2981,7 @@
         </pc:sldMkLst>
       </pc:sldChg>
       <pc:sldChg chg="addSp modSp add mod">
-        <pc:chgData name="SHHD 山本覚" userId="57e3f178-c88d-44ee-9b09-55235ac55cf9" providerId="ADAL" clId="{C0DA2B10-F1D4-4897-B074-9E17192A92F8}" dt="2023-10-31T18:42:57.895" v="8658" actId="20577"/>
+        <pc:chgData name="SHHD 山本覚" userId="57e3f178-c88d-44ee-9b09-55235ac55cf9" providerId="ADAL" clId="{C0DA2B10-F1D4-4897-B074-9E17192A92F8}" dt="2023-10-31T18:50:21.584" v="8952" actId="120"/>
         <pc:sldMkLst>
           <pc:docMk/>
           <pc:sldMk cId="3319574417" sldId="283"/>
@@ -3002,7 +3003,7 @@
           </ac:spMkLst>
         </pc:spChg>
         <pc:spChg chg="add mod">
-          <ac:chgData name="SHHD 山本覚" userId="57e3f178-c88d-44ee-9b09-55235ac55cf9" providerId="ADAL" clId="{C0DA2B10-F1D4-4897-B074-9E17192A92F8}" dt="2023-10-31T18:41:12.477" v="8620" actId="20577"/>
+          <ac:chgData name="SHHD 山本覚" userId="57e3f178-c88d-44ee-9b09-55235ac55cf9" providerId="ADAL" clId="{C0DA2B10-F1D4-4897-B074-9E17192A92F8}" dt="2023-10-31T18:50:21.584" v="8952" actId="120"/>
           <ac:spMkLst>
             <pc:docMk/>
             <pc:sldMk cId="3319574417" sldId="283"/>
@@ -3018,8 +3019,8 @@
           </ac:picMkLst>
         </pc:picChg>
       </pc:sldChg>
-      <pc:sldChg chg="modSp add mod">
-        <pc:chgData name="SHHD 山本覚" userId="57e3f178-c88d-44ee-9b09-55235ac55cf9" providerId="ADAL" clId="{C0DA2B10-F1D4-4897-B074-9E17192A92F8}" dt="2023-10-31T08:12:55.341" v="2548" actId="20577"/>
+      <pc:sldChg chg="addSp modSp add mod">
+        <pc:chgData name="SHHD 山本覚" userId="57e3f178-c88d-44ee-9b09-55235ac55cf9" providerId="ADAL" clId="{C0DA2B10-F1D4-4897-B074-9E17192A92F8}" dt="2023-10-31T18:52:04.395" v="9041" actId="1076"/>
         <pc:sldMkLst>
           <pc:docMk/>
           <pc:sldMk cId="2637753194" sldId="284"/>
@@ -3032,6 +3033,38 @@
             <ac:spMk id="2" creationId="{679B1F19-EA37-6319-E74D-3884CF7D7061}"/>
           </ac:spMkLst>
         </pc:spChg>
+        <pc:spChg chg="add mod">
+          <ac:chgData name="SHHD 山本覚" userId="57e3f178-c88d-44ee-9b09-55235ac55cf9" providerId="ADAL" clId="{C0DA2B10-F1D4-4897-B074-9E17192A92F8}" dt="2023-10-31T18:52:04.395" v="9041" actId="1076"/>
+          <ac:spMkLst>
+            <pc:docMk/>
+            <pc:sldMk cId="2637753194" sldId="284"/>
+            <ac:spMk id="5" creationId="{11732FCA-1080-11DD-FDED-52C15E9A54A1}"/>
+          </ac:spMkLst>
+        </pc:spChg>
+        <pc:spChg chg="add mod">
+          <ac:chgData name="SHHD 山本覚" userId="57e3f178-c88d-44ee-9b09-55235ac55cf9" providerId="ADAL" clId="{C0DA2B10-F1D4-4897-B074-9E17192A92F8}" dt="2023-10-31T18:51:56.789" v="9038" actId="1076"/>
+          <ac:spMkLst>
+            <pc:docMk/>
+            <pc:sldMk cId="2637753194" sldId="284"/>
+            <ac:spMk id="6" creationId="{F4AF7E18-D661-0549-D1AD-F8E179DF99A6}"/>
+          </ac:spMkLst>
+        </pc:spChg>
+        <pc:picChg chg="add mod">
+          <ac:chgData name="SHHD 山本覚" userId="57e3f178-c88d-44ee-9b09-55235ac55cf9" providerId="ADAL" clId="{C0DA2B10-F1D4-4897-B074-9E17192A92F8}" dt="2023-10-31T18:52:04.395" v="9041" actId="1076"/>
+          <ac:picMkLst>
+            <pc:docMk/>
+            <pc:sldMk cId="2637753194" sldId="284"/>
+            <ac:picMk id="4" creationId="{92C96473-9BCD-41C8-6A28-C2E7B2709F4E}"/>
+          </ac:picMkLst>
+        </pc:picChg>
+        <pc:picChg chg="add mod">
+          <ac:chgData name="SHHD 山本覚" userId="57e3f178-c88d-44ee-9b09-55235ac55cf9" providerId="ADAL" clId="{C0DA2B10-F1D4-4897-B074-9E17192A92F8}" dt="2023-10-31T18:51:59.680" v="9040" actId="571"/>
+          <ac:picMkLst>
+            <pc:docMk/>
+            <pc:sldMk cId="2637753194" sldId="284"/>
+            <ac:picMk id="7" creationId="{2B0A816E-1402-6EA7-8D01-9E8A0E258CDA}"/>
+          </ac:picMkLst>
+        </pc:picChg>
       </pc:sldChg>
       <pc:sldChg chg="del">
         <pc:chgData name="SHHD 山本覚" userId="57e3f178-c88d-44ee-9b09-55235ac55cf9" providerId="ADAL" clId="{C0DA2B10-F1D4-4897-B074-9E17192A92F8}" dt="2023-10-30T13:46:45.297" v="0" actId="47"/>
@@ -3047,8 +3080,8 @@
           <pc:sldMk cId="437902838" sldId="285"/>
         </pc:sldMkLst>
       </pc:sldChg>
-      <pc:sldChg chg="modSp add mod">
-        <pc:chgData name="SHHD 山本覚" userId="57e3f178-c88d-44ee-9b09-55235ac55cf9" providerId="ADAL" clId="{C0DA2B10-F1D4-4897-B074-9E17192A92F8}" dt="2023-10-31T08:13:10.881" v="2570" actId="20577"/>
+      <pc:sldChg chg="addSp modSp add mod">
+        <pc:chgData name="SHHD 山本覚" userId="57e3f178-c88d-44ee-9b09-55235ac55cf9" providerId="ADAL" clId="{C0DA2B10-F1D4-4897-B074-9E17192A92F8}" dt="2023-10-31T18:54:23.973" v="9212" actId="14100"/>
         <pc:sldMkLst>
           <pc:docMk/>
           <pc:sldMk cId="2517323573" sldId="285"/>
@@ -3059,6 +3092,14 @@
             <pc:docMk/>
             <pc:sldMk cId="2517323573" sldId="285"/>
             <ac:spMk id="2" creationId="{679B1F19-EA37-6319-E74D-3884CF7D7061}"/>
+          </ac:spMkLst>
+        </pc:spChg>
+        <pc:spChg chg="add mod">
+          <ac:chgData name="SHHD 山本覚" userId="57e3f178-c88d-44ee-9b09-55235ac55cf9" providerId="ADAL" clId="{C0DA2B10-F1D4-4897-B074-9E17192A92F8}" dt="2023-10-31T18:54:23.973" v="9212" actId="14100"/>
+          <ac:spMkLst>
+            <pc:docMk/>
+            <pc:sldMk cId="2517323573" sldId="285"/>
+            <ac:spMk id="3" creationId="{895D536F-403C-E920-88A4-160A3F99248D}"/>
           </ac:spMkLst>
         </pc:spChg>
       </pc:sldChg>
@@ -4472,7 +4513,7 @@
         </pc:picChg>
       </pc:sldChg>
       <pc:sldChg chg="addSp delSp modSp add mod">
-        <pc:chgData name="SHHD 山本覚" userId="57e3f178-c88d-44ee-9b09-55235ac55cf9" providerId="ADAL" clId="{C0DA2B10-F1D4-4897-B074-9E17192A92F8}" dt="2023-10-31T18:47:08.152" v="8807" actId="1076"/>
+        <pc:chgData name="SHHD 山本覚" userId="57e3f178-c88d-44ee-9b09-55235ac55cf9" providerId="ADAL" clId="{C0DA2B10-F1D4-4897-B074-9E17192A92F8}" dt="2023-10-31T18:48:08.634" v="8809" actId="22"/>
         <pc:sldMkLst>
           <pc:docMk/>
           <pc:sldMk cId="1563580008" sldId="298"/>
@@ -4565,6 +4606,14 @@
             <ac:spMk id="18" creationId="{9E67D20A-C8CE-5E1D-A76D-EB3D35259E5F}"/>
           </ac:spMkLst>
         </pc:spChg>
+        <pc:picChg chg="add del">
+          <ac:chgData name="SHHD 山本覚" userId="57e3f178-c88d-44ee-9b09-55235ac55cf9" providerId="ADAL" clId="{C0DA2B10-F1D4-4897-B074-9E17192A92F8}" dt="2023-10-31T18:48:08.634" v="8809" actId="22"/>
+          <ac:picMkLst>
+            <pc:docMk/>
+            <pc:sldMk cId="1563580008" sldId="298"/>
+            <ac:picMk id="3" creationId="{BF97FC4D-62D2-A040-5216-A929B53B3546}"/>
+          </ac:picMkLst>
+        </pc:picChg>
         <pc:picChg chg="del">
           <ac:chgData name="SHHD 山本覚" userId="57e3f178-c88d-44ee-9b09-55235ac55cf9" providerId="ADAL" clId="{C0DA2B10-F1D4-4897-B074-9E17192A92F8}" dt="2023-10-31T18:43:08.383" v="8672" actId="478"/>
           <ac:picMkLst>
@@ -4587,6 +4636,61 @@
             <pc:docMk/>
             <pc:sldMk cId="1563580008" sldId="298"/>
             <ac:picMk id="13" creationId="{C4F16BDA-85A8-B817-99C9-A5E537873808}"/>
+          </ac:picMkLst>
+        </pc:picChg>
+      </pc:sldChg>
+      <pc:sldChg chg="addSp delSp modSp add mod">
+        <pc:chgData name="SHHD 山本覚" userId="57e3f178-c88d-44ee-9b09-55235ac55cf9" providerId="ADAL" clId="{C0DA2B10-F1D4-4897-B074-9E17192A92F8}" dt="2023-10-31T18:51:10.871" v="8963"/>
+        <pc:sldMkLst>
+          <pc:docMk/>
+          <pc:sldMk cId="1434006125" sldId="299"/>
+        </pc:sldMkLst>
+        <pc:spChg chg="mod">
+          <ac:chgData name="SHHD 山本覚" userId="57e3f178-c88d-44ee-9b09-55235ac55cf9" providerId="ADAL" clId="{C0DA2B10-F1D4-4897-B074-9E17192A92F8}" dt="2023-10-31T18:49:35.294" v="8893" actId="20577"/>
+          <ac:spMkLst>
+            <pc:docMk/>
+            <pc:sldMk cId="1434006125" sldId="299"/>
+            <ac:spMk id="2" creationId="{679B1F19-EA37-6319-E74D-3884CF7D7061}"/>
+          </ac:spMkLst>
+        </pc:spChg>
+        <pc:spChg chg="mod ord">
+          <ac:chgData name="SHHD 山本覚" userId="57e3f178-c88d-44ee-9b09-55235ac55cf9" providerId="ADAL" clId="{C0DA2B10-F1D4-4897-B074-9E17192A92F8}" dt="2023-10-31T18:49:09.137" v="8821" actId="14100"/>
+          <ac:spMkLst>
+            <pc:docMk/>
+            <pc:sldMk cId="1434006125" sldId="299"/>
+            <ac:spMk id="5" creationId="{4CAFE40C-4770-AF94-90A3-9F6C784FB701}"/>
+          </ac:spMkLst>
+        </pc:spChg>
+        <pc:spChg chg="mod">
+          <ac:chgData name="SHHD 山本覚" userId="57e3f178-c88d-44ee-9b09-55235ac55cf9" providerId="ADAL" clId="{C0DA2B10-F1D4-4897-B074-9E17192A92F8}" dt="2023-10-31T18:50:07.390" v="8949" actId="1076"/>
+          <ac:spMkLst>
+            <pc:docMk/>
+            <pc:sldMk cId="1434006125" sldId="299"/>
+            <ac:spMk id="6" creationId="{C08465FF-1904-DE6C-6399-BC872D7F5EAB}"/>
+          </ac:spMkLst>
+        </pc:spChg>
+        <pc:spChg chg="add del mod">
+          <ac:chgData name="SHHD 山本覚" userId="57e3f178-c88d-44ee-9b09-55235ac55cf9" providerId="ADAL" clId="{C0DA2B10-F1D4-4897-B074-9E17192A92F8}" dt="2023-10-31T18:51:10.871" v="8963"/>
+          <ac:spMkLst>
+            <pc:docMk/>
+            <pc:sldMk cId="1434006125" sldId="299"/>
+            <ac:spMk id="8" creationId="{E088C086-89DA-18D7-2505-B91721A7DE7E}"/>
+          </ac:spMkLst>
+        </pc:spChg>
+        <pc:picChg chg="del">
+          <ac:chgData name="SHHD 山本覚" userId="57e3f178-c88d-44ee-9b09-55235ac55cf9" providerId="ADAL" clId="{C0DA2B10-F1D4-4897-B074-9E17192A92F8}" dt="2023-10-31T18:48:44.314" v="8811" actId="478"/>
+          <ac:picMkLst>
+            <pc:docMk/>
+            <pc:sldMk cId="1434006125" sldId="299"/>
+            <ac:picMk id="4" creationId="{D14822EF-50A3-EBF3-D175-1869D5D966DA}"/>
+          </ac:picMkLst>
+        </pc:picChg>
+        <pc:picChg chg="add mod">
+          <ac:chgData name="SHHD 山本覚" userId="57e3f178-c88d-44ee-9b09-55235ac55cf9" providerId="ADAL" clId="{C0DA2B10-F1D4-4897-B074-9E17192A92F8}" dt="2023-10-31T18:50:09.576" v="8950" actId="1076"/>
+          <ac:picMkLst>
+            <pc:docMk/>
+            <pc:sldMk cId="1434006125" sldId="299"/>
+            <ac:picMk id="7" creationId="{F382BC79-1A6A-3EA6-3503-F5D918687F60}"/>
           </ac:picMkLst>
         </pc:picChg>
       </pc:sldChg>
@@ -6080,7 +6184,7 @@
           <a:p>
             <a:fld id="{E30F2518-C81B-4DFE-8FD7-FBA88C2788B5}" type="slidenum">
               <a:rPr kumimoji="1" lang="ja-JP" altLang="en-US" smtClean="0"/>
-              <a:t>35</a:t>
+              <a:t>36</a:t>
             </a:fld>
             <a:endParaRPr kumimoji="1" lang="ja-JP" altLang="en-US"/>
           </a:p>
@@ -24182,16 +24286,147 @@
           <a:p>
             <a:r>
               <a:rPr lang="ja-JP" altLang="en-US" dirty="0"/>
-              <a:t>プッシュしよう</a:t>
+              <a:t>コミットする（２）</a:t>
             </a:r>
             <a:endParaRPr kumimoji="1" lang="ja-JP" altLang="en-US" dirty="0"/>
+          </a:p>
+        </p:txBody>
+      </p:sp>
+      <p:sp>
+        <p:nvSpPr>
+          <p:cNvPr id="6" name="コンテンツ プレースホルダー 2">
+            <a:extLst>
+              <a:ext uri="{FF2B5EF4-FFF2-40B4-BE49-F238E27FC236}">
+                <a16:creationId xmlns:a16="http://schemas.microsoft.com/office/drawing/2014/main" id="{C08465FF-1904-DE6C-6399-BC872D7F5EAB}"/>
+              </a:ext>
+            </a:extLst>
+          </p:cNvPr>
+          <p:cNvSpPr>
+            <a:spLocks noGrp="1"/>
+          </p:cNvSpPr>
+          <p:nvPr>
+            <p:ph idx="1"/>
+          </p:nvPr>
+        </p:nvSpPr>
+        <p:spPr>
+          <a:xfrm>
+            <a:off x="2679607" y="1565897"/>
+            <a:ext cx="6941641" cy="1307931"/>
+          </a:xfrm>
+        </p:spPr>
+        <p:txBody>
+          <a:bodyPr>
+            <a:noAutofit/>
+          </a:bodyPr>
+          <a:lstStyle/>
+          <a:p>
+            <a:pPr>
+              <a:lnSpc>
+                <a:spcPct val="150000"/>
+              </a:lnSpc>
+              <a:buFont typeface="Arial" panose="020B0604020202020204" pitchFamily="34" charset="0"/>
+              <a:buChar char="•"/>
+            </a:pPr>
+            <a:r>
+              <a:rPr kumimoji="1" lang="ja-JP" altLang="en-US" sz="2400" dirty="0"/>
+              <a:t>コミットした内容が表示されるか確認します</a:t>
+            </a:r>
+            <a:br>
+              <a:rPr kumimoji="1" lang="en-US" altLang="ja-JP" sz="2400" dirty="0"/>
+            </a:br>
+            <a:r>
+              <a:rPr kumimoji="1" lang="ja-JP" altLang="en-US" sz="2400" dirty="0"/>
+              <a:t>表示されていればコミット完了です</a:t>
+            </a:r>
+          </a:p>
+        </p:txBody>
+      </p:sp>
+      <p:pic>
+        <p:nvPicPr>
+          <p:cNvPr id="7" name="図 6">
+            <a:extLst>
+              <a:ext uri="{FF2B5EF4-FFF2-40B4-BE49-F238E27FC236}">
+                <a16:creationId xmlns:a16="http://schemas.microsoft.com/office/drawing/2014/main" id="{F382BC79-1A6A-3EA6-3503-F5D918687F60}"/>
+              </a:ext>
+            </a:extLst>
+          </p:cNvPr>
+          <p:cNvPicPr>
+            <a:picLocks noChangeAspect="1"/>
+          </p:cNvPicPr>
+          <p:nvPr/>
+        </p:nvPicPr>
+        <p:blipFill>
+          <a:blip r:embed="rId2"/>
+          <a:stretch>
+            <a:fillRect/>
+          </a:stretch>
+        </p:blipFill>
+        <p:spPr>
+          <a:xfrm>
+            <a:off x="549727" y="3289730"/>
+            <a:ext cx="11201400" cy="2258186"/>
+          </a:xfrm>
+          <a:prstGeom prst="rect">
+            <a:avLst/>
+          </a:prstGeom>
+        </p:spPr>
+      </p:pic>
+      <p:sp>
+        <p:nvSpPr>
+          <p:cNvPr id="5" name="正方形/長方形 4">
+            <a:extLst>
+              <a:ext uri="{FF2B5EF4-FFF2-40B4-BE49-F238E27FC236}">
+                <a16:creationId xmlns:a16="http://schemas.microsoft.com/office/drawing/2014/main" id="{4CAFE40C-4770-AF94-90A3-9F6C784FB701}"/>
+              </a:ext>
+            </a:extLst>
+          </p:cNvPr>
+          <p:cNvSpPr/>
+          <p:nvPr/>
+        </p:nvSpPr>
+        <p:spPr>
+          <a:xfrm>
+            <a:off x="2440212" y="4718957"/>
+            <a:ext cx="9147631" cy="195943"/>
+          </a:xfrm>
+          <a:prstGeom prst="rect">
+            <a:avLst/>
+          </a:prstGeom>
+          <a:noFill/>
+          <a:ln w="50800">
+            <a:solidFill>
+              <a:srgbClr val="FF0000"/>
+            </a:solidFill>
+          </a:ln>
+        </p:spPr>
+        <p:style>
+          <a:lnRef idx="2">
+            <a:schemeClr val="accent1">
+              <a:shade val="15000"/>
+            </a:schemeClr>
+          </a:lnRef>
+          <a:fillRef idx="1">
+            <a:schemeClr val="accent1"/>
+          </a:fillRef>
+          <a:effectRef idx="0">
+            <a:schemeClr val="accent1"/>
+          </a:effectRef>
+          <a:fontRef idx="minor">
+            <a:schemeClr val="lt1"/>
+          </a:fontRef>
+        </p:style>
+        <p:txBody>
+          <a:bodyPr rtlCol="0" anchor="ctr"/>
+          <a:lstStyle/>
+          <a:p>
+            <a:pPr algn="ctr"/>
+            <a:endParaRPr kumimoji="1" lang="ja-JP" altLang="en-US"/>
           </a:p>
         </p:txBody>
       </p:sp>
     </p:spTree>
     <p:extLst>
       <p:ext uri="{BB962C8B-B14F-4D97-AF65-F5344CB8AC3E}">
-        <p14:creationId xmlns:p14="http://schemas.microsoft.com/office/powerpoint/2010/main" val="2637753194"/>
+        <p14:creationId xmlns:p14="http://schemas.microsoft.com/office/powerpoint/2010/main" val="1434006125"/>
       </p:ext>
     </p:extLst>
   </p:cSld>
@@ -24241,16 +24476,140 @@
           <a:p>
             <a:r>
               <a:rPr lang="ja-JP" altLang="en-US" dirty="0"/>
-              <a:t>プルして確認しよう</a:t>
+              <a:t>プッシュしよう</a:t>
             </a:r>
             <a:endParaRPr kumimoji="1" lang="ja-JP" altLang="en-US" dirty="0"/>
+          </a:p>
+        </p:txBody>
+      </p:sp>
+      <p:pic>
+        <p:nvPicPr>
+          <p:cNvPr id="4" name="図 3">
+            <a:extLst>
+              <a:ext uri="{FF2B5EF4-FFF2-40B4-BE49-F238E27FC236}">
+                <a16:creationId xmlns:a16="http://schemas.microsoft.com/office/drawing/2014/main" id="{92C96473-9BCD-41C8-6A28-C2E7B2709F4E}"/>
+              </a:ext>
+            </a:extLst>
+          </p:cNvPr>
+          <p:cNvPicPr>
+            <a:picLocks noChangeAspect="1"/>
+          </p:cNvPicPr>
+          <p:nvPr/>
+        </p:nvPicPr>
+        <p:blipFill>
+          <a:blip r:embed="rId2"/>
+          <a:stretch>
+            <a:fillRect/>
+          </a:stretch>
+        </p:blipFill>
+        <p:spPr>
+          <a:xfrm>
+            <a:off x="454398" y="2297848"/>
+            <a:ext cx="11283203" cy="3756026"/>
+          </a:xfrm>
+          <a:prstGeom prst="rect">
+            <a:avLst/>
+          </a:prstGeom>
+        </p:spPr>
+      </p:pic>
+      <p:sp>
+        <p:nvSpPr>
+          <p:cNvPr id="5" name="正方形/長方形 4">
+            <a:extLst>
+              <a:ext uri="{FF2B5EF4-FFF2-40B4-BE49-F238E27FC236}">
+                <a16:creationId xmlns:a16="http://schemas.microsoft.com/office/drawing/2014/main" id="{11732FCA-1080-11DD-FDED-52C15E9A54A1}"/>
+              </a:ext>
+            </a:extLst>
+          </p:cNvPr>
+          <p:cNvSpPr/>
+          <p:nvPr/>
+        </p:nvSpPr>
+        <p:spPr>
+          <a:xfrm>
+            <a:off x="1768100" y="2763615"/>
+            <a:ext cx="569688" cy="566055"/>
+          </a:xfrm>
+          <a:prstGeom prst="rect">
+            <a:avLst/>
+          </a:prstGeom>
+          <a:noFill/>
+          <a:ln w="50800">
+            <a:solidFill>
+              <a:srgbClr val="FF0000"/>
+            </a:solidFill>
+          </a:ln>
+        </p:spPr>
+        <p:style>
+          <a:lnRef idx="2">
+            <a:schemeClr val="accent1">
+              <a:shade val="15000"/>
+            </a:schemeClr>
+          </a:lnRef>
+          <a:fillRef idx="1">
+            <a:schemeClr val="accent1"/>
+          </a:fillRef>
+          <a:effectRef idx="0">
+            <a:schemeClr val="accent1"/>
+          </a:effectRef>
+          <a:fontRef idx="minor">
+            <a:schemeClr val="lt1"/>
+          </a:fontRef>
+        </p:style>
+        <p:txBody>
+          <a:bodyPr rtlCol="0" anchor="ctr"/>
+          <a:lstStyle/>
+          <a:p>
+            <a:pPr algn="ctr"/>
+            <a:endParaRPr kumimoji="1" lang="ja-JP" altLang="en-US"/>
+          </a:p>
+        </p:txBody>
+      </p:sp>
+      <p:sp>
+        <p:nvSpPr>
+          <p:cNvPr id="6" name="コンテンツ プレースホルダー 2">
+            <a:extLst>
+              <a:ext uri="{FF2B5EF4-FFF2-40B4-BE49-F238E27FC236}">
+                <a16:creationId xmlns:a16="http://schemas.microsoft.com/office/drawing/2014/main" id="{F4AF7E18-D661-0549-D1AD-F8E179DF99A6}"/>
+              </a:ext>
+            </a:extLst>
+          </p:cNvPr>
+          <p:cNvSpPr>
+            <a:spLocks noGrp="1"/>
+          </p:cNvSpPr>
+          <p:nvPr>
+            <p:ph idx="1"/>
+          </p:nvPr>
+        </p:nvSpPr>
+        <p:spPr>
+          <a:xfrm>
+            <a:off x="2150789" y="1342740"/>
+            <a:ext cx="7890422" cy="654789"/>
+          </a:xfrm>
+        </p:spPr>
+        <p:txBody>
+          <a:bodyPr>
+            <a:noAutofit/>
+          </a:bodyPr>
+          <a:lstStyle/>
+          <a:p>
+            <a:pPr>
+              <a:lnSpc>
+                <a:spcPct val="150000"/>
+              </a:lnSpc>
+              <a:buFont typeface="Arial" panose="020B0604020202020204" pitchFamily="34" charset="0"/>
+              <a:buChar char="•"/>
+            </a:pPr>
+            <a:r>
+              <a:rPr kumimoji="1" lang="ja-JP" altLang="en-US" sz="2400" dirty="0"/>
+              <a:t>代表者を指名しますので、プッシュを行ってください</a:t>
+            </a:r>
           </a:p>
         </p:txBody>
       </p:sp>
     </p:spTree>
     <p:extLst>
       <p:ext uri="{BB962C8B-B14F-4D97-AF65-F5344CB8AC3E}">
-        <p14:creationId xmlns:p14="http://schemas.microsoft.com/office/powerpoint/2010/main" val="2517323573"/>
+        <p14:creationId xmlns:p14="http://schemas.microsoft.com/office/powerpoint/2010/main" val="2637753194"/>
       </p:ext>
     </p:extLst>
   </p:cSld>
@@ -24299,16 +24658,67 @@
           <a:lstStyle/>
           <a:p>
             <a:r>
-              <a:rPr kumimoji="1" lang="ja-JP" altLang="en-US" dirty="0"/>
-              <a:t>ブランチを切る</a:t>
-            </a:r>
+              <a:rPr lang="ja-JP" altLang="en-US" dirty="0"/>
+              <a:t>プルして確認しよう</a:t>
+            </a:r>
+            <a:endParaRPr kumimoji="1" lang="ja-JP" altLang="en-US" dirty="0"/>
+          </a:p>
+        </p:txBody>
+      </p:sp>
+      <p:sp>
+        <p:nvSpPr>
+          <p:cNvPr id="3" name="コンテンツ プレースホルダー 2">
+            <a:extLst>
+              <a:ext uri="{FF2B5EF4-FFF2-40B4-BE49-F238E27FC236}">
+                <a16:creationId xmlns:a16="http://schemas.microsoft.com/office/drawing/2014/main" id="{895D536F-403C-E920-88A4-160A3F99248D}"/>
+              </a:ext>
+            </a:extLst>
+          </p:cNvPr>
+          <p:cNvSpPr>
+            <a:spLocks noGrp="1"/>
+          </p:cNvSpPr>
+          <p:nvPr>
+            <p:ph idx="1"/>
+          </p:nvPr>
+        </p:nvSpPr>
+        <p:spPr>
+          <a:xfrm>
+            <a:off x="1469571" y="1429825"/>
+            <a:ext cx="8762140" cy="1226289"/>
+          </a:xfrm>
+        </p:spPr>
+        <p:txBody>
+          <a:bodyPr>
+            <a:noAutofit/>
+          </a:bodyPr>
+          <a:lstStyle/>
+          <a:p>
+            <a:pPr>
+              <a:lnSpc>
+                <a:spcPct val="150000"/>
+              </a:lnSpc>
+              <a:buFont typeface="Arial" panose="020B0604020202020204" pitchFamily="34" charset="0"/>
+              <a:buChar char="•"/>
+            </a:pPr>
+            <a:r>
+              <a:rPr lang="ja-JP" altLang="en-US" sz="2400" dirty="0"/>
+              <a:t>先ほど代表者がプッシュした変更内容をプルしましょう</a:t>
+            </a:r>
+            <a:br>
+              <a:rPr lang="en-US" altLang="ja-JP" sz="2400" dirty="0"/>
+            </a:br>
+            <a:r>
+              <a:rPr lang="ja-JP" altLang="en-US" sz="2400" dirty="0"/>
+              <a:t>ローカルのファイルが更新されていれば成功です。</a:t>
+            </a:r>
+            <a:endParaRPr kumimoji="1" lang="ja-JP" altLang="en-US" sz="2400" dirty="0"/>
           </a:p>
         </p:txBody>
       </p:sp>
     </p:spTree>
     <p:extLst>
       <p:ext uri="{BB962C8B-B14F-4D97-AF65-F5344CB8AC3E}">
-        <p14:creationId xmlns:p14="http://schemas.microsoft.com/office/powerpoint/2010/main" val="2954290235"/>
+        <p14:creationId xmlns:p14="http://schemas.microsoft.com/office/powerpoint/2010/main" val="2517323573"/>
       </p:ext>
     </p:extLst>
   </p:cSld>
@@ -24358,6 +24768,64 @@
           <a:p>
             <a:r>
               <a:rPr kumimoji="1" lang="ja-JP" altLang="en-US" dirty="0"/>
+              <a:t>ブランチを切る</a:t>
+            </a:r>
+          </a:p>
+        </p:txBody>
+      </p:sp>
+    </p:spTree>
+    <p:extLst>
+      <p:ext uri="{BB962C8B-B14F-4D97-AF65-F5344CB8AC3E}">
+        <p14:creationId xmlns:p14="http://schemas.microsoft.com/office/powerpoint/2010/main" val="2954290235"/>
+      </p:ext>
+    </p:extLst>
+  </p:cSld>
+  <p:clrMapOvr>
+    <a:masterClrMapping/>
+  </p:clrMapOvr>
+</p:sld>
+</file>
+
+<file path=ppt/slides/slide35.xml><?xml version="1.0" encoding="utf-8"?>
+<p:sld xmlns:a="http://schemas.openxmlformats.org/drawingml/2006/main" xmlns:r="http://schemas.openxmlformats.org/officeDocument/2006/relationships" xmlns:p="http://schemas.openxmlformats.org/presentationml/2006/main">
+  <p:cSld>
+    <p:spTree>
+      <p:nvGrpSpPr>
+        <p:cNvPr id="1" name=""/>
+        <p:cNvGrpSpPr/>
+        <p:nvPr/>
+      </p:nvGrpSpPr>
+      <p:grpSpPr>
+        <a:xfrm>
+          <a:off x="0" y="0"/>
+          <a:ext cx="0" cy="0"/>
+          <a:chOff x="0" y="0"/>
+          <a:chExt cx="0" cy="0"/>
+        </a:xfrm>
+      </p:grpSpPr>
+      <p:sp>
+        <p:nvSpPr>
+          <p:cNvPr id="2" name="タイトル 1">
+            <a:extLst>
+              <a:ext uri="{FF2B5EF4-FFF2-40B4-BE49-F238E27FC236}">
+                <a16:creationId xmlns:a16="http://schemas.microsoft.com/office/drawing/2014/main" id="{679B1F19-EA37-6319-E74D-3884CF7D7061}"/>
+              </a:ext>
+            </a:extLst>
+          </p:cNvPr>
+          <p:cNvSpPr>
+            <a:spLocks noGrp="1"/>
+          </p:cNvSpPr>
+          <p:nvPr>
+            <p:ph type="title"/>
+          </p:nvPr>
+        </p:nvSpPr>
+        <p:spPr/>
+        <p:txBody>
+          <a:bodyPr/>
+          <a:lstStyle/>
+          <a:p>
+            <a:r>
+              <a:rPr kumimoji="1" lang="ja-JP" altLang="en-US" dirty="0"/>
               <a:t>マージ</a:t>
             </a:r>
             <a:r>
@@ -24381,7 +24849,7 @@
 </p:sld>
 </file>
 
-<file path=ppt/slides/slide35.xml><?xml version="1.0" encoding="utf-8"?>
+<file path=ppt/slides/slide36.xml><?xml version="1.0" encoding="utf-8"?>
 <p:sld xmlns:a="http://schemas.openxmlformats.org/drawingml/2006/main" xmlns:r="http://schemas.openxmlformats.org/officeDocument/2006/relationships" xmlns:p="http://schemas.openxmlformats.org/presentationml/2006/main">
   <p:cSld>
     <p:spTree>

--- a/ハンズオン_Git入門.pptx
+++ b/ハンズオン_Git入門.pptx
@@ -695,7 +695,7 @@
   <pc:docChgLst>
     <pc:chgData name="SHHD 山本覚" userId="57e3f178-c88d-44ee-9b09-55235ac55cf9" providerId="ADAL" clId="{C0DA2B10-F1D4-4897-B074-9E17192A92F8}"/>
     <pc:docChg chg="undo custSel addSld delSld modSld sldOrd">
-      <pc:chgData name="SHHD 山本覚" userId="57e3f178-c88d-44ee-9b09-55235ac55cf9" providerId="ADAL" clId="{C0DA2B10-F1D4-4897-B074-9E17192A92F8}" dt="2023-10-31T18:54:23.973" v="9212" actId="14100"/>
+      <pc:chgData name="SHHD 山本覚" userId="57e3f178-c88d-44ee-9b09-55235ac55cf9" providerId="ADAL" clId="{C0DA2B10-F1D4-4897-B074-9E17192A92F8}" dt="2023-10-31T18:57:20.454" v="9214" actId="1076"/>
       <pc:docMkLst>
         <pc:docMk/>
       </pc:docMkLst>
@@ -3081,7 +3081,7 @@
         </pc:sldMkLst>
       </pc:sldChg>
       <pc:sldChg chg="addSp modSp add mod">
-        <pc:chgData name="SHHD 山本覚" userId="57e3f178-c88d-44ee-9b09-55235ac55cf9" providerId="ADAL" clId="{C0DA2B10-F1D4-4897-B074-9E17192A92F8}" dt="2023-10-31T18:54:23.973" v="9212" actId="14100"/>
+        <pc:chgData name="SHHD 山本覚" userId="57e3f178-c88d-44ee-9b09-55235ac55cf9" providerId="ADAL" clId="{C0DA2B10-F1D4-4897-B074-9E17192A92F8}" dt="2023-10-31T18:57:20.454" v="9214" actId="1076"/>
         <pc:sldMkLst>
           <pc:docMk/>
           <pc:sldMk cId="2517323573" sldId="285"/>
@@ -3102,6 +3102,14 @@
             <ac:spMk id="3" creationId="{895D536F-403C-E920-88A4-160A3F99248D}"/>
           </ac:spMkLst>
         </pc:spChg>
+        <pc:picChg chg="add mod">
+          <ac:chgData name="SHHD 山本覚" userId="57e3f178-c88d-44ee-9b09-55235ac55cf9" providerId="ADAL" clId="{C0DA2B10-F1D4-4897-B074-9E17192A92F8}" dt="2023-10-31T18:57:20.454" v="9214" actId="1076"/>
+          <ac:picMkLst>
+            <pc:docMk/>
+            <pc:sldMk cId="2517323573" sldId="285"/>
+            <ac:picMk id="5" creationId="{D3C7CF1F-48E4-9849-B81A-9E58992B1673}"/>
+          </ac:picMkLst>
+        </pc:picChg>
       </pc:sldChg>
       <pc:sldChg chg="addSp delSp modSp add del mod">
         <pc:chgData name="SHHD 山本覚" userId="57e3f178-c88d-44ee-9b09-55235ac55cf9" providerId="ADAL" clId="{C0DA2B10-F1D4-4897-B074-9E17192A92F8}" dt="2023-10-31T17:02:04.428" v="6708" actId="47"/>
@@ -24715,6 +24723,36 @@
           </a:p>
         </p:txBody>
       </p:sp>
+      <p:pic>
+        <p:nvPicPr>
+          <p:cNvPr id="5" name="図 4">
+            <a:extLst>
+              <a:ext uri="{FF2B5EF4-FFF2-40B4-BE49-F238E27FC236}">
+                <a16:creationId xmlns:a16="http://schemas.microsoft.com/office/drawing/2014/main" id="{D3C7CF1F-48E4-9849-B81A-9E58992B1673}"/>
+              </a:ext>
+            </a:extLst>
+          </p:cNvPr>
+          <p:cNvPicPr>
+            <a:picLocks noChangeAspect="1"/>
+          </p:cNvPicPr>
+          <p:nvPr/>
+        </p:nvPicPr>
+        <p:blipFill>
+          <a:blip r:embed="rId2"/>
+          <a:stretch>
+            <a:fillRect/>
+          </a:stretch>
+        </p:blipFill>
+        <p:spPr>
+          <a:xfrm>
+            <a:off x="376891" y="2895563"/>
+            <a:ext cx="11452071" cy="2830360"/>
+          </a:xfrm>
+          <a:prstGeom prst="rect">
+            <a:avLst/>
+          </a:prstGeom>
+        </p:spPr>
+      </p:pic>
     </p:spTree>
     <p:extLst>
       <p:ext uri="{BB962C8B-B14F-4D97-AF65-F5344CB8AC3E}">

--- a/ハンズオン_Git入門.pptx
+++ b/ハンズオン_Git入門.pptx
@@ -5,7 +5,7 @@
     <p:sldMasterId id="2147483660" r:id="rId1"/>
   </p:sldMasterIdLst>
   <p:notesMasterIdLst>
-    <p:notesMasterId r:id="rId38"/>
+    <p:notesMasterId r:id="rId39"/>
   </p:notesMasterIdLst>
   <p:sldIdLst>
     <p:sldId id="256" r:id="rId2"/>
@@ -41,9 +41,10 @@
     <p:sldId id="299" r:id="rId32"/>
     <p:sldId id="284" r:id="rId33"/>
     <p:sldId id="285" r:id="rId34"/>
-    <p:sldId id="293" r:id="rId35"/>
-    <p:sldId id="294" r:id="rId36"/>
-    <p:sldId id="263" r:id="rId37"/>
+    <p:sldId id="300" r:id="rId35"/>
+    <p:sldId id="293" r:id="rId36"/>
+    <p:sldId id="294" r:id="rId37"/>
+    <p:sldId id="263" r:id="rId38"/>
   </p:sldIdLst>
   <p:sldSz cx="12192000" cy="6858000"/>
   <p:notesSz cx="6858000" cy="9144000"/>
@@ -153,7 +154,7 @@
 <file path=ppt/revisionInfo.xml><?xml version="1.0" encoding="utf-8"?>
 <p1510:revInfo xmlns:a="http://schemas.openxmlformats.org/drawingml/2006/main" xmlns:r="http://schemas.openxmlformats.org/officeDocument/2006/relationships" xmlns:p1510="http://schemas.microsoft.com/office/powerpoint/2015/10/main">
   <p1510:revLst>
-    <p1510:client id="{C0DA2B10-F1D4-4897-B074-9E17192A92F8}" v="350" dt="2023-10-31T18:53:19.763"/>
+    <p1510:client id="{C0DA2B10-F1D4-4897-B074-9E17192A92F8}" v="351" dt="2023-10-31T19:02:36.060"/>
   </p1510:revLst>
 </p1510:revInfo>
 </file>
@@ -695,7 +696,7 @@
   <pc:docChgLst>
     <pc:chgData name="SHHD 山本覚" userId="57e3f178-c88d-44ee-9b09-55235ac55cf9" providerId="ADAL" clId="{C0DA2B10-F1D4-4897-B074-9E17192A92F8}"/>
     <pc:docChg chg="undo custSel addSld delSld modSld sldOrd">
-      <pc:chgData name="SHHD 山本覚" userId="57e3f178-c88d-44ee-9b09-55235ac55cf9" providerId="ADAL" clId="{C0DA2B10-F1D4-4897-B074-9E17192A92F8}" dt="2023-10-31T18:57:20.454" v="9214" actId="1076"/>
+      <pc:chgData name="SHHD 山本覚" userId="57e3f178-c88d-44ee-9b09-55235ac55cf9" providerId="ADAL" clId="{C0DA2B10-F1D4-4897-B074-9E17192A92F8}" dt="2023-10-31T19:07:56.410" v="9913" actId="14100"/>
       <pc:docMkLst>
         <pc:docMk/>
       </pc:docMkLst>
@@ -3081,7 +3082,7 @@
         </pc:sldMkLst>
       </pc:sldChg>
       <pc:sldChg chg="addSp modSp add mod">
-        <pc:chgData name="SHHD 山本覚" userId="57e3f178-c88d-44ee-9b09-55235ac55cf9" providerId="ADAL" clId="{C0DA2B10-F1D4-4897-B074-9E17192A92F8}" dt="2023-10-31T18:57:20.454" v="9214" actId="1076"/>
+        <pc:chgData name="SHHD 山本覚" userId="57e3f178-c88d-44ee-9b09-55235ac55cf9" providerId="ADAL" clId="{C0DA2B10-F1D4-4897-B074-9E17192A92F8}" dt="2023-10-31T19:02:58.292" v="9242" actId="1076"/>
         <pc:sldMkLst>
           <pc:docMk/>
           <pc:sldMk cId="2517323573" sldId="285"/>
@@ -3095,7 +3096,7 @@
           </ac:spMkLst>
         </pc:spChg>
         <pc:spChg chg="add mod">
-          <ac:chgData name="SHHD 山本覚" userId="57e3f178-c88d-44ee-9b09-55235ac55cf9" providerId="ADAL" clId="{C0DA2B10-F1D4-4897-B074-9E17192A92F8}" dt="2023-10-31T18:54:23.973" v="9212" actId="14100"/>
+          <ac:chgData name="SHHD 山本覚" userId="57e3f178-c88d-44ee-9b09-55235ac55cf9" providerId="ADAL" clId="{C0DA2B10-F1D4-4897-B074-9E17192A92F8}" dt="2023-10-31T19:02:58.292" v="9242" actId="1076"/>
           <ac:spMkLst>
             <pc:docMk/>
             <pc:sldMk cId="2517323573" sldId="285"/>
@@ -4699,6 +4700,29 @@
             <pc:docMk/>
             <pc:sldMk cId="1434006125" sldId="299"/>
             <ac:picMk id="7" creationId="{F382BC79-1A6A-3EA6-3503-F5D918687F60}"/>
+          </ac:picMkLst>
+        </pc:picChg>
+      </pc:sldChg>
+      <pc:sldChg chg="delSp modSp add mod">
+        <pc:chgData name="SHHD 山本覚" userId="57e3f178-c88d-44ee-9b09-55235ac55cf9" providerId="ADAL" clId="{C0DA2B10-F1D4-4897-B074-9E17192A92F8}" dt="2023-10-31T19:07:56.410" v="9913" actId="14100"/>
+        <pc:sldMkLst>
+          <pc:docMk/>
+          <pc:sldMk cId="353208526" sldId="300"/>
+        </pc:sldMkLst>
+        <pc:spChg chg="mod">
+          <ac:chgData name="SHHD 山本覚" userId="57e3f178-c88d-44ee-9b09-55235ac55cf9" providerId="ADAL" clId="{C0DA2B10-F1D4-4897-B074-9E17192A92F8}" dt="2023-10-31T19:07:56.410" v="9913" actId="14100"/>
+          <ac:spMkLst>
+            <pc:docMk/>
+            <pc:sldMk cId="353208526" sldId="300"/>
+            <ac:spMk id="3" creationId="{895D536F-403C-E920-88A4-160A3F99248D}"/>
+          </ac:spMkLst>
+        </pc:spChg>
+        <pc:picChg chg="del">
+          <ac:chgData name="SHHD 山本覚" userId="57e3f178-c88d-44ee-9b09-55235ac55cf9" providerId="ADAL" clId="{C0DA2B10-F1D4-4897-B074-9E17192A92F8}" dt="2023-10-31T19:03:02.445" v="9243" actId="478"/>
+          <ac:picMkLst>
+            <pc:docMk/>
+            <pc:sldMk cId="353208526" sldId="300"/>
+            <ac:picMk id="5" creationId="{D3C7CF1F-48E4-9849-B81A-9E58992B1673}"/>
           </ac:picMkLst>
         </pc:picChg>
       </pc:sldChg>
@@ -6192,7 +6216,7 @@
           <a:p>
             <a:fld id="{E30F2518-C81B-4DFE-8FD7-FBA88C2788B5}" type="slidenum">
               <a:rPr kumimoji="1" lang="ja-JP" altLang="en-US" smtClean="0"/>
-              <a:t>36</a:t>
+              <a:t>37</a:t>
             </a:fld>
             <a:endParaRPr kumimoji="1" lang="ja-JP" altLang="en-US"/>
           </a:p>
@@ -24691,8 +24715,8 @@
         </p:nvSpPr>
         <p:spPr>
           <a:xfrm>
-            <a:off x="1469571" y="1429825"/>
-            <a:ext cx="8762140" cy="1226289"/>
+            <a:off x="1356754" y="1355847"/>
+            <a:ext cx="9492343" cy="1226289"/>
           </a:xfrm>
         </p:spPr>
         <p:txBody>
@@ -24717,7 +24741,7 @@
             </a:br>
             <a:r>
               <a:rPr lang="ja-JP" altLang="en-US" sz="2400" dirty="0"/>
-              <a:t>ローカルのファイルが更新されていれば成功です。</a:t>
+              <a:t>競合を解決してローカルのファイルが更新されていれば成功です。</a:t>
             </a:r>
             <a:endParaRPr kumimoji="1" lang="ja-JP" altLang="en-US" sz="2400" dirty="0"/>
           </a:p>
@@ -24805,8 +24829,119 @@
           <a:lstStyle/>
           <a:p>
             <a:r>
-              <a:rPr kumimoji="1" lang="ja-JP" altLang="en-US" dirty="0"/>
-              <a:t>ブランチを切る</a:t>
+              <a:rPr lang="ja-JP" altLang="en-US" dirty="0"/>
+              <a:t>プルして確認しよう</a:t>
+            </a:r>
+            <a:endParaRPr kumimoji="1" lang="ja-JP" altLang="en-US" dirty="0"/>
+          </a:p>
+        </p:txBody>
+      </p:sp>
+      <p:sp>
+        <p:nvSpPr>
+          <p:cNvPr id="3" name="コンテンツ プレースホルダー 2">
+            <a:extLst>
+              <a:ext uri="{FF2B5EF4-FFF2-40B4-BE49-F238E27FC236}">
+                <a16:creationId xmlns:a16="http://schemas.microsoft.com/office/drawing/2014/main" id="{895D536F-403C-E920-88A4-160A3F99248D}"/>
+              </a:ext>
+            </a:extLst>
+          </p:cNvPr>
+          <p:cNvSpPr>
+            <a:spLocks noGrp="1"/>
+          </p:cNvSpPr>
+          <p:nvPr>
+            <p:ph idx="1"/>
+          </p:nvPr>
+        </p:nvSpPr>
+        <p:spPr>
+          <a:xfrm>
+            <a:off x="1186543" y="1429825"/>
+            <a:ext cx="10174184" cy="4949204"/>
+          </a:xfrm>
+        </p:spPr>
+        <p:txBody>
+          <a:bodyPr>
+            <a:noAutofit/>
+          </a:bodyPr>
+          <a:lstStyle/>
+          <a:p>
+            <a:pPr>
+              <a:lnSpc>
+                <a:spcPct val="150000"/>
+              </a:lnSpc>
+              <a:buFont typeface="Arial" panose="020B0604020202020204" pitchFamily="34" charset="0"/>
+              <a:buChar char="•"/>
+            </a:pPr>
+            <a:r>
+              <a:rPr lang="ja-JP" altLang="en-US" sz="2400" dirty="0"/>
+              <a:t>自分の編集していた内容と、プルした内容が競合します。</a:t>
+            </a:r>
+            <a:br>
+              <a:rPr lang="en-US" altLang="ja-JP" sz="2400" dirty="0"/>
+            </a:br>
+            <a:r>
+              <a:rPr lang="ja-JP" altLang="en-US" sz="2400" dirty="0"/>
+              <a:t>「コミットされていない変更があります」の欄をクリックし、</a:t>
+            </a:r>
+            <a:br>
+              <a:rPr lang="en-US" altLang="ja-JP" sz="2400" dirty="0"/>
+            </a:br>
+            <a:r>
+              <a:rPr lang="ja-JP" altLang="en-US" sz="2400" dirty="0"/>
+              <a:t>ステージされているファイルで競合を起こしているファイルを</a:t>
+            </a:r>
+            <a:br>
+              <a:rPr lang="en-US" altLang="ja-JP" sz="2400" dirty="0"/>
+            </a:br>
+            <a:r>
+              <a:rPr lang="ja-JP" altLang="en-US" sz="2400" dirty="0"/>
+              <a:t>右クリックし、「競合を解決」→「相手</a:t>
+            </a:r>
+            <a:r>
+              <a:rPr lang="en-US" altLang="ja-JP" sz="2400" dirty="0"/>
+              <a:t>(theirs)</a:t>
+            </a:r>
+            <a:r>
+              <a:rPr lang="ja-JP" altLang="en-US" sz="2400" dirty="0"/>
+              <a:t>の変更内容で解決」</a:t>
+            </a:r>
+            <a:br>
+              <a:rPr lang="en-US" altLang="ja-JP" sz="2400" dirty="0"/>
+            </a:br>
+            <a:r>
+              <a:rPr lang="ja-JP" altLang="en-US" sz="2400" dirty="0"/>
+              <a:t>を選択します</a:t>
+            </a:r>
+            <a:endParaRPr lang="en-US" altLang="ja-JP" sz="2400" dirty="0"/>
+          </a:p>
+          <a:p>
+            <a:pPr>
+              <a:lnSpc>
+                <a:spcPct val="150000"/>
+              </a:lnSpc>
+              <a:buFont typeface="Arial" panose="020B0604020202020204" pitchFamily="34" charset="0"/>
+              <a:buChar char="•"/>
+            </a:pPr>
+            <a:r>
+              <a:rPr kumimoji="1" lang="ja-JP" altLang="en-US" sz="2400" dirty="0"/>
+              <a:t>そののち、改めてコミットすると代表</a:t>
+            </a:r>
+            <a:r>
+              <a:rPr lang="ja-JP" altLang="en-US" sz="2400" dirty="0"/>
+              <a:t>者の変更が適応されます</a:t>
+            </a:r>
+            <a:endParaRPr lang="en-US" altLang="ja-JP" sz="2400" dirty="0"/>
+          </a:p>
+          <a:p>
+            <a:pPr>
+              <a:lnSpc>
+                <a:spcPct val="150000"/>
+              </a:lnSpc>
+              <a:buFont typeface="Arial" panose="020B0604020202020204" pitchFamily="34" charset="0"/>
+              <a:buChar char="•"/>
+            </a:pPr>
+            <a:r>
+              <a:rPr kumimoji="1" lang="ja-JP" altLang="en-US" sz="2400" dirty="0"/>
+              <a:t>ローカルのファイルが代表者のものに変更されていることを確認してください。</a:t>
             </a:r>
           </a:p>
         </p:txBody>
@@ -24814,7 +24949,7 @@
     </p:spTree>
     <p:extLst>
       <p:ext uri="{BB962C8B-B14F-4D97-AF65-F5344CB8AC3E}">
-        <p14:creationId xmlns:p14="http://schemas.microsoft.com/office/powerpoint/2010/main" val="2954290235"/>
+        <p14:creationId xmlns:p14="http://schemas.microsoft.com/office/powerpoint/2010/main" val="353208526"/>
       </p:ext>
     </p:extLst>
   </p:cSld>
@@ -24864,6 +24999,64 @@
           <a:p>
             <a:r>
               <a:rPr kumimoji="1" lang="ja-JP" altLang="en-US" dirty="0"/>
+              <a:t>ブランチを切る</a:t>
+            </a:r>
+          </a:p>
+        </p:txBody>
+      </p:sp>
+    </p:spTree>
+    <p:extLst>
+      <p:ext uri="{BB962C8B-B14F-4D97-AF65-F5344CB8AC3E}">
+        <p14:creationId xmlns:p14="http://schemas.microsoft.com/office/powerpoint/2010/main" val="2954290235"/>
+      </p:ext>
+    </p:extLst>
+  </p:cSld>
+  <p:clrMapOvr>
+    <a:masterClrMapping/>
+  </p:clrMapOvr>
+</p:sld>
+</file>
+
+<file path=ppt/slides/slide36.xml><?xml version="1.0" encoding="utf-8"?>
+<p:sld xmlns:a="http://schemas.openxmlformats.org/drawingml/2006/main" xmlns:r="http://schemas.openxmlformats.org/officeDocument/2006/relationships" xmlns:p="http://schemas.openxmlformats.org/presentationml/2006/main">
+  <p:cSld>
+    <p:spTree>
+      <p:nvGrpSpPr>
+        <p:cNvPr id="1" name=""/>
+        <p:cNvGrpSpPr/>
+        <p:nvPr/>
+      </p:nvGrpSpPr>
+      <p:grpSpPr>
+        <a:xfrm>
+          <a:off x="0" y="0"/>
+          <a:ext cx="0" cy="0"/>
+          <a:chOff x="0" y="0"/>
+          <a:chExt cx="0" cy="0"/>
+        </a:xfrm>
+      </p:grpSpPr>
+      <p:sp>
+        <p:nvSpPr>
+          <p:cNvPr id="2" name="タイトル 1">
+            <a:extLst>
+              <a:ext uri="{FF2B5EF4-FFF2-40B4-BE49-F238E27FC236}">
+                <a16:creationId xmlns:a16="http://schemas.microsoft.com/office/drawing/2014/main" id="{679B1F19-EA37-6319-E74D-3884CF7D7061}"/>
+              </a:ext>
+            </a:extLst>
+          </p:cNvPr>
+          <p:cNvSpPr>
+            <a:spLocks noGrp="1"/>
+          </p:cNvSpPr>
+          <p:nvPr>
+            <p:ph type="title"/>
+          </p:nvPr>
+        </p:nvSpPr>
+        <p:spPr/>
+        <p:txBody>
+          <a:bodyPr/>
+          <a:lstStyle/>
+          <a:p>
+            <a:r>
+              <a:rPr kumimoji="1" lang="ja-JP" altLang="en-US" dirty="0"/>
               <a:t>マージ</a:t>
             </a:r>
             <a:r>
@@ -24887,7 +25080,7 @@
 </p:sld>
 </file>
 
-<file path=ppt/slides/slide36.xml><?xml version="1.0" encoding="utf-8"?>
+<file path=ppt/slides/slide37.xml><?xml version="1.0" encoding="utf-8"?>
 <p:sld xmlns:a="http://schemas.openxmlformats.org/drawingml/2006/main" xmlns:r="http://schemas.openxmlformats.org/officeDocument/2006/relationships" xmlns:p="http://schemas.openxmlformats.org/presentationml/2006/main">
   <p:cSld>
     <p:spTree>

--- a/ハンズオン_Git入門.pptx
+++ b/ハンズオン_Git入門.pptx
@@ -154,7 +154,7 @@
 <file path=ppt/revisionInfo.xml><?xml version="1.0" encoding="utf-8"?>
 <p1510:revInfo xmlns:a="http://schemas.openxmlformats.org/drawingml/2006/main" xmlns:r="http://schemas.openxmlformats.org/officeDocument/2006/relationships" xmlns:p1510="http://schemas.microsoft.com/office/powerpoint/2015/10/main">
   <p1510:revLst>
-    <p1510:client id="{C0DA2B10-F1D4-4897-B074-9E17192A92F8}" v="351" dt="2023-10-31T19:02:36.060"/>
+    <p1510:client id="{C0DA2B10-F1D4-4897-B074-9E17192A92F8}" v="357" dt="2023-10-31T19:28:34.332"/>
   </p1510:revLst>
 </p1510:revInfo>
 </file>
@@ -696,7 +696,7 @@
   <pc:docChgLst>
     <pc:chgData name="SHHD 山本覚" userId="57e3f178-c88d-44ee-9b09-55235ac55cf9" providerId="ADAL" clId="{C0DA2B10-F1D4-4897-B074-9E17192A92F8}"/>
     <pc:docChg chg="undo custSel addSld delSld modSld sldOrd">
-      <pc:chgData name="SHHD 山本覚" userId="57e3f178-c88d-44ee-9b09-55235ac55cf9" providerId="ADAL" clId="{C0DA2B10-F1D4-4897-B074-9E17192A92F8}" dt="2023-10-31T19:07:56.410" v="9913" actId="14100"/>
+      <pc:chgData name="SHHD 山本覚" userId="57e3f178-c88d-44ee-9b09-55235ac55cf9" providerId="ADAL" clId="{C0DA2B10-F1D4-4897-B074-9E17192A92F8}" dt="2023-10-31T19:28:42.362" v="9940" actId="14100"/>
       <pc:docMkLst>
         <pc:docMk/>
       </pc:docMkLst>
@@ -3879,8 +3879,8 @@
           </ac:cxnSpMkLst>
         </pc:cxnChg>
       </pc:sldChg>
-      <pc:sldChg chg="modSp add mod">
-        <pc:chgData name="SHHD 山本覚" userId="57e3f178-c88d-44ee-9b09-55235ac55cf9" providerId="ADAL" clId="{C0DA2B10-F1D4-4897-B074-9E17192A92F8}" dt="2023-10-31T14:57:32.175" v="4585" actId="20577"/>
+      <pc:sldChg chg="addSp modSp add mod">
+        <pc:chgData name="SHHD 山本覚" userId="57e3f178-c88d-44ee-9b09-55235ac55cf9" providerId="ADAL" clId="{C0DA2B10-F1D4-4897-B074-9E17192A92F8}" dt="2023-10-31T19:28:42.362" v="9940" actId="14100"/>
         <pc:sldMkLst>
           <pc:docMk/>
           <pc:sldMk cId="2954290235" sldId="293"/>
@@ -3893,6 +3893,70 @@
             <ac:spMk id="2" creationId="{679B1F19-EA37-6319-E74D-3884CF7D7061}"/>
           </ac:spMkLst>
         </pc:spChg>
+        <pc:spChg chg="add mod">
+          <ac:chgData name="SHHD 山本覚" userId="57e3f178-c88d-44ee-9b09-55235ac55cf9" providerId="ADAL" clId="{C0DA2B10-F1D4-4897-B074-9E17192A92F8}" dt="2023-10-31T19:27:25.124" v="9921" actId="164"/>
+          <ac:spMkLst>
+            <pc:docMk/>
+            <pc:sldMk cId="2954290235" sldId="293"/>
+            <ac:spMk id="5" creationId="{98446390-4D7B-9624-EA75-B95F25B727C6}"/>
+          </ac:spMkLst>
+        </pc:spChg>
+        <pc:spChg chg="add mod">
+          <ac:chgData name="SHHD 山本覚" userId="57e3f178-c88d-44ee-9b09-55235ac55cf9" providerId="ADAL" clId="{C0DA2B10-F1D4-4897-B074-9E17192A92F8}" dt="2023-10-31T19:28:24.711" v="9934" actId="14100"/>
+          <ac:spMkLst>
+            <pc:docMk/>
+            <pc:sldMk cId="2954290235" sldId="293"/>
+            <ac:spMk id="9" creationId="{C3E5EE62-555D-6F28-08D1-EF816954D725}"/>
+          </ac:spMkLst>
+        </pc:spChg>
+        <pc:spChg chg="add mod">
+          <ac:chgData name="SHHD 山本覚" userId="57e3f178-c88d-44ee-9b09-55235ac55cf9" providerId="ADAL" clId="{C0DA2B10-F1D4-4897-B074-9E17192A92F8}" dt="2023-10-31T19:28:28.294" v="9936" actId="571"/>
+          <ac:spMkLst>
+            <pc:docMk/>
+            <pc:sldMk cId="2954290235" sldId="293"/>
+            <ac:spMk id="11" creationId="{8A159B10-F890-E604-81AE-A3054A71E8E5}"/>
+          </ac:spMkLst>
+        </pc:spChg>
+        <pc:spChg chg="add mod">
+          <ac:chgData name="SHHD 山本覚" userId="57e3f178-c88d-44ee-9b09-55235ac55cf9" providerId="ADAL" clId="{C0DA2B10-F1D4-4897-B074-9E17192A92F8}" dt="2023-10-31T19:28:42.362" v="9940" actId="14100"/>
+          <ac:spMkLst>
+            <pc:docMk/>
+            <pc:sldMk cId="2954290235" sldId="293"/>
+            <ac:spMk id="12" creationId="{CEEF2223-BAA7-48FD-601E-C90B3DB0EAA4}"/>
+          </ac:spMkLst>
+        </pc:spChg>
+        <pc:grpChg chg="add mod">
+          <ac:chgData name="SHHD 山本覚" userId="57e3f178-c88d-44ee-9b09-55235ac55cf9" providerId="ADAL" clId="{C0DA2B10-F1D4-4897-B074-9E17192A92F8}" dt="2023-10-31T19:28:08.859" v="9929" actId="1076"/>
+          <ac:grpSpMkLst>
+            <pc:docMk/>
+            <pc:sldMk cId="2954290235" sldId="293"/>
+            <ac:grpSpMk id="6" creationId="{C5B5D052-91A6-FA0B-1802-A9D7B8537BBB}"/>
+          </ac:grpSpMkLst>
+        </pc:grpChg>
+        <pc:picChg chg="add mod">
+          <ac:chgData name="SHHD 山本覚" userId="57e3f178-c88d-44ee-9b09-55235ac55cf9" providerId="ADAL" clId="{C0DA2B10-F1D4-4897-B074-9E17192A92F8}" dt="2023-10-31T19:27:25.124" v="9921" actId="164"/>
+          <ac:picMkLst>
+            <pc:docMk/>
+            <pc:sldMk cId="2954290235" sldId="293"/>
+            <ac:picMk id="4" creationId="{34C20ED9-1626-DB75-97A4-5267DDB25931}"/>
+          </ac:picMkLst>
+        </pc:picChg>
+        <pc:picChg chg="add mod">
+          <ac:chgData name="SHHD 山本覚" userId="57e3f178-c88d-44ee-9b09-55235ac55cf9" providerId="ADAL" clId="{C0DA2B10-F1D4-4897-B074-9E17192A92F8}" dt="2023-10-31T19:27:59.918" v="9926" actId="1076"/>
+          <ac:picMkLst>
+            <pc:docMk/>
+            <pc:sldMk cId="2954290235" sldId="293"/>
+            <ac:picMk id="8" creationId="{62459FE4-79CC-77EA-4A83-3903C1BB5D8E}"/>
+          </ac:picMkLst>
+        </pc:picChg>
+        <pc:picChg chg="add mod">
+          <ac:chgData name="SHHD 山本覚" userId="57e3f178-c88d-44ee-9b09-55235ac55cf9" providerId="ADAL" clId="{C0DA2B10-F1D4-4897-B074-9E17192A92F8}" dt="2023-10-31T19:28:28.294" v="9936" actId="571"/>
+          <ac:picMkLst>
+            <pc:docMk/>
+            <pc:sldMk cId="2954290235" sldId="293"/>
+            <ac:picMk id="10" creationId="{5CE1727B-E8C0-E573-F611-E300EC9C6A6C}"/>
+          </ac:picMkLst>
+        </pc:picChg>
       </pc:sldChg>
       <pc:sldChg chg="modSp add mod">
         <pc:chgData name="SHHD 山本覚" userId="57e3f178-c88d-44ee-9b09-55235ac55cf9" providerId="ADAL" clId="{C0DA2B10-F1D4-4897-B074-9E17192A92F8}" dt="2023-10-31T14:57:55.112" v="4617" actId="20577"/>
@@ -25004,6 +25068,243 @@
           </a:p>
         </p:txBody>
       </p:sp>
+      <p:grpSp>
+        <p:nvGrpSpPr>
+          <p:cNvPr id="6" name="グループ化 5">
+            <a:extLst>
+              <a:ext uri="{FF2B5EF4-FFF2-40B4-BE49-F238E27FC236}">
+                <a16:creationId xmlns:a16="http://schemas.microsoft.com/office/drawing/2014/main" id="{C5B5D052-91A6-FA0B-1802-A9D7B8537BBB}"/>
+              </a:ext>
+            </a:extLst>
+          </p:cNvPr>
+          <p:cNvGrpSpPr/>
+          <p:nvPr/>
+        </p:nvGrpSpPr>
+        <p:grpSpPr>
+          <a:xfrm>
+            <a:off x="597284" y="1211046"/>
+            <a:ext cx="10997432" cy="3121509"/>
+            <a:chOff x="597284" y="3083349"/>
+            <a:chExt cx="10997432" cy="3121509"/>
+          </a:xfrm>
+        </p:grpSpPr>
+        <p:pic>
+          <p:nvPicPr>
+            <p:cNvPr id="4" name="図 3">
+              <a:extLst>
+                <a:ext uri="{FF2B5EF4-FFF2-40B4-BE49-F238E27FC236}">
+                  <a16:creationId xmlns:a16="http://schemas.microsoft.com/office/drawing/2014/main" id="{34C20ED9-1626-DB75-97A4-5267DDB25931}"/>
+                </a:ext>
+              </a:extLst>
+            </p:cNvPr>
+            <p:cNvPicPr>
+              <a:picLocks noChangeAspect="1"/>
+            </p:cNvPicPr>
+            <p:nvPr/>
+          </p:nvPicPr>
+          <p:blipFill>
+            <a:blip r:embed="rId2"/>
+            <a:stretch>
+              <a:fillRect/>
+            </a:stretch>
+          </p:blipFill>
+          <p:spPr>
+            <a:xfrm>
+              <a:off x="597284" y="3083349"/>
+              <a:ext cx="10997432" cy="3121509"/>
+            </a:xfrm>
+            <a:prstGeom prst="rect">
+              <a:avLst/>
+            </a:prstGeom>
+          </p:spPr>
+        </p:pic>
+        <p:sp>
+          <p:nvSpPr>
+            <p:cNvPr id="5" name="正方形/長方形 4">
+              <a:extLst>
+                <a:ext uri="{FF2B5EF4-FFF2-40B4-BE49-F238E27FC236}">
+                  <a16:creationId xmlns:a16="http://schemas.microsoft.com/office/drawing/2014/main" id="{98446390-4D7B-9624-EA75-B95F25B727C6}"/>
+                </a:ext>
+              </a:extLst>
+            </p:cNvPr>
+            <p:cNvSpPr/>
+            <p:nvPr/>
+          </p:nvSpPr>
+          <p:spPr>
+            <a:xfrm>
+              <a:off x="4173843" y="3863073"/>
+              <a:ext cx="681186" cy="676270"/>
+            </a:xfrm>
+            <a:prstGeom prst="rect">
+              <a:avLst/>
+            </a:prstGeom>
+            <a:noFill/>
+            <a:ln w="50800">
+              <a:solidFill>
+                <a:srgbClr val="FF0000"/>
+              </a:solidFill>
+            </a:ln>
+          </p:spPr>
+          <p:style>
+            <a:lnRef idx="2">
+              <a:schemeClr val="accent1">
+                <a:shade val="15000"/>
+              </a:schemeClr>
+            </a:lnRef>
+            <a:fillRef idx="1">
+              <a:schemeClr val="accent1"/>
+            </a:fillRef>
+            <a:effectRef idx="0">
+              <a:schemeClr val="accent1"/>
+            </a:effectRef>
+            <a:fontRef idx="minor">
+              <a:schemeClr val="lt1"/>
+            </a:fontRef>
+          </p:style>
+          <p:txBody>
+            <a:bodyPr rtlCol="0" anchor="ctr"/>
+            <a:lstStyle/>
+            <a:p>
+              <a:pPr algn="ctr"/>
+              <a:endParaRPr kumimoji="1" lang="ja-JP" altLang="en-US"/>
+            </a:p>
+          </p:txBody>
+        </p:sp>
+      </p:grpSp>
+      <p:pic>
+        <p:nvPicPr>
+          <p:cNvPr id="8" name="図 7">
+            <a:extLst>
+              <a:ext uri="{FF2B5EF4-FFF2-40B4-BE49-F238E27FC236}">
+                <a16:creationId xmlns:a16="http://schemas.microsoft.com/office/drawing/2014/main" id="{62459FE4-79CC-77EA-4A83-3903C1BB5D8E}"/>
+              </a:ext>
+            </a:extLst>
+          </p:cNvPr>
+          <p:cNvPicPr>
+            <a:picLocks noChangeAspect="1"/>
+          </p:cNvPicPr>
+          <p:nvPr/>
+        </p:nvPicPr>
+        <p:blipFill>
+          <a:blip r:embed="rId3"/>
+          <a:stretch>
+            <a:fillRect/>
+          </a:stretch>
+        </p:blipFill>
+        <p:spPr>
+          <a:xfrm>
+            <a:off x="2922736" y="4468544"/>
+            <a:ext cx="6009071" cy="2356819"/>
+          </a:xfrm>
+          <a:prstGeom prst="rect">
+            <a:avLst/>
+          </a:prstGeom>
+        </p:spPr>
+      </p:pic>
+      <p:sp>
+        <p:nvSpPr>
+          <p:cNvPr id="9" name="正方形/長方形 8">
+            <a:extLst>
+              <a:ext uri="{FF2B5EF4-FFF2-40B4-BE49-F238E27FC236}">
+                <a16:creationId xmlns:a16="http://schemas.microsoft.com/office/drawing/2014/main" id="{C3E5EE62-555D-6F28-08D1-EF816954D725}"/>
+              </a:ext>
+            </a:extLst>
+          </p:cNvPr>
+          <p:cNvSpPr/>
+          <p:nvPr/>
+        </p:nvSpPr>
+        <p:spPr>
+          <a:xfrm>
+            <a:off x="3869871" y="5475515"/>
+            <a:ext cx="4882242" cy="288472"/>
+          </a:xfrm>
+          <a:prstGeom prst="rect">
+            <a:avLst/>
+          </a:prstGeom>
+          <a:noFill/>
+          <a:ln w="50800">
+            <a:solidFill>
+              <a:srgbClr val="FF0000"/>
+            </a:solidFill>
+          </a:ln>
+        </p:spPr>
+        <p:style>
+          <a:lnRef idx="2">
+            <a:schemeClr val="accent1">
+              <a:shade val="15000"/>
+            </a:schemeClr>
+          </a:lnRef>
+          <a:fillRef idx="1">
+            <a:schemeClr val="accent1"/>
+          </a:fillRef>
+          <a:effectRef idx="0">
+            <a:schemeClr val="accent1"/>
+          </a:effectRef>
+          <a:fontRef idx="minor">
+            <a:schemeClr val="lt1"/>
+          </a:fontRef>
+        </p:style>
+        <p:txBody>
+          <a:bodyPr rtlCol="0" anchor="ctr"/>
+          <a:lstStyle/>
+          <a:p>
+            <a:pPr algn="ctr"/>
+            <a:endParaRPr kumimoji="1" lang="ja-JP" altLang="en-US"/>
+          </a:p>
+        </p:txBody>
+      </p:sp>
+      <p:sp>
+        <p:nvSpPr>
+          <p:cNvPr id="12" name="正方形/長方形 11">
+            <a:extLst>
+              <a:ext uri="{FF2B5EF4-FFF2-40B4-BE49-F238E27FC236}">
+                <a16:creationId xmlns:a16="http://schemas.microsoft.com/office/drawing/2014/main" id="{CEEF2223-BAA7-48FD-601E-C90B3DB0EAA4}"/>
+              </a:ext>
+            </a:extLst>
+          </p:cNvPr>
+          <p:cNvSpPr/>
+          <p:nvPr/>
+        </p:nvSpPr>
+        <p:spPr>
+          <a:xfrm>
+            <a:off x="7075714" y="6422570"/>
+            <a:ext cx="952500" cy="217693"/>
+          </a:xfrm>
+          <a:prstGeom prst="rect">
+            <a:avLst/>
+          </a:prstGeom>
+          <a:noFill/>
+          <a:ln w="50800">
+            <a:solidFill>
+              <a:srgbClr val="FF0000"/>
+            </a:solidFill>
+          </a:ln>
+        </p:spPr>
+        <p:style>
+          <a:lnRef idx="2">
+            <a:schemeClr val="accent1">
+              <a:shade val="15000"/>
+            </a:schemeClr>
+          </a:lnRef>
+          <a:fillRef idx="1">
+            <a:schemeClr val="accent1"/>
+          </a:fillRef>
+          <a:effectRef idx="0">
+            <a:schemeClr val="accent1"/>
+          </a:effectRef>
+          <a:fontRef idx="minor">
+            <a:schemeClr val="lt1"/>
+          </a:fontRef>
+        </p:style>
+        <p:txBody>
+          <a:bodyPr rtlCol="0" anchor="ctr"/>
+          <a:lstStyle/>
+          <a:p>
+            <a:pPr algn="ctr"/>
+            <a:endParaRPr kumimoji="1" lang="ja-JP" altLang="en-US"/>
+          </a:p>
+        </p:txBody>
+      </p:sp>
     </p:spTree>
     <p:extLst>
       <p:ext uri="{BB962C8B-B14F-4D97-AF65-F5344CB8AC3E}">

--- a/ハンズオン_Git入門.pptx
+++ b/ハンズオン_Git入門.pptx
@@ -5,7 +5,7 @@
     <p:sldMasterId id="2147483660" r:id="rId1"/>
   </p:sldMasterIdLst>
   <p:notesMasterIdLst>
-    <p:notesMasterId r:id="rId39"/>
+    <p:notesMasterId r:id="rId40"/>
   </p:notesMasterIdLst>
   <p:sldIdLst>
     <p:sldId id="256" r:id="rId2"/>
@@ -43,8 +43,9 @@
     <p:sldId id="285" r:id="rId34"/>
     <p:sldId id="300" r:id="rId35"/>
     <p:sldId id="293" r:id="rId36"/>
-    <p:sldId id="294" r:id="rId37"/>
-    <p:sldId id="263" r:id="rId38"/>
+    <p:sldId id="301" r:id="rId37"/>
+    <p:sldId id="294" r:id="rId38"/>
+    <p:sldId id="263" r:id="rId39"/>
   </p:sldIdLst>
   <p:sldSz cx="12192000" cy="6858000"/>
   <p:notesSz cx="6858000" cy="9144000"/>
@@ -154,7 +155,7 @@
 <file path=ppt/revisionInfo.xml><?xml version="1.0" encoding="utf-8"?>
 <p1510:revInfo xmlns:a="http://schemas.openxmlformats.org/drawingml/2006/main" xmlns:r="http://schemas.openxmlformats.org/officeDocument/2006/relationships" xmlns:p1510="http://schemas.microsoft.com/office/powerpoint/2015/10/main">
   <p1510:revLst>
-    <p1510:client id="{C0DA2B10-F1D4-4897-B074-9E17192A92F8}" v="357" dt="2023-10-31T19:28:34.332"/>
+    <p1510:client id="{C0DA2B10-F1D4-4897-B074-9E17192A92F8}" v="364" dt="2023-10-31T19:46:31.790"/>
   </p1510:revLst>
 </p1510:revInfo>
 </file>
@@ -696,7 +697,7 @@
   <pc:docChgLst>
     <pc:chgData name="SHHD 山本覚" userId="57e3f178-c88d-44ee-9b09-55235ac55cf9" providerId="ADAL" clId="{C0DA2B10-F1D4-4897-B074-9E17192A92F8}"/>
     <pc:docChg chg="undo custSel addSld delSld modSld sldOrd">
-      <pc:chgData name="SHHD 山本覚" userId="57e3f178-c88d-44ee-9b09-55235ac55cf9" providerId="ADAL" clId="{C0DA2B10-F1D4-4897-B074-9E17192A92F8}" dt="2023-10-31T19:28:42.362" v="9940" actId="14100"/>
+      <pc:chgData name="SHHD 山本覚" userId="57e3f178-c88d-44ee-9b09-55235ac55cf9" providerId="ADAL" clId="{C0DA2B10-F1D4-4897-B074-9E17192A92F8}" dt="2023-10-31T19:46:36.116" v="10468" actId="1076"/>
       <pc:docMkLst>
         <pc:docMk/>
       </pc:docMkLst>
@@ -3880,13 +3881,13 @@
         </pc:cxnChg>
       </pc:sldChg>
       <pc:sldChg chg="addSp modSp add mod">
-        <pc:chgData name="SHHD 山本覚" userId="57e3f178-c88d-44ee-9b09-55235ac55cf9" providerId="ADAL" clId="{C0DA2B10-F1D4-4897-B074-9E17192A92F8}" dt="2023-10-31T19:28:42.362" v="9940" actId="14100"/>
+        <pc:chgData name="SHHD 山本覚" userId="57e3f178-c88d-44ee-9b09-55235ac55cf9" providerId="ADAL" clId="{C0DA2B10-F1D4-4897-B074-9E17192A92F8}" dt="2023-10-31T19:37:29.345" v="9945" actId="20577"/>
         <pc:sldMkLst>
           <pc:docMk/>
           <pc:sldMk cId="2954290235" sldId="293"/>
         </pc:sldMkLst>
         <pc:spChg chg="mod">
-          <ac:chgData name="SHHD 山本覚" userId="57e3f178-c88d-44ee-9b09-55235ac55cf9" providerId="ADAL" clId="{C0DA2B10-F1D4-4897-B074-9E17192A92F8}" dt="2023-10-31T14:57:32.175" v="4585" actId="20577"/>
+          <ac:chgData name="SHHD 山本覚" userId="57e3f178-c88d-44ee-9b09-55235ac55cf9" providerId="ADAL" clId="{C0DA2B10-F1D4-4897-B074-9E17192A92F8}" dt="2023-10-31T19:37:29.345" v="9945" actId="20577"/>
           <ac:spMkLst>
             <pc:docMk/>
             <pc:sldMk cId="2954290235" sldId="293"/>
@@ -4789,6 +4790,205 @@
             <ac:picMk id="5" creationId="{D3C7CF1F-48E4-9849-B81A-9E58992B1673}"/>
           </ac:picMkLst>
         </pc:picChg>
+      </pc:sldChg>
+      <pc:sldChg chg="addSp delSp modSp add mod">
+        <pc:chgData name="SHHD 山本覚" userId="57e3f178-c88d-44ee-9b09-55235ac55cf9" providerId="ADAL" clId="{C0DA2B10-F1D4-4897-B074-9E17192A92F8}" dt="2023-10-31T19:46:36.116" v="10468" actId="1076"/>
+        <pc:sldMkLst>
+          <pc:docMk/>
+          <pc:sldMk cId="2832214276" sldId="301"/>
+        </pc:sldMkLst>
+        <pc:spChg chg="mod">
+          <ac:chgData name="SHHD 山本覚" userId="57e3f178-c88d-44ee-9b09-55235ac55cf9" providerId="ADAL" clId="{C0DA2B10-F1D4-4897-B074-9E17192A92F8}" dt="2023-10-31T19:37:38.794" v="9949" actId="20577"/>
+          <ac:spMkLst>
+            <pc:docMk/>
+            <pc:sldMk cId="2832214276" sldId="301"/>
+            <ac:spMk id="2" creationId="{679B1F19-EA37-6319-E74D-3884CF7D7061}"/>
+          </ac:spMkLst>
+        </pc:spChg>
+        <pc:spChg chg="del">
+          <ac:chgData name="SHHD 山本覚" userId="57e3f178-c88d-44ee-9b09-55235ac55cf9" providerId="ADAL" clId="{C0DA2B10-F1D4-4897-B074-9E17192A92F8}" dt="2023-10-31T19:38:29.738" v="9964" actId="478"/>
+          <ac:spMkLst>
+            <pc:docMk/>
+            <pc:sldMk cId="2832214276" sldId="301"/>
+            <ac:spMk id="9" creationId="{C3E5EE62-555D-6F28-08D1-EF816954D725}"/>
+          </ac:spMkLst>
+        </pc:spChg>
+        <pc:spChg chg="add mod">
+          <ac:chgData name="SHHD 山本覚" userId="57e3f178-c88d-44ee-9b09-55235ac55cf9" providerId="ADAL" clId="{C0DA2B10-F1D4-4897-B074-9E17192A92F8}" dt="2023-10-31T19:40:23.555" v="10041" actId="692"/>
+          <ac:spMkLst>
+            <pc:docMk/>
+            <pc:sldMk cId="2832214276" sldId="301"/>
+            <ac:spMk id="10" creationId="{DEA18670-C3D6-3DC0-AB25-6511D717E85F}"/>
+          </ac:spMkLst>
+        </pc:spChg>
+        <pc:spChg chg="add mod">
+          <ac:chgData name="SHHD 山本覚" userId="57e3f178-c88d-44ee-9b09-55235ac55cf9" providerId="ADAL" clId="{C0DA2B10-F1D4-4897-B074-9E17192A92F8}" dt="2023-10-31T19:40:43.202" v="10061" actId="120"/>
+          <ac:spMkLst>
+            <pc:docMk/>
+            <pc:sldMk cId="2832214276" sldId="301"/>
+            <ac:spMk id="11" creationId="{230E50F3-BF14-A54A-EE9E-38152478C31D}"/>
+          </ac:spMkLst>
+        </pc:spChg>
+        <pc:spChg chg="mod ord">
+          <ac:chgData name="SHHD 山本覚" userId="57e3f178-c88d-44ee-9b09-55235ac55cf9" providerId="ADAL" clId="{C0DA2B10-F1D4-4897-B074-9E17192A92F8}" dt="2023-10-31T19:38:28.134" v="9963" actId="1076"/>
+          <ac:spMkLst>
+            <pc:docMk/>
+            <pc:sldMk cId="2832214276" sldId="301"/>
+            <ac:spMk id="12" creationId="{CEEF2223-BAA7-48FD-601E-C90B3DB0EAA4}"/>
+          </ac:spMkLst>
+        </pc:spChg>
+        <pc:spChg chg="add mod">
+          <ac:chgData name="SHHD 山本覚" userId="57e3f178-c88d-44ee-9b09-55235ac55cf9" providerId="ADAL" clId="{C0DA2B10-F1D4-4897-B074-9E17192A92F8}" dt="2023-10-31T19:46:36.116" v="10468" actId="1076"/>
+          <ac:spMkLst>
+            <pc:docMk/>
+            <pc:sldMk cId="2832214276" sldId="301"/>
+            <ac:spMk id="13" creationId="{EB53BAEC-963D-5EA5-451B-FFE039169988}"/>
+          </ac:spMkLst>
+        </pc:spChg>
+        <pc:spChg chg="mod">
+          <ac:chgData name="SHHD 山本覚" userId="57e3f178-c88d-44ee-9b09-55235ac55cf9" providerId="ADAL" clId="{C0DA2B10-F1D4-4897-B074-9E17192A92F8}" dt="2023-10-31T19:46:28.008" v="10466" actId="14100"/>
+          <ac:spMkLst>
+            <pc:docMk/>
+            <pc:sldMk cId="2832214276" sldId="301"/>
+            <ac:spMk id="16" creationId="{45DA9CA9-E0D4-CAEE-C7F7-810DF764E4BA}"/>
+          </ac:spMkLst>
+        </pc:spChg>
+        <pc:spChg chg="mod">
+          <ac:chgData name="SHHD 山本覚" userId="57e3f178-c88d-44ee-9b09-55235ac55cf9" providerId="ADAL" clId="{C0DA2B10-F1D4-4897-B074-9E17192A92F8}" dt="2023-10-31T19:46:28.008" v="10466" actId="14100"/>
+          <ac:spMkLst>
+            <pc:docMk/>
+            <pc:sldMk cId="2832214276" sldId="301"/>
+            <ac:spMk id="17" creationId="{40129C3D-322E-A227-2BC2-D803309575BF}"/>
+          </ac:spMkLst>
+        </pc:spChg>
+        <pc:spChg chg="mod">
+          <ac:chgData name="SHHD 山本覚" userId="57e3f178-c88d-44ee-9b09-55235ac55cf9" providerId="ADAL" clId="{C0DA2B10-F1D4-4897-B074-9E17192A92F8}" dt="2023-10-31T19:46:28.008" v="10466" actId="14100"/>
+          <ac:spMkLst>
+            <pc:docMk/>
+            <pc:sldMk cId="2832214276" sldId="301"/>
+            <ac:spMk id="22" creationId="{C4883E41-A111-AC78-30F6-BD35F0BB96AB}"/>
+          </ac:spMkLst>
+        </pc:spChg>
+        <pc:spChg chg="mod">
+          <ac:chgData name="SHHD 山本覚" userId="57e3f178-c88d-44ee-9b09-55235ac55cf9" providerId="ADAL" clId="{C0DA2B10-F1D4-4897-B074-9E17192A92F8}" dt="2023-10-31T19:46:28.008" v="10466" actId="14100"/>
+          <ac:spMkLst>
+            <pc:docMk/>
+            <pc:sldMk cId="2832214276" sldId="301"/>
+            <ac:spMk id="23" creationId="{8B0DFE05-B550-1D6F-A68F-D4BB5A930EF8}"/>
+          </ac:spMkLst>
+        </pc:spChg>
+        <pc:spChg chg="mod">
+          <ac:chgData name="SHHD 山本覚" userId="57e3f178-c88d-44ee-9b09-55235ac55cf9" providerId="ADAL" clId="{C0DA2B10-F1D4-4897-B074-9E17192A92F8}" dt="2023-10-31T19:46:28.008" v="10466" actId="14100"/>
+          <ac:spMkLst>
+            <pc:docMk/>
+            <pc:sldMk cId="2832214276" sldId="301"/>
+            <ac:spMk id="27" creationId="{EA129775-840D-6705-A021-9A8D52A63D50}"/>
+          </ac:spMkLst>
+        </pc:spChg>
+        <pc:spChg chg="mod">
+          <ac:chgData name="SHHD 山本覚" userId="57e3f178-c88d-44ee-9b09-55235ac55cf9" providerId="ADAL" clId="{C0DA2B10-F1D4-4897-B074-9E17192A92F8}" dt="2023-10-31T19:46:28.008" v="10466" actId="14100"/>
+          <ac:spMkLst>
+            <pc:docMk/>
+            <pc:sldMk cId="2832214276" sldId="301"/>
+            <ac:spMk id="28" creationId="{E730302D-721D-B4A3-ECE4-B9F98506C18E}"/>
+          </ac:spMkLst>
+        </pc:spChg>
+        <pc:grpChg chg="del">
+          <ac:chgData name="SHHD 山本覚" userId="57e3f178-c88d-44ee-9b09-55235ac55cf9" providerId="ADAL" clId="{C0DA2B10-F1D4-4897-B074-9E17192A92F8}" dt="2023-10-31T19:38:01.506" v="9950" actId="478"/>
+          <ac:grpSpMkLst>
+            <pc:docMk/>
+            <pc:sldMk cId="2832214276" sldId="301"/>
+            <ac:grpSpMk id="6" creationId="{C5B5D052-91A6-FA0B-1802-A9D7B8537BBB}"/>
+          </ac:grpSpMkLst>
+        </pc:grpChg>
+        <pc:grpChg chg="add del mod">
+          <ac:chgData name="SHHD 山本覚" userId="57e3f178-c88d-44ee-9b09-55235ac55cf9" providerId="ADAL" clId="{C0DA2B10-F1D4-4897-B074-9E17192A92F8}" dt="2023-10-31T19:46:31.790" v="10467" actId="478"/>
+          <ac:grpSpMkLst>
+            <pc:docMk/>
+            <pc:sldMk cId="2832214276" sldId="301"/>
+            <ac:grpSpMk id="14" creationId="{EDE173FB-8C76-ACDE-C674-8F0C07F615ED}"/>
+          </ac:grpSpMkLst>
+        </pc:grpChg>
+        <pc:picChg chg="add mod">
+          <ac:chgData name="SHHD 山本覚" userId="57e3f178-c88d-44ee-9b09-55235ac55cf9" providerId="ADAL" clId="{C0DA2B10-F1D4-4897-B074-9E17192A92F8}" dt="2023-10-31T19:38:17.672" v="9959" actId="1076"/>
+          <ac:picMkLst>
+            <pc:docMk/>
+            <pc:sldMk cId="2832214276" sldId="301"/>
+            <ac:picMk id="7" creationId="{371D9556-E5EA-4A47-C9C5-89230D205494}"/>
+          </ac:picMkLst>
+        </pc:picChg>
+        <pc:picChg chg="del">
+          <ac:chgData name="SHHD 山本覚" userId="57e3f178-c88d-44ee-9b09-55235ac55cf9" providerId="ADAL" clId="{C0DA2B10-F1D4-4897-B074-9E17192A92F8}" dt="2023-10-31T19:38:03.018" v="9951" actId="478"/>
+          <ac:picMkLst>
+            <pc:docMk/>
+            <pc:sldMk cId="2832214276" sldId="301"/>
+            <ac:picMk id="8" creationId="{62459FE4-79CC-77EA-4A83-3903C1BB5D8E}"/>
+          </ac:picMkLst>
+        </pc:picChg>
+        <pc:picChg chg="mod">
+          <ac:chgData name="SHHD 山本覚" userId="57e3f178-c88d-44ee-9b09-55235ac55cf9" providerId="ADAL" clId="{C0DA2B10-F1D4-4897-B074-9E17192A92F8}" dt="2023-10-31T19:46:28.008" v="10466" actId="14100"/>
+          <ac:picMkLst>
+            <pc:docMk/>
+            <pc:sldMk cId="2832214276" sldId="301"/>
+            <ac:picMk id="15" creationId="{54BC7D57-BB79-7649-EA6D-496FDD9DD29A}"/>
+          </ac:picMkLst>
+        </pc:picChg>
+        <pc:picChg chg="mod">
+          <ac:chgData name="SHHD 山本覚" userId="57e3f178-c88d-44ee-9b09-55235ac55cf9" providerId="ADAL" clId="{C0DA2B10-F1D4-4897-B074-9E17192A92F8}" dt="2023-10-31T19:46:28.008" v="10466" actId="14100"/>
+          <ac:picMkLst>
+            <pc:docMk/>
+            <pc:sldMk cId="2832214276" sldId="301"/>
+            <ac:picMk id="19" creationId="{60E9D209-4851-DDDA-F165-D9802B7687B7}"/>
+          </ac:picMkLst>
+        </pc:picChg>
+        <pc:picChg chg="mod">
+          <ac:chgData name="SHHD 山本覚" userId="57e3f178-c88d-44ee-9b09-55235ac55cf9" providerId="ADAL" clId="{C0DA2B10-F1D4-4897-B074-9E17192A92F8}" dt="2023-10-31T19:46:28.008" v="10466" actId="14100"/>
+          <ac:picMkLst>
+            <pc:docMk/>
+            <pc:sldMk cId="2832214276" sldId="301"/>
+            <ac:picMk id="21" creationId="{F8E21797-CE95-B056-3F06-11ECE8D9A509}"/>
+          </ac:picMkLst>
+        </pc:picChg>
+        <pc:picChg chg="mod">
+          <ac:chgData name="SHHD 山本覚" userId="57e3f178-c88d-44ee-9b09-55235ac55cf9" providerId="ADAL" clId="{C0DA2B10-F1D4-4897-B074-9E17192A92F8}" dt="2023-10-31T19:46:28.008" v="10466" actId="14100"/>
+          <ac:picMkLst>
+            <pc:docMk/>
+            <pc:sldMk cId="2832214276" sldId="301"/>
+            <ac:picMk id="26" creationId="{878BBF56-D070-38F9-55BE-8DB39B0B3A54}"/>
+          </ac:picMkLst>
+        </pc:picChg>
+        <pc:cxnChg chg="mod">
+          <ac:chgData name="SHHD 山本覚" userId="57e3f178-c88d-44ee-9b09-55235ac55cf9" providerId="ADAL" clId="{C0DA2B10-F1D4-4897-B074-9E17192A92F8}" dt="2023-10-31T19:46:28.008" v="10466" actId="14100"/>
+          <ac:cxnSpMkLst>
+            <pc:docMk/>
+            <pc:sldMk cId="2832214276" sldId="301"/>
+            <ac:cxnSpMk id="18" creationId="{04642293-CC2A-2AEB-28A1-1010CB9E842A}"/>
+          </ac:cxnSpMkLst>
+        </pc:cxnChg>
+        <pc:cxnChg chg="mod">
+          <ac:chgData name="SHHD 山本覚" userId="57e3f178-c88d-44ee-9b09-55235ac55cf9" providerId="ADAL" clId="{C0DA2B10-F1D4-4897-B074-9E17192A92F8}" dt="2023-10-31T19:46:28.008" v="10466" actId="14100"/>
+          <ac:cxnSpMkLst>
+            <pc:docMk/>
+            <pc:sldMk cId="2832214276" sldId="301"/>
+            <ac:cxnSpMk id="20" creationId="{6093E59F-8093-D6B9-B36E-CF920AF7C5C9}"/>
+          </ac:cxnSpMkLst>
+        </pc:cxnChg>
+        <pc:cxnChg chg="mod">
+          <ac:chgData name="SHHD 山本覚" userId="57e3f178-c88d-44ee-9b09-55235ac55cf9" providerId="ADAL" clId="{C0DA2B10-F1D4-4897-B074-9E17192A92F8}" dt="2023-10-31T19:46:28.008" v="10466" actId="14100"/>
+          <ac:cxnSpMkLst>
+            <pc:docMk/>
+            <pc:sldMk cId="2832214276" sldId="301"/>
+            <ac:cxnSpMk id="24" creationId="{2CA89493-4169-69A6-B621-02CD1ECF1F50}"/>
+          </ac:cxnSpMkLst>
+        </pc:cxnChg>
+        <pc:cxnChg chg="mod">
+          <ac:chgData name="SHHD 山本覚" userId="57e3f178-c88d-44ee-9b09-55235ac55cf9" providerId="ADAL" clId="{C0DA2B10-F1D4-4897-B074-9E17192A92F8}" dt="2023-10-31T19:46:28.008" v="10466" actId="14100"/>
+          <ac:cxnSpMkLst>
+            <pc:docMk/>
+            <pc:sldMk cId="2832214276" sldId="301"/>
+            <ac:cxnSpMk id="25" creationId="{D20F9580-4E70-D348-2ED5-D8202A3351FD}"/>
+          </ac:cxnSpMkLst>
+        </pc:cxnChg>
       </pc:sldChg>
     </pc:docChg>
   </pc:docChgLst>
@@ -6280,7 +6480,7 @@
           <a:p>
             <a:fld id="{E30F2518-C81B-4DFE-8FD7-FBA88C2788B5}" type="slidenum">
               <a:rPr kumimoji="1" lang="ja-JP" altLang="en-US" smtClean="0"/>
-              <a:t>37</a:t>
+              <a:t>38</a:t>
             </a:fld>
             <a:endParaRPr kumimoji="1" lang="ja-JP" altLang="en-US"/>
           </a:p>
@@ -25063,7 +25263,7 @@
           <a:p>
             <a:r>
               <a:rPr kumimoji="1" lang="ja-JP" altLang="en-US" dirty="0"/>
-              <a:t>ブランチを切る</a:t>
+              <a:t>ブランチを切る（１）</a:t>
             </a:r>
           </a:p>
         </p:txBody>
@@ -25358,6 +25558,639 @@
           <a:p>
             <a:r>
               <a:rPr kumimoji="1" lang="ja-JP" altLang="en-US" dirty="0"/>
+              <a:t>ブランチを切る（２）</a:t>
+            </a:r>
+          </a:p>
+        </p:txBody>
+      </p:sp>
+      <p:pic>
+        <p:nvPicPr>
+          <p:cNvPr id="7" name="図 6">
+            <a:extLst>
+              <a:ext uri="{FF2B5EF4-FFF2-40B4-BE49-F238E27FC236}">
+                <a16:creationId xmlns:a16="http://schemas.microsoft.com/office/drawing/2014/main" id="{371D9556-E5EA-4A47-C9C5-89230D205494}"/>
+              </a:ext>
+            </a:extLst>
+          </p:cNvPr>
+          <p:cNvPicPr>
+            <a:picLocks noChangeAspect="1"/>
+          </p:cNvPicPr>
+          <p:nvPr/>
+        </p:nvPicPr>
+        <p:blipFill>
+          <a:blip r:embed="rId2"/>
+          <a:stretch>
+            <a:fillRect/>
+          </a:stretch>
+        </p:blipFill>
+        <p:spPr>
+          <a:xfrm>
+            <a:off x="288435" y="1344323"/>
+            <a:ext cx="3073068" cy="5290498"/>
+          </a:xfrm>
+          <a:prstGeom prst="rect">
+            <a:avLst/>
+          </a:prstGeom>
+        </p:spPr>
+      </p:pic>
+      <p:sp>
+        <p:nvSpPr>
+          <p:cNvPr id="12" name="正方形/長方形 11">
+            <a:extLst>
+              <a:ext uri="{FF2B5EF4-FFF2-40B4-BE49-F238E27FC236}">
+                <a16:creationId xmlns:a16="http://schemas.microsoft.com/office/drawing/2014/main" id="{CEEF2223-BAA7-48FD-601E-C90B3DB0EAA4}"/>
+              </a:ext>
+            </a:extLst>
+          </p:cNvPr>
+          <p:cNvSpPr/>
+          <p:nvPr/>
+        </p:nvSpPr>
+        <p:spPr>
+          <a:xfrm flipV="1">
+            <a:off x="419100" y="3918858"/>
+            <a:ext cx="952500" cy="223156"/>
+          </a:xfrm>
+          <a:prstGeom prst="rect">
+            <a:avLst/>
+          </a:prstGeom>
+          <a:noFill/>
+          <a:ln w="50800">
+            <a:solidFill>
+              <a:srgbClr val="FF0000"/>
+            </a:solidFill>
+          </a:ln>
+        </p:spPr>
+        <p:style>
+          <a:lnRef idx="2">
+            <a:schemeClr val="accent1">
+              <a:shade val="15000"/>
+            </a:schemeClr>
+          </a:lnRef>
+          <a:fillRef idx="1">
+            <a:schemeClr val="accent1"/>
+          </a:fillRef>
+          <a:effectRef idx="0">
+            <a:schemeClr val="accent1"/>
+          </a:effectRef>
+          <a:fontRef idx="minor">
+            <a:schemeClr val="lt1"/>
+          </a:fontRef>
+        </p:style>
+        <p:txBody>
+          <a:bodyPr rtlCol="0" anchor="ctr"/>
+          <a:lstStyle/>
+          <a:p>
+            <a:pPr algn="ctr"/>
+            <a:endParaRPr kumimoji="1" lang="ja-JP" altLang="en-US"/>
+          </a:p>
+        </p:txBody>
+      </p:sp>
+      <p:sp>
+        <p:nvSpPr>
+          <p:cNvPr id="10" name="コンテンツ プレースホルダー 2">
+            <a:extLst>
+              <a:ext uri="{FF2B5EF4-FFF2-40B4-BE49-F238E27FC236}">
+                <a16:creationId xmlns:a16="http://schemas.microsoft.com/office/drawing/2014/main" id="{DEA18670-C3D6-3DC0-AB25-6511D717E85F}"/>
+              </a:ext>
+            </a:extLst>
+          </p:cNvPr>
+          <p:cNvSpPr txBox="1">
+            <a:spLocks/>
+          </p:cNvSpPr>
+          <p:nvPr/>
+        </p:nvSpPr>
+        <p:spPr>
+          <a:xfrm>
+            <a:off x="1535260" y="3918858"/>
+            <a:ext cx="1662583" cy="223156"/>
+          </a:xfrm>
+          <a:prstGeom prst="rect">
+            <a:avLst/>
+          </a:prstGeom>
+          <a:solidFill>
+            <a:schemeClr val="bg1"/>
+          </a:solidFill>
+          <a:ln w="28575">
+            <a:solidFill>
+              <a:srgbClr val="FF0000"/>
+            </a:solidFill>
+          </a:ln>
+        </p:spPr>
+        <p:txBody>
+          <a:bodyPr vert="horz" lIns="0" tIns="0" rIns="0" bIns="72000" rtlCol="0" anchor="ctr" anchorCtr="0">
+            <a:noAutofit/>
+          </a:bodyPr>
+          <a:lstStyle>
+            <a:lvl1pPr marL="228600" indent="-228600" algn="l" defTabSz="914400" rtl="0" eaLnBrk="1" latinLnBrk="0" hangingPunct="1">
+              <a:lnSpc>
+                <a:spcPct val="90000"/>
+              </a:lnSpc>
+              <a:spcBef>
+                <a:spcPts val="1000"/>
+              </a:spcBef>
+              <a:buFont typeface="Wingdings 2" pitchFamily="18" charset="2"/>
+              <a:buChar char=""/>
+              <a:defRPr kumimoji="1" sz="2800" kern="1200">
+                <a:solidFill>
+                  <a:schemeClr val="tx1"/>
+                </a:solidFill>
+                <a:latin typeface="游ゴシック" panose="020B0400000000000000" pitchFamily="50" charset="-128"/>
+                <a:ea typeface="游ゴシック" panose="020B0400000000000000" pitchFamily="50" charset="-128"/>
+                <a:cs typeface="+mn-cs"/>
+              </a:defRPr>
+            </a:lvl1pPr>
+            <a:lvl2pPr marL="685800" indent="-228600" algn="l" defTabSz="914400" rtl="0" eaLnBrk="1" latinLnBrk="0" hangingPunct="1">
+              <a:lnSpc>
+                <a:spcPct val="90000"/>
+              </a:lnSpc>
+              <a:spcBef>
+                <a:spcPts val="500"/>
+              </a:spcBef>
+              <a:buFont typeface="Wingdings 2" pitchFamily="18" charset="2"/>
+              <a:buChar char=""/>
+              <a:defRPr kumimoji="1" sz="2400" kern="1200">
+                <a:solidFill>
+                  <a:schemeClr val="tx1"/>
+                </a:solidFill>
+                <a:latin typeface="游ゴシック" panose="020B0400000000000000" pitchFamily="50" charset="-128"/>
+                <a:ea typeface="游ゴシック" panose="020B0400000000000000" pitchFamily="50" charset="-128"/>
+                <a:cs typeface="+mn-cs"/>
+              </a:defRPr>
+            </a:lvl2pPr>
+            <a:lvl3pPr marL="1143000" indent="-228600" algn="l" defTabSz="914400" rtl="0" eaLnBrk="1" latinLnBrk="0" hangingPunct="1">
+              <a:lnSpc>
+                <a:spcPct val="90000"/>
+              </a:lnSpc>
+              <a:spcBef>
+                <a:spcPts val="500"/>
+              </a:spcBef>
+              <a:buFont typeface="Wingdings 2" pitchFamily="18" charset="2"/>
+              <a:buChar char=""/>
+              <a:defRPr kumimoji="1" sz="2000" kern="1200">
+                <a:solidFill>
+                  <a:schemeClr val="tx1"/>
+                </a:solidFill>
+                <a:latin typeface="游ゴシック" panose="020B0400000000000000" pitchFamily="50" charset="-128"/>
+                <a:ea typeface="游ゴシック" panose="020B0400000000000000" pitchFamily="50" charset="-128"/>
+                <a:cs typeface="+mn-cs"/>
+              </a:defRPr>
+            </a:lvl3pPr>
+            <a:lvl4pPr marL="1600200" indent="-228600" algn="l" defTabSz="914400" rtl="0" eaLnBrk="1" latinLnBrk="0" hangingPunct="1">
+              <a:lnSpc>
+                <a:spcPct val="90000"/>
+              </a:lnSpc>
+              <a:spcBef>
+                <a:spcPts val="500"/>
+              </a:spcBef>
+              <a:buFont typeface="Wingdings 2" pitchFamily="18" charset="2"/>
+              <a:buChar char=""/>
+              <a:defRPr kumimoji="1" sz="1800" kern="1200">
+                <a:solidFill>
+                  <a:schemeClr val="tx1"/>
+                </a:solidFill>
+                <a:latin typeface="游ゴシック" panose="020B0400000000000000" pitchFamily="50" charset="-128"/>
+                <a:ea typeface="游ゴシック" panose="020B0400000000000000" pitchFamily="50" charset="-128"/>
+                <a:cs typeface="+mn-cs"/>
+              </a:defRPr>
+            </a:lvl4pPr>
+            <a:lvl5pPr marL="2057400" indent="-228600" algn="l" defTabSz="914400" rtl="0" eaLnBrk="1" latinLnBrk="0" hangingPunct="1">
+              <a:lnSpc>
+                <a:spcPct val="90000"/>
+              </a:lnSpc>
+              <a:spcBef>
+                <a:spcPts val="500"/>
+              </a:spcBef>
+              <a:buFont typeface="Wingdings 2" pitchFamily="18" charset="2"/>
+              <a:buChar char=""/>
+              <a:defRPr kumimoji="1" sz="1800" kern="1200">
+                <a:solidFill>
+                  <a:schemeClr val="tx1"/>
+                </a:solidFill>
+                <a:latin typeface="游ゴシック" panose="020B0400000000000000" pitchFamily="50" charset="-128"/>
+                <a:ea typeface="游ゴシック" panose="020B0400000000000000" pitchFamily="50" charset="-128"/>
+                <a:cs typeface="+mn-cs"/>
+              </a:defRPr>
+            </a:lvl5pPr>
+            <a:lvl6pPr marL="2514600" indent="-228600" algn="l" defTabSz="914400" rtl="0" eaLnBrk="1" latinLnBrk="0" hangingPunct="1">
+              <a:spcBef>
+                <a:spcPct val="20000"/>
+              </a:spcBef>
+              <a:buFont typeface="Wingdings 2" pitchFamily="18" charset="2"/>
+              <a:buChar char=""/>
+              <a:defRPr kumimoji="1" sz="1800" kern="1200">
+                <a:solidFill>
+                  <a:schemeClr val="tx1"/>
+                </a:solidFill>
+                <a:latin typeface="+mn-lt"/>
+                <a:ea typeface="+mn-ea"/>
+                <a:cs typeface="+mn-cs"/>
+              </a:defRPr>
+            </a:lvl6pPr>
+            <a:lvl7pPr marL="2971800" indent="-228600" algn="l" defTabSz="914400" rtl="0" eaLnBrk="1" latinLnBrk="0" hangingPunct="1">
+              <a:spcBef>
+                <a:spcPct val="20000"/>
+              </a:spcBef>
+              <a:buFont typeface="Wingdings 2" pitchFamily="18" charset="2"/>
+              <a:buChar char=""/>
+              <a:defRPr kumimoji="1" sz="1800" kern="1200">
+                <a:solidFill>
+                  <a:schemeClr val="tx1"/>
+                </a:solidFill>
+                <a:latin typeface="+mn-lt"/>
+                <a:ea typeface="+mn-ea"/>
+                <a:cs typeface="+mn-cs"/>
+              </a:defRPr>
+            </a:lvl7pPr>
+            <a:lvl8pPr marL="3429000" indent="-228600" algn="l" defTabSz="914400" rtl="0" eaLnBrk="1" latinLnBrk="0" hangingPunct="1">
+              <a:spcBef>
+                <a:spcPct val="20000"/>
+              </a:spcBef>
+              <a:buFont typeface="Wingdings 2" pitchFamily="18" charset="2"/>
+              <a:buChar char=""/>
+              <a:defRPr kumimoji="1" sz="1800" kern="1200">
+                <a:solidFill>
+                  <a:schemeClr val="tx1"/>
+                </a:solidFill>
+                <a:latin typeface="+mn-lt"/>
+                <a:ea typeface="+mn-ea"/>
+                <a:cs typeface="+mn-cs"/>
+              </a:defRPr>
+            </a:lvl8pPr>
+            <a:lvl9pPr marL="3886200" indent="-228600" algn="l" defTabSz="914400" rtl="0" eaLnBrk="1" latinLnBrk="0" hangingPunct="1">
+              <a:spcBef>
+                <a:spcPct val="20000"/>
+              </a:spcBef>
+              <a:buFont typeface="Wingdings 2" pitchFamily="18" charset="2"/>
+              <a:buChar char=""/>
+              <a:defRPr kumimoji="1" sz="1800" kern="1200">
+                <a:solidFill>
+                  <a:schemeClr val="tx1"/>
+                </a:solidFill>
+                <a:latin typeface="+mn-lt"/>
+                <a:ea typeface="+mn-ea"/>
+                <a:cs typeface="+mn-cs"/>
+              </a:defRPr>
+            </a:lvl9pPr>
+          </a:lstStyle>
+          <a:p>
+            <a:pPr marL="0" indent="0" algn="ctr">
+              <a:lnSpc>
+                <a:spcPct val="150000"/>
+              </a:lnSpc>
+              <a:buFont typeface="Wingdings 2" pitchFamily="18" charset="2"/>
+              <a:buNone/>
+            </a:pPr>
+            <a:r>
+              <a:rPr lang="ja-JP" altLang="en-US" sz="1600" dirty="0"/>
+              <a:t>←作ったブランチ</a:t>
+            </a:r>
+          </a:p>
+        </p:txBody>
+      </p:sp>
+      <p:sp>
+        <p:nvSpPr>
+          <p:cNvPr id="11" name="コンテンツ プレースホルダー 2">
+            <a:extLst>
+              <a:ext uri="{FF2B5EF4-FFF2-40B4-BE49-F238E27FC236}">
+                <a16:creationId xmlns:a16="http://schemas.microsoft.com/office/drawing/2014/main" id="{230E50F3-BF14-A54A-EE9E-38152478C31D}"/>
+              </a:ext>
+            </a:extLst>
+          </p:cNvPr>
+          <p:cNvSpPr txBox="1">
+            <a:spLocks/>
+          </p:cNvSpPr>
+          <p:nvPr/>
+        </p:nvSpPr>
+        <p:spPr>
+          <a:xfrm>
+            <a:off x="1535260" y="3663372"/>
+            <a:ext cx="1662583" cy="223156"/>
+          </a:xfrm>
+          <a:prstGeom prst="rect">
+            <a:avLst/>
+          </a:prstGeom>
+          <a:solidFill>
+            <a:schemeClr val="bg1"/>
+          </a:solidFill>
+          <a:ln w="28575">
+            <a:solidFill>
+              <a:srgbClr val="FF0000"/>
+            </a:solidFill>
+          </a:ln>
+        </p:spPr>
+        <p:txBody>
+          <a:bodyPr vert="horz" lIns="0" tIns="0" rIns="0" bIns="72000" rtlCol="0" anchor="ctr" anchorCtr="0">
+            <a:noAutofit/>
+          </a:bodyPr>
+          <a:lstStyle>
+            <a:lvl1pPr marL="228600" indent="-228600" algn="l" defTabSz="914400" rtl="0" eaLnBrk="1" latinLnBrk="0" hangingPunct="1">
+              <a:lnSpc>
+                <a:spcPct val="90000"/>
+              </a:lnSpc>
+              <a:spcBef>
+                <a:spcPts val="1000"/>
+              </a:spcBef>
+              <a:buFont typeface="Wingdings 2" pitchFamily="18" charset="2"/>
+              <a:buChar char=""/>
+              <a:defRPr kumimoji="1" sz="2800" kern="1200">
+                <a:solidFill>
+                  <a:schemeClr val="tx1"/>
+                </a:solidFill>
+                <a:latin typeface="游ゴシック" panose="020B0400000000000000" pitchFamily="50" charset="-128"/>
+                <a:ea typeface="游ゴシック" panose="020B0400000000000000" pitchFamily="50" charset="-128"/>
+                <a:cs typeface="+mn-cs"/>
+              </a:defRPr>
+            </a:lvl1pPr>
+            <a:lvl2pPr marL="685800" indent="-228600" algn="l" defTabSz="914400" rtl="0" eaLnBrk="1" latinLnBrk="0" hangingPunct="1">
+              <a:lnSpc>
+                <a:spcPct val="90000"/>
+              </a:lnSpc>
+              <a:spcBef>
+                <a:spcPts val="500"/>
+              </a:spcBef>
+              <a:buFont typeface="Wingdings 2" pitchFamily="18" charset="2"/>
+              <a:buChar char=""/>
+              <a:defRPr kumimoji="1" sz="2400" kern="1200">
+                <a:solidFill>
+                  <a:schemeClr val="tx1"/>
+                </a:solidFill>
+                <a:latin typeface="游ゴシック" panose="020B0400000000000000" pitchFamily="50" charset="-128"/>
+                <a:ea typeface="游ゴシック" panose="020B0400000000000000" pitchFamily="50" charset="-128"/>
+                <a:cs typeface="+mn-cs"/>
+              </a:defRPr>
+            </a:lvl2pPr>
+            <a:lvl3pPr marL="1143000" indent="-228600" algn="l" defTabSz="914400" rtl="0" eaLnBrk="1" latinLnBrk="0" hangingPunct="1">
+              <a:lnSpc>
+                <a:spcPct val="90000"/>
+              </a:lnSpc>
+              <a:spcBef>
+                <a:spcPts val="500"/>
+              </a:spcBef>
+              <a:buFont typeface="Wingdings 2" pitchFamily="18" charset="2"/>
+              <a:buChar char=""/>
+              <a:defRPr kumimoji="1" sz="2000" kern="1200">
+                <a:solidFill>
+                  <a:schemeClr val="tx1"/>
+                </a:solidFill>
+                <a:latin typeface="游ゴシック" panose="020B0400000000000000" pitchFamily="50" charset="-128"/>
+                <a:ea typeface="游ゴシック" panose="020B0400000000000000" pitchFamily="50" charset="-128"/>
+                <a:cs typeface="+mn-cs"/>
+              </a:defRPr>
+            </a:lvl3pPr>
+            <a:lvl4pPr marL="1600200" indent="-228600" algn="l" defTabSz="914400" rtl="0" eaLnBrk="1" latinLnBrk="0" hangingPunct="1">
+              <a:lnSpc>
+                <a:spcPct val="90000"/>
+              </a:lnSpc>
+              <a:spcBef>
+                <a:spcPts val="500"/>
+              </a:spcBef>
+              <a:buFont typeface="Wingdings 2" pitchFamily="18" charset="2"/>
+              <a:buChar char=""/>
+              <a:defRPr kumimoji="1" sz="1800" kern="1200">
+                <a:solidFill>
+                  <a:schemeClr val="tx1"/>
+                </a:solidFill>
+                <a:latin typeface="游ゴシック" panose="020B0400000000000000" pitchFamily="50" charset="-128"/>
+                <a:ea typeface="游ゴシック" panose="020B0400000000000000" pitchFamily="50" charset="-128"/>
+                <a:cs typeface="+mn-cs"/>
+              </a:defRPr>
+            </a:lvl4pPr>
+            <a:lvl5pPr marL="2057400" indent="-228600" algn="l" defTabSz="914400" rtl="0" eaLnBrk="1" latinLnBrk="0" hangingPunct="1">
+              <a:lnSpc>
+                <a:spcPct val="90000"/>
+              </a:lnSpc>
+              <a:spcBef>
+                <a:spcPts val="500"/>
+              </a:spcBef>
+              <a:buFont typeface="Wingdings 2" pitchFamily="18" charset="2"/>
+              <a:buChar char=""/>
+              <a:defRPr kumimoji="1" sz="1800" kern="1200">
+                <a:solidFill>
+                  <a:schemeClr val="tx1"/>
+                </a:solidFill>
+                <a:latin typeface="游ゴシック" panose="020B0400000000000000" pitchFamily="50" charset="-128"/>
+                <a:ea typeface="游ゴシック" panose="020B0400000000000000" pitchFamily="50" charset="-128"/>
+                <a:cs typeface="+mn-cs"/>
+              </a:defRPr>
+            </a:lvl5pPr>
+            <a:lvl6pPr marL="2514600" indent="-228600" algn="l" defTabSz="914400" rtl="0" eaLnBrk="1" latinLnBrk="0" hangingPunct="1">
+              <a:spcBef>
+                <a:spcPct val="20000"/>
+              </a:spcBef>
+              <a:buFont typeface="Wingdings 2" pitchFamily="18" charset="2"/>
+              <a:buChar char=""/>
+              <a:defRPr kumimoji="1" sz="1800" kern="1200">
+                <a:solidFill>
+                  <a:schemeClr val="tx1"/>
+                </a:solidFill>
+                <a:latin typeface="+mn-lt"/>
+                <a:ea typeface="+mn-ea"/>
+                <a:cs typeface="+mn-cs"/>
+              </a:defRPr>
+            </a:lvl6pPr>
+            <a:lvl7pPr marL="2971800" indent="-228600" algn="l" defTabSz="914400" rtl="0" eaLnBrk="1" latinLnBrk="0" hangingPunct="1">
+              <a:spcBef>
+                <a:spcPct val="20000"/>
+              </a:spcBef>
+              <a:buFont typeface="Wingdings 2" pitchFamily="18" charset="2"/>
+              <a:buChar char=""/>
+              <a:defRPr kumimoji="1" sz="1800" kern="1200">
+                <a:solidFill>
+                  <a:schemeClr val="tx1"/>
+                </a:solidFill>
+                <a:latin typeface="+mn-lt"/>
+                <a:ea typeface="+mn-ea"/>
+                <a:cs typeface="+mn-cs"/>
+              </a:defRPr>
+            </a:lvl7pPr>
+            <a:lvl8pPr marL="3429000" indent="-228600" algn="l" defTabSz="914400" rtl="0" eaLnBrk="1" latinLnBrk="0" hangingPunct="1">
+              <a:spcBef>
+                <a:spcPct val="20000"/>
+              </a:spcBef>
+              <a:buFont typeface="Wingdings 2" pitchFamily="18" charset="2"/>
+              <a:buChar char=""/>
+              <a:defRPr kumimoji="1" sz="1800" kern="1200">
+                <a:solidFill>
+                  <a:schemeClr val="tx1"/>
+                </a:solidFill>
+                <a:latin typeface="+mn-lt"/>
+                <a:ea typeface="+mn-ea"/>
+                <a:cs typeface="+mn-cs"/>
+              </a:defRPr>
+            </a:lvl8pPr>
+            <a:lvl9pPr marL="3886200" indent="-228600" algn="l" defTabSz="914400" rtl="0" eaLnBrk="1" latinLnBrk="0" hangingPunct="1">
+              <a:spcBef>
+                <a:spcPct val="20000"/>
+              </a:spcBef>
+              <a:buFont typeface="Wingdings 2" pitchFamily="18" charset="2"/>
+              <a:buChar char=""/>
+              <a:defRPr kumimoji="1" sz="1800" kern="1200">
+                <a:solidFill>
+                  <a:schemeClr val="tx1"/>
+                </a:solidFill>
+                <a:latin typeface="+mn-lt"/>
+                <a:ea typeface="+mn-ea"/>
+                <a:cs typeface="+mn-cs"/>
+              </a:defRPr>
+            </a:lvl9pPr>
+          </a:lstStyle>
+          <a:p>
+            <a:pPr marL="0" indent="0">
+              <a:lnSpc>
+                <a:spcPct val="150000"/>
+              </a:lnSpc>
+              <a:buFont typeface="Wingdings 2" pitchFamily="18" charset="2"/>
+              <a:buNone/>
+            </a:pPr>
+            <a:r>
+              <a:rPr lang="ja-JP" altLang="en-US" sz="1600" dirty="0"/>
+              <a:t>←元のブランチ</a:t>
+            </a:r>
+          </a:p>
+        </p:txBody>
+      </p:sp>
+      <p:sp>
+        <p:nvSpPr>
+          <p:cNvPr id="13" name="コンテンツ プレースホルダー 2">
+            <a:extLst>
+              <a:ext uri="{FF2B5EF4-FFF2-40B4-BE49-F238E27FC236}">
+                <a16:creationId xmlns:a16="http://schemas.microsoft.com/office/drawing/2014/main" id="{EB53BAEC-963D-5EA5-451B-FFE039169988}"/>
+              </a:ext>
+            </a:extLst>
+          </p:cNvPr>
+          <p:cNvSpPr>
+            <a:spLocks noGrp="1"/>
+          </p:cNvSpPr>
+          <p:nvPr>
+            <p:ph idx="1"/>
+          </p:nvPr>
+        </p:nvSpPr>
+        <p:spPr>
+          <a:xfrm>
+            <a:off x="3492168" y="2104601"/>
+            <a:ext cx="8347422" cy="3117542"/>
+          </a:xfrm>
+        </p:spPr>
+        <p:txBody>
+          <a:bodyPr>
+            <a:noAutofit/>
+          </a:bodyPr>
+          <a:lstStyle/>
+          <a:p>
+            <a:pPr>
+              <a:lnSpc>
+                <a:spcPct val="150000"/>
+              </a:lnSpc>
+              <a:buFont typeface="Arial" panose="020B0604020202020204" pitchFamily="34" charset="0"/>
+              <a:buChar char="•"/>
+            </a:pPr>
+            <a:r>
+              <a:rPr lang="ja-JP" altLang="en-US" sz="2400" dirty="0"/>
+              <a:t>作ったブランチがメニュー内に表示されていれば</a:t>
+            </a:r>
+            <a:r>
+              <a:rPr lang="en-US" altLang="ja-JP" sz="2400" dirty="0"/>
+              <a:t>OK</a:t>
+            </a:r>
+            <a:r>
+              <a:rPr lang="ja-JP" altLang="en-US" sz="2400" dirty="0"/>
+              <a:t>です</a:t>
+            </a:r>
+            <a:endParaRPr lang="en-US" altLang="ja-JP" sz="2400" dirty="0"/>
+          </a:p>
+          <a:p>
+            <a:pPr>
+              <a:lnSpc>
+                <a:spcPct val="150000"/>
+              </a:lnSpc>
+              <a:buFont typeface="Arial" panose="020B0604020202020204" pitchFamily="34" charset="0"/>
+              <a:buChar char="•"/>
+            </a:pPr>
+            <a:r>
+              <a:rPr kumimoji="1" lang="ja-JP" altLang="en-US" sz="2400" dirty="0"/>
+              <a:t>ブランチの切替は画面左側のメニュー内のブランチ名を</a:t>
+            </a:r>
+            <a:br>
+              <a:rPr kumimoji="1" lang="en-US" altLang="ja-JP" sz="2400" dirty="0"/>
+            </a:br>
+            <a:r>
+              <a:rPr kumimoji="1" lang="ja-JP" altLang="en-US" sz="2400" dirty="0"/>
+              <a:t>ダブルクリックすることで切り替えられます</a:t>
+            </a:r>
+            <a:endParaRPr kumimoji="1" lang="en-US" altLang="ja-JP" sz="2400" dirty="0"/>
+          </a:p>
+          <a:p>
+            <a:pPr>
+              <a:lnSpc>
+                <a:spcPct val="150000"/>
+              </a:lnSpc>
+              <a:buFont typeface="Arial" panose="020B0604020202020204" pitchFamily="34" charset="0"/>
+              <a:buChar char="•"/>
+            </a:pPr>
+            <a:r>
+              <a:rPr lang="ja-JP" altLang="en-US" sz="2400" dirty="0"/>
+              <a:t>それぞれのブランチで同じファイルを違う内容で編集してみてください。これをこの後マージします</a:t>
+            </a:r>
+            <a:br>
+              <a:rPr lang="en-US" altLang="ja-JP" sz="2400" dirty="0"/>
+            </a:br>
+            <a:endParaRPr kumimoji="1" lang="ja-JP" altLang="en-US" sz="2400" dirty="0"/>
+          </a:p>
+        </p:txBody>
+      </p:sp>
+    </p:spTree>
+    <p:extLst>
+      <p:ext uri="{BB962C8B-B14F-4D97-AF65-F5344CB8AC3E}">
+        <p14:creationId xmlns:p14="http://schemas.microsoft.com/office/powerpoint/2010/main" val="2832214276"/>
+      </p:ext>
+    </p:extLst>
+  </p:cSld>
+  <p:clrMapOvr>
+    <a:masterClrMapping/>
+  </p:clrMapOvr>
+</p:sld>
+</file>
+
+<file path=ppt/slides/slide37.xml><?xml version="1.0" encoding="utf-8"?>
+<p:sld xmlns:a="http://schemas.openxmlformats.org/drawingml/2006/main" xmlns:r="http://schemas.openxmlformats.org/officeDocument/2006/relationships" xmlns:p="http://schemas.openxmlformats.org/presentationml/2006/main">
+  <p:cSld>
+    <p:spTree>
+      <p:nvGrpSpPr>
+        <p:cNvPr id="1" name=""/>
+        <p:cNvGrpSpPr/>
+        <p:nvPr/>
+      </p:nvGrpSpPr>
+      <p:grpSpPr>
+        <a:xfrm>
+          <a:off x="0" y="0"/>
+          <a:ext cx="0" cy="0"/>
+          <a:chOff x="0" y="0"/>
+          <a:chExt cx="0" cy="0"/>
+        </a:xfrm>
+      </p:grpSpPr>
+      <p:sp>
+        <p:nvSpPr>
+          <p:cNvPr id="2" name="タイトル 1">
+            <a:extLst>
+              <a:ext uri="{FF2B5EF4-FFF2-40B4-BE49-F238E27FC236}">
+                <a16:creationId xmlns:a16="http://schemas.microsoft.com/office/drawing/2014/main" id="{679B1F19-EA37-6319-E74D-3884CF7D7061}"/>
+              </a:ext>
+            </a:extLst>
+          </p:cNvPr>
+          <p:cNvSpPr>
+            <a:spLocks noGrp="1"/>
+          </p:cNvSpPr>
+          <p:nvPr>
+            <p:ph type="title"/>
+          </p:nvPr>
+        </p:nvSpPr>
+        <p:spPr/>
+        <p:txBody>
+          <a:bodyPr/>
+          <a:lstStyle/>
+          <a:p>
+            <a:r>
+              <a:rPr kumimoji="1" lang="ja-JP" altLang="en-US" dirty="0"/>
               <a:t>マージ</a:t>
             </a:r>
             <a:r>
@@ -25381,7 +26214,7 @@
 </p:sld>
 </file>
 
-<file path=ppt/slides/slide37.xml><?xml version="1.0" encoding="utf-8"?>
+<file path=ppt/slides/slide38.xml><?xml version="1.0" encoding="utf-8"?>
 <p:sld xmlns:a="http://schemas.openxmlformats.org/drawingml/2006/main" xmlns:r="http://schemas.openxmlformats.org/officeDocument/2006/relationships" xmlns:p="http://schemas.openxmlformats.org/presentationml/2006/main">
   <p:cSld>
     <p:spTree>

--- a/ハンズオン_Git入門.pptx
+++ b/ハンズオン_Git入門.pptx
@@ -5,7 +5,7 @@
     <p:sldMasterId id="2147483660" r:id="rId1"/>
   </p:sldMasterIdLst>
   <p:notesMasterIdLst>
-    <p:notesMasterId r:id="rId40"/>
+    <p:notesMasterId r:id="rId43"/>
   </p:notesMasterIdLst>
   <p:sldIdLst>
     <p:sldId id="256" r:id="rId2"/>
@@ -45,7 +45,10 @@
     <p:sldId id="293" r:id="rId36"/>
     <p:sldId id="301" r:id="rId37"/>
     <p:sldId id="294" r:id="rId38"/>
-    <p:sldId id="263" r:id="rId39"/>
+    <p:sldId id="302" r:id="rId39"/>
+    <p:sldId id="303" r:id="rId40"/>
+    <p:sldId id="304" r:id="rId41"/>
+    <p:sldId id="263" r:id="rId42"/>
   </p:sldIdLst>
   <p:sldSz cx="12192000" cy="6858000"/>
   <p:notesSz cx="6858000" cy="9144000"/>
@@ -155,6 +158,7 @@
 <file path=ppt/revisionInfo.xml><?xml version="1.0" encoding="utf-8"?>
 <p1510:revInfo xmlns:a="http://schemas.openxmlformats.org/drawingml/2006/main" xmlns:r="http://schemas.openxmlformats.org/officeDocument/2006/relationships" xmlns:p1510="http://schemas.microsoft.com/office/powerpoint/2015/10/main">
   <p1510:revLst>
+    <p1510:client id="{0DC48408-FFB0-4096-A9A7-E2B5870E21F9}" v="12" dt="2023-10-31T19:59:44.122"/>
     <p1510:client id="{C0DA2B10-F1D4-4897-B074-9E17192A92F8}" v="364" dt="2023-10-31T19:46:31.790"/>
   </p1510:revLst>
 </p1510:revInfo>
@@ -4989,6 +4993,208 @@
             <ac:cxnSpMk id="25" creationId="{D20F9580-4E70-D348-2ED5-D8202A3351FD}"/>
           </ac:cxnSpMkLst>
         </pc:cxnChg>
+      </pc:sldChg>
+    </pc:docChg>
+  </pc:docChgLst>
+  <pc:docChgLst>
+    <pc:chgData name="SHHD 山本覚" userId="57e3f178-c88d-44ee-9b09-55235ac55cf9" providerId="ADAL" clId="{0DC48408-FFB0-4096-A9A7-E2B5870E21F9}"/>
+    <pc:docChg chg="undo custSel addSld delSld modSld">
+      <pc:chgData name="SHHD 山本覚" userId="57e3f178-c88d-44ee-9b09-55235ac55cf9" providerId="ADAL" clId="{0DC48408-FFB0-4096-A9A7-E2B5870E21F9}" dt="2023-10-31T19:59:57.535" v="569" actId="1076"/>
+      <pc:docMkLst>
+        <pc:docMk/>
+      </pc:docMkLst>
+      <pc:sldChg chg="addSp delSp mod">
+        <pc:chgData name="SHHD 山本覚" userId="57e3f178-c88d-44ee-9b09-55235ac55cf9" providerId="ADAL" clId="{0DC48408-FFB0-4096-A9A7-E2B5870E21F9}" dt="2023-10-31T19:55:02.624" v="141" actId="21"/>
+        <pc:sldMkLst>
+          <pc:docMk/>
+          <pc:sldMk cId="827925618" sldId="263"/>
+        </pc:sldMkLst>
+        <pc:picChg chg="add del">
+          <ac:chgData name="SHHD 山本覚" userId="57e3f178-c88d-44ee-9b09-55235ac55cf9" providerId="ADAL" clId="{0DC48408-FFB0-4096-A9A7-E2B5870E21F9}" dt="2023-10-31T19:55:02.624" v="141" actId="21"/>
+          <ac:picMkLst>
+            <pc:docMk/>
+            <pc:sldMk cId="827925618" sldId="263"/>
+            <ac:picMk id="4" creationId="{200950C2-3DCF-CC62-D240-81145138DDA9}"/>
+          </ac:picMkLst>
+        </pc:picChg>
+      </pc:sldChg>
+      <pc:sldChg chg="addSp modSp mod">
+        <pc:chgData name="SHHD 山本覚" userId="57e3f178-c88d-44ee-9b09-55235ac55cf9" providerId="ADAL" clId="{0DC48408-FFB0-4096-A9A7-E2B5870E21F9}" dt="2023-10-31T19:56:49.902" v="324" actId="1076"/>
+        <pc:sldMkLst>
+          <pc:docMk/>
+          <pc:sldMk cId="18491178" sldId="294"/>
+        </pc:sldMkLst>
+        <pc:spChg chg="add mod">
+          <ac:chgData name="SHHD 山本覚" userId="57e3f178-c88d-44ee-9b09-55235ac55cf9" providerId="ADAL" clId="{0DC48408-FFB0-4096-A9A7-E2B5870E21F9}" dt="2023-10-31T19:54:18.177" v="136" actId="1076"/>
+          <ac:spMkLst>
+            <pc:docMk/>
+            <pc:sldMk cId="18491178" sldId="294"/>
+            <ac:spMk id="5" creationId="{6EB0A2AD-DC54-2F86-11C6-333F92291997}"/>
+          </ac:spMkLst>
+        </pc:spChg>
+        <pc:spChg chg="add mod">
+          <ac:chgData name="SHHD 山本覚" userId="57e3f178-c88d-44ee-9b09-55235ac55cf9" providerId="ADAL" clId="{0DC48408-FFB0-4096-A9A7-E2B5870E21F9}" dt="2023-10-31T19:56:49.902" v="324" actId="1076"/>
+          <ac:spMkLst>
+            <pc:docMk/>
+            <pc:sldMk cId="18491178" sldId="294"/>
+            <ac:spMk id="6" creationId="{C71F465D-1924-678C-5579-80212355B13E}"/>
+          </ac:spMkLst>
+        </pc:spChg>
+        <pc:grpChg chg="add mod">
+          <ac:chgData name="SHHD 山本覚" userId="57e3f178-c88d-44ee-9b09-55235ac55cf9" providerId="ADAL" clId="{0DC48408-FFB0-4096-A9A7-E2B5870E21F9}" dt="2023-10-31T19:56:49.902" v="324" actId="1076"/>
+          <ac:grpSpMkLst>
+            <pc:docMk/>
+            <pc:sldMk cId="18491178" sldId="294"/>
+            <ac:grpSpMk id="7" creationId="{4F71D8DB-4424-FCBC-A675-0D0C9DC91A03}"/>
+          </ac:grpSpMkLst>
+        </pc:grpChg>
+        <pc:picChg chg="add mod">
+          <ac:chgData name="SHHD 山本覚" userId="57e3f178-c88d-44ee-9b09-55235ac55cf9" providerId="ADAL" clId="{0DC48408-FFB0-4096-A9A7-E2B5870E21F9}" dt="2023-10-31T19:54:18.177" v="136" actId="1076"/>
+          <ac:picMkLst>
+            <pc:docMk/>
+            <pc:sldMk cId="18491178" sldId="294"/>
+            <ac:picMk id="4" creationId="{D52466C2-3296-F622-D104-B4038569C8E6}"/>
+          </ac:picMkLst>
+        </pc:picChg>
+      </pc:sldChg>
+      <pc:sldChg chg="modSp mod">
+        <pc:chgData name="SHHD 山本覚" userId="57e3f178-c88d-44ee-9b09-55235ac55cf9" providerId="ADAL" clId="{0DC48408-FFB0-4096-A9A7-E2B5870E21F9}" dt="2023-10-31T19:51:21.422" v="18" actId="6549"/>
+        <pc:sldMkLst>
+          <pc:docMk/>
+          <pc:sldMk cId="2832214276" sldId="301"/>
+        </pc:sldMkLst>
+        <pc:spChg chg="mod">
+          <ac:chgData name="SHHD 山本覚" userId="57e3f178-c88d-44ee-9b09-55235ac55cf9" providerId="ADAL" clId="{0DC48408-FFB0-4096-A9A7-E2B5870E21F9}" dt="2023-10-31T19:51:21.422" v="18" actId="6549"/>
+          <ac:spMkLst>
+            <pc:docMk/>
+            <pc:sldMk cId="2832214276" sldId="301"/>
+            <ac:spMk id="13" creationId="{EB53BAEC-963D-5EA5-451B-FFE039169988}"/>
+          </ac:spMkLst>
+        </pc:spChg>
+      </pc:sldChg>
+      <pc:sldChg chg="addSp delSp modSp add mod">
+        <pc:chgData name="SHHD 山本覚" userId="57e3f178-c88d-44ee-9b09-55235ac55cf9" providerId="ADAL" clId="{0DC48408-FFB0-4096-A9A7-E2B5870E21F9}" dt="2023-10-31T19:55:45.803" v="155" actId="14100"/>
+        <pc:sldMkLst>
+          <pc:docMk/>
+          <pc:sldMk cId="3487098230" sldId="302"/>
+        </pc:sldMkLst>
+        <pc:spChg chg="del">
+          <ac:chgData name="SHHD 山本覚" userId="57e3f178-c88d-44ee-9b09-55235ac55cf9" providerId="ADAL" clId="{0DC48408-FFB0-4096-A9A7-E2B5870E21F9}" dt="2023-10-31T19:55:08.624" v="143" actId="478"/>
+          <ac:spMkLst>
+            <pc:docMk/>
+            <pc:sldMk cId="3487098230" sldId="302"/>
+            <ac:spMk id="6" creationId="{C71F465D-1924-678C-5579-80212355B13E}"/>
+          </ac:spMkLst>
+        </pc:spChg>
+        <pc:spChg chg="add mod">
+          <ac:chgData name="SHHD 山本覚" userId="57e3f178-c88d-44ee-9b09-55235ac55cf9" providerId="ADAL" clId="{0DC48408-FFB0-4096-A9A7-E2B5870E21F9}" dt="2023-10-31T19:55:08.624" v="143" actId="478"/>
+          <ac:spMkLst>
+            <pc:docMk/>
+            <pc:sldMk cId="3487098230" sldId="302"/>
+            <ac:spMk id="8" creationId="{63D2FE6E-D4CD-9868-094A-74EE2B44EC57}"/>
+          </ac:spMkLst>
+        </pc:spChg>
+        <pc:spChg chg="add mod">
+          <ac:chgData name="SHHD 山本覚" userId="57e3f178-c88d-44ee-9b09-55235ac55cf9" providerId="ADAL" clId="{0DC48408-FFB0-4096-A9A7-E2B5870E21F9}" dt="2023-10-31T19:55:45.803" v="155" actId="14100"/>
+          <ac:spMkLst>
+            <pc:docMk/>
+            <pc:sldMk cId="3487098230" sldId="302"/>
+            <ac:spMk id="10" creationId="{934F0D86-8B8C-C04C-2FE6-583C3E68B815}"/>
+          </ac:spMkLst>
+        </pc:spChg>
+        <pc:grpChg chg="del">
+          <ac:chgData name="SHHD 山本覚" userId="57e3f178-c88d-44ee-9b09-55235ac55cf9" providerId="ADAL" clId="{0DC48408-FFB0-4096-A9A7-E2B5870E21F9}" dt="2023-10-31T19:55:05.012" v="142" actId="478"/>
+          <ac:grpSpMkLst>
+            <pc:docMk/>
+            <pc:sldMk cId="3487098230" sldId="302"/>
+            <ac:grpSpMk id="7" creationId="{4F71D8DB-4424-FCBC-A675-0D0C9DC91A03}"/>
+          </ac:grpSpMkLst>
+        </pc:grpChg>
+        <pc:picChg chg="add mod">
+          <ac:chgData name="SHHD 山本覚" userId="57e3f178-c88d-44ee-9b09-55235ac55cf9" providerId="ADAL" clId="{0DC48408-FFB0-4096-A9A7-E2B5870E21F9}" dt="2023-10-31T19:55:27.109" v="149" actId="1076"/>
+          <ac:picMkLst>
+            <pc:docMk/>
+            <pc:sldMk cId="3487098230" sldId="302"/>
+            <ac:picMk id="9" creationId="{676A009E-087D-EFE9-3344-D70D8492C639}"/>
+          </ac:picMkLst>
+        </pc:picChg>
+      </pc:sldChg>
+      <pc:sldChg chg="add del">
+        <pc:chgData name="SHHD 山本覚" userId="57e3f178-c88d-44ee-9b09-55235ac55cf9" providerId="ADAL" clId="{0DC48408-FFB0-4096-A9A7-E2B5870E21F9}" dt="2023-10-31T19:54:52.981" v="138"/>
+        <pc:sldMkLst>
+          <pc:docMk/>
+          <pc:sldMk cId="4041434079" sldId="302"/>
+        </pc:sldMkLst>
+      </pc:sldChg>
+      <pc:sldChg chg="modSp add mod">
+        <pc:chgData name="SHHD 山本覚" userId="57e3f178-c88d-44ee-9b09-55235ac55cf9" providerId="ADAL" clId="{0DC48408-FFB0-4096-A9A7-E2B5870E21F9}" dt="2023-10-31T19:57:06.732" v="333" actId="20577"/>
+        <pc:sldMkLst>
+          <pc:docMk/>
+          <pc:sldMk cId="2294716279" sldId="303"/>
+        </pc:sldMkLst>
+        <pc:spChg chg="mod">
+          <ac:chgData name="SHHD 山本覚" userId="57e3f178-c88d-44ee-9b09-55235ac55cf9" providerId="ADAL" clId="{0DC48408-FFB0-4096-A9A7-E2B5870E21F9}" dt="2023-10-31T19:57:06.732" v="333" actId="20577"/>
+          <ac:spMkLst>
+            <pc:docMk/>
+            <pc:sldMk cId="2294716279" sldId="303"/>
+            <ac:spMk id="4" creationId="{9696FD56-A136-8319-D86C-0569605E49F0}"/>
+          </ac:spMkLst>
+        </pc:spChg>
+      </pc:sldChg>
+      <pc:sldChg chg="addSp modSp add mod">
+        <pc:chgData name="SHHD 山本覚" userId="57e3f178-c88d-44ee-9b09-55235ac55cf9" providerId="ADAL" clId="{0DC48408-FFB0-4096-A9A7-E2B5870E21F9}" dt="2023-10-31T19:59:57.535" v="569" actId="1076"/>
+        <pc:sldMkLst>
+          <pc:docMk/>
+          <pc:sldMk cId="2491957032" sldId="304"/>
+        </pc:sldMkLst>
+        <pc:spChg chg="mod">
+          <ac:chgData name="SHHD 山本覚" userId="57e3f178-c88d-44ee-9b09-55235ac55cf9" providerId="ADAL" clId="{0DC48408-FFB0-4096-A9A7-E2B5870E21F9}" dt="2023-10-31T19:57:32.202" v="374" actId="20577"/>
+          <ac:spMkLst>
+            <pc:docMk/>
+            <pc:sldMk cId="2491957032" sldId="304"/>
+            <ac:spMk id="2" creationId="{679B1F19-EA37-6319-E74D-3884CF7D7061}"/>
+          </ac:spMkLst>
+        </pc:spChg>
+        <pc:spChg chg="mod">
+          <ac:chgData name="SHHD 山本覚" userId="57e3f178-c88d-44ee-9b09-55235ac55cf9" providerId="ADAL" clId="{0DC48408-FFB0-4096-A9A7-E2B5870E21F9}" dt="2023-10-31T19:59:57.535" v="569" actId="1076"/>
+          <ac:spMkLst>
+            <pc:docMk/>
+            <pc:sldMk cId="2491957032" sldId="304"/>
+            <ac:spMk id="4" creationId="{81E22F13-F9BA-6547-7B98-D5E042138C96}"/>
+          </ac:spMkLst>
+        </pc:spChg>
+        <pc:spChg chg="mod">
+          <ac:chgData name="SHHD 山本覚" userId="57e3f178-c88d-44ee-9b09-55235ac55cf9" providerId="ADAL" clId="{0DC48408-FFB0-4096-A9A7-E2B5870E21F9}" dt="2023-10-31T19:59:44.122" v="566" actId="1076"/>
+          <ac:spMkLst>
+            <pc:docMk/>
+            <pc:sldMk cId="2491957032" sldId="304"/>
+            <ac:spMk id="7" creationId="{6C868988-E34E-CA01-4CD4-467F356E527C}"/>
+          </ac:spMkLst>
+        </pc:spChg>
+        <pc:grpChg chg="add mod">
+          <ac:chgData name="SHHD 山本覚" userId="57e3f178-c88d-44ee-9b09-55235ac55cf9" providerId="ADAL" clId="{0DC48408-FFB0-4096-A9A7-E2B5870E21F9}" dt="2023-10-31T19:59:44.122" v="566" actId="1076"/>
+          <ac:grpSpMkLst>
+            <pc:docMk/>
+            <pc:sldMk cId="2491957032" sldId="304"/>
+            <ac:grpSpMk id="3" creationId="{09CEEF6B-30B3-3CE3-2E94-9AF0C505E743}"/>
+          </ac:grpSpMkLst>
+        </pc:grpChg>
+        <pc:picChg chg="mod">
+          <ac:chgData name="SHHD 山本覚" userId="57e3f178-c88d-44ee-9b09-55235ac55cf9" providerId="ADAL" clId="{0DC48408-FFB0-4096-A9A7-E2B5870E21F9}" dt="2023-10-31T19:59:44.122" v="566" actId="1076"/>
+          <ac:picMkLst>
+            <pc:docMk/>
+            <pc:sldMk cId="2491957032" sldId="304"/>
+            <ac:picMk id="5" creationId="{5272D648-3A57-0147-7419-9531FA664387}"/>
+          </ac:picMkLst>
+        </pc:picChg>
+        <pc:picChg chg="mod">
+          <ac:chgData name="SHHD 山本覚" userId="57e3f178-c88d-44ee-9b09-55235ac55cf9" providerId="ADAL" clId="{0DC48408-FFB0-4096-A9A7-E2B5870E21F9}" dt="2023-10-31T19:59:44.122" v="566" actId="1076"/>
+          <ac:picMkLst>
+            <pc:docMk/>
+            <pc:sldMk cId="2491957032" sldId="304"/>
+            <ac:picMk id="6" creationId="{DEFF2618-06C3-B39A-F0D7-D628F6A9DA08}"/>
+          </ac:picMkLst>
+        </pc:picChg>
       </pc:sldChg>
     </pc:docChg>
   </pc:docChgLst>
@@ -6480,7 +6686,7 @@
           <a:p>
             <a:fld id="{E30F2518-C81B-4DFE-8FD7-FBA88C2788B5}" type="slidenum">
               <a:rPr kumimoji="1" lang="ja-JP" altLang="en-US" smtClean="0"/>
-              <a:t>38</a:t>
+              <a:t>41</a:t>
             </a:fld>
             <a:endParaRPr kumimoji="1" lang="ja-JP" altLang="en-US"/>
           </a:p>
@@ -26129,7 +26335,7 @@
             </a:pPr>
             <a:r>
               <a:rPr lang="ja-JP" altLang="en-US" sz="2400" dirty="0"/>
-              <a:t>それぞれのブランチで同じファイルを違う内容で編集してみてください。これをこの後マージします</a:t>
+              <a:t>それぞれのブランチで別ファイルを編集してみてください。これをこの後マージします</a:t>
             </a:r>
             <a:br>
               <a:rPr lang="en-US" altLang="ja-JP" sz="2400" dirty="0"/>
@@ -26201,6 +26407,173 @@
           </a:p>
         </p:txBody>
       </p:sp>
+      <p:grpSp>
+        <p:nvGrpSpPr>
+          <p:cNvPr id="7" name="グループ化 6">
+            <a:extLst>
+              <a:ext uri="{FF2B5EF4-FFF2-40B4-BE49-F238E27FC236}">
+                <a16:creationId xmlns:a16="http://schemas.microsoft.com/office/drawing/2014/main" id="{4F71D8DB-4424-FCBC-A675-0D0C9DC91A03}"/>
+              </a:ext>
+            </a:extLst>
+          </p:cNvPr>
+          <p:cNvGrpSpPr/>
+          <p:nvPr/>
+        </p:nvGrpSpPr>
+        <p:grpSpPr>
+          <a:xfrm>
+            <a:off x="1922289" y="3438722"/>
+            <a:ext cx="7690958" cy="2732386"/>
+            <a:chOff x="1922289" y="2062807"/>
+            <a:chExt cx="7690958" cy="2732386"/>
+          </a:xfrm>
+        </p:grpSpPr>
+        <p:pic>
+          <p:nvPicPr>
+            <p:cNvPr id="4" name="図 3">
+              <a:extLst>
+                <a:ext uri="{FF2B5EF4-FFF2-40B4-BE49-F238E27FC236}">
+                  <a16:creationId xmlns:a16="http://schemas.microsoft.com/office/drawing/2014/main" id="{D52466C2-3296-F622-D104-B4038569C8E6}"/>
+                </a:ext>
+              </a:extLst>
+            </p:cNvPr>
+            <p:cNvPicPr>
+              <a:picLocks noChangeAspect="1"/>
+            </p:cNvPicPr>
+            <p:nvPr/>
+          </p:nvPicPr>
+          <p:blipFill>
+            <a:blip r:embed="rId2"/>
+            <a:stretch>
+              <a:fillRect/>
+            </a:stretch>
+          </p:blipFill>
+          <p:spPr>
+            <a:xfrm>
+              <a:off x="1922289" y="2062807"/>
+              <a:ext cx="7690958" cy="2732386"/>
+            </a:xfrm>
+            <a:prstGeom prst="rect">
+              <a:avLst/>
+            </a:prstGeom>
+          </p:spPr>
+        </p:pic>
+        <p:sp>
+          <p:nvSpPr>
+            <p:cNvPr id="5" name="正方形/長方形 4">
+              <a:extLst>
+                <a:ext uri="{FF2B5EF4-FFF2-40B4-BE49-F238E27FC236}">
+                  <a16:creationId xmlns:a16="http://schemas.microsoft.com/office/drawing/2014/main" id="{6EB0A2AD-DC54-2F86-11C6-333F92291997}"/>
+                </a:ext>
+              </a:extLst>
+            </p:cNvPr>
+            <p:cNvSpPr/>
+            <p:nvPr/>
+          </p:nvSpPr>
+          <p:spPr>
+            <a:xfrm>
+              <a:off x="5270155" y="2594927"/>
+              <a:ext cx="681186" cy="676270"/>
+            </a:xfrm>
+            <a:prstGeom prst="rect">
+              <a:avLst/>
+            </a:prstGeom>
+            <a:noFill/>
+            <a:ln w="50800">
+              <a:solidFill>
+                <a:srgbClr val="FF0000"/>
+              </a:solidFill>
+            </a:ln>
+          </p:spPr>
+          <p:style>
+            <a:lnRef idx="2">
+              <a:schemeClr val="accent1">
+                <a:shade val="15000"/>
+              </a:schemeClr>
+            </a:lnRef>
+            <a:fillRef idx="1">
+              <a:schemeClr val="accent1"/>
+            </a:fillRef>
+            <a:effectRef idx="0">
+              <a:schemeClr val="accent1"/>
+            </a:effectRef>
+            <a:fontRef idx="minor">
+              <a:schemeClr val="lt1"/>
+            </a:fontRef>
+          </p:style>
+          <p:txBody>
+            <a:bodyPr rtlCol="0" anchor="ctr"/>
+            <a:lstStyle/>
+            <a:p>
+              <a:pPr algn="ctr"/>
+              <a:endParaRPr kumimoji="1" lang="ja-JP" altLang="en-US"/>
+            </a:p>
+          </p:txBody>
+        </p:sp>
+      </p:grpSp>
+      <p:sp>
+        <p:nvSpPr>
+          <p:cNvPr id="6" name="コンテンツ プレースホルダー 2">
+            <a:extLst>
+              <a:ext uri="{FF2B5EF4-FFF2-40B4-BE49-F238E27FC236}">
+                <a16:creationId xmlns:a16="http://schemas.microsoft.com/office/drawing/2014/main" id="{C71F465D-1924-678C-5579-80212355B13E}"/>
+              </a:ext>
+            </a:extLst>
+          </p:cNvPr>
+          <p:cNvSpPr>
+            <a:spLocks noGrp="1"/>
+          </p:cNvSpPr>
+          <p:nvPr>
+            <p:ph idx="1"/>
+          </p:nvPr>
+        </p:nvSpPr>
+        <p:spPr>
+          <a:xfrm>
+            <a:off x="1777630" y="1644951"/>
+            <a:ext cx="8347422" cy="1408955"/>
+          </a:xfrm>
+        </p:spPr>
+        <p:txBody>
+          <a:bodyPr>
+            <a:noAutofit/>
+          </a:bodyPr>
+          <a:lstStyle/>
+          <a:p>
+            <a:pPr>
+              <a:lnSpc>
+                <a:spcPct val="100000"/>
+              </a:lnSpc>
+              <a:buFont typeface="Arial" panose="020B0604020202020204" pitchFamily="34" charset="0"/>
+              <a:buChar char="•"/>
+            </a:pPr>
+            <a:r>
+              <a:rPr lang="ja-JP" altLang="en-US" sz="2400" dirty="0"/>
+              <a:t>先ほど２つのブランチで行った編集を統合します</a:t>
+            </a:r>
+            <a:endParaRPr lang="en-US" altLang="ja-JP" sz="2400" dirty="0"/>
+          </a:p>
+          <a:p>
+            <a:pPr>
+              <a:lnSpc>
+                <a:spcPct val="100000"/>
+              </a:lnSpc>
+              <a:buFont typeface="Arial" panose="020B0604020202020204" pitchFamily="34" charset="0"/>
+              <a:buChar char="•"/>
+            </a:pPr>
+            <a:r>
+              <a:rPr lang="ja-JP" altLang="en-US" sz="2400" dirty="0"/>
+              <a:t>マージされたブランチで、２つのブランチに行った変更が</a:t>
+            </a:r>
+            <a:br>
+              <a:rPr lang="en-US" altLang="ja-JP" sz="2400" dirty="0"/>
+            </a:br>
+            <a:r>
+              <a:rPr lang="ja-JP" altLang="en-US" sz="2400" dirty="0"/>
+              <a:t>確認できれば成功です</a:t>
+            </a:r>
+            <a:endParaRPr lang="en-US" altLang="ja-JP" sz="2400" dirty="0"/>
+          </a:p>
+        </p:txBody>
+      </p:sp>
     </p:spTree>
     <p:extLst>
       <p:ext uri="{BB962C8B-B14F-4D97-AF65-F5344CB8AC3E}">
@@ -26233,10 +26606,43 @@
       </p:grpSpPr>
       <p:sp>
         <p:nvSpPr>
-          <p:cNvPr id="3" name="コンテンツ プレースホルダー 2">
+          <p:cNvPr id="2" name="タイトル 1">
             <a:extLst>
               <a:ext uri="{FF2B5EF4-FFF2-40B4-BE49-F238E27FC236}">
-                <a16:creationId xmlns:a16="http://schemas.microsoft.com/office/drawing/2014/main" id="{7CC22780-5062-2994-BF8C-AABD73FBBCF9}"/>
+                <a16:creationId xmlns:a16="http://schemas.microsoft.com/office/drawing/2014/main" id="{679B1F19-EA37-6319-E74D-3884CF7D7061}"/>
+              </a:ext>
+            </a:extLst>
+          </p:cNvPr>
+          <p:cNvSpPr>
+            <a:spLocks noGrp="1"/>
+          </p:cNvSpPr>
+          <p:nvPr>
+            <p:ph type="title"/>
+          </p:nvPr>
+        </p:nvSpPr>
+        <p:spPr/>
+        <p:txBody>
+          <a:bodyPr/>
+          <a:lstStyle/>
+          <a:p>
+            <a:r>
+              <a:rPr kumimoji="1" lang="ja-JP" altLang="en-US" dirty="0"/>
+              <a:t>マージ</a:t>
+            </a:r>
+            <a:r>
+              <a:rPr lang="ja-JP" altLang="en-US" dirty="0"/>
+              <a:t>をする</a:t>
+            </a:r>
+            <a:endParaRPr kumimoji="1" lang="ja-JP" altLang="en-US" dirty="0"/>
+          </a:p>
+        </p:txBody>
+      </p:sp>
+      <p:sp>
+        <p:nvSpPr>
+          <p:cNvPr id="8" name="コンテンツ プレースホルダー 7">
+            <a:extLst>
+              <a:ext uri="{FF2B5EF4-FFF2-40B4-BE49-F238E27FC236}">
+                <a16:creationId xmlns:a16="http://schemas.microsoft.com/office/drawing/2014/main" id="{63D2FE6E-D4CD-9868-094A-74EE2B44EC57}"/>
               </a:ext>
             </a:extLst>
           </p:cNvPr>
@@ -26247,33 +26653,387 @@
             <p:ph idx="1"/>
           </p:nvPr>
         </p:nvSpPr>
+        <p:spPr/>
+        <p:txBody>
+          <a:bodyPr/>
+          <a:lstStyle/>
+          <a:p>
+            <a:endParaRPr lang="ja-JP" altLang="en-US"/>
+          </a:p>
+        </p:txBody>
+      </p:sp>
+      <p:pic>
+        <p:nvPicPr>
+          <p:cNvPr id="9" name="図 8">
+            <a:extLst>
+              <a:ext uri="{FF2B5EF4-FFF2-40B4-BE49-F238E27FC236}">
+                <a16:creationId xmlns:a16="http://schemas.microsoft.com/office/drawing/2014/main" id="{676A009E-087D-EFE9-3344-D70D8492C639}"/>
+              </a:ext>
+            </a:extLst>
+          </p:cNvPr>
+          <p:cNvPicPr>
+            <a:picLocks noChangeAspect="1"/>
+          </p:cNvPicPr>
+          <p:nvPr/>
+        </p:nvPicPr>
+        <p:blipFill>
+          <a:blip r:embed="rId2"/>
+          <a:stretch>
+            <a:fillRect/>
+          </a:stretch>
+        </p:blipFill>
         <p:spPr>
           <a:xfrm>
-            <a:off x="7529450" y="6111340"/>
-            <a:ext cx="4335979" cy="536719"/>
+            <a:off x="489856" y="73725"/>
+            <a:ext cx="11015331" cy="6806068"/>
           </a:xfrm>
+          <a:prstGeom prst="rect">
+            <a:avLst/>
+          </a:prstGeom>
         </p:spPr>
+      </p:pic>
+      <p:sp>
+        <p:nvSpPr>
+          <p:cNvPr id="10" name="正方形/長方形 9">
+            <a:extLst>
+              <a:ext uri="{FF2B5EF4-FFF2-40B4-BE49-F238E27FC236}">
+                <a16:creationId xmlns:a16="http://schemas.microsoft.com/office/drawing/2014/main" id="{934F0D86-8B8C-C04C-2FE6-583C3E68B815}"/>
+              </a:ext>
+            </a:extLst>
+          </p:cNvPr>
+          <p:cNvSpPr/>
+          <p:nvPr/>
+        </p:nvSpPr>
+        <p:spPr>
+          <a:xfrm>
+            <a:off x="9878785" y="6324599"/>
+            <a:ext cx="745671" cy="391887"/>
+          </a:xfrm>
+          <a:prstGeom prst="rect">
+            <a:avLst/>
+          </a:prstGeom>
+          <a:noFill/>
+          <a:ln w="50800">
+            <a:solidFill>
+              <a:srgbClr val="FF0000"/>
+            </a:solidFill>
+          </a:ln>
+        </p:spPr>
+        <p:style>
+          <a:lnRef idx="2">
+            <a:schemeClr val="accent1">
+              <a:shade val="15000"/>
+            </a:schemeClr>
+          </a:lnRef>
+          <a:fillRef idx="1">
+            <a:schemeClr val="accent1"/>
+          </a:fillRef>
+          <a:effectRef idx="0">
+            <a:schemeClr val="accent1"/>
+          </a:effectRef>
+          <a:fontRef idx="minor">
+            <a:schemeClr val="lt1"/>
+          </a:fontRef>
+        </p:style>
         <p:txBody>
-          <a:bodyPr>
-            <a:normAutofit fontScale="77500" lnSpcReduction="20000"/>
-          </a:bodyPr>
+          <a:bodyPr rtlCol="0" anchor="ctr"/>
           <a:lstStyle/>
           <a:p>
-            <a:pPr marL="0" indent="0">
-              <a:buNone/>
-            </a:pPr>
-            <a:r>
-              <a:rPr lang="ja-JP" altLang="en-US" dirty="0"/>
-              <a:t>ご清聴ありがとうございました。</a:t>
-            </a:r>
-            <a:endParaRPr lang="en-US" altLang="ja-JP" dirty="0"/>
+            <a:pPr algn="ctr"/>
+            <a:endParaRPr kumimoji="1" lang="ja-JP" altLang="en-US"/>
           </a:p>
         </p:txBody>
       </p:sp>
     </p:spTree>
     <p:extLst>
       <p:ext uri="{BB962C8B-B14F-4D97-AF65-F5344CB8AC3E}">
-        <p14:creationId xmlns:p14="http://schemas.microsoft.com/office/powerpoint/2010/main" val="827925618"/>
+        <p14:creationId xmlns:p14="http://schemas.microsoft.com/office/powerpoint/2010/main" val="3487098230"/>
+      </p:ext>
+    </p:extLst>
+  </p:cSld>
+  <p:clrMapOvr>
+    <a:masterClrMapping/>
+  </p:clrMapOvr>
+</p:sld>
+</file>
+
+<file path=ppt/slides/slide39.xml><?xml version="1.0" encoding="utf-8"?>
+<p:sld xmlns:a="http://schemas.openxmlformats.org/drawingml/2006/main" xmlns:r="http://schemas.openxmlformats.org/officeDocument/2006/relationships" xmlns:p="http://schemas.openxmlformats.org/presentationml/2006/main">
+  <p:cSld>
+    <p:spTree>
+      <p:nvGrpSpPr>
+        <p:cNvPr id="1" name=""/>
+        <p:cNvGrpSpPr/>
+        <p:nvPr/>
+      </p:nvGrpSpPr>
+      <p:grpSpPr>
+        <a:xfrm>
+          <a:off x="0" y="0"/>
+          <a:ext cx="0" cy="0"/>
+          <a:chOff x="0" y="0"/>
+          <a:chExt cx="0" cy="0"/>
+        </a:xfrm>
+      </p:grpSpPr>
+      <p:sp>
+        <p:nvSpPr>
+          <p:cNvPr id="11" name="正方形/長方形 10">
+            <a:extLst>
+              <a:ext uri="{FF2B5EF4-FFF2-40B4-BE49-F238E27FC236}">
+                <a16:creationId xmlns:a16="http://schemas.microsoft.com/office/drawing/2014/main" id="{1285EFFE-5514-138C-91D6-9278F46A30A9}"/>
+              </a:ext>
+            </a:extLst>
+          </p:cNvPr>
+          <p:cNvSpPr/>
+          <p:nvPr/>
+        </p:nvSpPr>
+        <p:spPr>
+          <a:xfrm>
+            <a:off x="0" y="3381082"/>
+            <a:ext cx="12192000" cy="87482"/>
+          </a:xfrm>
+          <a:prstGeom prst="rect">
+            <a:avLst/>
+          </a:prstGeom>
+          <a:ln>
+            <a:noFill/>
+          </a:ln>
+        </p:spPr>
+        <p:style>
+          <a:lnRef idx="2">
+            <a:schemeClr val="accent1">
+              <a:shade val="15000"/>
+            </a:schemeClr>
+          </a:lnRef>
+          <a:fillRef idx="1">
+            <a:schemeClr val="accent1"/>
+          </a:fillRef>
+          <a:effectRef idx="0">
+            <a:schemeClr val="accent1"/>
+          </a:effectRef>
+          <a:fontRef idx="minor">
+            <a:schemeClr val="lt1"/>
+          </a:fontRef>
+        </p:style>
+        <p:txBody>
+          <a:bodyPr rtlCol="0" anchor="ctr"/>
+          <a:lstStyle/>
+          <a:p>
+            <a:pPr algn="ctr"/>
+            <a:endParaRPr kumimoji="1" lang="ja-JP" altLang="en-US" dirty="0"/>
+          </a:p>
+        </p:txBody>
+      </p:sp>
+      <p:sp>
+        <p:nvSpPr>
+          <p:cNvPr id="4" name="タイトル 3">
+            <a:extLst>
+              <a:ext uri="{FF2B5EF4-FFF2-40B4-BE49-F238E27FC236}">
+                <a16:creationId xmlns:a16="http://schemas.microsoft.com/office/drawing/2014/main" id="{9696FD56-A136-8319-D86C-0569605E49F0}"/>
+              </a:ext>
+            </a:extLst>
+          </p:cNvPr>
+          <p:cNvSpPr>
+            <a:spLocks noGrp="1"/>
+          </p:cNvSpPr>
+          <p:nvPr>
+            <p:ph type="title"/>
+          </p:nvPr>
+        </p:nvSpPr>
+        <p:spPr>
+          <a:xfrm>
+            <a:off x="2155077" y="1983283"/>
+            <a:ext cx="7881845" cy="1107417"/>
+          </a:xfrm>
+          <a:noFill/>
+        </p:spPr>
+        <p:txBody>
+          <a:bodyPr/>
+          <a:lstStyle/>
+          <a:p>
+            <a:pPr algn="ctr"/>
+            <a:r>
+              <a:rPr lang="ja-JP" altLang="en-US" dirty="0">
+                <a:latin typeface="游ゴシック" panose="020B0400000000000000" pitchFamily="50" charset="-128"/>
+                <a:ea typeface="游ゴシック" panose="020B0400000000000000" pitchFamily="50" charset="-128"/>
+              </a:rPr>
+              <a:t>さいごに</a:t>
+            </a:r>
+          </a:p>
+        </p:txBody>
+      </p:sp>
+      <p:grpSp>
+        <p:nvGrpSpPr>
+          <p:cNvPr id="7" name="グループ化 6">
+            <a:extLst>
+              <a:ext uri="{FF2B5EF4-FFF2-40B4-BE49-F238E27FC236}">
+                <a16:creationId xmlns:a16="http://schemas.microsoft.com/office/drawing/2014/main" id="{663DE046-33B6-E249-2D96-B13A95C66780}"/>
+              </a:ext>
+            </a:extLst>
+          </p:cNvPr>
+          <p:cNvGrpSpPr/>
+          <p:nvPr/>
+        </p:nvGrpSpPr>
+        <p:grpSpPr>
+          <a:xfrm>
+            <a:off x="5381368" y="5657770"/>
+            <a:ext cx="6560261" cy="1171641"/>
+            <a:chOff x="2118910" y="5265603"/>
+            <a:chExt cx="8083405" cy="1443669"/>
+          </a:xfrm>
+        </p:grpSpPr>
+        <p:pic>
+          <p:nvPicPr>
+            <p:cNvPr id="8" name="Picture 2" descr="Git Logo - símbolo, significado logotipo, historia, PNG">
+              <a:extLst>
+                <a:ext uri="{FF2B5EF4-FFF2-40B4-BE49-F238E27FC236}">
+                  <a16:creationId xmlns:a16="http://schemas.microsoft.com/office/drawing/2014/main" id="{B5712062-420E-C422-F78E-837D7DFC9FBD}"/>
+                </a:ext>
+              </a:extLst>
+            </p:cNvPr>
+            <p:cNvPicPr>
+              <a:picLocks noChangeAspect="1" noChangeArrowheads="1"/>
+            </p:cNvPicPr>
+            <p:nvPr/>
+          </p:nvPicPr>
+          <p:blipFill>
+            <a:blip r:embed="rId2">
+              <a:extLst>
+                <a:ext uri="{28A0092B-C50C-407E-A947-70E740481C1C}">
+                  <a14:useLocalDpi xmlns:a14="http://schemas.microsoft.com/office/drawing/2010/main" val="0"/>
+                </a:ext>
+              </a:extLst>
+            </a:blip>
+            <a:srcRect/>
+            <a:stretch>
+              <a:fillRect/>
+            </a:stretch>
+          </p:blipFill>
+          <p:spPr bwMode="auto">
+            <a:xfrm>
+              <a:off x="2118910" y="5265603"/>
+              <a:ext cx="2309870" cy="1443669"/>
+            </a:xfrm>
+            <a:prstGeom prst="rect">
+              <a:avLst/>
+            </a:prstGeom>
+            <a:noFill/>
+            <a:extLst>
+              <a:ext uri="{909E8E84-426E-40DD-AFC4-6F175D3DCCD1}">
+                <a14:hiddenFill xmlns:a14="http://schemas.microsoft.com/office/drawing/2010/main">
+                  <a:solidFill>
+                    <a:srgbClr val="FFFFFF"/>
+                  </a:solidFill>
+                </a14:hiddenFill>
+              </a:ext>
+            </a:extLst>
+          </p:spPr>
+        </p:pic>
+        <p:pic>
+          <p:nvPicPr>
+            <p:cNvPr id="9" name="Picture 4" descr="SourceTree: einfache Versionsverwaltung - was hinter dem Git- und ...">
+              <a:extLst>
+                <a:ext uri="{FF2B5EF4-FFF2-40B4-BE49-F238E27FC236}">
+                  <a16:creationId xmlns:a16="http://schemas.microsoft.com/office/drawing/2014/main" id="{B6EA514E-2C76-0584-3549-36C265EC8AB5}"/>
+                </a:ext>
+              </a:extLst>
+            </p:cNvPr>
+            <p:cNvPicPr>
+              <a:picLocks noChangeAspect="1" noChangeArrowheads="1"/>
+            </p:cNvPicPr>
+            <p:nvPr/>
+          </p:nvPicPr>
+          <p:blipFill>
+            <a:blip r:embed="rId3">
+              <a:extLst>
+                <a:ext uri="{28A0092B-C50C-407E-A947-70E740481C1C}">
+                  <a14:useLocalDpi xmlns:a14="http://schemas.microsoft.com/office/drawing/2010/main" val="0"/>
+                </a:ext>
+              </a:extLst>
+            </a:blip>
+            <a:srcRect/>
+            <a:stretch>
+              <a:fillRect/>
+            </a:stretch>
+          </p:blipFill>
+          <p:spPr bwMode="auto">
+            <a:xfrm>
+              <a:off x="5409059" y="5568027"/>
+              <a:ext cx="4793256" cy="838820"/>
+            </a:xfrm>
+            <a:prstGeom prst="rect">
+              <a:avLst/>
+            </a:prstGeom>
+            <a:noFill/>
+            <a:extLst>
+              <a:ext uri="{909E8E84-426E-40DD-AFC4-6F175D3DCCD1}">
+                <a14:hiddenFill xmlns:a14="http://schemas.microsoft.com/office/drawing/2010/main">
+                  <a:solidFill>
+                    <a:srgbClr val="FFFFFF"/>
+                  </a:solidFill>
+                </a14:hiddenFill>
+              </a:ext>
+            </a:extLst>
+          </p:spPr>
+        </p:pic>
+        <p:sp>
+          <p:nvSpPr>
+            <p:cNvPr id="10" name="テキスト ボックス 9">
+              <a:extLst>
+                <a:ext uri="{FF2B5EF4-FFF2-40B4-BE49-F238E27FC236}">
+                  <a16:creationId xmlns:a16="http://schemas.microsoft.com/office/drawing/2014/main" id="{B2371AEE-3D4A-D56F-B7D0-1F2682376F5B}"/>
+                </a:ext>
+              </a:extLst>
+            </p:cNvPr>
+            <p:cNvSpPr txBox="1"/>
+            <p:nvPr/>
+          </p:nvSpPr>
+          <p:spPr>
+            <a:xfrm>
+              <a:off x="4544459" y="5602716"/>
+              <a:ext cx="748924" cy="796394"/>
+            </a:xfrm>
+            <a:prstGeom prst="rect">
+              <a:avLst/>
+            </a:prstGeom>
+            <a:solidFill>
+              <a:schemeClr val="bg1"/>
+            </a:solidFill>
+          </p:spPr>
+          <p:txBody>
+            <a:bodyPr wrap="square" rtlCol="0">
+              <a:spAutoFit/>
+            </a:bodyPr>
+            <a:lstStyle/>
+            <a:p>
+              <a:r>
+                <a:rPr kumimoji="1" lang="en-US" altLang="ja-JP" sz="3600" b="1" dirty="0">
+                  <a:solidFill>
+                    <a:schemeClr val="bg1">
+                      <a:lumMod val="50000"/>
+                    </a:schemeClr>
+                  </a:solidFill>
+                  <a:latin typeface="Noto Sans JP Black" panose="020B0200000000000000" pitchFamily="50" charset="-128"/>
+                  <a:ea typeface="Noto Sans JP Black" panose="020B0200000000000000" pitchFamily="50" charset="-128"/>
+                </a:rPr>
+                <a:t>×</a:t>
+              </a:r>
+              <a:endParaRPr kumimoji="1" lang="ja-JP" altLang="en-US" sz="3600" b="1" dirty="0">
+                <a:solidFill>
+                  <a:schemeClr val="bg1">
+                    <a:lumMod val="50000"/>
+                  </a:schemeClr>
+                </a:solidFill>
+                <a:latin typeface="Noto Sans JP Black" panose="020B0200000000000000" pitchFamily="50" charset="-128"/>
+                <a:ea typeface="Noto Sans JP Black" panose="020B0200000000000000" pitchFamily="50" charset="-128"/>
+              </a:endParaRPr>
+            </a:p>
+          </p:txBody>
+        </p:sp>
+      </p:grpSp>
+    </p:spTree>
+    <p:extLst>
+      <p:ext uri="{BB962C8B-B14F-4D97-AF65-F5344CB8AC3E}">
+        <p14:creationId xmlns:p14="http://schemas.microsoft.com/office/powerpoint/2010/main" val="2294716279"/>
       </p:ext>
     </p:extLst>
   </p:cSld>
@@ -27966,6 +28726,390 @@
 </p:sld>
 </file>
 
+<file path=ppt/slides/slide40.xml><?xml version="1.0" encoding="utf-8"?>
+<p:sld xmlns:a="http://schemas.openxmlformats.org/drawingml/2006/main" xmlns:r="http://schemas.openxmlformats.org/officeDocument/2006/relationships" xmlns:p="http://schemas.openxmlformats.org/presentationml/2006/main">
+  <p:cSld>
+    <p:spTree>
+      <p:nvGrpSpPr>
+        <p:cNvPr id="1" name=""/>
+        <p:cNvGrpSpPr/>
+        <p:nvPr/>
+      </p:nvGrpSpPr>
+      <p:grpSpPr>
+        <a:xfrm>
+          <a:off x="0" y="0"/>
+          <a:ext cx="0" cy="0"/>
+          <a:chOff x="0" y="0"/>
+          <a:chExt cx="0" cy="0"/>
+        </a:xfrm>
+      </p:grpSpPr>
+      <p:sp>
+        <p:nvSpPr>
+          <p:cNvPr id="2" name="タイトル 1">
+            <a:extLst>
+              <a:ext uri="{FF2B5EF4-FFF2-40B4-BE49-F238E27FC236}">
+                <a16:creationId xmlns:a16="http://schemas.microsoft.com/office/drawing/2014/main" id="{679B1F19-EA37-6319-E74D-3884CF7D7061}"/>
+              </a:ext>
+            </a:extLst>
+          </p:cNvPr>
+          <p:cNvSpPr>
+            <a:spLocks noGrp="1"/>
+          </p:cNvSpPr>
+          <p:nvPr>
+            <p:ph type="title"/>
+          </p:nvPr>
+        </p:nvSpPr>
+        <p:spPr/>
+        <p:txBody>
+          <a:bodyPr/>
+          <a:lstStyle/>
+          <a:p>
+            <a:r>
+              <a:rPr kumimoji="1" lang="en-US" altLang="ja-JP" dirty="0"/>
+              <a:t>Git</a:t>
+            </a:r>
+            <a:r>
+              <a:rPr lang="ja-JP" altLang="en-US" dirty="0"/>
+              <a:t>でバージョン管理を簡単に</a:t>
+            </a:r>
+            <a:endParaRPr kumimoji="1" lang="ja-JP" altLang="en-US" dirty="0"/>
+          </a:p>
+        </p:txBody>
+      </p:sp>
+      <p:sp>
+        <p:nvSpPr>
+          <p:cNvPr id="4" name="コンテンツ プレースホルダー 2">
+            <a:extLst>
+              <a:ext uri="{FF2B5EF4-FFF2-40B4-BE49-F238E27FC236}">
+                <a16:creationId xmlns:a16="http://schemas.microsoft.com/office/drawing/2014/main" id="{81E22F13-F9BA-6547-7B98-D5E042138C96}"/>
+              </a:ext>
+            </a:extLst>
+          </p:cNvPr>
+          <p:cNvSpPr>
+            <a:spLocks noGrp="1"/>
+          </p:cNvSpPr>
+          <p:nvPr>
+            <p:ph idx="1"/>
+          </p:nvPr>
+        </p:nvSpPr>
+        <p:spPr>
+          <a:xfrm>
+            <a:off x="2761059" y="1763771"/>
+            <a:ext cx="6683735" cy="2350857"/>
+          </a:xfrm>
+        </p:spPr>
+        <p:txBody>
+          <a:bodyPr>
+            <a:noAutofit/>
+          </a:bodyPr>
+          <a:lstStyle/>
+          <a:p>
+            <a:pPr>
+              <a:lnSpc>
+                <a:spcPct val="150000"/>
+              </a:lnSpc>
+              <a:buFont typeface="Wingdings" panose="05000000000000000000" pitchFamily="2" charset="2"/>
+              <a:buChar char="ü"/>
+            </a:pPr>
+            <a:r>
+              <a:rPr kumimoji="1" lang="ja-JP" altLang="en-US" dirty="0"/>
+              <a:t> </a:t>
+            </a:r>
+            <a:r>
+              <a:rPr kumimoji="1" lang="en-US" altLang="ja-JP" dirty="0"/>
+              <a:t>Git</a:t>
+            </a:r>
+            <a:r>
+              <a:rPr kumimoji="1" lang="ja-JP" altLang="en-US" dirty="0"/>
+              <a:t>を使ってバージョン管理を簡単に</a:t>
+            </a:r>
+            <a:endParaRPr lang="en-US" altLang="ja-JP" dirty="0"/>
+          </a:p>
+          <a:p>
+            <a:pPr>
+              <a:lnSpc>
+                <a:spcPct val="150000"/>
+              </a:lnSpc>
+              <a:buFont typeface="Wingdings" panose="05000000000000000000" pitchFamily="2" charset="2"/>
+              <a:buChar char="ü"/>
+            </a:pPr>
+            <a:r>
+              <a:rPr kumimoji="1" lang="ja-JP" altLang="en-US" dirty="0"/>
+              <a:t> チームでの編集を安全かつ簡単に</a:t>
+            </a:r>
+            <a:endParaRPr kumimoji="1" lang="en-US" altLang="ja-JP" dirty="0"/>
+          </a:p>
+          <a:p>
+            <a:pPr>
+              <a:lnSpc>
+                <a:spcPct val="150000"/>
+              </a:lnSpc>
+              <a:buFont typeface="Wingdings" panose="05000000000000000000" pitchFamily="2" charset="2"/>
+              <a:buChar char="ü"/>
+            </a:pPr>
+            <a:r>
+              <a:rPr kumimoji="1" lang="ja-JP" altLang="en-US" dirty="0"/>
+              <a:t> レビューの申請</a:t>
+            </a:r>
+            <a:r>
+              <a:rPr lang="ja-JP" altLang="en-US" dirty="0"/>
+              <a:t>・承認も（応用編で）</a:t>
+            </a:r>
+            <a:endParaRPr kumimoji="1" lang="ja-JP" altLang="en-US" dirty="0"/>
+          </a:p>
+        </p:txBody>
+      </p:sp>
+      <p:grpSp>
+        <p:nvGrpSpPr>
+          <p:cNvPr id="3" name="グループ化 2">
+            <a:extLst>
+              <a:ext uri="{FF2B5EF4-FFF2-40B4-BE49-F238E27FC236}">
+                <a16:creationId xmlns:a16="http://schemas.microsoft.com/office/drawing/2014/main" id="{09CEEF6B-30B3-3CE3-2E94-9AF0C505E743}"/>
+              </a:ext>
+            </a:extLst>
+          </p:cNvPr>
+          <p:cNvGrpSpPr/>
+          <p:nvPr/>
+        </p:nvGrpSpPr>
+        <p:grpSpPr>
+          <a:xfrm>
+            <a:off x="1949171" y="4498866"/>
+            <a:ext cx="8083405" cy="1443669"/>
+            <a:chOff x="2118910" y="5265603"/>
+            <a:chExt cx="8083405" cy="1443669"/>
+          </a:xfrm>
+        </p:grpSpPr>
+        <p:pic>
+          <p:nvPicPr>
+            <p:cNvPr id="5" name="Picture 2" descr="Git Logo - símbolo, significado logotipo, historia, PNG">
+              <a:extLst>
+                <a:ext uri="{FF2B5EF4-FFF2-40B4-BE49-F238E27FC236}">
+                  <a16:creationId xmlns:a16="http://schemas.microsoft.com/office/drawing/2014/main" id="{5272D648-3A57-0147-7419-9531FA664387}"/>
+                </a:ext>
+              </a:extLst>
+            </p:cNvPr>
+            <p:cNvPicPr>
+              <a:picLocks noChangeAspect="1" noChangeArrowheads="1"/>
+            </p:cNvPicPr>
+            <p:nvPr/>
+          </p:nvPicPr>
+          <p:blipFill>
+            <a:blip r:embed="rId2">
+              <a:extLst>
+                <a:ext uri="{28A0092B-C50C-407E-A947-70E740481C1C}">
+                  <a14:useLocalDpi xmlns:a14="http://schemas.microsoft.com/office/drawing/2010/main" val="0"/>
+                </a:ext>
+              </a:extLst>
+            </a:blip>
+            <a:srcRect/>
+            <a:stretch>
+              <a:fillRect/>
+            </a:stretch>
+          </p:blipFill>
+          <p:spPr bwMode="auto">
+            <a:xfrm>
+              <a:off x="2118910" y="5265603"/>
+              <a:ext cx="2309870" cy="1443669"/>
+            </a:xfrm>
+            <a:prstGeom prst="rect">
+              <a:avLst/>
+            </a:prstGeom>
+            <a:noFill/>
+            <a:extLst>
+              <a:ext uri="{909E8E84-426E-40DD-AFC4-6F175D3DCCD1}">
+                <a14:hiddenFill xmlns:a14="http://schemas.microsoft.com/office/drawing/2010/main">
+                  <a:solidFill>
+                    <a:srgbClr val="FFFFFF"/>
+                  </a:solidFill>
+                </a14:hiddenFill>
+              </a:ext>
+            </a:extLst>
+          </p:spPr>
+        </p:pic>
+        <p:pic>
+          <p:nvPicPr>
+            <p:cNvPr id="6" name="Picture 4" descr="SourceTree: einfache Versionsverwaltung - was hinter dem Git- und ...">
+              <a:extLst>
+                <a:ext uri="{FF2B5EF4-FFF2-40B4-BE49-F238E27FC236}">
+                  <a16:creationId xmlns:a16="http://schemas.microsoft.com/office/drawing/2014/main" id="{DEFF2618-06C3-B39A-F0D7-D628F6A9DA08}"/>
+                </a:ext>
+              </a:extLst>
+            </p:cNvPr>
+            <p:cNvPicPr>
+              <a:picLocks noChangeAspect="1" noChangeArrowheads="1"/>
+            </p:cNvPicPr>
+            <p:nvPr/>
+          </p:nvPicPr>
+          <p:blipFill>
+            <a:blip r:embed="rId3">
+              <a:extLst>
+                <a:ext uri="{28A0092B-C50C-407E-A947-70E740481C1C}">
+                  <a14:useLocalDpi xmlns:a14="http://schemas.microsoft.com/office/drawing/2010/main" val="0"/>
+                </a:ext>
+              </a:extLst>
+            </a:blip>
+            <a:srcRect/>
+            <a:stretch>
+              <a:fillRect/>
+            </a:stretch>
+          </p:blipFill>
+          <p:spPr bwMode="auto">
+            <a:xfrm>
+              <a:off x="5409059" y="5568027"/>
+              <a:ext cx="4793256" cy="838820"/>
+            </a:xfrm>
+            <a:prstGeom prst="rect">
+              <a:avLst/>
+            </a:prstGeom>
+            <a:noFill/>
+            <a:extLst>
+              <a:ext uri="{909E8E84-426E-40DD-AFC4-6F175D3DCCD1}">
+                <a14:hiddenFill xmlns:a14="http://schemas.microsoft.com/office/drawing/2010/main">
+                  <a:solidFill>
+                    <a:srgbClr val="FFFFFF"/>
+                  </a:solidFill>
+                </a14:hiddenFill>
+              </a:ext>
+            </a:extLst>
+          </p:spPr>
+        </p:pic>
+        <p:sp>
+          <p:nvSpPr>
+            <p:cNvPr id="7" name="テキスト ボックス 6">
+              <a:extLst>
+                <a:ext uri="{FF2B5EF4-FFF2-40B4-BE49-F238E27FC236}">
+                  <a16:creationId xmlns:a16="http://schemas.microsoft.com/office/drawing/2014/main" id="{6C868988-E34E-CA01-4CD4-467F356E527C}"/>
+                </a:ext>
+              </a:extLst>
+            </p:cNvPr>
+            <p:cNvSpPr txBox="1"/>
+            <p:nvPr/>
+          </p:nvSpPr>
+          <p:spPr>
+            <a:xfrm>
+              <a:off x="4544458" y="5602716"/>
+              <a:ext cx="748923" cy="769441"/>
+            </a:xfrm>
+            <a:prstGeom prst="rect">
+              <a:avLst/>
+            </a:prstGeom>
+            <a:solidFill>
+              <a:schemeClr val="bg1"/>
+            </a:solidFill>
+          </p:spPr>
+          <p:txBody>
+            <a:bodyPr wrap="none" rtlCol="0">
+              <a:spAutoFit/>
+            </a:bodyPr>
+            <a:lstStyle/>
+            <a:p>
+              <a:r>
+                <a:rPr kumimoji="1" lang="en-US" altLang="ja-JP" sz="4400" b="1" dirty="0">
+                  <a:solidFill>
+                    <a:schemeClr val="bg1">
+                      <a:lumMod val="50000"/>
+                    </a:schemeClr>
+                  </a:solidFill>
+                  <a:latin typeface="Noto Sans JP Black" panose="020B0200000000000000" pitchFamily="50" charset="-128"/>
+                  <a:ea typeface="Noto Sans JP Black" panose="020B0200000000000000" pitchFamily="50" charset="-128"/>
+                </a:rPr>
+                <a:t>×</a:t>
+              </a:r>
+              <a:endParaRPr kumimoji="1" lang="ja-JP" altLang="en-US" sz="4400" b="1" dirty="0">
+                <a:solidFill>
+                  <a:schemeClr val="bg1">
+                    <a:lumMod val="50000"/>
+                  </a:schemeClr>
+                </a:solidFill>
+                <a:latin typeface="Noto Sans JP Black" panose="020B0200000000000000" pitchFamily="50" charset="-128"/>
+                <a:ea typeface="Noto Sans JP Black" panose="020B0200000000000000" pitchFamily="50" charset="-128"/>
+              </a:endParaRPr>
+            </a:p>
+          </p:txBody>
+        </p:sp>
+      </p:grpSp>
+    </p:spTree>
+    <p:extLst>
+      <p:ext uri="{BB962C8B-B14F-4D97-AF65-F5344CB8AC3E}">
+        <p14:creationId xmlns:p14="http://schemas.microsoft.com/office/powerpoint/2010/main" val="2491957032"/>
+      </p:ext>
+    </p:extLst>
+  </p:cSld>
+  <p:clrMapOvr>
+    <a:masterClrMapping/>
+  </p:clrMapOvr>
+</p:sld>
+</file>
+
+<file path=ppt/slides/slide41.xml><?xml version="1.0" encoding="utf-8"?>
+<p:sld xmlns:a="http://schemas.openxmlformats.org/drawingml/2006/main" xmlns:r="http://schemas.openxmlformats.org/officeDocument/2006/relationships" xmlns:p="http://schemas.openxmlformats.org/presentationml/2006/main">
+  <p:cSld>
+    <p:spTree>
+      <p:nvGrpSpPr>
+        <p:cNvPr id="1" name=""/>
+        <p:cNvGrpSpPr/>
+        <p:nvPr/>
+      </p:nvGrpSpPr>
+      <p:grpSpPr>
+        <a:xfrm>
+          <a:off x="0" y="0"/>
+          <a:ext cx="0" cy="0"/>
+          <a:chOff x="0" y="0"/>
+          <a:chExt cx="0" cy="0"/>
+        </a:xfrm>
+      </p:grpSpPr>
+      <p:sp>
+        <p:nvSpPr>
+          <p:cNvPr id="3" name="コンテンツ プレースホルダー 2">
+            <a:extLst>
+              <a:ext uri="{FF2B5EF4-FFF2-40B4-BE49-F238E27FC236}">
+                <a16:creationId xmlns:a16="http://schemas.microsoft.com/office/drawing/2014/main" id="{7CC22780-5062-2994-BF8C-AABD73FBBCF9}"/>
+              </a:ext>
+            </a:extLst>
+          </p:cNvPr>
+          <p:cNvSpPr>
+            <a:spLocks noGrp="1"/>
+          </p:cNvSpPr>
+          <p:nvPr>
+            <p:ph idx="1"/>
+          </p:nvPr>
+        </p:nvSpPr>
+        <p:spPr>
+          <a:xfrm>
+            <a:off x="7529450" y="6111340"/>
+            <a:ext cx="4335979" cy="536719"/>
+          </a:xfrm>
+        </p:spPr>
+        <p:txBody>
+          <a:bodyPr>
+            <a:normAutofit fontScale="77500" lnSpcReduction="20000"/>
+          </a:bodyPr>
+          <a:lstStyle/>
+          <a:p>
+            <a:pPr marL="0" indent="0">
+              <a:buNone/>
+            </a:pPr>
+            <a:r>
+              <a:rPr lang="ja-JP" altLang="en-US" dirty="0"/>
+              <a:t>ご清聴ありがとうございました。</a:t>
+            </a:r>
+            <a:endParaRPr lang="en-US" altLang="ja-JP" dirty="0"/>
+          </a:p>
+        </p:txBody>
+      </p:sp>
+    </p:spTree>
+    <p:extLst>
+      <p:ext uri="{BB962C8B-B14F-4D97-AF65-F5344CB8AC3E}">
+        <p14:creationId xmlns:p14="http://schemas.microsoft.com/office/powerpoint/2010/main" val="827925618"/>
+      </p:ext>
+    </p:extLst>
+  </p:cSld>
+  <p:clrMapOvr>
+    <a:masterClrMapping/>
+  </p:clrMapOvr>
+</p:sld>
+</file>
+
 <file path=ppt/slides/slide5.xml><?xml version="1.0" encoding="utf-8"?>
 <p:sld xmlns:a="http://schemas.openxmlformats.org/drawingml/2006/main" xmlns:r="http://schemas.openxmlformats.org/officeDocument/2006/relationships" xmlns:p="http://schemas.openxmlformats.org/presentationml/2006/main">
   <p:cSld>
